--- a/Testing ReactJS.pptx
+++ b/Testing ReactJS.pptx
@@ -13,7 +13,7 @@
     <p:sldMasterId id="2147483672" r:id="rId12"/>
   </p:sldMasterIdLst>
   <p:notesMasterIdLst>
-    <p:notesMasterId r:id="rId79"/>
+    <p:notesMasterId r:id="rId83"/>
   </p:notesMasterIdLst>
   <p:sldIdLst>
     <p:sldId id="256" r:id="rId13"/>
@@ -52,36 +52,40 @@
     <p:sldId id="351" r:id="rId46"/>
     <p:sldId id="355" r:id="rId47"/>
     <p:sldId id="356" r:id="rId48"/>
-    <p:sldId id="357" r:id="rId49"/>
-    <p:sldId id="358" r:id="rId50"/>
-    <p:sldId id="330" r:id="rId51"/>
-    <p:sldId id="331" r:id="rId52"/>
-    <p:sldId id="302" r:id="rId53"/>
-    <p:sldId id="309" r:id="rId54"/>
-    <p:sldId id="310" r:id="rId55"/>
-    <p:sldId id="311" r:id="rId56"/>
-    <p:sldId id="312" r:id="rId57"/>
-    <p:sldId id="314" r:id="rId58"/>
-    <p:sldId id="257" r:id="rId59"/>
-    <p:sldId id="304" r:id="rId60"/>
-    <p:sldId id="305" r:id="rId61"/>
-    <p:sldId id="306" r:id="rId62"/>
-    <p:sldId id="316" r:id="rId63"/>
-    <p:sldId id="317" r:id="rId64"/>
-    <p:sldId id="318" r:id="rId65"/>
-    <p:sldId id="319" r:id="rId66"/>
-    <p:sldId id="320" r:id="rId67"/>
-    <p:sldId id="321" r:id="rId68"/>
-    <p:sldId id="322" r:id="rId69"/>
-    <p:sldId id="325" r:id="rId70"/>
-    <p:sldId id="326" r:id="rId71"/>
-    <p:sldId id="327" r:id="rId72"/>
-    <p:sldId id="308" r:id="rId73"/>
-    <p:sldId id="315" r:id="rId74"/>
-    <p:sldId id="328" r:id="rId75"/>
-    <p:sldId id="329" r:id="rId76"/>
-    <p:sldId id="323" r:id="rId77"/>
-    <p:sldId id="269" r:id="rId78"/>
+    <p:sldId id="366" r:id="rId49"/>
+    <p:sldId id="367" r:id="rId50"/>
+    <p:sldId id="368" r:id="rId51"/>
+    <p:sldId id="369" r:id="rId52"/>
+    <p:sldId id="357" r:id="rId53"/>
+    <p:sldId id="358" r:id="rId54"/>
+    <p:sldId id="330" r:id="rId55"/>
+    <p:sldId id="331" r:id="rId56"/>
+    <p:sldId id="302" r:id="rId57"/>
+    <p:sldId id="309" r:id="rId58"/>
+    <p:sldId id="310" r:id="rId59"/>
+    <p:sldId id="311" r:id="rId60"/>
+    <p:sldId id="312" r:id="rId61"/>
+    <p:sldId id="314" r:id="rId62"/>
+    <p:sldId id="257" r:id="rId63"/>
+    <p:sldId id="304" r:id="rId64"/>
+    <p:sldId id="305" r:id="rId65"/>
+    <p:sldId id="306" r:id="rId66"/>
+    <p:sldId id="316" r:id="rId67"/>
+    <p:sldId id="317" r:id="rId68"/>
+    <p:sldId id="318" r:id="rId69"/>
+    <p:sldId id="319" r:id="rId70"/>
+    <p:sldId id="320" r:id="rId71"/>
+    <p:sldId id="321" r:id="rId72"/>
+    <p:sldId id="322" r:id="rId73"/>
+    <p:sldId id="325" r:id="rId74"/>
+    <p:sldId id="326" r:id="rId75"/>
+    <p:sldId id="327" r:id="rId76"/>
+    <p:sldId id="308" r:id="rId77"/>
+    <p:sldId id="315" r:id="rId78"/>
+    <p:sldId id="328" r:id="rId79"/>
+    <p:sldId id="329" r:id="rId80"/>
+    <p:sldId id="323" r:id="rId81"/>
+    <p:sldId id="269" r:id="rId82"/>
   </p:sldIdLst>
   <p:sldSz cx="12192000" cy="6858000"/>
   <p:notesSz cx="6858000" cy="9144000"/>
@@ -291,7 +295,7 @@
           <a:p>
             <a:fld id="{A255E714-09F2-9A40-AD8B-C2589A9C5974}" type="datetimeFigureOut">
               <a:rPr lang="fr-FR" smtClean="0"/>
-              <a:t>17/02/2025</a:t>
+              <a:t>20/02/2025</a:t>
             </a:fld>
             <a:endParaRPr lang="fr-FR"/>
           </a:p>
@@ -16966,6 +16970,1410 @@
           <a:chExt cx="0" cy="0"/>
         </a:xfrm>
       </p:grpSpPr>
+      <p:pic>
+        <p:nvPicPr>
+          <p:cNvPr id="6" name="Image 5">
+            <a:extLst>
+              <a:ext uri="{FF2B5EF4-FFF2-40B4-BE49-F238E27FC236}">
+                <a16:creationId xmlns:a16="http://schemas.microsoft.com/office/drawing/2014/main" id="{85C1BEF6-C4FA-794F-9003-5D49864298CC}"/>
+              </a:ext>
+            </a:extLst>
+          </p:cNvPr>
+          <p:cNvPicPr>
+            <a:picLocks noChangeAspect="1"/>
+          </p:cNvPicPr>
+          <p:nvPr/>
+        </p:nvPicPr>
+        <p:blipFill>
+          <a:blip r:embed="rId2"/>
+          <a:stretch>
+            <a:fillRect/>
+          </a:stretch>
+        </p:blipFill>
+        <p:spPr>
+          <a:xfrm>
+            <a:off x="11128881" y="4159"/>
+            <a:ext cx="1064878" cy="1706406"/>
+          </a:xfrm>
+          <a:prstGeom prst="rect">
+            <a:avLst/>
+          </a:prstGeom>
+        </p:spPr>
+      </p:pic>
+      <p:sp>
+        <p:nvSpPr>
+          <p:cNvPr id="7" name="Titre 1">
+            <a:extLst>
+              <a:ext uri="{FF2B5EF4-FFF2-40B4-BE49-F238E27FC236}">
+                <a16:creationId xmlns:a16="http://schemas.microsoft.com/office/drawing/2014/main" id="{B50329F0-7FAB-5A46-8618-A4B121772237}"/>
+              </a:ext>
+            </a:extLst>
+          </p:cNvPr>
+          <p:cNvSpPr>
+            <a:spLocks noGrp="1"/>
+          </p:cNvSpPr>
+          <p:nvPr>
+            <p:ph type="title"/>
+          </p:nvPr>
+        </p:nvSpPr>
+        <p:spPr>
+          <a:xfrm>
+            <a:off x="838200" y="567915"/>
+            <a:ext cx="6450106" cy="365125"/>
+          </a:xfrm>
+        </p:spPr>
+        <p:txBody>
+          <a:bodyPr>
+            <a:noAutofit/>
+          </a:bodyPr>
+          <a:lstStyle/>
+          <a:p>
+            <a:r>
+              <a:rPr lang="en-US" sz="2800" spc="300" dirty="0">
+                <a:latin typeface="Zilla Slab"/>
+              </a:rPr>
+              <a:t>Integration Tests</a:t>
+            </a:r>
+          </a:p>
+        </p:txBody>
+      </p:sp>
+      <p:sp>
+        <p:nvSpPr>
+          <p:cNvPr id="9" name="Google Shape;121;g6d93b6fd7c_0_0"/>
+          <p:cNvSpPr txBox="1"/>
+          <p:nvPr/>
+        </p:nvSpPr>
+        <p:spPr>
+          <a:xfrm>
+            <a:off x="3224212" y="1263625"/>
+            <a:ext cx="6332164" cy="746175"/>
+          </a:xfrm>
+          <a:prstGeom prst="rect">
+            <a:avLst/>
+          </a:prstGeom>
+          <a:noFill/>
+          <a:ln>
+            <a:noFill/>
+          </a:ln>
+        </p:spPr>
+        <p:txBody>
+          <a:bodyPr spcFirstLastPara="1" wrap="square" lIns="91425" tIns="91425" rIns="91425" bIns="91425" anchor="t" anchorCtr="0">
+            <a:noAutofit/>
+          </a:bodyPr>
+          <a:lstStyle/>
+          <a:p>
+            <a:r>
+              <a:rPr lang="en-US" sz="3200" b="1" i="1" dirty="0">
+                <a:solidFill>
+                  <a:srgbClr val="572AD7"/>
+                </a:solidFill>
+                <a:latin typeface="Montserrat"/>
+              </a:rPr>
+              <a:t>Code Coverage</a:t>
+            </a:r>
+          </a:p>
+          <a:p>
+            <a:endParaRPr lang="en-GB" sz="2400" dirty="0">
+              <a:solidFill>
+                <a:schemeClr val="tx1">
+                  <a:lumMod val="65000"/>
+                  <a:lumOff val="35000"/>
+                </a:schemeClr>
+              </a:solidFill>
+              <a:latin typeface="Montserrat" charset="0"/>
+              <a:ea typeface="Montserrat" charset="0"/>
+              <a:cs typeface="Montserrat" charset="0"/>
+            </a:endParaRPr>
+          </a:p>
+          <a:p>
+            <a:pPr marL="0" lvl="0" indent="0" algn="l" rtl="0">
+              <a:spcBef>
+                <a:spcPts val="0"/>
+              </a:spcBef>
+              <a:spcAft>
+                <a:spcPts val="0"/>
+              </a:spcAft>
+              <a:buNone/>
+            </a:pPr>
+            <a:endParaRPr lang="en-GB" sz="2800" dirty="0">
+              <a:latin typeface="Montserrat" charset="0"/>
+              <a:ea typeface="Montserrat" charset="0"/>
+              <a:cs typeface="Montserrat" charset="0"/>
+            </a:endParaRPr>
+          </a:p>
+        </p:txBody>
+      </p:sp>
+      <p:sp>
+        <p:nvSpPr>
+          <p:cNvPr id="14" name="TextBox 13">
+            <a:extLst>
+              <a:ext uri="{FF2B5EF4-FFF2-40B4-BE49-F238E27FC236}">
+                <a16:creationId xmlns:a16="http://schemas.microsoft.com/office/drawing/2014/main" id="{15140576-3857-4C6E-9A6D-623E2AFB7383}"/>
+              </a:ext>
+            </a:extLst>
+          </p:cNvPr>
+          <p:cNvSpPr txBox="1"/>
+          <p:nvPr/>
+        </p:nvSpPr>
+        <p:spPr>
+          <a:xfrm>
+            <a:off x="1237129" y="3039036"/>
+            <a:ext cx="8731624" cy="1676934"/>
+          </a:xfrm>
+          <a:prstGeom prst="rect">
+            <a:avLst/>
+          </a:prstGeom>
+          <a:noFill/>
+        </p:spPr>
+        <p:txBody>
+          <a:bodyPr wrap="square" rtlCol="0">
+            <a:spAutoFit/>
+          </a:bodyPr>
+          <a:lstStyle/>
+          <a:p>
+            <a:pPr marL="285750" indent="-285750">
+              <a:lnSpc>
+                <a:spcPct val="200000"/>
+              </a:lnSpc>
+              <a:buFontTx/>
+              <a:buChar char="-"/>
+            </a:pPr>
+            <a:r>
+              <a:rPr lang="en-US" b="0" i="0" dirty="0">
+                <a:solidFill>
+                  <a:srgbClr val="242424"/>
+                </a:solidFill>
+                <a:effectLst/>
+                <a:latin typeface="source-serif-pro"/>
+              </a:rPr>
+              <a:t>Jest comes with built-in code coverage tools that help you understand how much of your codebase is covered by tests. This feature aids in identifying untested areas and improving overall code quality.</a:t>
+            </a:r>
+            <a:endParaRPr lang="en-US" dirty="0"/>
+          </a:p>
+        </p:txBody>
+      </p:sp>
+    </p:spTree>
+    <p:extLst>
+      <p:ext uri="{BB962C8B-B14F-4D97-AF65-F5344CB8AC3E}">
+        <p14:creationId xmlns:p14="http://schemas.microsoft.com/office/powerpoint/2010/main" val="3774172881"/>
+      </p:ext>
+    </p:extLst>
+  </p:cSld>
+  <p:clrMapOvr>
+    <a:masterClrMapping/>
+  </p:clrMapOvr>
+  <mc:AlternateContent xmlns:mc="http://schemas.openxmlformats.org/markup-compatibility/2006" xmlns:p14="http://schemas.microsoft.com/office/powerpoint/2010/main">
+    <mc:Choice Requires="p14">
+      <p:transition spd="slow" p14:dur="800">
+        <p14:flythrough/>
+      </p:transition>
+    </mc:Choice>
+    <mc:Fallback xmlns="">
+      <p:transition spd="slow">
+        <p:fade/>
+      </p:transition>
+    </mc:Fallback>
+  </mc:AlternateContent>
+</p:sld>
+</file>
+
+<file path=ppt/slides/slide38.xml><?xml version="1.0" encoding="utf-8"?>
+<p:sld xmlns:a="http://schemas.openxmlformats.org/drawingml/2006/main" xmlns:r="http://schemas.openxmlformats.org/officeDocument/2006/relationships" xmlns:p="http://schemas.openxmlformats.org/presentationml/2006/main">
+  <p:cSld>
+    <p:spTree>
+      <p:nvGrpSpPr>
+        <p:cNvPr id="1" name=""/>
+        <p:cNvGrpSpPr/>
+        <p:nvPr/>
+      </p:nvGrpSpPr>
+      <p:grpSpPr>
+        <a:xfrm>
+          <a:off x="0" y="0"/>
+          <a:ext cx="0" cy="0"/>
+          <a:chOff x="0" y="0"/>
+          <a:chExt cx="0" cy="0"/>
+        </a:xfrm>
+      </p:grpSpPr>
+      <p:pic>
+        <p:nvPicPr>
+          <p:cNvPr id="6" name="Image 5">
+            <a:extLst>
+              <a:ext uri="{FF2B5EF4-FFF2-40B4-BE49-F238E27FC236}">
+                <a16:creationId xmlns:a16="http://schemas.microsoft.com/office/drawing/2014/main" id="{85C1BEF6-C4FA-794F-9003-5D49864298CC}"/>
+              </a:ext>
+            </a:extLst>
+          </p:cNvPr>
+          <p:cNvPicPr>
+            <a:picLocks noChangeAspect="1"/>
+          </p:cNvPicPr>
+          <p:nvPr/>
+        </p:nvPicPr>
+        <p:blipFill>
+          <a:blip r:embed="rId2"/>
+          <a:stretch>
+            <a:fillRect/>
+          </a:stretch>
+        </p:blipFill>
+        <p:spPr>
+          <a:xfrm>
+            <a:off x="11128881" y="4159"/>
+            <a:ext cx="1064878" cy="1706406"/>
+          </a:xfrm>
+          <a:prstGeom prst="rect">
+            <a:avLst/>
+          </a:prstGeom>
+        </p:spPr>
+      </p:pic>
+      <p:sp>
+        <p:nvSpPr>
+          <p:cNvPr id="7" name="Titre 1">
+            <a:extLst>
+              <a:ext uri="{FF2B5EF4-FFF2-40B4-BE49-F238E27FC236}">
+                <a16:creationId xmlns:a16="http://schemas.microsoft.com/office/drawing/2014/main" id="{B50329F0-7FAB-5A46-8618-A4B121772237}"/>
+              </a:ext>
+            </a:extLst>
+          </p:cNvPr>
+          <p:cNvSpPr>
+            <a:spLocks noGrp="1"/>
+          </p:cNvSpPr>
+          <p:nvPr>
+            <p:ph type="title"/>
+          </p:nvPr>
+        </p:nvSpPr>
+        <p:spPr>
+          <a:xfrm>
+            <a:off x="838200" y="567915"/>
+            <a:ext cx="6450106" cy="365125"/>
+          </a:xfrm>
+        </p:spPr>
+        <p:txBody>
+          <a:bodyPr>
+            <a:noAutofit/>
+          </a:bodyPr>
+          <a:lstStyle/>
+          <a:p>
+            <a:r>
+              <a:rPr lang="en-US" sz="2800" spc="300" dirty="0">
+                <a:latin typeface="Zilla Slab"/>
+              </a:rPr>
+              <a:t>Integration Tests</a:t>
+            </a:r>
+          </a:p>
+        </p:txBody>
+      </p:sp>
+      <p:sp>
+        <p:nvSpPr>
+          <p:cNvPr id="9" name="Google Shape;121;g6d93b6fd7c_0_0"/>
+          <p:cNvSpPr txBox="1"/>
+          <p:nvPr/>
+        </p:nvSpPr>
+        <p:spPr>
+          <a:xfrm>
+            <a:off x="3224212" y="1263625"/>
+            <a:ext cx="6332164" cy="746175"/>
+          </a:xfrm>
+          <a:prstGeom prst="rect">
+            <a:avLst/>
+          </a:prstGeom>
+          <a:noFill/>
+          <a:ln>
+            <a:noFill/>
+          </a:ln>
+        </p:spPr>
+        <p:txBody>
+          <a:bodyPr spcFirstLastPara="1" wrap="square" lIns="91425" tIns="91425" rIns="91425" bIns="91425" anchor="t" anchorCtr="0">
+            <a:noAutofit/>
+          </a:bodyPr>
+          <a:lstStyle/>
+          <a:p>
+            <a:r>
+              <a:rPr lang="en-US" sz="3200" b="1" i="1" dirty="0">
+                <a:solidFill>
+                  <a:srgbClr val="572AD7"/>
+                </a:solidFill>
+                <a:latin typeface="Montserrat"/>
+              </a:rPr>
+              <a:t>Debugging</a:t>
+            </a:r>
+          </a:p>
+          <a:p>
+            <a:endParaRPr lang="en-US" sz="3200" b="1" i="1" dirty="0">
+              <a:solidFill>
+                <a:srgbClr val="572AD7"/>
+              </a:solidFill>
+              <a:latin typeface="Montserrat"/>
+            </a:endParaRPr>
+          </a:p>
+          <a:p>
+            <a:endParaRPr lang="en-GB" sz="2400" dirty="0">
+              <a:solidFill>
+                <a:schemeClr val="tx1">
+                  <a:lumMod val="65000"/>
+                  <a:lumOff val="35000"/>
+                </a:schemeClr>
+              </a:solidFill>
+              <a:latin typeface="Montserrat" charset="0"/>
+              <a:ea typeface="Montserrat" charset="0"/>
+              <a:cs typeface="Montserrat" charset="0"/>
+            </a:endParaRPr>
+          </a:p>
+          <a:p>
+            <a:pPr marL="0" lvl="0" indent="0" algn="l" rtl="0">
+              <a:spcBef>
+                <a:spcPts val="0"/>
+              </a:spcBef>
+              <a:spcAft>
+                <a:spcPts val="0"/>
+              </a:spcAft>
+              <a:buNone/>
+            </a:pPr>
+            <a:endParaRPr lang="en-GB" sz="2800" dirty="0">
+              <a:latin typeface="Montserrat" charset="0"/>
+              <a:ea typeface="Montserrat" charset="0"/>
+              <a:cs typeface="Montserrat" charset="0"/>
+            </a:endParaRPr>
+          </a:p>
+        </p:txBody>
+      </p:sp>
+      <p:sp>
+        <p:nvSpPr>
+          <p:cNvPr id="14" name="TextBox 13">
+            <a:extLst>
+              <a:ext uri="{FF2B5EF4-FFF2-40B4-BE49-F238E27FC236}">
+                <a16:creationId xmlns:a16="http://schemas.microsoft.com/office/drawing/2014/main" id="{15140576-3857-4C6E-9A6D-623E2AFB7383}"/>
+              </a:ext>
+            </a:extLst>
+          </p:cNvPr>
+          <p:cNvSpPr txBox="1"/>
+          <p:nvPr/>
+        </p:nvSpPr>
+        <p:spPr>
+          <a:xfrm>
+            <a:off x="1111623" y="2590533"/>
+            <a:ext cx="8731624" cy="2230739"/>
+          </a:xfrm>
+          <a:prstGeom prst="rect">
+            <a:avLst/>
+          </a:prstGeom>
+          <a:noFill/>
+        </p:spPr>
+        <p:txBody>
+          <a:bodyPr wrap="square" rtlCol="0">
+            <a:spAutoFit/>
+          </a:bodyPr>
+          <a:lstStyle/>
+          <a:p>
+            <a:pPr>
+              <a:lnSpc>
+                <a:spcPct val="200000"/>
+              </a:lnSpc>
+            </a:pPr>
+            <a:r>
+              <a:rPr lang="en-US" dirty="0"/>
+              <a:t>import {</a:t>
+            </a:r>
+            <a:r>
+              <a:rPr lang="en-US" dirty="0" err="1"/>
+              <a:t>prettyDOM</a:t>
+            </a:r>
+            <a:r>
+              <a:rPr lang="en-US" dirty="0"/>
+              <a:t>} from '@testing-library/</a:t>
+            </a:r>
+            <a:r>
+              <a:rPr lang="en-US" dirty="0" err="1"/>
+              <a:t>dom</a:t>
+            </a:r>
+            <a:r>
+              <a:rPr lang="en-US" dirty="0"/>
+              <a:t>’</a:t>
+            </a:r>
+          </a:p>
+          <a:p>
+            <a:pPr>
+              <a:lnSpc>
+                <a:spcPct val="200000"/>
+              </a:lnSpc>
+            </a:pPr>
+            <a:r>
+              <a:rPr lang="en-US" dirty="0"/>
+              <a:t>const div = </a:t>
+            </a:r>
+            <a:r>
+              <a:rPr lang="en-US" dirty="0" err="1"/>
+              <a:t>document.createElement</a:t>
+            </a:r>
+            <a:r>
+              <a:rPr lang="en-US" dirty="0"/>
+              <a:t>('div’)</a:t>
+            </a:r>
+          </a:p>
+          <a:p>
+            <a:pPr>
+              <a:lnSpc>
+                <a:spcPct val="200000"/>
+              </a:lnSpc>
+            </a:pPr>
+            <a:r>
+              <a:rPr lang="en-US" dirty="0" err="1"/>
+              <a:t>div.innerHTML</a:t>
+            </a:r>
+            <a:r>
+              <a:rPr lang="en-US" dirty="0"/>
+              <a:t> = '&lt;div&gt;&lt;h1&gt;Hello World&lt;/h1&gt;&lt;/div&gt;’</a:t>
+            </a:r>
+          </a:p>
+          <a:p>
+            <a:pPr>
+              <a:lnSpc>
+                <a:spcPct val="200000"/>
+              </a:lnSpc>
+            </a:pPr>
+            <a:r>
+              <a:rPr lang="en-US" b="1" dirty="0"/>
+              <a:t>console.log(div)</a:t>
+            </a:r>
+          </a:p>
+        </p:txBody>
+      </p:sp>
+    </p:spTree>
+    <p:extLst>
+      <p:ext uri="{BB962C8B-B14F-4D97-AF65-F5344CB8AC3E}">
+        <p14:creationId xmlns:p14="http://schemas.microsoft.com/office/powerpoint/2010/main" val="1760361041"/>
+      </p:ext>
+    </p:extLst>
+  </p:cSld>
+  <p:clrMapOvr>
+    <a:masterClrMapping/>
+  </p:clrMapOvr>
+  <mc:AlternateContent xmlns:mc="http://schemas.openxmlformats.org/markup-compatibility/2006" xmlns:p14="http://schemas.microsoft.com/office/powerpoint/2010/main">
+    <mc:Choice Requires="p14">
+      <p:transition spd="slow" p14:dur="800">
+        <p14:flythrough/>
+      </p:transition>
+    </mc:Choice>
+    <mc:Fallback xmlns="">
+      <p:transition spd="slow">
+        <p:fade/>
+      </p:transition>
+    </mc:Fallback>
+  </mc:AlternateContent>
+</p:sld>
+</file>
+
+<file path=ppt/slides/slide39.xml><?xml version="1.0" encoding="utf-8"?>
+<p:sld xmlns:a="http://schemas.openxmlformats.org/drawingml/2006/main" xmlns:r="http://schemas.openxmlformats.org/officeDocument/2006/relationships" xmlns:p="http://schemas.openxmlformats.org/presentationml/2006/main">
+  <p:cSld>
+    <p:spTree>
+      <p:nvGrpSpPr>
+        <p:cNvPr id="1" name=""/>
+        <p:cNvGrpSpPr/>
+        <p:nvPr/>
+      </p:nvGrpSpPr>
+      <p:grpSpPr>
+        <a:xfrm>
+          <a:off x="0" y="0"/>
+          <a:ext cx="0" cy="0"/>
+          <a:chOff x="0" y="0"/>
+          <a:chExt cx="0" cy="0"/>
+        </a:xfrm>
+      </p:grpSpPr>
+      <p:pic>
+        <p:nvPicPr>
+          <p:cNvPr id="6" name="Image 5">
+            <a:extLst>
+              <a:ext uri="{FF2B5EF4-FFF2-40B4-BE49-F238E27FC236}">
+                <a16:creationId xmlns:a16="http://schemas.microsoft.com/office/drawing/2014/main" id="{85C1BEF6-C4FA-794F-9003-5D49864298CC}"/>
+              </a:ext>
+            </a:extLst>
+          </p:cNvPr>
+          <p:cNvPicPr>
+            <a:picLocks noChangeAspect="1"/>
+          </p:cNvPicPr>
+          <p:nvPr/>
+        </p:nvPicPr>
+        <p:blipFill>
+          <a:blip r:embed="rId2"/>
+          <a:stretch>
+            <a:fillRect/>
+          </a:stretch>
+        </p:blipFill>
+        <p:spPr>
+          <a:xfrm>
+            <a:off x="11128881" y="4159"/>
+            <a:ext cx="1064878" cy="1706406"/>
+          </a:xfrm>
+          <a:prstGeom prst="rect">
+            <a:avLst/>
+          </a:prstGeom>
+        </p:spPr>
+      </p:pic>
+      <p:sp>
+        <p:nvSpPr>
+          <p:cNvPr id="7" name="Titre 1">
+            <a:extLst>
+              <a:ext uri="{FF2B5EF4-FFF2-40B4-BE49-F238E27FC236}">
+                <a16:creationId xmlns:a16="http://schemas.microsoft.com/office/drawing/2014/main" id="{B50329F0-7FAB-5A46-8618-A4B121772237}"/>
+              </a:ext>
+            </a:extLst>
+          </p:cNvPr>
+          <p:cNvSpPr>
+            <a:spLocks noGrp="1"/>
+          </p:cNvSpPr>
+          <p:nvPr>
+            <p:ph type="title"/>
+          </p:nvPr>
+        </p:nvSpPr>
+        <p:spPr>
+          <a:xfrm>
+            <a:off x="838200" y="567915"/>
+            <a:ext cx="6450106" cy="365125"/>
+          </a:xfrm>
+        </p:spPr>
+        <p:txBody>
+          <a:bodyPr>
+            <a:noAutofit/>
+          </a:bodyPr>
+          <a:lstStyle/>
+          <a:p>
+            <a:r>
+              <a:rPr lang="en-US" sz="2800" spc="300" dirty="0">
+                <a:latin typeface="Zilla Slab"/>
+              </a:rPr>
+              <a:t>Integration Tests</a:t>
+            </a:r>
+          </a:p>
+        </p:txBody>
+      </p:sp>
+      <p:sp>
+        <p:nvSpPr>
+          <p:cNvPr id="9" name="Google Shape;121;g6d93b6fd7c_0_0"/>
+          <p:cNvSpPr txBox="1"/>
+          <p:nvPr/>
+        </p:nvSpPr>
+        <p:spPr>
+          <a:xfrm>
+            <a:off x="3224212" y="1263625"/>
+            <a:ext cx="6332164" cy="746175"/>
+          </a:xfrm>
+          <a:prstGeom prst="rect">
+            <a:avLst/>
+          </a:prstGeom>
+          <a:noFill/>
+          <a:ln>
+            <a:noFill/>
+          </a:ln>
+        </p:spPr>
+        <p:txBody>
+          <a:bodyPr spcFirstLastPara="1" wrap="square" lIns="91425" tIns="91425" rIns="91425" bIns="91425" anchor="t" anchorCtr="0">
+            <a:noAutofit/>
+          </a:bodyPr>
+          <a:lstStyle/>
+          <a:p>
+            <a:r>
+              <a:rPr lang="en-US" sz="3200" b="1" i="1" dirty="0">
+                <a:solidFill>
+                  <a:srgbClr val="572AD7"/>
+                </a:solidFill>
+                <a:latin typeface="Montserrat"/>
+              </a:rPr>
+              <a:t>Debugging</a:t>
+            </a:r>
+          </a:p>
+          <a:p>
+            <a:endParaRPr lang="en-US" sz="3200" b="1" i="1" dirty="0">
+              <a:solidFill>
+                <a:srgbClr val="572AD7"/>
+              </a:solidFill>
+              <a:latin typeface="Montserrat"/>
+            </a:endParaRPr>
+          </a:p>
+          <a:p>
+            <a:endParaRPr lang="en-GB" sz="2400" dirty="0">
+              <a:solidFill>
+                <a:schemeClr val="tx1">
+                  <a:lumMod val="65000"/>
+                  <a:lumOff val="35000"/>
+                </a:schemeClr>
+              </a:solidFill>
+              <a:latin typeface="Montserrat" charset="0"/>
+              <a:ea typeface="Montserrat" charset="0"/>
+              <a:cs typeface="Montserrat" charset="0"/>
+            </a:endParaRPr>
+          </a:p>
+          <a:p>
+            <a:pPr marL="0" lvl="0" indent="0" algn="l" rtl="0">
+              <a:spcBef>
+                <a:spcPts val="0"/>
+              </a:spcBef>
+              <a:spcAft>
+                <a:spcPts val="0"/>
+              </a:spcAft>
+              <a:buNone/>
+            </a:pPr>
+            <a:endParaRPr lang="en-GB" sz="2800" dirty="0">
+              <a:latin typeface="Montserrat" charset="0"/>
+              <a:ea typeface="Montserrat" charset="0"/>
+              <a:cs typeface="Montserrat" charset="0"/>
+            </a:endParaRPr>
+          </a:p>
+        </p:txBody>
+      </p:sp>
+      <p:sp>
+        <p:nvSpPr>
+          <p:cNvPr id="14" name="TextBox 13">
+            <a:extLst>
+              <a:ext uri="{FF2B5EF4-FFF2-40B4-BE49-F238E27FC236}">
+                <a16:creationId xmlns:a16="http://schemas.microsoft.com/office/drawing/2014/main" id="{15140576-3857-4C6E-9A6D-623E2AFB7383}"/>
+              </a:ext>
+            </a:extLst>
+          </p:cNvPr>
+          <p:cNvSpPr txBox="1"/>
+          <p:nvPr/>
+        </p:nvSpPr>
+        <p:spPr>
+          <a:xfrm>
+            <a:off x="1102659" y="2397353"/>
+            <a:ext cx="8731624" cy="3139321"/>
+          </a:xfrm>
+          <a:prstGeom prst="rect">
+            <a:avLst/>
+          </a:prstGeom>
+          <a:noFill/>
+        </p:spPr>
+        <p:txBody>
+          <a:bodyPr wrap="square" rtlCol="0">
+            <a:spAutoFit/>
+          </a:bodyPr>
+          <a:lstStyle/>
+          <a:p>
+            <a:pPr>
+              <a:lnSpc>
+                <a:spcPct val="200000"/>
+              </a:lnSpc>
+            </a:pPr>
+            <a:r>
+              <a:rPr lang="en-US" dirty="0"/>
+              <a:t>import {</a:t>
+            </a:r>
+            <a:r>
+              <a:rPr lang="en-US" dirty="0" err="1"/>
+              <a:t>prettyDOM</a:t>
+            </a:r>
+            <a:r>
+              <a:rPr lang="en-US" dirty="0"/>
+              <a:t>} from '@testing-library/</a:t>
+            </a:r>
+            <a:r>
+              <a:rPr lang="en-US" dirty="0" err="1"/>
+              <a:t>dom</a:t>
+            </a:r>
+            <a:r>
+              <a:rPr lang="en-US" dirty="0"/>
+              <a:t>’</a:t>
+            </a:r>
+          </a:p>
+          <a:p>
+            <a:pPr>
+              <a:lnSpc>
+                <a:spcPct val="200000"/>
+              </a:lnSpc>
+            </a:pPr>
+            <a:r>
+              <a:rPr lang="en-US" dirty="0"/>
+              <a:t>const div = </a:t>
+            </a:r>
+            <a:r>
+              <a:rPr lang="en-US" dirty="0" err="1"/>
+              <a:t>document.createElement</a:t>
+            </a:r>
+            <a:r>
+              <a:rPr lang="en-US" dirty="0"/>
+              <a:t>('div’)</a:t>
+            </a:r>
+          </a:p>
+          <a:p>
+            <a:pPr>
+              <a:lnSpc>
+                <a:spcPct val="200000"/>
+              </a:lnSpc>
+            </a:pPr>
+            <a:r>
+              <a:rPr lang="en-US" dirty="0" err="1"/>
+              <a:t>div.innerHTML</a:t>
+            </a:r>
+            <a:r>
+              <a:rPr lang="en-US" dirty="0"/>
+              <a:t> = '&lt;div&gt;&lt;h1&gt;Hello World&lt;/h1&gt;&lt;/div&gt;’</a:t>
+            </a:r>
+          </a:p>
+          <a:p>
+            <a:pPr>
+              <a:lnSpc>
+                <a:spcPct val="200000"/>
+              </a:lnSpc>
+            </a:pPr>
+            <a:r>
+              <a:rPr lang="en-US" b="1" dirty="0"/>
+              <a:t>console.log(</a:t>
+            </a:r>
+            <a:r>
+              <a:rPr lang="en-US" b="1" dirty="0" err="1"/>
+              <a:t>prettyDOM</a:t>
+            </a:r>
+            <a:r>
+              <a:rPr lang="en-US" b="1" dirty="0"/>
+              <a:t>(div))</a:t>
+            </a:r>
+          </a:p>
+          <a:p>
+            <a:r>
+              <a:rPr lang="en-US" dirty="0"/>
+              <a:t>// &lt;div&gt;</a:t>
+            </a:r>
+          </a:p>
+          <a:p>
+            <a:r>
+              <a:rPr lang="en-US" dirty="0"/>
+              <a:t>//   &lt;h1&gt;Hello World&lt;/h1&gt;</a:t>
+            </a:r>
+          </a:p>
+          <a:p>
+            <a:r>
+              <a:rPr lang="en-US" dirty="0"/>
+              <a:t>// &lt;/div&gt;</a:t>
+            </a:r>
+          </a:p>
+        </p:txBody>
+      </p:sp>
+    </p:spTree>
+    <p:extLst>
+      <p:ext uri="{BB962C8B-B14F-4D97-AF65-F5344CB8AC3E}">
+        <p14:creationId xmlns:p14="http://schemas.microsoft.com/office/powerpoint/2010/main" val="2917160310"/>
+      </p:ext>
+    </p:extLst>
+  </p:cSld>
+  <p:clrMapOvr>
+    <a:masterClrMapping/>
+  </p:clrMapOvr>
+  <mc:AlternateContent xmlns:mc="http://schemas.openxmlformats.org/markup-compatibility/2006" xmlns:p14="http://schemas.microsoft.com/office/powerpoint/2010/main">
+    <mc:Choice Requires="p14">
+      <p:transition spd="slow" p14:dur="800">
+        <p14:flythrough/>
+      </p:transition>
+    </mc:Choice>
+    <mc:Fallback xmlns="">
+      <p:transition spd="slow">
+        <p:fade/>
+      </p:transition>
+    </mc:Fallback>
+  </mc:AlternateContent>
+</p:sld>
+</file>
+
+<file path=ppt/slides/slide4.xml><?xml version="1.0" encoding="utf-8"?>
+<p:sld xmlns:a="http://schemas.openxmlformats.org/drawingml/2006/main" xmlns:r="http://schemas.openxmlformats.org/officeDocument/2006/relationships" xmlns:p="http://schemas.openxmlformats.org/presentationml/2006/main">
+  <p:cSld>
+    <p:spTree>
+      <p:nvGrpSpPr>
+        <p:cNvPr id="1" name=""/>
+        <p:cNvGrpSpPr/>
+        <p:nvPr/>
+      </p:nvGrpSpPr>
+      <p:grpSpPr>
+        <a:xfrm>
+          <a:off x="0" y="0"/>
+          <a:ext cx="0" cy="0"/>
+          <a:chOff x="0" y="0"/>
+          <a:chExt cx="0" cy="0"/>
+        </a:xfrm>
+      </p:grpSpPr>
+      <p:pic>
+        <p:nvPicPr>
+          <p:cNvPr id="6" name="Image 5">
+            <a:extLst>
+              <a:ext uri="{FF2B5EF4-FFF2-40B4-BE49-F238E27FC236}">
+                <a16:creationId xmlns:a16="http://schemas.microsoft.com/office/drawing/2014/main" id="{85C1BEF6-C4FA-794F-9003-5D49864298CC}"/>
+              </a:ext>
+            </a:extLst>
+          </p:cNvPr>
+          <p:cNvPicPr>
+            <a:picLocks noChangeAspect="1"/>
+          </p:cNvPicPr>
+          <p:nvPr/>
+        </p:nvPicPr>
+        <p:blipFill>
+          <a:blip r:embed="rId2"/>
+          <a:stretch>
+            <a:fillRect/>
+          </a:stretch>
+        </p:blipFill>
+        <p:spPr>
+          <a:xfrm>
+            <a:off x="11128881" y="4159"/>
+            <a:ext cx="1064878" cy="1706406"/>
+          </a:xfrm>
+          <a:prstGeom prst="rect">
+            <a:avLst/>
+          </a:prstGeom>
+        </p:spPr>
+      </p:pic>
+      <p:sp>
+        <p:nvSpPr>
+          <p:cNvPr id="7" name="Titre 1">
+            <a:extLst>
+              <a:ext uri="{FF2B5EF4-FFF2-40B4-BE49-F238E27FC236}">
+                <a16:creationId xmlns:a16="http://schemas.microsoft.com/office/drawing/2014/main" id="{B50329F0-7FAB-5A46-8618-A4B121772237}"/>
+              </a:ext>
+            </a:extLst>
+          </p:cNvPr>
+          <p:cNvSpPr>
+            <a:spLocks noGrp="1"/>
+          </p:cNvSpPr>
+          <p:nvPr>
+            <p:ph type="title"/>
+          </p:nvPr>
+        </p:nvSpPr>
+        <p:spPr>
+          <a:xfrm>
+            <a:off x="838200" y="567915"/>
+            <a:ext cx="6450106" cy="365125"/>
+          </a:xfrm>
+        </p:spPr>
+        <p:txBody>
+          <a:bodyPr>
+            <a:noAutofit/>
+          </a:bodyPr>
+          <a:lstStyle/>
+          <a:p>
+            <a:r>
+              <a:rPr lang="en-GB" sz="2800" spc="300" dirty="0">
+                <a:latin typeface="Zilla Slab"/>
+              </a:rPr>
+              <a:t>Introduction</a:t>
+            </a:r>
+            <a:endParaRPr lang="en-US" dirty="0">
+              <a:latin typeface="Zilla Slab"/>
+            </a:endParaRPr>
+          </a:p>
+        </p:txBody>
+      </p:sp>
+      <p:sp>
+        <p:nvSpPr>
+          <p:cNvPr id="9" name="Google Shape;121;g6d93b6fd7c_0_0"/>
+          <p:cNvSpPr txBox="1"/>
+          <p:nvPr/>
+        </p:nvSpPr>
+        <p:spPr>
+          <a:xfrm>
+            <a:off x="3224212" y="1263625"/>
+            <a:ext cx="6332164" cy="746175"/>
+          </a:xfrm>
+          <a:prstGeom prst="rect">
+            <a:avLst/>
+          </a:prstGeom>
+          <a:noFill/>
+          <a:ln>
+            <a:noFill/>
+          </a:ln>
+        </p:spPr>
+        <p:txBody>
+          <a:bodyPr spcFirstLastPara="1" wrap="square" lIns="91425" tIns="91425" rIns="91425" bIns="91425" anchor="t" anchorCtr="0">
+            <a:noAutofit/>
+          </a:bodyPr>
+          <a:lstStyle/>
+          <a:p>
+            <a:r>
+              <a:rPr lang="en-US" sz="3200" b="1" i="1" dirty="0">
+                <a:solidFill>
+                  <a:srgbClr val="572AD7"/>
+                </a:solidFill>
+                <a:latin typeface="Montserrat"/>
+                <a:ea typeface="Montserrat" charset="0"/>
+                <a:cs typeface="Montserrat" charset="0"/>
+                <a:sym typeface="Lato"/>
+              </a:rPr>
+              <a:t>Importance of Testing</a:t>
+            </a:r>
+            <a:endParaRPr lang="en-GB" sz="2400" dirty="0">
+              <a:solidFill>
+                <a:schemeClr val="tx1">
+                  <a:lumMod val="65000"/>
+                  <a:lumOff val="35000"/>
+                </a:schemeClr>
+              </a:solidFill>
+              <a:latin typeface="Montserrat" charset="0"/>
+              <a:ea typeface="Montserrat" charset="0"/>
+              <a:cs typeface="Montserrat" charset="0"/>
+            </a:endParaRPr>
+          </a:p>
+          <a:p>
+            <a:pPr marL="0" lvl="0" indent="0" algn="l" rtl="0">
+              <a:spcBef>
+                <a:spcPts val="0"/>
+              </a:spcBef>
+              <a:spcAft>
+                <a:spcPts val="0"/>
+              </a:spcAft>
+              <a:buNone/>
+            </a:pPr>
+            <a:endParaRPr lang="en-GB" sz="2800" dirty="0">
+              <a:latin typeface="Montserrat" charset="0"/>
+              <a:ea typeface="Montserrat" charset="0"/>
+              <a:cs typeface="Montserrat" charset="0"/>
+            </a:endParaRPr>
+          </a:p>
+        </p:txBody>
+      </p:sp>
+      <p:sp>
+        <p:nvSpPr>
+          <p:cNvPr id="14" name="TextBox 13">
+            <a:extLst>
+              <a:ext uri="{FF2B5EF4-FFF2-40B4-BE49-F238E27FC236}">
+                <a16:creationId xmlns:a16="http://schemas.microsoft.com/office/drawing/2014/main" id="{15140576-3857-4C6E-9A6D-623E2AFB7383}"/>
+              </a:ext>
+            </a:extLst>
+          </p:cNvPr>
+          <p:cNvSpPr txBox="1"/>
+          <p:nvPr/>
+        </p:nvSpPr>
+        <p:spPr>
+          <a:xfrm>
+            <a:off x="1515035" y="2626659"/>
+            <a:ext cx="8731624" cy="2862322"/>
+          </a:xfrm>
+          <a:prstGeom prst="rect">
+            <a:avLst/>
+          </a:prstGeom>
+          <a:noFill/>
+        </p:spPr>
+        <p:txBody>
+          <a:bodyPr wrap="square" rtlCol="0">
+            <a:spAutoFit/>
+          </a:bodyPr>
+          <a:lstStyle/>
+          <a:p>
+            <a:pPr marL="285750" indent="-285750">
+              <a:lnSpc>
+                <a:spcPct val="200000"/>
+              </a:lnSpc>
+              <a:buFontTx/>
+              <a:buChar char="-"/>
+            </a:pPr>
+            <a:r>
+              <a:rPr lang="en-US" dirty="0">
+                <a:solidFill>
+                  <a:srgbClr val="2D3846"/>
+                </a:solidFill>
+                <a:latin typeface="Fira Sans" panose="020B0604020202020204" pitchFamily="34" charset="0"/>
+              </a:rPr>
+              <a:t>Test if everything works as expected.</a:t>
+            </a:r>
+          </a:p>
+          <a:p>
+            <a:pPr marL="285750" indent="-285750">
+              <a:lnSpc>
+                <a:spcPct val="200000"/>
+              </a:lnSpc>
+              <a:buFontTx/>
+              <a:buChar char="-"/>
+            </a:pPr>
+            <a:r>
+              <a:rPr lang="en-US" dirty="0">
+                <a:solidFill>
+                  <a:srgbClr val="2D3846"/>
+                </a:solidFill>
+                <a:latin typeface="Fira Sans" panose="020B0604020202020204" pitchFamily="34" charset="0"/>
+              </a:rPr>
+              <a:t>Helps identify bugs in the early stages of the development cycle</a:t>
+            </a:r>
+          </a:p>
+          <a:p>
+            <a:pPr marL="285750" indent="-285750">
+              <a:buFontTx/>
+              <a:buChar char="-"/>
+            </a:pPr>
+            <a:endParaRPr lang="en-US" dirty="0">
+              <a:solidFill>
+                <a:srgbClr val="2D3846"/>
+              </a:solidFill>
+              <a:latin typeface="Fira Sans" panose="020B0604020202020204" pitchFamily="34" charset="0"/>
+            </a:endParaRPr>
+          </a:p>
+          <a:p>
+            <a:pPr marL="285750" indent="-285750">
+              <a:buFontTx/>
+              <a:buChar char="-"/>
+            </a:pPr>
+            <a:r>
+              <a:rPr lang="en-US" dirty="0">
+                <a:solidFill>
+                  <a:srgbClr val="2D3846"/>
+                </a:solidFill>
+                <a:latin typeface="Fira Sans" panose="020B0604020202020204" pitchFamily="34" charset="0"/>
+              </a:rPr>
+              <a:t>It saves time and money during the later testing phases</a:t>
+            </a:r>
+          </a:p>
+          <a:p>
+            <a:pPr marL="285750" indent="-285750">
+              <a:buFontTx/>
+              <a:buChar char="-"/>
+            </a:pPr>
+            <a:endParaRPr lang="en-US" dirty="0">
+              <a:solidFill>
+                <a:srgbClr val="2D3846"/>
+              </a:solidFill>
+              <a:latin typeface="Fira Sans" panose="020B0503050000020004" pitchFamily="34" charset="0"/>
+            </a:endParaRPr>
+          </a:p>
+          <a:p>
+            <a:pPr marL="285750" indent="-285750">
+              <a:buFontTx/>
+              <a:buChar char="-"/>
+            </a:pPr>
+            <a:r>
+              <a:rPr lang="en-US" b="0" i="0" dirty="0">
+                <a:solidFill>
+                  <a:srgbClr val="2D3846"/>
+                </a:solidFill>
+                <a:effectLst/>
+                <a:latin typeface="Fira Sans" panose="020B0503050000020004" pitchFamily="34" charset="0"/>
+              </a:rPr>
+              <a:t>Making corrections and changes in the code is quick : </a:t>
+            </a:r>
+            <a:r>
+              <a:rPr lang="en-US" dirty="0">
+                <a:solidFill>
+                  <a:srgbClr val="2D3846"/>
+                </a:solidFill>
+                <a:latin typeface="Fira Sans" panose="020B0503050000020004" pitchFamily="34" charset="0"/>
+              </a:rPr>
+              <a:t>When you have tests, you can change stuff without worrying about breaking things. This means you can add new features or tidy up the code with less stress.</a:t>
+            </a:r>
+          </a:p>
+        </p:txBody>
+      </p:sp>
+    </p:spTree>
+    <p:extLst>
+      <p:ext uri="{BB962C8B-B14F-4D97-AF65-F5344CB8AC3E}">
+        <p14:creationId xmlns:p14="http://schemas.microsoft.com/office/powerpoint/2010/main" val="1510784886"/>
+      </p:ext>
+    </p:extLst>
+  </p:cSld>
+  <p:clrMapOvr>
+    <a:masterClrMapping/>
+  </p:clrMapOvr>
+  <mc:AlternateContent xmlns:mc="http://schemas.openxmlformats.org/markup-compatibility/2006" xmlns:p14="http://schemas.microsoft.com/office/powerpoint/2010/main">
+    <mc:Choice Requires="p14">
+      <p:transition spd="slow" p14:dur="800">
+        <p14:flythrough/>
+      </p:transition>
+    </mc:Choice>
+    <mc:Fallback xmlns="">
+      <p:transition spd="slow">
+        <p:fade/>
+      </p:transition>
+    </mc:Fallback>
+  </mc:AlternateContent>
+</p:sld>
+</file>
+
+<file path=ppt/slides/slide40.xml><?xml version="1.0" encoding="utf-8"?>
+<p:sld xmlns:a="http://schemas.openxmlformats.org/drawingml/2006/main" xmlns:r="http://schemas.openxmlformats.org/officeDocument/2006/relationships" xmlns:p="http://schemas.openxmlformats.org/presentationml/2006/main">
+  <p:cSld>
+    <p:spTree>
+      <p:nvGrpSpPr>
+        <p:cNvPr id="1" name=""/>
+        <p:cNvGrpSpPr/>
+        <p:nvPr/>
+      </p:nvGrpSpPr>
+      <p:grpSpPr>
+        <a:xfrm>
+          <a:off x="0" y="0"/>
+          <a:ext cx="0" cy="0"/>
+          <a:chOff x="0" y="0"/>
+          <a:chExt cx="0" cy="0"/>
+        </a:xfrm>
+      </p:grpSpPr>
+      <p:pic>
+        <p:nvPicPr>
+          <p:cNvPr id="6" name="Image 5">
+            <a:extLst>
+              <a:ext uri="{FF2B5EF4-FFF2-40B4-BE49-F238E27FC236}">
+                <a16:creationId xmlns:a16="http://schemas.microsoft.com/office/drawing/2014/main" id="{85C1BEF6-C4FA-794F-9003-5D49864298CC}"/>
+              </a:ext>
+            </a:extLst>
+          </p:cNvPr>
+          <p:cNvPicPr>
+            <a:picLocks noChangeAspect="1"/>
+          </p:cNvPicPr>
+          <p:nvPr/>
+        </p:nvPicPr>
+        <p:blipFill>
+          <a:blip r:embed="rId2"/>
+          <a:stretch>
+            <a:fillRect/>
+          </a:stretch>
+        </p:blipFill>
+        <p:spPr>
+          <a:xfrm>
+            <a:off x="11128881" y="4159"/>
+            <a:ext cx="1064878" cy="1706406"/>
+          </a:xfrm>
+          <a:prstGeom prst="rect">
+            <a:avLst/>
+          </a:prstGeom>
+        </p:spPr>
+      </p:pic>
+      <p:sp>
+        <p:nvSpPr>
+          <p:cNvPr id="7" name="Titre 1">
+            <a:extLst>
+              <a:ext uri="{FF2B5EF4-FFF2-40B4-BE49-F238E27FC236}">
+                <a16:creationId xmlns:a16="http://schemas.microsoft.com/office/drawing/2014/main" id="{B50329F0-7FAB-5A46-8618-A4B121772237}"/>
+              </a:ext>
+            </a:extLst>
+          </p:cNvPr>
+          <p:cNvSpPr>
+            <a:spLocks noGrp="1"/>
+          </p:cNvSpPr>
+          <p:nvPr>
+            <p:ph type="title"/>
+          </p:nvPr>
+        </p:nvSpPr>
+        <p:spPr>
+          <a:xfrm>
+            <a:off x="838200" y="567915"/>
+            <a:ext cx="6450106" cy="365125"/>
+          </a:xfrm>
+        </p:spPr>
+        <p:txBody>
+          <a:bodyPr>
+            <a:noAutofit/>
+          </a:bodyPr>
+          <a:lstStyle/>
+          <a:p>
+            <a:r>
+              <a:rPr lang="en-US" sz="2800" spc="300" dirty="0">
+                <a:latin typeface="Zilla Slab"/>
+              </a:rPr>
+              <a:t>Integration Tests</a:t>
+            </a:r>
+          </a:p>
+        </p:txBody>
+      </p:sp>
+      <p:sp>
+        <p:nvSpPr>
+          <p:cNvPr id="9" name="Google Shape;121;g6d93b6fd7c_0_0"/>
+          <p:cNvSpPr txBox="1"/>
+          <p:nvPr/>
+        </p:nvSpPr>
+        <p:spPr>
+          <a:xfrm>
+            <a:off x="3224212" y="1263625"/>
+            <a:ext cx="6332164" cy="746175"/>
+          </a:xfrm>
+          <a:prstGeom prst="rect">
+            <a:avLst/>
+          </a:prstGeom>
+          <a:noFill/>
+          <a:ln>
+            <a:noFill/>
+          </a:ln>
+        </p:spPr>
+        <p:txBody>
+          <a:bodyPr spcFirstLastPara="1" wrap="square" lIns="91425" tIns="91425" rIns="91425" bIns="91425" anchor="t" anchorCtr="0">
+            <a:noAutofit/>
+          </a:bodyPr>
+          <a:lstStyle/>
+          <a:p>
+            <a:r>
+              <a:rPr lang="en-US" sz="3200" b="1" i="1" dirty="0">
+                <a:solidFill>
+                  <a:srgbClr val="572AD7"/>
+                </a:solidFill>
+                <a:latin typeface="Montserrat"/>
+              </a:rPr>
+              <a:t>Debugging</a:t>
+            </a:r>
+          </a:p>
+          <a:p>
+            <a:endParaRPr lang="en-US" sz="3200" b="1" i="1" dirty="0">
+              <a:solidFill>
+                <a:srgbClr val="572AD7"/>
+              </a:solidFill>
+              <a:latin typeface="Montserrat"/>
+            </a:endParaRPr>
+          </a:p>
+          <a:p>
+            <a:endParaRPr lang="en-GB" sz="2400" dirty="0">
+              <a:solidFill>
+                <a:schemeClr val="tx1">
+                  <a:lumMod val="65000"/>
+                  <a:lumOff val="35000"/>
+                </a:schemeClr>
+              </a:solidFill>
+              <a:latin typeface="Montserrat" charset="0"/>
+              <a:ea typeface="Montserrat" charset="0"/>
+              <a:cs typeface="Montserrat" charset="0"/>
+            </a:endParaRPr>
+          </a:p>
+          <a:p>
+            <a:pPr marL="0" lvl="0" indent="0" algn="l" rtl="0">
+              <a:spcBef>
+                <a:spcPts val="0"/>
+              </a:spcBef>
+              <a:spcAft>
+                <a:spcPts val="0"/>
+              </a:spcAft>
+              <a:buNone/>
+            </a:pPr>
+            <a:endParaRPr lang="en-GB" sz="2800" dirty="0">
+              <a:latin typeface="Montserrat" charset="0"/>
+              <a:ea typeface="Montserrat" charset="0"/>
+              <a:cs typeface="Montserrat" charset="0"/>
+            </a:endParaRPr>
+          </a:p>
+        </p:txBody>
+      </p:sp>
+      <p:sp>
+        <p:nvSpPr>
+          <p:cNvPr id="14" name="TextBox 13">
+            <a:extLst>
+              <a:ext uri="{FF2B5EF4-FFF2-40B4-BE49-F238E27FC236}">
+                <a16:creationId xmlns:a16="http://schemas.microsoft.com/office/drawing/2014/main" id="{15140576-3857-4C6E-9A6D-623E2AFB7383}"/>
+              </a:ext>
+            </a:extLst>
+          </p:cNvPr>
+          <p:cNvSpPr txBox="1"/>
+          <p:nvPr/>
+        </p:nvSpPr>
+        <p:spPr>
+          <a:xfrm>
+            <a:off x="1111623" y="2590533"/>
+            <a:ext cx="8731624" cy="2308324"/>
+          </a:xfrm>
+          <a:prstGeom prst="rect">
+            <a:avLst/>
+          </a:prstGeom>
+          <a:noFill/>
+        </p:spPr>
+        <p:txBody>
+          <a:bodyPr wrap="square" rtlCol="0">
+            <a:spAutoFit/>
+          </a:bodyPr>
+          <a:lstStyle/>
+          <a:p>
+            <a:pPr>
+              <a:lnSpc>
+                <a:spcPct val="200000"/>
+              </a:lnSpc>
+            </a:pPr>
+            <a:r>
+              <a:rPr lang="en-US" dirty="0"/>
+              <a:t>const div = </a:t>
+            </a:r>
+            <a:r>
+              <a:rPr lang="en-US" dirty="0" err="1"/>
+              <a:t>document.createElement</a:t>
+            </a:r>
+            <a:r>
+              <a:rPr lang="en-US" dirty="0"/>
+              <a:t>('div’)</a:t>
+            </a:r>
+          </a:p>
+          <a:p>
+            <a:pPr>
+              <a:lnSpc>
+                <a:spcPct val="200000"/>
+              </a:lnSpc>
+            </a:pPr>
+            <a:r>
+              <a:rPr lang="en-US" dirty="0" err="1"/>
+              <a:t>div.innerHTML</a:t>
+            </a:r>
+            <a:r>
+              <a:rPr lang="en-US" dirty="0"/>
+              <a:t> = '&lt;div&gt;&lt;h1&gt;Hello World&lt;/h1&gt;&lt;/div&gt;’</a:t>
+            </a:r>
+          </a:p>
+          <a:p>
+            <a:r>
+              <a:rPr lang="en-US" b="1" dirty="0"/>
+              <a:t>// debug document</a:t>
+            </a:r>
+          </a:p>
+          <a:p>
+            <a:r>
+              <a:rPr lang="en-US" b="1" dirty="0" err="1"/>
+              <a:t>screen.debug</a:t>
+            </a:r>
+            <a:r>
+              <a:rPr lang="en-US" b="1" dirty="0"/>
+              <a:t>()</a:t>
+            </a:r>
+          </a:p>
+          <a:p>
+            <a:r>
+              <a:rPr lang="en-US" b="1" dirty="0"/>
+              <a:t>// debug single element</a:t>
+            </a:r>
+          </a:p>
+          <a:p>
+            <a:r>
+              <a:rPr lang="en-US" b="1" dirty="0" err="1"/>
+              <a:t>screen.debug</a:t>
+            </a:r>
+            <a:r>
+              <a:rPr lang="en-US" b="1" dirty="0"/>
+              <a:t>(div)</a:t>
+            </a:r>
+          </a:p>
+        </p:txBody>
+      </p:sp>
+    </p:spTree>
+    <p:extLst>
+      <p:ext uri="{BB962C8B-B14F-4D97-AF65-F5344CB8AC3E}">
+        <p14:creationId xmlns:p14="http://schemas.microsoft.com/office/powerpoint/2010/main" val="3268954311"/>
+      </p:ext>
+    </p:extLst>
+  </p:cSld>
+  <p:clrMapOvr>
+    <a:masterClrMapping/>
+  </p:clrMapOvr>
+  <mc:AlternateContent xmlns:mc="http://schemas.openxmlformats.org/markup-compatibility/2006" xmlns:p14="http://schemas.microsoft.com/office/powerpoint/2010/main">
+    <mc:Choice Requires="p14">
+      <p:transition spd="slow" p14:dur="800">
+        <p14:flythrough/>
+      </p:transition>
+    </mc:Choice>
+    <mc:Fallback xmlns="">
+      <p:transition spd="slow">
+        <p:fade/>
+      </p:transition>
+    </mc:Fallback>
+  </mc:AlternateContent>
+</p:sld>
+</file>
+
+<file path=ppt/slides/slide41.xml><?xml version="1.0" encoding="utf-8"?>
+<p:sld xmlns:a="http://schemas.openxmlformats.org/drawingml/2006/main" xmlns:r="http://schemas.openxmlformats.org/officeDocument/2006/relationships" xmlns:p="http://schemas.openxmlformats.org/presentationml/2006/main">
+  <p:cSld>
+    <p:spTree>
+      <p:nvGrpSpPr>
+        <p:cNvPr id="1" name=""/>
+        <p:cNvGrpSpPr/>
+        <p:nvPr/>
+      </p:nvGrpSpPr>
+      <p:grpSpPr>
+        <a:xfrm>
+          <a:off x="0" y="0"/>
+          <a:ext cx="0" cy="0"/>
+          <a:chOff x="0" y="0"/>
+          <a:chExt cx="0" cy="0"/>
+        </a:xfrm>
+      </p:grpSpPr>
       <p:sp>
         <p:nvSpPr>
           <p:cNvPr id="2" name="Titre 1">
@@ -17177,7 +18585,7 @@
 </p:sld>
 </file>
 
-<file path=ppt/slides/slide38.xml><?xml version="1.0" encoding="utf-8"?>
+<file path=ppt/slides/slide42.xml><?xml version="1.0" encoding="utf-8"?>
 <p:sld xmlns:a="http://schemas.openxmlformats.org/drawingml/2006/main" xmlns:r="http://schemas.openxmlformats.org/officeDocument/2006/relationships" xmlns:p="http://schemas.openxmlformats.org/presentationml/2006/main">
   <p:cSld>
     <p:spTree>
@@ -17401,7 +18809,7 @@
 </p:sld>
 </file>
 
-<file path=ppt/slides/slide39.xml><?xml version="1.0" encoding="utf-8"?>
+<file path=ppt/slides/slide43.xml><?xml version="1.0" encoding="utf-8"?>
 <p:sld xmlns:a="http://schemas.openxmlformats.org/drawingml/2006/main" xmlns:r="http://schemas.openxmlformats.org/officeDocument/2006/relationships" xmlns:p="http://schemas.openxmlformats.org/presentationml/2006/main">
   <p:cSld>
     <p:spTree>
@@ -17608,315 +19016,7 @@
 </p:sld>
 </file>
 
-<file path=ppt/slides/slide4.xml><?xml version="1.0" encoding="utf-8"?>
-<p:sld xmlns:a="http://schemas.openxmlformats.org/drawingml/2006/main" xmlns:r="http://schemas.openxmlformats.org/officeDocument/2006/relationships" xmlns:p="http://schemas.openxmlformats.org/presentationml/2006/main">
-  <p:cSld>
-    <p:spTree>
-      <p:nvGrpSpPr>
-        <p:cNvPr id="1" name=""/>
-        <p:cNvGrpSpPr/>
-        <p:nvPr/>
-      </p:nvGrpSpPr>
-      <p:grpSpPr>
-        <a:xfrm>
-          <a:off x="0" y="0"/>
-          <a:ext cx="0" cy="0"/>
-          <a:chOff x="0" y="0"/>
-          <a:chExt cx="0" cy="0"/>
-        </a:xfrm>
-      </p:grpSpPr>
-      <p:pic>
-        <p:nvPicPr>
-          <p:cNvPr id="6" name="Image 5">
-            <a:extLst>
-              <a:ext uri="{FF2B5EF4-FFF2-40B4-BE49-F238E27FC236}">
-                <a16:creationId xmlns:a16="http://schemas.microsoft.com/office/drawing/2014/main" id="{85C1BEF6-C4FA-794F-9003-5D49864298CC}"/>
-              </a:ext>
-            </a:extLst>
-          </p:cNvPr>
-          <p:cNvPicPr>
-            <a:picLocks noChangeAspect="1"/>
-          </p:cNvPicPr>
-          <p:nvPr/>
-        </p:nvPicPr>
-        <p:blipFill>
-          <a:blip r:embed="rId2"/>
-          <a:stretch>
-            <a:fillRect/>
-          </a:stretch>
-        </p:blipFill>
-        <p:spPr>
-          <a:xfrm>
-            <a:off x="11128881" y="4159"/>
-            <a:ext cx="1064878" cy="1706406"/>
-          </a:xfrm>
-          <a:prstGeom prst="rect">
-            <a:avLst/>
-          </a:prstGeom>
-        </p:spPr>
-      </p:pic>
-      <p:sp>
-        <p:nvSpPr>
-          <p:cNvPr id="7" name="Titre 1">
-            <a:extLst>
-              <a:ext uri="{FF2B5EF4-FFF2-40B4-BE49-F238E27FC236}">
-                <a16:creationId xmlns:a16="http://schemas.microsoft.com/office/drawing/2014/main" id="{B50329F0-7FAB-5A46-8618-A4B121772237}"/>
-              </a:ext>
-            </a:extLst>
-          </p:cNvPr>
-          <p:cNvSpPr>
-            <a:spLocks noGrp="1"/>
-          </p:cNvSpPr>
-          <p:nvPr>
-            <p:ph type="title"/>
-          </p:nvPr>
-        </p:nvSpPr>
-        <p:spPr>
-          <a:xfrm>
-            <a:off x="838200" y="567915"/>
-            <a:ext cx="6450106" cy="365125"/>
-          </a:xfrm>
-        </p:spPr>
-        <p:txBody>
-          <a:bodyPr>
-            <a:noAutofit/>
-          </a:bodyPr>
-          <a:lstStyle/>
-          <a:p>
-            <a:r>
-              <a:rPr lang="en-GB" sz="2800" spc="300" dirty="0">
-                <a:latin typeface="Zilla Slab"/>
-              </a:rPr>
-              <a:t>Introduction</a:t>
-            </a:r>
-            <a:endParaRPr lang="en-US" dirty="0">
-              <a:latin typeface="Zilla Slab"/>
-            </a:endParaRPr>
-          </a:p>
-        </p:txBody>
-      </p:sp>
-      <p:sp>
-        <p:nvSpPr>
-          <p:cNvPr id="9" name="Google Shape;121;g6d93b6fd7c_0_0"/>
-          <p:cNvSpPr txBox="1"/>
-          <p:nvPr/>
-        </p:nvSpPr>
-        <p:spPr>
-          <a:xfrm>
-            <a:off x="3224212" y="1263625"/>
-            <a:ext cx="6332164" cy="746175"/>
-          </a:xfrm>
-          <a:prstGeom prst="rect">
-            <a:avLst/>
-          </a:prstGeom>
-          <a:noFill/>
-          <a:ln>
-            <a:noFill/>
-          </a:ln>
-        </p:spPr>
-        <p:txBody>
-          <a:bodyPr spcFirstLastPara="1" wrap="square" lIns="91425" tIns="91425" rIns="91425" bIns="91425" anchor="t" anchorCtr="0">
-            <a:noAutofit/>
-          </a:bodyPr>
-          <a:lstStyle/>
-          <a:p>
-            <a:r>
-              <a:rPr lang="en-US" sz="3200" b="1" i="1" dirty="0">
-                <a:solidFill>
-                  <a:srgbClr val="572AD7"/>
-                </a:solidFill>
-                <a:latin typeface="Montserrat"/>
-                <a:ea typeface="Montserrat" charset="0"/>
-                <a:cs typeface="Montserrat" charset="0"/>
-                <a:sym typeface="Lato"/>
-              </a:rPr>
-              <a:t>Importance of Testing</a:t>
-            </a:r>
-            <a:endParaRPr lang="en-GB" sz="2400" dirty="0">
-              <a:solidFill>
-                <a:schemeClr val="tx1">
-                  <a:lumMod val="65000"/>
-                  <a:lumOff val="35000"/>
-                </a:schemeClr>
-              </a:solidFill>
-              <a:latin typeface="Montserrat" charset="0"/>
-              <a:ea typeface="Montserrat" charset="0"/>
-              <a:cs typeface="Montserrat" charset="0"/>
-            </a:endParaRPr>
-          </a:p>
-          <a:p>
-            <a:pPr marL="0" lvl="0" indent="0" algn="l" rtl="0">
-              <a:spcBef>
-                <a:spcPts val="0"/>
-              </a:spcBef>
-              <a:spcAft>
-                <a:spcPts val="0"/>
-              </a:spcAft>
-              <a:buNone/>
-            </a:pPr>
-            <a:endParaRPr lang="en-GB" sz="2800" dirty="0">
-              <a:latin typeface="Montserrat" charset="0"/>
-              <a:ea typeface="Montserrat" charset="0"/>
-              <a:cs typeface="Montserrat" charset="0"/>
-            </a:endParaRPr>
-          </a:p>
-        </p:txBody>
-      </p:sp>
-      <p:sp>
-        <p:nvSpPr>
-          <p:cNvPr id="14" name="TextBox 13">
-            <a:extLst>
-              <a:ext uri="{FF2B5EF4-FFF2-40B4-BE49-F238E27FC236}">
-                <a16:creationId xmlns:a16="http://schemas.microsoft.com/office/drawing/2014/main" id="{15140576-3857-4C6E-9A6D-623E2AFB7383}"/>
-              </a:ext>
-            </a:extLst>
-          </p:cNvPr>
-          <p:cNvSpPr txBox="1"/>
-          <p:nvPr/>
-        </p:nvSpPr>
-        <p:spPr>
-          <a:xfrm>
-            <a:off x="1515035" y="2626659"/>
-            <a:ext cx="8731624" cy="2862322"/>
-          </a:xfrm>
-          <a:prstGeom prst="rect">
-            <a:avLst/>
-          </a:prstGeom>
-          <a:noFill/>
-        </p:spPr>
-        <p:txBody>
-          <a:bodyPr wrap="square" rtlCol="0">
-            <a:spAutoFit/>
-          </a:bodyPr>
-          <a:lstStyle/>
-          <a:p>
-            <a:pPr marL="285750" indent="-285750">
-              <a:lnSpc>
-                <a:spcPct val="200000"/>
-              </a:lnSpc>
-              <a:buFontTx/>
-              <a:buChar char="-"/>
-            </a:pPr>
-            <a:r>
-              <a:rPr lang="en-US" dirty="0">
-                <a:solidFill>
-                  <a:srgbClr val="2D3846"/>
-                </a:solidFill>
-                <a:latin typeface="Fira Sans" panose="020B0604020202020204" pitchFamily="34" charset="0"/>
-              </a:rPr>
-              <a:t>Test if everything works as expected.</a:t>
-            </a:r>
-          </a:p>
-          <a:p>
-            <a:pPr marL="285750" indent="-285750">
-              <a:lnSpc>
-                <a:spcPct val="200000"/>
-              </a:lnSpc>
-              <a:buFontTx/>
-              <a:buChar char="-"/>
-            </a:pPr>
-            <a:r>
-              <a:rPr lang="en-US" dirty="0">
-                <a:solidFill>
-                  <a:srgbClr val="2D3846"/>
-                </a:solidFill>
-                <a:latin typeface="Fira Sans" panose="020B0604020202020204" pitchFamily="34" charset="0"/>
-              </a:rPr>
-              <a:t>Helps identify bugs in the early stages of the development cycle</a:t>
-            </a:r>
-          </a:p>
-          <a:p>
-            <a:pPr marL="285750" indent="-285750">
-              <a:buFontTx/>
-              <a:buChar char="-"/>
-            </a:pPr>
-            <a:endParaRPr lang="en-US" dirty="0">
-              <a:solidFill>
-                <a:srgbClr val="2D3846"/>
-              </a:solidFill>
-              <a:latin typeface="Fira Sans" panose="020B0604020202020204" pitchFamily="34" charset="0"/>
-            </a:endParaRPr>
-          </a:p>
-          <a:p>
-            <a:pPr marL="285750" indent="-285750">
-              <a:buFontTx/>
-              <a:buChar char="-"/>
-            </a:pPr>
-            <a:r>
-              <a:rPr lang="en-US" dirty="0">
-                <a:solidFill>
-                  <a:srgbClr val="2D3846"/>
-                </a:solidFill>
-                <a:latin typeface="Fira Sans" panose="020B0604020202020204" pitchFamily="34" charset="0"/>
-              </a:rPr>
-              <a:t>It saves time and money during the later testing phases</a:t>
-            </a:r>
-          </a:p>
-          <a:p>
-            <a:pPr marL="285750" indent="-285750">
-              <a:buFontTx/>
-              <a:buChar char="-"/>
-            </a:pPr>
-            <a:endParaRPr lang="en-US" dirty="0">
-              <a:solidFill>
-                <a:srgbClr val="2D3846"/>
-              </a:solidFill>
-              <a:latin typeface="Fira Sans" panose="020B0503050000020004" pitchFamily="34" charset="0"/>
-            </a:endParaRPr>
-          </a:p>
-          <a:p>
-            <a:pPr marL="285750" indent="-285750">
-              <a:buFontTx/>
-              <a:buChar char="-"/>
-            </a:pPr>
-            <a:r>
-              <a:rPr lang="en-US" b="0" i="0" dirty="0">
-                <a:solidFill>
-                  <a:srgbClr val="2D3846"/>
-                </a:solidFill>
-                <a:effectLst/>
-                <a:latin typeface="Fira Sans" panose="020B0503050000020004" pitchFamily="34" charset="0"/>
-              </a:rPr>
-              <a:t>Making corrections and changes in the code is quick : </a:t>
-            </a:r>
-            <a:r>
-              <a:rPr lang="en-US" dirty="0">
-                <a:solidFill>
-                  <a:srgbClr val="2D3846"/>
-                </a:solidFill>
-                <a:latin typeface="Fira Sans" panose="020B0503050000020004" pitchFamily="34" charset="0"/>
-              </a:rPr>
-              <a:t>When you have tests, you can change stuff without worrying about breaking things. This means you can add new features or tidy up the code with less stress.</a:t>
-            </a:r>
-          </a:p>
-        </p:txBody>
-      </p:sp>
-    </p:spTree>
-    <p:extLst>
-      <p:ext uri="{BB962C8B-B14F-4D97-AF65-F5344CB8AC3E}">
-        <p14:creationId xmlns:p14="http://schemas.microsoft.com/office/powerpoint/2010/main" val="1510784886"/>
-      </p:ext>
-    </p:extLst>
-  </p:cSld>
-  <p:clrMapOvr>
-    <a:masterClrMapping/>
-  </p:clrMapOvr>
-  <mc:AlternateContent xmlns:mc="http://schemas.openxmlformats.org/markup-compatibility/2006" xmlns:p14="http://schemas.microsoft.com/office/powerpoint/2010/main">
-    <mc:Choice Requires="p14">
-      <p:transition spd="slow" p14:dur="800">
-        <p14:flythrough/>
-      </p:transition>
-    </mc:Choice>
-    <mc:Fallback xmlns="">
-      <p:transition spd="slow">
-        <p:fade/>
-      </p:transition>
-    </mc:Fallback>
-  </mc:AlternateContent>
-</p:sld>
-</file>
-
-<file path=ppt/slides/slide40.xml><?xml version="1.0" encoding="utf-8"?>
+<file path=ppt/slides/slide44.xml><?xml version="1.0" encoding="utf-8"?>
 <p:sld xmlns:a="http://schemas.openxmlformats.org/drawingml/2006/main" xmlns:r="http://schemas.openxmlformats.org/officeDocument/2006/relationships" xmlns:p="http://schemas.openxmlformats.org/presentationml/2006/main">
   <p:cSld>
     <p:spTree>
@@ -18423,7 +19523,7 @@
 </p:sld>
 </file>
 
-<file path=ppt/slides/slide41.xml><?xml version="1.0" encoding="utf-8"?>
+<file path=ppt/slides/slide45.xml><?xml version="1.0" encoding="utf-8"?>
 <p:sld xmlns:a="http://schemas.openxmlformats.org/drawingml/2006/main" xmlns:r="http://schemas.openxmlformats.org/officeDocument/2006/relationships" xmlns:p="http://schemas.openxmlformats.org/presentationml/2006/main">
   <p:cSld>
     <p:spTree>
@@ -18955,7 +20055,7 @@
 </p:sld>
 </file>
 
-<file path=ppt/slides/slide42.xml><?xml version="1.0" encoding="utf-8"?>
+<file path=ppt/slides/slide46.xml><?xml version="1.0" encoding="utf-8"?>
 <p:sld xmlns:a="http://schemas.openxmlformats.org/drawingml/2006/main" xmlns:r="http://schemas.openxmlformats.org/officeDocument/2006/relationships" xmlns:p="http://schemas.openxmlformats.org/presentationml/2006/main">
   <p:cSld>
     <p:spTree>
@@ -19246,7 +20346,7 @@
 </p:sld>
 </file>
 
-<file path=ppt/slides/slide43.xml><?xml version="1.0" encoding="utf-8"?>
+<file path=ppt/slides/slide47.xml><?xml version="1.0" encoding="utf-8"?>
 <p:sld xmlns:a="http://schemas.openxmlformats.org/drawingml/2006/main" xmlns:r="http://schemas.openxmlformats.org/officeDocument/2006/relationships" xmlns:p="http://schemas.openxmlformats.org/presentationml/2006/main">
   <p:cSld>
     <p:spTree>
@@ -19578,7 +20678,7 @@
 </p:sld>
 </file>
 
-<file path=ppt/slides/slide44.xml><?xml version="1.0" encoding="utf-8"?>
+<file path=ppt/slides/slide48.xml><?xml version="1.0" encoding="utf-8"?>
 <p:sld xmlns:a="http://schemas.openxmlformats.org/drawingml/2006/main" xmlns:r="http://schemas.openxmlformats.org/officeDocument/2006/relationships" xmlns:p="http://schemas.openxmlformats.org/presentationml/2006/main">
   <p:cSld>
     <p:spTree>
@@ -19881,7 +20981,7 @@
 </p:sld>
 </file>
 
-<file path=ppt/slides/slide45.xml><?xml version="1.0" encoding="utf-8"?>
+<file path=ppt/slides/slide49.xml><?xml version="1.0" encoding="utf-8"?>
 <p:sld xmlns:a="http://schemas.openxmlformats.org/drawingml/2006/main" xmlns:r="http://schemas.openxmlformats.org/officeDocument/2006/relationships" xmlns:p="http://schemas.openxmlformats.org/presentationml/2006/main">
   <p:cSld>
     <p:spTree>
@@ -20464,7 +21564,269 @@
 </p:sld>
 </file>
 
-<file path=ppt/slides/slide46.xml><?xml version="1.0" encoding="utf-8"?>
+<file path=ppt/slides/slide5.xml><?xml version="1.0" encoding="utf-8"?>
+<p:sld xmlns:a="http://schemas.openxmlformats.org/drawingml/2006/main" xmlns:r="http://schemas.openxmlformats.org/officeDocument/2006/relationships" xmlns:p="http://schemas.openxmlformats.org/presentationml/2006/main">
+  <p:cSld>
+    <p:spTree>
+      <p:nvGrpSpPr>
+        <p:cNvPr id="1" name=""/>
+        <p:cNvGrpSpPr/>
+        <p:nvPr/>
+      </p:nvGrpSpPr>
+      <p:grpSpPr>
+        <a:xfrm>
+          <a:off x="0" y="0"/>
+          <a:ext cx="0" cy="0"/>
+          <a:chOff x="0" y="0"/>
+          <a:chExt cx="0" cy="0"/>
+        </a:xfrm>
+      </p:grpSpPr>
+      <p:pic>
+        <p:nvPicPr>
+          <p:cNvPr id="6" name="Image 5">
+            <a:extLst>
+              <a:ext uri="{FF2B5EF4-FFF2-40B4-BE49-F238E27FC236}">
+                <a16:creationId xmlns:a16="http://schemas.microsoft.com/office/drawing/2014/main" id="{85C1BEF6-C4FA-794F-9003-5D49864298CC}"/>
+              </a:ext>
+            </a:extLst>
+          </p:cNvPr>
+          <p:cNvPicPr>
+            <a:picLocks noChangeAspect="1"/>
+          </p:cNvPicPr>
+          <p:nvPr/>
+        </p:nvPicPr>
+        <p:blipFill>
+          <a:blip r:embed="rId2"/>
+          <a:stretch>
+            <a:fillRect/>
+          </a:stretch>
+        </p:blipFill>
+        <p:spPr>
+          <a:xfrm>
+            <a:off x="11128881" y="4159"/>
+            <a:ext cx="1064878" cy="1706406"/>
+          </a:xfrm>
+          <a:prstGeom prst="rect">
+            <a:avLst/>
+          </a:prstGeom>
+        </p:spPr>
+      </p:pic>
+      <p:sp>
+        <p:nvSpPr>
+          <p:cNvPr id="7" name="Titre 1">
+            <a:extLst>
+              <a:ext uri="{FF2B5EF4-FFF2-40B4-BE49-F238E27FC236}">
+                <a16:creationId xmlns:a16="http://schemas.microsoft.com/office/drawing/2014/main" id="{B50329F0-7FAB-5A46-8618-A4B121772237}"/>
+              </a:ext>
+            </a:extLst>
+          </p:cNvPr>
+          <p:cNvSpPr>
+            <a:spLocks noGrp="1"/>
+          </p:cNvSpPr>
+          <p:nvPr>
+            <p:ph type="title"/>
+          </p:nvPr>
+        </p:nvSpPr>
+        <p:spPr>
+          <a:xfrm>
+            <a:off x="838200" y="567915"/>
+            <a:ext cx="6450106" cy="365125"/>
+          </a:xfrm>
+        </p:spPr>
+        <p:txBody>
+          <a:bodyPr>
+            <a:noAutofit/>
+          </a:bodyPr>
+          <a:lstStyle/>
+          <a:p>
+            <a:r>
+              <a:rPr lang="en-GB" sz="2800" spc="300" dirty="0">
+                <a:latin typeface="Zilla Slab"/>
+              </a:rPr>
+              <a:t>Introduction</a:t>
+            </a:r>
+            <a:endParaRPr lang="en-US" dirty="0">
+              <a:latin typeface="Zilla Slab"/>
+            </a:endParaRPr>
+          </a:p>
+        </p:txBody>
+      </p:sp>
+      <p:sp>
+        <p:nvSpPr>
+          <p:cNvPr id="9" name="Google Shape;121;g6d93b6fd7c_0_0"/>
+          <p:cNvSpPr txBox="1"/>
+          <p:nvPr/>
+        </p:nvSpPr>
+        <p:spPr>
+          <a:xfrm>
+            <a:off x="3224212" y="1263625"/>
+            <a:ext cx="6332164" cy="746175"/>
+          </a:xfrm>
+          <a:prstGeom prst="rect">
+            <a:avLst/>
+          </a:prstGeom>
+          <a:noFill/>
+          <a:ln>
+            <a:noFill/>
+          </a:ln>
+        </p:spPr>
+        <p:txBody>
+          <a:bodyPr spcFirstLastPara="1" wrap="square" lIns="91425" tIns="91425" rIns="91425" bIns="91425" anchor="t" anchorCtr="0">
+            <a:noAutofit/>
+          </a:bodyPr>
+          <a:lstStyle/>
+          <a:p>
+            <a:r>
+              <a:rPr lang="en-US" sz="3200" b="1" i="1" dirty="0">
+                <a:solidFill>
+                  <a:srgbClr val="572AD7"/>
+                </a:solidFill>
+                <a:latin typeface="Montserrat"/>
+                <a:ea typeface="Montserrat" charset="0"/>
+                <a:cs typeface="Montserrat" charset="0"/>
+                <a:sym typeface="Lato"/>
+              </a:rPr>
+              <a:t>Importance of Testing</a:t>
+            </a:r>
+            <a:endParaRPr lang="en-GB" sz="2400" dirty="0">
+              <a:solidFill>
+                <a:schemeClr val="tx1">
+                  <a:lumMod val="65000"/>
+                  <a:lumOff val="35000"/>
+                </a:schemeClr>
+              </a:solidFill>
+              <a:latin typeface="Montserrat" charset="0"/>
+              <a:ea typeface="Montserrat" charset="0"/>
+              <a:cs typeface="Montserrat" charset="0"/>
+            </a:endParaRPr>
+          </a:p>
+          <a:p>
+            <a:pPr marL="0" lvl="0" indent="0" algn="l" rtl="0">
+              <a:spcBef>
+                <a:spcPts val="0"/>
+              </a:spcBef>
+              <a:spcAft>
+                <a:spcPts val="0"/>
+              </a:spcAft>
+              <a:buNone/>
+            </a:pPr>
+            <a:endParaRPr lang="en-GB" sz="2800" dirty="0">
+              <a:latin typeface="Montserrat" charset="0"/>
+              <a:ea typeface="Montserrat" charset="0"/>
+              <a:cs typeface="Montserrat" charset="0"/>
+            </a:endParaRPr>
+          </a:p>
+        </p:txBody>
+      </p:sp>
+      <p:sp>
+        <p:nvSpPr>
+          <p:cNvPr id="5" name="TextBox 4">
+            <a:extLst>
+              <a:ext uri="{FF2B5EF4-FFF2-40B4-BE49-F238E27FC236}">
+                <a16:creationId xmlns:a16="http://schemas.microsoft.com/office/drawing/2014/main" id="{FEC06C8C-535C-4357-B9E9-6ECF52C2B1B8}"/>
+              </a:ext>
+            </a:extLst>
+          </p:cNvPr>
+          <p:cNvSpPr txBox="1"/>
+          <p:nvPr/>
+        </p:nvSpPr>
+        <p:spPr>
+          <a:xfrm>
+            <a:off x="1192305" y="2551837"/>
+            <a:ext cx="8731624" cy="2308324"/>
+          </a:xfrm>
+          <a:prstGeom prst="rect">
+            <a:avLst/>
+          </a:prstGeom>
+          <a:noFill/>
+        </p:spPr>
+        <p:txBody>
+          <a:bodyPr wrap="square" rtlCol="0">
+            <a:spAutoFit/>
+          </a:bodyPr>
+          <a:lstStyle/>
+          <a:p>
+            <a:pPr marL="285750" indent="-285750">
+              <a:buFontTx/>
+              <a:buChar char="-"/>
+            </a:pPr>
+            <a:r>
+              <a:rPr lang="en-US" dirty="0">
+                <a:solidFill>
+                  <a:srgbClr val="2D3846"/>
+                </a:solidFill>
+                <a:latin typeface="Fira Sans" panose="020B0604020202020204" pitchFamily="34" charset="0"/>
+              </a:rPr>
+              <a:t>It is easy to onboard new team members in the development as they can also understand the code base with less effort. Moreover, any damage to the code becomes less worrisome as it can be quickly identified.</a:t>
+            </a:r>
+          </a:p>
+          <a:p>
+            <a:pPr marL="285750" indent="-285750">
+              <a:buFontTx/>
+              <a:buChar char="-"/>
+            </a:pPr>
+            <a:endParaRPr lang="en-US" dirty="0">
+              <a:solidFill>
+                <a:srgbClr val="2D3846"/>
+              </a:solidFill>
+              <a:latin typeface="Fira Sans" panose="020B0604020202020204" pitchFamily="34" charset="0"/>
+            </a:endParaRPr>
+          </a:p>
+          <a:p>
+            <a:pPr marL="285750" indent="-285750">
+              <a:buFontTx/>
+              <a:buChar char="-"/>
+            </a:pPr>
+            <a:r>
+              <a:rPr lang="en-US" dirty="0"/>
+              <a:t>Unit testing facilitates changes to the code by providing a way to quickly and easily verify that changes to the code do not break existing functionality</a:t>
+            </a:r>
+          </a:p>
+          <a:p>
+            <a:pPr marL="285750" indent="-285750">
+              <a:buFontTx/>
+              <a:buChar char="-"/>
+            </a:pPr>
+            <a:endParaRPr lang="en-US" dirty="0"/>
+          </a:p>
+          <a:p>
+            <a:pPr marL="285750" indent="-285750">
+              <a:buFontTx/>
+              <a:buChar char="-"/>
+            </a:pPr>
+            <a:r>
+              <a:rPr lang="en-US" dirty="0"/>
+              <a:t>Tests can serve as a code documentation</a:t>
+            </a:r>
+          </a:p>
+        </p:txBody>
+      </p:sp>
+    </p:spTree>
+    <p:extLst>
+      <p:ext uri="{BB962C8B-B14F-4D97-AF65-F5344CB8AC3E}">
+        <p14:creationId xmlns:p14="http://schemas.microsoft.com/office/powerpoint/2010/main" val="3008934499"/>
+      </p:ext>
+    </p:extLst>
+  </p:cSld>
+  <p:clrMapOvr>
+    <a:masterClrMapping/>
+  </p:clrMapOvr>
+  <mc:AlternateContent xmlns:mc="http://schemas.openxmlformats.org/markup-compatibility/2006" xmlns:p14="http://schemas.microsoft.com/office/powerpoint/2010/main">
+    <mc:Choice Requires="p14">
+      <p:transition spd="slow" p14:dur="800">
+        <p14:flythrough/>
+      </p:transition>
+    </mc:Choice>
+    <mc:Fallback xmlns="">
+      <p:transition spd="slow">
+        <p:fade/>
+      </p:transition>
+    </mc:Fallback>
+  </mc:AlternateContent>
+</p:sld>
+</file>
+
+<file path=ppt/slides/slide50.xml><?xml version="1.0" encoding="utf-8"?>
 <p:sld xmlns:a="http://schemas.openxmlformats.org/drawingml/2006/main" xmlns:r="http://schemas.openxmlformats.org/officeDocument/2006/relationships" xmlns:p="http://schemas.openxmlformats.org/presentationml/2006/main">
   <p:cSld>
     <p:spTree>
@@ -20682,7 +22044,7 @@
 </p:sld>
 </file>
 
-<file path=ppt/slides/slide47.xml><?xml version="1.0" encoding="utf-8"?>
+<file path=ppt/slides/slide51.xml><?xml version="1.0" encoding="utf-8"?>
 <p:sld xmlns:a="http://schemas.openxmlformats.org/drawingml/2006/main" xmlns:r="http://schemas.openxmlformats.org/officeDocument/2006/relationships" xmlns:p="http://schemas.openxmlformats.org/presentationml/2006/main">
   <p:cSld>
     <p:spTree>
@@ -20886,7 +22248,7 @@
 </p:sld>
 </file>
 
-<file path=ppt/slides/slide48.xml><?xml version="1.0" encoding="utf-8"?>
+<file path=ppt/slides/slide52.xml><?xml version="1.0" encoding="utf-8"?>
 <p:sld xmlns:a="http://schemas.openxmlformats.org/drawingml/2006/main" xmlns:r="http://schemas.openxmlformats.org/officeDocument/2006/relationships" xmlns:p="http://schemas.openxmlformats.org/presentationml/2006/main">
   <p:cSld>
     <p:spTree>
@@ -21271,7 +22633,7 @@
 </p:sld>
 </file>
 
-<file path=ppt/slides/slide49.xml><?xml version="1.0" encoding="utf-8"?>
+<file path=ppt/slides/slide53.xml><?xml version="1.0" encoding="utf-8"?>
 <p:sld xmlns:a="http://schemas.openxmlformats.org/drawingml/2006/main" xmlns:r="http://schemas.openxmlformats.org/officeDocument/2006/relationships" xmlns:p="http://schemas.openxmlformats.org/presentationml/2006/main">
   <p:cSld>
     <p:spTree>
@@ -21824,269 +23186,7 @@
 </p:sld>
 </file>
 
-<file path=ppt/slides/slide5.xml><?xml version="1.0" encoding="utf-8"?>
-<p:sld xmlns:a="http://schemas.openxmlformats.org/drawingml/2006/main" xmlns:r="http://schemas.openxmlformats.org/officeDocument/2006/relationships" xmlns:p="http://schemas.openxmlformats.org/presentationml/2006/main">
-  <p:cSld>
-    <p:spTree>
-      <p:nvGrpSpPr>
-        <p:cNvPr id="1" name=""/>
-        <p:cNvGrpSpPr/>
-        <p:nvPr/>
-      </p:nvGrpSpPr>
-      <p:grpSpPr>
-        <a:xfrm>
-          <a:off x="0" y="0"/>
-          <a:ext cx="0" cy="0"/>
-          <a:chOff x="0" y="0"/>
-          <a:chExt cx="0" cy="0"/>
-        </a:xfrm>
-      </p:grpSpPr>
-      <p:pic>
-        <p:nvPicPr>
-          <p:cNvPr id="6" name="Image 5">
-            <a:extLst>
-              <a:ext uri="{FF2B5EF4-FFF2-40B4-BE49-F238E27FC236}">
-                <a16:creationId xmlns:a16="http://schemas.microsoft.com/office/drawing/2014/main" id="{85C1BEF6-C4FA-794F-9003-5D49864298CC}"/>
-              </a:ext>
-            </a:extLst>
-          </p:cNvPr>
-          <p:cNvPicPr>
-            <a:picLocks noChangeAspect="1"/>
-          </p:cNvPicPr>
-          <p:nvPr/>
-        </p:nvPicPr>
-        <p:blipFill>
-          <a:blip r:embed="rId2"/>
-          <a:stretch>
-            <a:fillRect/>
-          </a:stretch>
-        </p:blipFill>
-        <p:spPr>
-          <a:xfrm>
-            <a:off x="11128881" y="4159"/>
-            <a:ext cx="1064878" cy="1706406"/>
-          </a:xfrm>
-          <a:prstGeom prst="rect">
-            <a:avLst/>
-          </a:prstGeom>
-        </p:spPr>
-      </p:pic>
-      <p:sp>
-        <p:nvSpPr>
-          <p:cNvPr id="7" name="Titre 1">
-            <a:extLst>
-              <a:ext uri="{FF2B5EF4-FFF2-40B4-BE49-F238E27FC236}">
-                <a16:creationId xmlns:a16="http://schemas.microsoft.com/office/drawing/2014/main" id="{B50329F0-7FAB-5A46-8618-A4B121772237}"/>
-              </a:ext>
-            </a:extLst>
-          </p:cNvPr>
-          <p:cNvSpPr>
-            <a:spLocks noGrp="1"/>
-          </p:cNvSpPr>
-          <p:nvPr>
-            <p:ph type="title"/>
-          </p:nvPr>
-        </p:nvSpPr>
-        <p:spPr>
-          <a:xfrm>
-            <a:off x="838200" y="567915"/>
-            <a:ext cx="6450106" cy="365125"/>
-          </a:xfrm>
-        </p:spPr>
-        <p:txBody>
-          <a:bodyPr>
-            <a:noAutofit/>
-          </a:bodyPr>
-          <a:lstStyle/>
-          <a:p>
-            <a:r>
-              <a:rPr lang="en-GB" sz="2800" spc="300" dirty="0">
-                <a:latin typeface="Zilla Slab"/>
-              </a:rPr>
-              <a:t>Introduction</a:t>
-            </a:r>
-            <a:endParaRPr lang="en-US" dirty="0">
-              <a:latin typeface="Zilla Slab"/>
-            </a:endParaRPr>
-          </a:p>
-        </p:txBody>
-      </p:sp>
-      <p:sp>
-        <p:nvSpPr>
-          <p:cNvPr id="9" name="Google Shape;121;g6d93b6fd7c_0_0"/>
-          <p:cNvSpPr txBox="1"/>
-          <p:nvPr/>
-        </p:nvSpPr>
-        <p:spPr>
-          <a:xfrm>
-            <a:off x="3224212" y="1263625"/>
-            <a:ext cx="6332164" cy="746175"/>
-          </a:xfrm>
-          <a:prstGeom prst="rect">
-            <a:avLst/>
-          </a:prstGeom>
-          <a:noFill/>
-          <a:ln>
-            <a:noFill/>
-          </a:ln>
-        </p:spPr>
-        <p:txBody>
-          <a:bodyPr spcFirstLastPara="1" wrap="square" lIns="91425" tIns="91425" rIns="91425" bIns="91425" anchor="t" anchorCtr="0">
-            <a:noAutofit/>
-          </a:bodyPr>
-          <a:lstStyle/>
-          <a:p>
-            <a:r>
-              <a:rPr lang="en-US" sz="3200" b="1" i="1" dirty="0">
-                <a:solidFill>
-                  <a:srgbClr val="572AD7"/>
-                </a:solidFill>
-                <a:latin typeface="Montserrat"/>
-                <a:ea typeface="Montserrat" charset="0"/>
-                <a:cs typeface="Montserrat" charset="0"/>
-                <a:sym typeface="Lato"/>
-              </a:rPr>
-              <a:t>Importance of Testing</a:t>
-            </a:r>
-            <a:endParaRPr lang="en-GB" sz="2400" dirty="0">
-              <a:solidFill>
-                <a:schemeClr val="tx1">
-                  <a:lumMod val="65000"/>
-                  <a:lumOff val="35000"/>
-                </a:schemeClr>
-              </a:solidFill>
-              <a:latin typeface="Montserrat" charset="0"/>
-              <a:ea typeface="Montserrat" charset="0"/>
-              <a:cs typeface="Montserrat" charset="0"/>
-            </a:endParaRPr>
-          </a:p>
-          <a:p>
-            <a:pPr marL="0" lvl="0" indent="0" algn="l" rtl="0">
-              <a:spcBef>
-                <a:spcPts val="0"/>
-              </a:spcBef>
-              <a:spcAft>
-                <a:spcPts val="0"/>
-              </a:spcAft>
-              <a:buNone/>
-            </a:pPr>
-            <a:endParaRPr lang="en-GB" sz="2800" dirty="0">
-              <a:latin typeface="Montserrat" charset="0"/>
-              <a:ea typeface="Montserrat" charset="0"/>
-              <a:cs typeface="Montserrat" charset="0"/>
-            </a:endParaRPr>
-          </a:p>
-        </p:txBody>
-      </p:sp>
-      <p:sp>
-        <p:nvSpPr>
-          <p:cNvPr id="5" name="TextBox 4">
-            <a:extLst>
-              <a:ext uri="{FF2B5EF4-FFF2-40B4-BE49-F238E27FC236}">
-                <a16:creationId xmlns:a16="http://schemas.microsoft.com/office/drawing/2014/main" id="{FEC06C8C-535C-4357-B9E9-6ECF52C2B1B8}"/>
-              </a:ext>
-            </a:extLst>
-          </p:cNvPr>
-          <p:cNvSpPr txBox="1"/>
-          <p:nvPr/>
-        </p:nvSpPr>
-        <p:spPr>
-          <a:xfrm>
-            <a:off x="1192305" y="2551837"/>
-            <a:ext cx="8731624" cy="2308324"/>
-          </a:xfrm>
-          <a:prstGeom prst="rect">
-            <a:avLst/>
-          </a:prstGeom>
-          <a:noFill/>
-        </p:spPr>
-        <p:txBody>
-          <a:bodyPr wrap="square" rtlCol="0">
-            <a:spAutoFit/>
-          </a:bodyPr>
-          <a:lstStyle/>
-          <a:p>
-            <a:pPr marL="285750" indent="-285750">
-              <a:buFontTx/>
-              <a:buChar char="-"/>
-            </a:pPr>
-            <a:r>
-              <a:rPr lang="en-US" dirty="0">
-                <a:solidFill>
-                  <a:srgbClr val="2D3846"/>
-                </a:solidFill>
-                <a:latin typeface="Fira Sans" panose="020B0604020202020204" pitchFamily="34" charset="0"/>
-              </a:rPr>
-              <a:t>It is easy to onboard new team members in the development as they can also understand the code base with less effort. Moreover, any damage to the code becomes less worrisome as it can be quickly identified.</a:t>
-            </a:r>
-          </a:p>
-          <a:p>
-            <a:pPr marL="285750" indent="-285750">
-              <a:buFontTx/>
-              <a:buChar char="-"/>
-            </a:pPr>
-            <a:endParaRPr lang="en-US" dirty="0">
-              <a:solidFill>
-                <a:srgbClr val="2D3846"/>
-              </a:solidFill>
-              <a:latin typeface="Fira Sans" panose="020B0604020202020204" pitchFamily="34" charset="0"/>
-            </a:endParaRPr>
-          </a:p>
-          <a:p>
-            <a:pPr marL="285750" indent="-285750">
-              <a:buFontTx/>
-              <a:buChar char="-"/>
-            </a:pPr>
-            <a:r>
-              <a:rPr lang="en-US" dirty="0"/>
-              <a:t>Unit testing facilitates changes to the code by providing a way to quickly and easily verify that changes to the code do not break existing functionality</a:t>
-            </a:r>
-          </a:p>
-          <a:p>
-            <a:pPr marL="285750" indent="-285750">
-              <a:buFontTx/>
-              <a:buChar char="-"/>
-            </a:pPr>
-            <a:endParaRPr lang="en-US" dirty="0"/>
-          </a:p>
-          <a:p>
-            <a:pPr marL="285750" indent="-285750">
-              <a:buFontTx/>
-              <a:buChar char="-"/>
-            </a:pPr>
-            <a:r>
-              <a:rPr lang="en-US" dirty="0"/>
-              <a:t>Tests can serve as a code documentation</a:t>
-            </a:r>
-          </a:p>
-        </p:txBody>
-      </p:sp>
-    </p:spTree>
-    <p:extLst>
-      <p:ext uri="{BB962C8B-B14F-4D97-AF65-F5344CB8AC3E}">
-        <p14:creationId xmlns:p14="http://schemas.microsoft.com/office/powerpoint/2010/main" val="3008934499"/>
-      </p:ext>
-    </p:extLst>
-  </p:cSld>
-  <p:clrMapOvr>
-    <a:masterClrMapping/>
-  </p:clrMapOvr>
-  <mc:AlternateContent xmlns:mc="http://schemas.openxmlformats.org/markup-compatibility/2006" xmlns:p14="http://schemas.microsoft.com/office/powerpoint/2010/main">
-    <mc:Choice Requires="p14">
-      <p:transition spd="slow" p14:dur="800">
-        <p14:flythrough/>
-      </p:transition>
-    </mc:Choice>
-    <mc:Fallback xmlns="">
-      <p:transition spd="slow">
-        <p:fade/>
-      </p:transition>
-    </mc:Fallback>
-  </mc:AlternateContent>
-</p:sld>
-</file>
-
-<file path=ppt/slides/slide50.xml><?xml version="1.0" encoding="utf-8"?>
+<file path=ppt/slides/slide54.xml><?xml version="1.0" encoding="utf-8"?>
 <p:sld xmlns:a="http://schemas.openxmlformats.org/drawingml/2006/main" xmlns:r="http://schemas.openxmlformats.org/officeDocument/2006/relationships" xmlns:p="http://schemas.openxmlformats.org/presentationml/2006/main">
   <p:cSld>
     <p:spTree>
@@ -22548,1052 +23648,6 @@
 </p:sld>
 </file>
 
-<file path=ppt/slides/slide51.xml><?xml version="1.0" encoding="utf-8"?>
-<p:sld xmlns:a="http://schemas.openxmlformats.org/drawingml/2006/main" xmlns:r="http://schemas.openxmlformats.org/officeDocument/2006/relationships" xmlns:p="http://schemas.openxmlformats.org/presentationml/2006/main">
-  <p:cSld>
-    <p:spTree>
-      <p:nvGrpSpPr>
-        <p:cNvPr id="1" name=""/>
-        <p:cNvGrpSpPr/>
-        <p:nvPr/>
-      </p:nvGrpSpPr>
-      <p:grpSpPr>
-        <a:xfrm>
-          <a:off x="0" y="0"/>
-          <a:ext cx="0" cy="0"/>
-          <a:chOff x="0" y="0"/>
-          <a:chExt cx="0" cy="0"/>
-        </a:xfrm>
-      </p:grpSpPr>
-      <p:pic>
-        <p:nvPicPr>
-          <p:cNvPr id="6" name="Image 5">
-            <a:extLst>
-              <a:ext uri="{FF2B5EF4-FFF2-40B4-BE49-F238E27FC236}">
-                <a16:creationId xmlns:a16="http://schemas.microsoft.com/office/drawing/2014/main" id="{85C1BEF6-C4FA-794F-9003-5D49864298CC}"/>
-              </a:ext>
-            </a:extLst>
-          </p:cNvPr>
-          <p:cNvPicPr>
-            <a:picLocks noChangeAspect="1"/>
-          </p:cNvPicPr>
-          <p:nvPr/>
-        </p:nvPicPr>
-        <p:blipFill>
-          <a:blip r:embed="rId2"/>
-          <a:stretch>
-            <a:fillRect/>
-          </a:stretch>
-        </p:blipFill>
-        <p:spPr>
-          <a:xfrm>
-            <a:off x="10595481" y="4159"/>
-            <a:ext cx="1064878" cy="1706406"/>
-          </a:xfrm>
-          <a:prstGeom prst="rect">
-            <a:avLst/>
-          </a:prstGeom>
-        </p:spPr>
-      </p:pic>
-      <p:sp>
-        <p:nvSpPr>
-          <p:cNvPr id="7" name="Titre 1">
-            <a:extLst>
-              <a:ext uri="{FF2B5EF4-FFF2-40B4-BE49-F238E27FC236}">
-                <a16:creationId xmlns:a16="http://schemas.microsoft.com/office/drawing/2014/main" id="{B50329F0-7FAB-5A46-8618-A4B121772237}"/>
-              </a:ext>
-            </a:extLst>
-          </p:cNvPr>
-          <p:cNvSpPr>
-            <a:spLocks noGrp="1"/>
-          </p:cNvSpPr>
-          <p:nvPr>
-            <p:ph type="title"/>
-          </p:nvPr>
-        </p:nvSpPr>
-        <p:spPr>
-          <a:xfrm>
-            <a:off x="838200" y="567915"/>
-            <a:ext cx="6450106" cy="365125"/>
-          </a:xfrm>
-        </p:spPr>
-        <p:txBody>
-          <a:bodyPr>
-            <a:noAutofit/>
-          </a:bodyPr>
-          <a:lstStyle/>
-          <a:p>
-            <a:r>
-              <a:rPr lang="fr-FR" sz="2800">
-                <a:latin typeface="Zilla Slab"/>
-                <a:sym typeface="Lato Light"/>
-              </a:rPr>
-              <a:t>JUnit Jupiter</a:t>
-            </a:r>
-            <a:endParaRPr lang="en-US"/>
-          </a:p>
-        </p:txBody>
-      </p:sp>
-      <p:pic>
-        <p:nvPicPr>
-          <p:cNvPr id="2" name="Picture 2" descr="A picture containing text, sign, vector graphics&#10;&#10;Description automatically generated">
-            <a:extLst>
-              <a:ext uri="{FF2B5EF4-FFF2-40B4-BE49-F238E27FC236}">
-                <a16:creationId xmlns:a16="http://schemas.microsoft.com/office/drawing/2014/main" id="{52365D72-64A7-0D09-93B2-629B872770E6}"/>
-              </a:ext>
-            </a:extLst>
-          </p:cNvPr>
-          <p:cNvPicPr>
-            <a:picLocks noChangeAspect="1"/>
-          </p:cNvPicPr>
-          <p:nvPr/>
-        </p:nvPicPr>
-        <p:blipFill>
-          <a:blip r:embed="rId3"/>
-          <a:stretch>
-            <a:fillRect/>
-          </a:stretch>
-        </p:blipFill>
-        <p:spPr>
-          <a:xfrm>
-            <a:off x="9267825" y="5619828"/>
-            <a:ext cx="2305050" cy="704695"/>
-          </a:xfrm>
-          <a:prstGeom prst="rect">
-            <a:avLst/>
-          </a:prstGeom>
-        </p:spPr>
-      </p:pic>
-      <p:sp>
-        <p:nvSpPr>
-          <p:cNvPr id="13" name="TextBox 12">
-            <a:extLst>
-              <a:ext uri="{FF2B5EF4-FFF2-40B4-BE49-F238E27FC236}">
-                <a16:creationId xmlns:a16="http://schemas.microsoft.com/office/drawing/2014/main" id="{3AAE83B0-0E0C-0245-093D-33B6EA5DE0A8}"/>
-              </a:ext>
-            </a:extLst>
-          </p:cNvPr>
-          <p:cNvSpPr txBox="1"/>
-          <p:nvPr/>
-        </p:nvSpPr>
-        <p:spPr>
-          <a:xfrm>
-            <a:off x="1164655" y="1224573"/>
-            <a:ext cx="3048000" cy="461665"/>
-          </a:xfrm>
-          <a:prstGeom prst="rect">
-            <a:avLst/>
-          </a:prstGeom>
-          <a:noFill/>
-        </p:spPr>
-        <p:txBody>
-          <a:bodyPr rot="0" spcFirstLastPara="0" vertOverflow="overflow" horzOverflow="overflow" vert="horz" wrap="square" lIns="91440" tIns="45720" rIns="91440" bIns="45720" numCol="1" spcCol="0" rtlCol="0" fromWordArt="0" anchor="t" anchorCtr="0" forceAA="0" compatLnSpc="1">
-            <a:prstTxWarp prst="textNoShape">
-              <a:avLst/>
-            </a:prstTxWarp>
-            <a:spAutoFit/>
-          </a:bodyPr>
-          <a:lstStyle/>
-          <a:p>
-            <a:r>
-              <a:rPr lang="en-US" sz="2400" b="1">
-                <a:ea typeface="+mn-lt"/>
-                <a:cs typeface="+mn-lt"/>
-              </a:rPr>
-              <a:t>@TestFactory </a:t>
-            </a:r>
-            <a:endParaRPr lang="en-US" sz="2400" b="1">
-              <a:latin typeface="Calibri"/>
-              <a:ea typeface="Calibri"/>
-              <a:cs typeface="Calibri"/>
-            </a:endParaRPr>
-          </a:p>
-        </p:txBody>
-      </p:sp>
-      <p:pic>
-        <p:nvPicPr>
-          <p:cNvPr id="4" name="Picture 4" descr="Graphical user interface, text, application&#10;&#10;Description automatically generated">
-            <a:extLst>
-              <a:ext uri="{FF2B5EF4-FFF2-40B4-BE49-F238E27FC236}">
-                <a16:creationId xmlns:a16="http://schemas.microsoft.com/office/drawing/2014/main" id="{17549FC0-78D8-292D-9AF2-843FACFB60D8}"/>
-              </a:ext>
-            </a:extLst>
-          </p:cNvPr>
-          <p:cNvPicPr>
-            <a:picLocks noChangeAspect="1"/>
-          </p:cNvPicPr>
-          <p:nvPr/>
-        </p:nvPicPr>
-        <p:blipFill>
-          <a:blip r:embed="rId4"/>
-          <a:stretch>
-            <a:fillRect/>
-          </a:stretch>
-        </p:blipFill>
-        <p:spPr>
-          <a:xfrm>
-            <a:off x="3405554" y="673705"/>
-            <a:ext cx="5654430" cy="5569206"/>
-          </a:xfrm>
-          <a:prstGeom prst="rect">
-            <a:avLst/>
-          </a:prstGeom>
-        </p:spPr>
-      </p:pic>
-    </p:spTree>
-    <p:extLst>
-      <p:ext uri="{BB962C8B-B14F-4D97-AF65-F5344CB8AC3E}">
-        <p14:creationId xmlns:p14="http://schemas.microsoft.com/office/powerpoint/2010/main" val="2000967785"/>
-      </p:ext>
-    </p:extLst>
-  </p:cSld>
-  <p:clrMapOvr>
-    <a:masterClrMapping/>
-  </p:clrMapOvr>
-  <p:timing>
-    <p:tnLst>
-      <p:par>
-        <p:cTn id="1" dur="indefinite" restart="never" nodeType="tmRoot">
-          <p:childTnLst>
-            <p:seq concurrent="1" nextAc="seek">
-              <p:cTn id="2" dur="indefinite" nodeType="mainSeq"/>
-              <p:prevCondLst>
-                <p:cond evt="onPrev" delay="0">
-                  <p:tgtEl>
-                    <p:sldTgt/>
-                  </p:tgtEl>
-                </p:cond>
-              </p:prevCondLst>
-              <p:nextCondLst>
-                <p:cond evt="onNext" delay="0">
-                  <p:tgtEl>
-                    <p:sldTgt/>
-                  </p:tgtEl>
-                </p:cond>
-              </p:nextCondLst>
-            </p:seq>
-          </p:childTnLst>
-        </p:cTn>
-      </p:par>
-    </p:tnLst>
-  </p:timing>
-</p:sld>
-</file>
-
-<file path=ppt/slides/slide52.xml><?xml version="1.0" encoding="utf-8"?>
-<p:sld xmlns:a="http://schemas.openxmlformats.org/drawingml/2006/main" xmlns:r="http://schemas.openxmlformats.org/officeDocument/2006/relationships" xmlns:p="http://schemas.openxmlformats.org/presentationml/2006/main">
-  <p:cSld>
-    <p:spTree>
-      <p:nvGrpSpPr>
-        <p:cNvPr id="1" name=""/>
-        <p:cNvGrpSpPr/>
-        <p:nvPr/>
-      </p:nvGrpSpPr>
-      <p:grpSpPr>
-        <a:xfrm>
-          <a:off x="0" y="0"/>
-          <a:ext cx="0" cy="0"/>
-          <a:chOff x="0" y="0"/>
-          <a:chExt cx="0" cy="0"/>
-        </a:xfrm>
-      </p:grpSpPr>
-      <p:pic>
-        <p:nvPicPr>
-          <p:cNvPr id="6" name="Image 5">
-            <a:extLst>
-              <a:ext uri="{FF2B5EF4-FFF2-40B4-BE49-F238E27FC236}">
-                <a16:creationId xmlns:a16="http://schemas.microsoft.com/office/drawing/2014/main" id="{85C1BEF6-C4FA-794F-9003-5D49864298CC}"/>
-              </a:ext>
-            </a:extLst>
-          </p:cNvPr>
-          <p:cNvPicPr>
-            <a:picLocks noChangeAspect="1"/>
-          </p:cNvPicPr>
-          <p:nvPr/>
-        </p:nvPicPr>
-        <p:blipFill>
-          <a:blip r:embed="rId2"/>
-          <a:stretch>
-            <a:fillRect/>
-          </a:stretch>
-        </p:blipFill>
-        <p:spPr>
-          <a:xfrm>
-            <a:off x="10595481" y="4159"/>
-            <a:ext cx="1064878" cy="1706406"/>
-          </a:xfrm>
-          <a:prstGeom prst="rect">
-            <a:avLst/>
-          </a:prstGeom>
-        </p:spPr>
-      </p:pic>
-      <p:sp>
-        <p:nvSpPr>
-          <p:cNvPr id="7" name="Titre 1">
-            <a:extLst>
-              <a:ext uri="{FF2B5EF4-FFF2-40B4-BE49-F238E27FC236}">
-                <a16:creationId xmlns:a16="http://schemas.microsoft.com/office/drawing/2014/main" id="{B50329F0-7FAB-5A46-8618-A4B121772237}"/>
-              </a:ext>
-            </a:extLst>
-          </p:cNvPr>
-          <p:cNvSpPr>
-            <a:spLocks noGrp="1"/>
-          </p:cNvSpPr>
-          <p:nvPr>
-            <p:ph type="title"/>
-          </p:nvPr>
-        </p:nvSpPr>
-        <p:spPr>
-          <a:xfrm>
-            <a:off x="838200" y="567915"/>
-            <a:ext cx="6450106" cy="365125"/>
-          </a:xfrm>
-        </p:spPr>
-        <p:txBody>
-          <a:bodyPr>
-            <a:noAutofit/>
-          </a:bodyPr>
-          <a:lstStyle/>
-          <a:p>
-            <a:r>
-              <a:rPr lang="fr-FR" sz="2800">
-                <a:latin typeface="Zilla Slab"/>
-                <a:sym typeface="Lato Light"/>
-              </a:rPr>
-              <a:t>JUnit Jupiter</a:t>
-            </a:r>
-            <a:endParaRPr lang="en-US"/>
-          </a:p>
-        </p:txBody>
-      </p:sp>
-      <p:pic>
-        <p:nvPicPr>
-          <p:cNvPr id="2" name="Picture 2" descr="A picture containing text, sign, vector graphics&#10;&#10;Description automatically generated">
-            <a:extLst>
-              <a:ext uri="{FF2B5EF4-FFF2-40B4-BE49-F238E27FC236}">
-                <a16:creationId xmlns:a16="http://schemas.microsoft.com/office/drawing/2014/main" id="{52365D72-64A7-0D09-93B2-629B872770E6}"/>
-              </a:ext>
-            </a:extLst>
-          </p:cNvPr>
-          <p:cNvPicPr>
-            <a:picLocks noChangeAspect="1"/>
-          </p:cNvPicPr>
-          <p:nvPr/>
-        </p:nvPicPr>
-        <p:blipFill>
-          <a:blip r:embed="rId3"/>
-          <a:stretch>
-            <a:fillRect/>
-          </a:stretch>
-        </p:blipFill>
-        <p:spPr>
-          <a:xfrm>
-            <a:off x="9267825" y="5619828"/>
-            <a:ext cx="2305050" cy="704695"/>
-          </a:xfrm>
-          <a:prstGeom prst="rect">
-            <a:avLst/>
-          </a:prstGeom>
-        </p:spPr>
-      </p:pic>
-      <p:sp>
-        <p:nvSpPr>
-          <p:cNvPr id="13" name="TextBox 12">
-            <a:extLst>
-              <a:ext uri="{FF2B5EF4-FFF2-40B4-BE49-F238E27FC236}">
-                <a16:creationId xmlns:a16="http://schemas.microsoft.com/office/drawing/2014/main" id="{3AAE83B0-0E0C-0245-093D-33B6EA5DE0A8}"/>
-              </a:ext>
-            </a:extLst>
-          </p:cNvPr>
-          <p:cNvSpPr txBox="1"/>
-          <p:nvPr/>
-        </p:nvSpPr>
-        <p:spPr>
-          <a:xfrm>
-            <a:off x="1164655" y="1224573"/>
-            <a:ext cx="3048000" cy="461665"/>
-          </a:xfrm>
-          <a:prstGeom prst="rect">
-            <a:avLst/>
-          </a:prstGeom>
-          <a:noFill/>
-        </p:spPr>
-        <p:txBody>
-          <a:bodyPr rot="0" spcFirstLastPara="0" vertOverflow="overflow" horzOverflow="overflow" vert="horz" wrap="square" lIns="91440" tIns="45720" rIns="91440" bIns="45720" numCol="1" spcCol="0" rtlCol="0" fromWordArt="0" anchor="t" anchorCtr="0" forceAA="0" compatLnSpc="1">
-            <a:prstTxWarp prst="textNoShape">
-              <a:avLst/>
-            </a:prstTxWarp>
-            <a:spAutoFit/>
-          </a:bodyPr>
-          <a:lstStyle/>
-          <a:p>
-            <a:r>
-              <a:rPr lang="en-US" sz="2400" b="1">
-                <a:ea typeface="+mn-lt"/>
-                <a:cs typeface="+mn-lt"/>
-              </a:rPr>
-              <a:t>@DisplayName </a:t>
-            </a:r>
-          </a:p>
-        </p:txBody>
-      </p:sp>
-      <p:pic>
-        <p:nvPicPr>
-          <p:cNvPr id="3" name="Picture 4" descr="Graphical user interface, text, application&#10;&#10;Description automatically generated">
-            <a:extLst>
-              <a:ext uri="{FF2B5EF4-FFF2-40B4-BE49-F238E27FC236}">
-                <a16:creationId xmlns:a16="http://schemas.microsoft.com/office/drawing/2014/main" id="{B13A5F5F-813A-07D0-E996-3E8E71D57C06}"/>
-              </a:ext>
-            </a:extLst>
-          </p:cNvPr>
-          <p:cNvPicPr>
-            <a:picLocks noChangeAspect="1"/>
-          </p:cNvPicPr>
-          <p:nvPr/>
-        </p:nvPicPr>
-        <p:blipFill>
-          <a:blip r:embed="rId4"/>
-          <a:stretch>
-            <a:fillRect/>
-          </a:stretch>
-        </p:blipFill>
-        <p:spPr>
-          <a:xfrm>
-            <a:off x="1303867" y="2502232"/>
-            <a:ext cx="9372600" cy="2437735"/>
-          </a:xfrm>
-          <a:prstGeom prst="rect">
-            <a:avLst/>
-          </a:prstGeom>
-        </p:spPr>
-      </p:pic>
-    </p:spTree>
-    <p:extLst>
-      <p:ext uri="{BB962C8B-B14F-4D97-AF65-F5344CB8AC3E}">
-        <p14:creationId xmlns:p14="http://schemas.microsoft.com/office/powerpoint/2010/main" val="2583295291"/>
-      </p:ext>
-    </p:extLst>
-  </p:cSld>
-  <p:clrMapOvr>
-    <a:masterClrMapping/>
-  </p:clrMapOvr>
-  <p:timing>
-    <p:tnLst>
-      <p:par>
-        <p:cTn id="1" dur="indefinite" restart="never" nodeType="tmRoot">
-          <p:childTnLst>
-            <p:seq concurrent="1" nextAc="seek">
-              <p:cTn id="2" dur="indefinite" nodeType="mainSeq"/>
-              <p:prevCondLst>
-                <p:cond evt="onPrev" delay="0">
-                  <p:tgtEl>
-                    <p:sldTgt/>
-                  </p:tgtEl>
-                </p:cond>
-              </p:prevCondLst>
-              <p:nextCondLst>
-                <p:cond evt="onNext" delay="0">
-                  <p:tgtEl>
-                    <p:sldTgt/>
-                  </p:tgtEl>
-                </p:cond>
-              </p:nextCondLst>
-            </p:seq>
-          </p:childTnLst>
-        </p:cTn>
-      </p:par>
-    </p:tnLst>
-  </p:timing>
-</p:sld>
-</file>
-
-<file path=ppt/slides/slide53.xml><?xml version="1.0" encoding="utf-8"?>
-<p:sld xmlns:a="http://schemas.openxmlformats.org/drawingml/2006/main" xmlns:r="http://schemas.openxmlformats.org/officeDocument/2006/relationships" xmlns:p="http://schemas.openxmlformats.org/presentationml/2006/main">
-  <p:cSld>
-    <p:spTree>
-      <p:nvGrpSpPr>
-        <p:cNvPr id="1" name=""/>
-        <p:cNvGrpSpPr/>
-        <p:nvPr/>
-      </p:nvGrpSpPr>
-      <p:grpSpPr>
-        <a:xfrm>
-          <a:off x="0" y="0"/>
-          <a:ext cx="0" cy="0"/>
-          <a:chOff x="0" y="0"/>
-          <a:chExt cx="0" cy="0"/>
-        </a:xfrm>
-      </p:grpSpPr>
-      <p:pic>
-        <p:nvPicPr>
-          <p:cNvPr id="6" name="Image 5">
-            <a:extLst>
-              <a:ext uri="{FF2B5EF4-FFF2-40B4-BE49-F238E27FC236}">
-                <a16:creationId xmlns:a16="http://schemas.microsoft.com/office/drawing/2014/main" id="{85C1BEF6-C4FA-794F-9003-5D49864298CC}"/>
-              </a:ext>
-            </a:extLst>
-          </p:cNvPr>
-          <p:cNvPicPr>
-            <a:picLocks noChangeAspect="1"/>
-          </p:cNvPicPr>
-          <p:nvPr/>
-        </p:nvPicPr>
-        <p:blipFill>
-          <a:blip r:embed="rId2"/>
-          <a:stretch>
-            <a:fillRect/>
-          </a:stretch>
-        </p:blipFill>
-        <p:spPr>
-          <a:xfrm>
-            <a:off x="10595481" y="4159"/>
-            <a:ext cx="1064878" cy="1706406"/>
-          </a:xfrm>
-          <a:prstGeom prst="rect">
-            <a:avLst/>
-          </a:prstGeom>
-        </p:spPr>
-      </p:pic>
-      <p:sp>
-        <p:nvSpPr>
-          <p:cNvPr id="7" name="Titre 1">
-            <a:extLst>
-              <a:ext uri="{FF2B5EF4-FFF2-40B4-BE49-F238E27FC236}">
-                <a16:creationId xmlns:a16="http://schemas.microsoft.com/office/drawing/2014/main" id="{B50329F0-7FAB-5A46-8618-A4B121772237}"/>
-              </a:ext>
-            </a:extLst>
-          </p:cNvPr>
-          <p:cNvSpPr>
-            <a:spLocks noGrp="1"/>
-          </p:cNvSpPr>
-          <p:nvPr>
-            <p:ph type="title"/>
-          </p:nvPr>
-        </p:nvSpPr>
-        <p:spPr>
-          <a:xfrm>
-            <a:off x="838200" y="567915"/>
-            <a:ext cx="6450106" cy="365125"/>
-          </a:xfrm>
-        </p:spPr>
-        <p:txBody>
-          <a:bodyPr>
-            <a:noAutofit/>
-          </a:bodyPr>
-          <a:lstStyle/>
-          <a:p>
-            <a:r>
-              <a:rPr lang="fr-FR" sz="2800">
-                <a:latin typeface="Zilla Slab"/>
-                <a:sym typeface="Lato Light"/>
-              </a:rPr>
-              <a:t>JUnit Jupiter</a:t>
-            </a:r>
-            <a:endParaRPr lang="en-US"/>
-          </a:p>
-        </p:txBody>
-      </p:sp>
-      <p:pic>
-        <p:nvPicPr>
-          <p:cNvPr id="2" name="Picture 2" descr="A picture containing text, sign, vector graphics&#10;&#10;Description automatically generated">
-            <a:extLst>
-              <a:ext uri="{FF2B5EF4-FFF2-40B4-BE49-F238E27FC236}">
-                <a16:creationId xmlns:a16="http://schemas.microsoft.com/office/drawing/2014/main" id="{52365D72-64A7-0D09-93B2-629B872770E6}"/>
-              </a:ext>
-            </a:extLst>
-          </p:cNvPr>
-          <p:cNvPicPr>
-            <a:picLocks noChangeAspect="1"/>
-          </p:cNvPicPr>
-          <p:nvPr/>
-        </p:nvPicPr>
-        <p:blipFill>
-          <a:blip r:embed="rId3"/>
-          <a:stretch>
-            <a:fillRect/>
-          </a:stretch>
-        </p:blipFill>
-        <p:spPr>
-          <a:xfrm>
-            <a:off x="9267825" y="5619828"/>
-            <a:ext cx="2305050" cy="704695"/>
-          </a:xfrm>
-          <a:prstGeom prst="rect">
-            <a:avLst/>
-          </a:prstGeom>
-        </p:spPr>
-      </p:pic>
-      <p:sp>
-        <p:nvSpPr>
-          <p:cNvPr id="13" name="TextBox 12">
-            <a:extLst>
-              <a:ext uri="{FF2B5EF4-FFF2-40B4-BE49-F238E27FC236}">
-                <a16:creationId xmlns:a16="http://schemas.microsoft.com/office/drawing/2014/main" id="{3AAE83B0-0E0C-0245-093D-33B6EA5DE0A8}"/>
-              </a:ext>
-            </a:extLst>
-          </p:cNvPr>
-          <p:cNvSpPr txBox="1"/>
-          <p:nvPr/>
-        </p:nvSpPr>
-        <p:spPr>
-          <a:xfrm>
-            <a:off x="1164655" y="1224573"/>
-            <a:ext cx="3048000" cy="461665"/>
-          </a:xfrm>
-          <a:prstGeom prst="rect">
-            <a:avLst/>
-          </a:prstGeom>
-          <a:noFill/>
-        </p:spPr>
-        <p:txBody>
-          <a:bodyPr rot="0" spcFirstLastPara="0" vertOverflow="overflow" horzOverflow="overflow" vert="horz" wrap="square" lIns="91440" tIns="45720" rIns="91440" bIns="45720" numCol="1" spcCol="0" rtlCol="0" fromWordArt="0" anchor="t" anchorCtr="0" forceAA="0" compatLnSpc="1">
-            <a:prstTxWarp prst="textNoShape">
-              <a:avLst/>
-            </a:prstTxWarp>
-            <a:spAutoFit/>
-          </a:bodyPr>
-          <a:lstStyle/>
-          <a:p>
-            <a:r>
-              <a:rPr lang="en-US" sz="2400" b="1">
-                <a:ea typeface="+mn-lt"/>
-                <a:cs typeface="+mn-lt"/>
-              </a:rPr>
-              <a:t>@Tag</a:t>
-            </a:r>
-          </a:p>
-        </p:txBody>
-      </p:sp>
-      <p:pic>
-        <p:nvPicPr>
-          <p:cNvPr id="5" name="Picture 7" descr="Text&#10;&#10;Description automatically generated">
-            <a:extLst>
-              <a:ext uri="{FF2B5EF4-FFF2-40B4-BE49-F238E27FC236}">
-                <a16:creationId xmlns:a16="http://schemas.microsoft.com/office/drawing/2014/main" id="{429D3B89-F89B-9C1D-8991-B6FBA8E4B4E6}"/>
-              </a:ext>
-            </a:extLst>
-          </p:cNvPr>
-          <p:cNvPicPr>
-            <a:picLocks noChangeAspect="1"/>
-          </p:cNvPicPr>
-          <p:nvPr/>
-        </p:nvPicPr>
-        <p:blipFill>
-          <a:blip r:embed="rId4"/>
-          <a:stretch>
-            <a:fillRect/>
-          </a:stretch>
-        </p:blipFill>
-        <p:spPr>
-          <a:xfrm>
-            <a:off x="389468" y="1792621"/>
-            <a:ext cx="5664199" cy="4373427"/>
-          </a:xfrm>
-          <a:prstGeom prst="rect">
-            <a:avLst/>
-          </a:prstGeom>
-        </p:spPr>
-      </p:pic>
-      <p:sp>
-        <p:nvSpPr>
-          <p:cNvPr id="9" name="TextBox 8">
-            <a:extLst>
-              <a:ext uri="{FF2B5EF4-FFF2-40B4-BE49-F238E27FC236}">
-                <a16:creationId xmlns:a16="http://schemas.microsoft.com/office/drawing/2014/main" id="{61F23276-591F-34C2-02EE-F3E301E04E7A}"/>
-              </a:ext>
-            </a:extLst>
-          </p:cNvPr>
-          <p:cNvSpPr txBox="1"/>
-          <p:nvPr/>
-        </p:nvSpPr>
-        <p:spPr>
-          <a:xfrm>
-            <a:off x="6383868" y="2065866"/>
-            <a:ext cx="5080000" cy="3139321"/>
-          </a:xfrm>
-          <a:prstGeom prst="rect">
-            <a:avLst/>
-          </a:prstGeom>
-          <a:noFill/>
-        </p:spPr>
-        <p:txBody>
-          <a:bodyPr rot="0" spcFirstLastPara="0" vertOverflow="overflow" horzOverflow="overflow" vert="horz" wrap="square" lIns="91440" tIns="45720" rIns="91440" bIns="45720" numCol="1" spcCol="0" rtlCol="0" fromWordArt="0" anchor="t" anchorCtr="0" forceAA="0" compatLnSpc="1">
-            <a:prstTxWarp prst="textNoShape">
-              <a:avLst/>
-            </a:prstTxWarp>
-            <a:spAutoFit/>
-          </a:bodyPr>
-          <a:lstStyle/>
-          <a:p>
-            <a:r>
-              <a:rPr lang="en-US">
-                <a:solidFill>
-                  <a:srgbClr val="FF0000"/>
-                </a:solidFill>
-                <a:ea typeface="+mn-lt"/>
-                <a:cs typeface="+mn-lt"/>
-              </a:rPr>
-              <a:t># Run tests which tagged with `load` and exclude tagged with `api`</a:t>
-            </a:r>
-            <a:r>
-              <a:rPr lang="en-US">
-                <a:ea typeface="+mn-lt"/>
-                <a:cs typeface="+mn-lt"/>
-              </a:rPr>
-              <a:t>
- mvn test -Dgroups="load" -DexcludedGroups="api" 
-</a:t>
-            </a:r>
-            <a:r>
-              <a:rPr lang="en-US">
-                <a:solidFill>
-                  <a:srgbClr val="FF0000"/>
-                </a:solidFill>
-                <a:ea typeface="+mn-lt"/>
-                <a:cs typeface="+mn-lt"/>
-              </a:rPr>
-              <a:t># Run tests which tagged with `api` or  `performance`</a:t>
-            </a:r>
-            <a:r>
-              <a:rPr lang="en-US">
-                <a:ea typeface="+mn-lt"/>
-                <a:cs typeface="+mn-lt"/>
-              </a:rPr>
-              <a:t>
- mvn test -Dgroups="api | performance" 
-</a:t>
-            </a:r>
-            <a:r>
-              <a:rPr lang="en-US">
-                <a:solidFill>
-                  <a:srgbClr val="FF0000"/>
-                </a:solidFill>
-                <a:ea typeface="+mn-lt"/>
-                <a:cs typeface="+mn-lt"/>
-              </a:rPr>
-              <a:t># Run tests which tagged both `api` and  `performance`</a:t>
-            </a:r>
-            <a:r>
-              <a:rPr lang="en-US">
-                <a:ea typeface="+mn-lt"/>
-                <a:cs typeface="+mn-lt"/>
-              </a:rPr>
-              <a:t>
- </a:t>
-            </a:r>
-            <a:r>
-              <a:rPr lang="en-US" err="1">
-                <a:ea typeface="+mn-lt"/>
-                <a:cs typeface="+mn-lt"/>
-              </a:rPr>
-              <a:t>mvn</a:t>
-            </a:r>
-            <a:r>
-              <a:rPr lang="en-US">
-                <a:ea typeface="+mn-lt"/>
-                <a:cs typeface="+mn-lt"/>
-              </a:rPr>
-              <a:t> test -</a:t>
-            </a:r>
-            <a:r>
-              <a:rPr lang="en-US" err="1">
-                <a:ea typeface="+mn-lt"/>
-                <a:cs typeface="+mn-lt"/>
-              </a:rPr>
-              <a:t>Dgroups</a:t>
-            </a:r>
-            <a:r>
-              <a:rPr lang="en-US">
-                <a:ea typeface="+mn-lt"/>
-                <a:cs typeface="+mn-lt"/>
-              </a:rPr>
-              <a:t>="</a:t>
-            </a:r>
-            <a:r>
-              <a:rPr lang="en-US" err="1">
-                <a:ea typeface="+mn-lt"/>
-                <a:cs typeface="+mn-lt"/>
-              </a:rPr>
-              <a:t>api</a:t>
-            </a:r>
-            <a:r>
-              <a:rPr lang="en-US">
-                <a:ea typeface="+mn-lt"/>
-                <a:cs typeface="+mn-lt"/>
-              </a:rPr>
-              <a:t> &amp; performance" </a:t>
-            </a:r>
-            <a:endParaRPr lang="en-US"/>
-          </a:p>
-        </p:txBody>
-      </p:sp>
-    </p:spTree>
-    <p:extLst>
-      <p:ext uri="{BB962C8B-B14F-4D97-AF65-F5344CB8AC3E}">
-        <p14:creationId xmlns:p14="http://schemas.microsoft.com/office/powerpoint/2010/main" val="3368177868"/>
-      </p:ext>
-    </p:extLst>
-  </p:cSld>
-  <p:clrMapOvr>
-    <a:masterClrMapping/>
-  </p:clrMapOvr>
-  <p:timing>
-    <p:tnLst>
-      <p:par>
-        <p:cTn id="1" dur="indefinite" restart="never" nodeType="tmRoot">
-          <p:childTnLst>
-            <p:seq concurrent="1" nextAc="seek">
-              <p:cTn id="2" dur="indefinite" nodeType="mainSeq"/>
-              <p:prevCondLst>
-                <p:cond evt="onPrev" delay="0">
-                  <p:tgtEl>
-                    <p:sldTgt/>
-                  </p:tgtEl>
-                </p:cond>
-              </p:prevCondLst>
-              <p:nextCondLst>
-                <p:cond evt="onNext" delay="0">
-                  <p:tgtEl>
-                    <p:sldTgt/>
-                  </p:tgtEl>
-                </p:cond>
-              </p:nextCondLst>
-            </p:seq>
-          </p:childTnLst>
-        </p:cTn>
-      </p:par>
-    </p:tnLst>
-  </p:timing>
-</p:sld>
-</file>
-
-<file path=ppt/slides/slide54.xml><?xml version="1.0" encoding="utf-8"?>
-<p:sld xmlns:a="http://schemas.openxmlformats.org/drawingml/2006/main" xmlns:r="http://schemas.openxmlformats.org/officeDocument/2006/relationships" xmlns:p="http://schemas.openxmlformats.org/presentationml/2006/main">
-  <p:cSld>
-    <p:spTree>
-      <p:nvGrpSpPr>
-        <p:cNvPr id="1" name=""/>
-        <p:cNvGrpSpPr/>
-        <p:nvPr/>
-      </p:nvGrpSpPr>
-      <p:grpSpPr>
-        <a:xfrm>
-          <a:off x="0" y="0"/>
-          <a:ext cx="0" cy="0"/>
-          <a:chOff x="0" y="0"/>
-          <a:chExt cx="0" cy="0"/>
-        </a:xfrm>
-      </p:grpSpPr>
-      <p:pic>
-        <p:nvPicPr>
-          <p:cNvPr id="6" name="Image 5">
-            <a:extLst>
-              <a:ext uri="{FF2B5EF4-FFF2-40B4-BE49-F238E27FC236}">
-                <a16:creationId xmlns:a16="http://schemas.microsoft.com/office/drawing/2014/main" id="{85C1BEF6-C4FA-794F-9003-5D49864298CC}"/>
-              </a:ext>
-            </a:extLst>
-          </p:cNvPr>
-          <p:cNvPicPr>
-            <a:picLocks noChangeAspect="1"/>
-          </p:cNvPicPr>
-          <p:nvPr/>
-        </p:nvPicPr>
-        <p:blipFill>
-          <a:blip r:embed="rId2"/>
-          <a:stretch>
-            <a:fillRect/>
-          </a:stretch>
-        </p:blipFill>
-        <p:spPr>
-          <a:xfrm>
-            <a:off x="10595481" y="4159"/>
-            <a:ext cx="1064878" cy="1706406"/>
-          </a:xfrm>
-          <a:prstGeom prst="rect">
-            <a:avLst/>
-          </a:prstGeom>
-        </p:spPr>
-      </p:pic>
-      <p:sp>
-        <p:nvSpPr>
-          <p:cNvPr id="7" name="Titre 1">
-            <a:extLst>
-              <a:ext uri="{FF2B5EF4-FFF2-40B4-BE49-F238E27FC236}">
-                <a16:creationId xmlns:a16="http://schemas.microsoft.com/office/drawing/2014/main" id="{B50329F0-7FAB-5A46-8618-A4B121772237}"/>
-              </a:ext>
-            </a:extLst>
-          </p:cNvPr>
-          <p:cNvSpPr>
-            <a:spLocks noGrp="1"/>
-          </p:cNvSpPr>
-          <p:nvPr>
-            <p:ph type="title"/>
-          </p:nvPr>
-        </p:nvSpPr>
-        <p:spPr>
-          <a:xfrm>
-            <a:off x="838200" y="567915"/>
-            <a:ext cx="6450106" cy="365125"/>
-          </a:xfrm>
-        </p:spPr>
-        <p:txBody>
-          <a:bodyPr>
-            <a:noAutofit/>
-          </a:bodyPr>
-          <a:lstStyle/>
-          <a:p>
-            <a:r>
-              <a:rPr lang="fr-FR" sz="2800">
-                <a:latin typeface="Zilla Slab"/>
-                <a:sym typeface="Lato Light"/>
-              </a:rPr>
-              <a:t>JUnit Jupiter</a:t>
-            </a:r>
-            <a:endParaRPr lang="en-US"/>
-          </a:p>
-        </p:txBody>
-      </p:sp>
-      <p:pic>
-        <p:nvPicPr>
-          <p:cNvPr id="2" name="Picture 2" descr="A picture containing text, sign, vector graphics&#10;&#10;Description automatically generated">
-            <a:extLst>
-              <a:ext uri="{FF2B5EF4-FFF2-40B4-BE49-F238E27FC236}">
-                <a16:creationId xmlns:a16="http://schemas.microsoft.com/office/drawing/2014/main" id="{52365D72-64A7-0D09-93B2-629B872770E6}"/>
-              </a:ext>
-            </a:extLst>
-          </p:cNvPr>
-          <p:cNvPicPr>
-            <a:picLocks noChangeAspect="1"/>
-          </p:cNvPicPr>
-          <p:nvPr/>
-        </p:nvPicPr>
-        <p:blipFill>
-          <a:blip r:embed="rId3"/>
-          <a:stretch>
-            <a:fillRect/>
-          </a:stretch>
-        </p:blipFill>
-        <p:spPr>
-          <a:xfrm>
-            <a:off x="9267825" y="5619828"/>
-            <a:ext cx="2305050" cy="704695"/>
-          </a:xfrm>
-          <a:prstGeom prst="rect">
-            <a:avLst/>
-          </a:prstGeom>
-        </p:spPr>
-      </p:pic>
-      <p:sp>
-        <p:nvSpPr>
-          <p:cNvPr id="13" name="TextBox 12">
-            <a:extLst>
-              <a:ext uri="{FF2B5EF4-FFF2-40B4-BE49-F238E27FC236}">
-                <a16:creationId xmlns:a16="http://schemas.microsoft.com/office/drawing/2014/main" id="{3AAE83B0-0E0C-0245-093D-33B6EA5DE0A8}"/>
-              </a:ext>
-            </a:extLst>
-          </p:cNvPr>
-          <p:cNvSpPr txBox="1"/>
-          <p:nvPr/>
-        </p:nvSpPr>
-        <p:spPr>
-          <a:xfrm>
-            <a:off x="1164655" y="1224573"/>
-            <a:ext cx="3048000" cy="461665"/>
-          </a:xfrm>
-          <a:prstGeom prst="rect">
-            <a:avLst/>
-          </a:prstGeom>
-          <a:noFill/>
-        </p:spPr>
-        <p:txBody>
-          <a:bodyPr rot="0" spcFirstLastPara="0" vertOverflow="overflow" horzOverflow="overflow" vert="horz" wrap="square" lIns="91440" tIns="45720" rIns="91440" bIns="45720" numCol="1" spcCol="0" rtlCol="0" fromWordArt="0" anchor="t" anchorCtr="0" forceAA="0" compatLnSpc="1">
-            <a:prstTxWarp prst="textNoShape">
-              <a:avLst/>
-            </a:prstTxWarp>
-            <a:spAutoFit/>
-          </a:bodyPr>
-          <a:lstStyle/>
-          <a:p>
-            <a:r>
-              <a:rPr lang="en-US" sz="2400" b="1">
-                <a:ea typeface="+mn-lt"/>
-                <a:cs typeface="+mn-lt"/>
-              </a:rPr>
-              <a:t>@ExtendWith</a:t>
-            </a:r>
-          </a:p>
-        </p:txBody>
-      </p:sp>
-      <p:pic>
-        <p:nvPicPr>
-          <p:cNvPr id="3" name="Picture 3" descr="Graphical user interface, text, application&#10;&#10;Description automatically generated">
-            <a:extLst>
-              <a:ext uri="{FF2B5EF4-FFF2-40B4-BE49-F238E27FC236}">
-                <a16:creationId xmlns:a16="http://schemas.microsoft.com/office/drawing/2014/main" id="{0273EF46-8D5D-D305-444D-9D8894F6E6C8}"/>
-              </a:ext>
-            </a:extLst>
-          </p:cNvPr>
-          <p:cNvPicPr>
-            <a:picLocks noChangeAspect="1"/>
-          </p:cNvPicPr>
-          <p:nvPr/>
-        </p:nvPicPr>
-        <p:blipFill>
-          <a:blip r:embed="rId4"/>
-          <a:stretch>
-            <a:fillRect/>
-          </a:stretch>
-        </p:blipFill>
-        <p:spPr>
-          <a:xfrm>
-            <a:off x="3996267" y="244271"/>
-            <a:ext cx="6383866" cy="5395790"/>
-          </a:xfrm>
-          <a:prstGeom prst="rect">
-            <a:avLst/>
-          </a:prstGeom>
-        </p:spPr>
-      </p:pic>
-    </p:spTree>
-    <p:extLst>
-      <p:ext uri="{BB962C8B-B14F-4D97-AF65-F5344CB8AC3E}">
-        <p14:creationId xmlns:p14="http://schemas.microsoft.com/office/powerpoint/2010/main" val="2384930954"/>
-      </p:ext>
-    </p:extLst>
-  </p:cSld>
-  <p:clrMapOvr>
-    <a:masterClrMapping/>
-  </p:clrMapOvr>
-  <p:timing>
-    <p:tnLst>
-      <p:par>
-        <p:cTn id="1" dur="indefinite" restart="never" nodeType="tmRoot">
-          <p:childTnLst>
-            <p:seq concurrent="1" nextAc="seek">
-              <p:cTn id="2" dur="indefinite" nodeType="mainSeq"/>
-              <p:prevCondLst>
-                <p:cond evt="onPrev" delay="0">
-                  <p:tgtEl>
-                    <p:sldTgt/>
-                  </p:tgtEl>
-                </p:cond>
-              </p:prevCondLst>
-              <p:nextCondLst>
-                <p:cond evt="onNext" delay="0">
-                  <p:tgtEl>
-                    <p:sldTgt/>
-                  </p:tgtEl>
-                </p:cond>
-              </p:nextCondLst>
-            </p:seq>
-          </p:childTnLst>
-        </p:cTn>
-      </p:par>
-    </p:tnLst>
-  </p:timing>
-</p:sld>
-</file>
-
 <file path=ppt/slides/slide55.xml><?xml version="1.0" encoding="utf-8"?>
 <p:sld xmlns:a="http://schemas.openxmlformats.org/drawingml/2006/main" xmlns:r="http://schemas.openxmlformats.org/officeDocument/2006/relationships" xmlns:p="http://schemas.openxmlformats.org/presentationml/2006/main">
   <p:cSld>
@@ -23724,8 +23778,8 @@
         </p:nvSpPr>
         <p:spPr>
           <a:xfrm>
-            <a:off x="1079988" y="2274440"/>
-            <a:ext cx="3048000" cy="1569660"/>
+            <a:off x="1164655" y="1224573"/>
+            <a:ext cx="3048000" cy="461665"/>
           </a:xfrm>
           <a:prstGeom prst="rect">
             <a:avLst/>
@@ -23741,65 +23795,27 @@
           </a:bodyPr>
           <a:lstStyle/>
           <a:p>
-            <a:pPr marL="285750" indent="-285750">
-              <a:buFont typeface="Arial,Sans-Serif"/>
-              <a:buChar char="•"/>
-            </a:pPr>
             <a:r>
               <a:rPr lang="en-US" sz="2400" b="1">
                 <a:ea typeface="+mn-lt"/>
                 <a:cs typeface="+mn-lt"/>
               </a:rPr>
-              <a:t>@BeforeEach </a:t>
-            </a:r>
-          </a:p>
-          <a:p>
-            <a:pPr marL="285750" indent="-285750">
-              <a:buFont typeface="Arial,Sans-Serif"/>
-              <a:buChar char="•"/>
-            </a:pPr>
-            <a:r>
-              <a:rPr lang="en-US" sz="2400" b="1">
-                <a:ea typeface="+mn-lt"/>
-                <a:cs typeface="+mn-lt"/>
-              </a:rPr>
-              <a:t>@AfterEach </a:t>
-            </a:r>
-          </a:p>
-          <a:p>
-            <a:pPr marL="285750" indent="-285750">
-              <a:buFont typeface="Arial,Sans-Serif"/>
-              <a:buChar char="•"/>
-            </a:pPr>
-            <a:r>
-              <a:rPr lang="en-US" sz="2400" b="1">
-                <a:ea typeface="+mn-lt"/>
-                <a:cs typeface="+mn-lt"/>
-              </a:rPr>
-              <a:t>@BeforeAll </a:t>
-            </a:r>
-          </a:p>
-          <a:p>
-            <a:pPr marL="285750" indent="-285750">
-              <a:buFont typeface="Arial,Sans-Serif"/>
-              <a:buChar char="•"/>
-            </a:pPr>
-            <a:r>
-              <a:rPr lang="en-US" sz="2400" b="1">
-                <a:ea typeface="+mn-lt"/>
-                <a:cs typeface="+mn-lt"/>
-              </a:rPr>
-              <a:t>@AfterAll </a:t>
-            </a:r>
+              <a:t>@TestFactory </a:t>
+            </a:r>
+            <a:endParaRPr lang="en-US" sz="2400" b="1">
+              <a:latin typeface="Calibri"/>
+              <a:ea typeface="Calibri"/>
+              <a:cs typeface="Calibri"/>
+            </a:endParaRPr>
           </a:p>
         </p:txBody>
       </p:sp>
       <p:pic>
         <p:nvPicPr>
-          <p:cNvPr id="4" name="Picture 4" descr="Graphical user interface, application&#10;&#10;Description automatically generated">
+          <p:cNvPr id="4" name="Picture 4" descr="Graphical user interface, text, application&#10;&#10;Description automatically generated">
             <a:extLst>
               <a:ext uri="{FF2B5EF4-FFF2-40B4-BE49-F238E27FC236}">
-                <a16:creationId xmlns:a16="http://schemas.microsoft.com/office/drawing/2014/main" id="{774C1C13-0E11-E741-D5F9-80C43CF47453}"/>
+                <a16:creationId xmlns:a16="http://schemas.microsoft.com/office/drawing/2014/main" id="{17549FC0-78D8-292D-9AF2-843FACFB60D8}"/>
               </a:ext>
             </a:extLst>
           </p:cNvPr>
@@ -23816,8 +23832,8 @@
         </p:blipFill>
         <p:spPr>
           <a:xfrm>
-            <a:off x="4468813" y="42333"/>
-            <a:ext cx="3398308" cy="6714067"/>
+            <a:off x="3405554" y="673705"/>
+            <a:ext cx="5654430" cy="5569206"/>
           </a:xfrm>
           <a:prstGeom prst="rect">
             <a:avLst/>
@@ -23827,7 +23843,7 @@
     </p:spTree>
     <p:extLst>
       <p:ext uri="{BB962C8B-B14F-4D97-AF65-F5344CB8AC3E}">
-        <p14:creationId xmlns:p14="http://schemas.microsoft.com/office/powerpoint/2010/main" val="151043685"/>
+        <p14:creationId xmlns:p14="http://schemas.microsoft.com/office/powerpoint/2010/main" val="2000967785"/>
       </p:ext>
     </p:extLst>
   </p:cSld>
@@ -23994,8 +24010,8 @@
         </p:nvSpPr>
         <p:spPr>
           <a:xfrm>
-            <a:off x="894373" y="1258440"/>
-            <a:ext cx="2354385" cy="461665"/>
+            <a:off x="1164655" y="1224573"/>
+            <a:ext cx="3048000" cy="461665"/>
           </a:xfrm>
           <a:prstGeom prst="rect">
             <a:avLst/>
@@ -24011,26 +24027,22 @@
           </a:bodyPr>
           <a:lstStyle/>
           <a:p>
-            <a:pPr marL="285750" indent="-285750">
-              <a:buFont typeface="Arial,Sans-Serif"/>
-              <a:buChar char="•"/>
-            </a:pPr>
             <a:r>
               <a:rPr lang="en-US" sz="2400" b="1">
                 <a:ea typeface="+mn-lt"/>
                 <a:cs typeface="+mn-lt"/>
               </a:rPr>
-              <a:t>@Disabled</a:t>
+              <a:t>@DisplayName </a:t>
             </a:r>
           </a:p>
         </p:txBody>
       </p:sp>
       <p:pic>
         <p:nvPicPr>
-          <p:cNvPr id="3" name="Picture 4" descr="Graphical user interface, text&#10;&#10;Description automatically generated">
+          <p:cNvPr id="3" name="Picture 4" descr="Graphical user interface, text, application&#10;&#10;Description automatically generated">
             <a:extLst>
               <a:ext uri="{FF2B5EF4-FFF2-40B4-BE49-F238E27FC236}">
-                <a16:creationId xmlns:a16="http://schemas.microsoft.com/office/drawing/2014/main" id="{92D2A96F-8C6C-E61F-2A6A-884A5798B935}"/>
+                <a16:creationId xmlns:a16="http://schemas.microsoft.com/office/drawing/2014/main" id="{B13A5F5F-813A-07D0-E996-3E8E71D57C06}"/>
               </a:ext>
             </a:extLst>
           </p:cNvPr>
@@ -24047,8 +24059,8 @@
         </p:blipFill>
         <p:spPr>
           <a:xfrm>
-            <a:off x="4246359" y="325363"/>
-            <a:ext cx="6019148" cy="5214068"/>
+            <a:off x="1303867" y="2502232"/>
+            <a:ext cx="9372600" cy="2437735"/>
           </a:xfrm>
           <a:prstGeom prst="rect">
             <a:avLst/>
@@ -24058,7 +24070,7 @@
     </p:spTree>
     <p:extLst>
       <p:ext uri="{BB962C8B-B14F-4D97-AF65-F5344CB8AC3E}">
-        <p14:creationId xmlns:p14="http://schemas.microsoft.com/office/powerpoint/2010/main" val="1161972306"/>
+        <p14:creationId xmlns:p14="http://schemas.microsoft.com/office/powerpoint/2010/main" val="2583295291"/>
       </p:ext>
     </p:extLst>
   </p:cSld>
@@ -24225,8 +24237,8 @@
         </p:nvSpPr>
         <p:spPr>
           <a:xfrm>
-            <a:off x="1079988" y="2274440"/>
-            <a:ext cx="2041770" cy="461665"/>
+            <a:off x="1164655" y="1224573"/>
+            <a:ext cx="3048000" cy="461665"/>
           </a:xfrm>
           <a:prstGeom prst="rect">
             <a:avLst/>
@@ -24242,27 +24254,22 @@
           </a:bodyPr>
           <a:lstStyle/>
           <a:p>
-            <a:pPr marL="285750" indent="-285750">
-              <a:buFont typeface="Arial,Sans-Serif"/>
-              <a:buChar char="•"/>
-            </a:pPr>
             <a:r>
               <a:rPr lang="en-US" sz="2400" b="1">
                 <a:ea typeface="+mn-lt"/>
                 <a:cs typeface="+mn-lt"/>
               </a:rPr>
-              <a:t>@Sql</a:t>
-            </a:r>
-            <a:endParaRPr lang="en-US"/>
+              <a:t>@Tag</a:t>
+            </a:r>
           </a:p>
         </p:txBody>
       </p:sp>
       <p:pic>
         <p:nvPicPr>
-          <p:cNvPr id="3" name="Picture 4" descr="Text&#10;&#10;Description automatically generated">
+          <p:cNvPr id="5" name="Picture 7" descr="Text&#10;&#10;Description automatically generated">
             <a:extLst>
               <a:ext uri="{FF2B5EF4-FFF2-40B4-BE49-F238E27FC236}">
-                <a16:creationId xmlns:a16="http://schemas.microsoft.com/office/drawing/2014/main" id="{925B04D1-6581-CE0B-F779-7B3C57C583D2}"/>
+                <a16:creationId xmlns:a16="http://schemas.microsoft.com/office/drawing/2014/main" id="{429D3B89-F89B-9C1D-8991-B6FBA8E4B4E6}"/>
               </a:ext>
             </a:extLst>
           </p:cNvPr>
@@ -24279,48 +24286,151 @@
         </p:blipFill>
         <p:spPr>
           <a:xfrm>
-            <a:off x="3239477" y="490823"/>
-            <a:ext cx="8839200" cy="3160508"/>
+            <a:off x="389468" y="1792621"/>
+            <a:ext cx="5664199" cy="4373427"/>
           </a:xfrm>
           <a:prstGeom prst="rect">
             <a:avLst/>
           </a:prstGeom>
         </p:spPr>
       </p:pic>
-      <p:pic>
-        <p:nvPicPr>
-          <p:cNvPr id="5" name="Picture 7" descr="Text&#10;&#10;Description automatically generated">
+      <p:sp>
+        <p:nvSpPr>
+          <p:cNvPr id="9" name="TextBox 8">
             <a:extLst>
               <a:ext uri="{FF2B5EF4-FFF2-40B4-BE49-F238E27FC236}">
-                <a16:creationId xmlns:a16="http://schemas.microsoft.com/office/drawing/2014/main" id="{69C6E587-5425-80D6-02A3-F817A9CA1C7C}"/>
+                <a16:creationId xmlns:a16="http://schemas.microsoft.com/office/drawing/2014/main" id="{61F23276-591F-34C2-02EE-F3E301E04E7A}"/>
               </a:ext>
             </a:extLst>
           </p:cNvPr>
-          <p:cNvPicPr>
-            <a:picLocks noChangeAspect="1"/>
-          </p:cNvPicPr>
+          <p:cNvSpPr txBox="1"/>
           <p:nvPr/>
-        </p:nvPicPr>
-        <p:blipFill>
-          <a:blip r:embed="rId5"/>
-          <a:stretch>
-            <a:fillRect/>
-          </a:stretch>
-        </p:blipFill>
-        <p:spPr>
-          <a:xfrm>
-            <a:off x="738554" y="3947682"/>
-            <a:ext cx="8272584" cy="1825021"/>
+        </p:nvSpPr>
+        <p:spPr>
+          <a:xfrm>
+            <a:off x="6383868" y="2065866"/>
+            <a:ext cx="5080000" cy="3139321"/>
           </a:xfrm>
           <a:prstGeom prst="rect">
             <a:avLst/>
           </a:prstGeom>
-        </p:spPr>
-      </p:pic>
+          <a:noFill/>
+        </p:spPr>
+        <p:txBody>
+          <a:bodyPr rot="0" spcFirstLastPara="0" vertOverflow="overflow" horzOverflow="overflow" vert="horz" wrap="square" lIns="91440" tIns="45720" rIns="91440" bIns="45720" numCol="1" spcCol="0" rtlCol="0" fromWordArt="0" anchor="t" anchorCtr="0" forceAA="0" compatLnSpc="1">
+            <a:prstTxWarp prst="textNoShape">
+              <a:avLst/>
+            </a:prstTxWarp>
+            <a:spAutoFit/>
+          </a:bodyPr>
+          <a:lstStyle/>
+          <a:p>
+            <a:r>
+              <a:rPr lang="en-US">
+                <a:solidFill>
+                  <a:srgbClr val="FF0000"/>
+                </a:solidFill>
+                <a:ea typeface="+mn-lt"/>
+                <a:cs typeface="+mn-lt"/>
+              </a:rPr>
+              <a:t># Run tests which tagged with `load` and exclude tagged with `api`</a:t>
+            </a:r>
+            <a:r>
+              <a:rPr lang="en-US">
+                <a:ea typeface="+mn-lt"/>
+                <a:cs typeface="+mn-lt"/>
+              </a:rPr>
+              <a:t>
+ mvn test -Dgroups="load" -DexcludedGroups="api" 
+</a:t>
+            </a:r>
+            <a:r>
+              <a:rPr lang="en-US">
+                <a:solidFill>
+                  <a:srgbClr val="FF0000"/>
+                </a:solidFill>
+                <a:ea typeface="+mn-lt"/>
+                <a:cs typeface="+mn-lt"/>
+              </a:rPr>
+              <a:t># Run tests which tagged with `api` or  `performance`</a:t>
+            </a:r>
+            <a:r>
+              <a:rPr lang="en-US">
+                <a:ea typeface="+mn-lt"/>
+                <a:cs typeface="+mn-lt"/>
+              </a:rPr>
+              <a:t>
+ mvn test -Dgroups="api | performance" 
+</a:t>
+            </a:r>
+            <a:r>
+              <a:rPr lang="en-US">
+                <a:solidFill>
+                  <a:srgbClr val="FF0000"/>
+                </a:solidFill>
+                <a:ea typeface="+mn-lt"/>
+                <a:cs typeface="+mn-lt"/>
+              </a:rPr>
+              <a:t># Run tests which tagged both `api` and  `performance`</a:t>
+            </a:r>
+            <a:r>
+              <a:rPr lang="en-US">
+                <a:ea typeface="+mn-lt"/>
+                <a:cs typeface="+mn-lt"/>
+              </a:rPr>
+              <a:t>
+ </a:t>
+            </a:r>
+            <a:r>
+              <a:rPr lang="en-US" err="1">
+                <a:ea typeface="+mn-lt"/>
+                <a:cs typeface="+mn-lt"/>
+              </a:rPr>
+              <a:t>mvn</a:t>
+            </a:r>
+            <a:r>
+              <a:rPr lang="en-US">
+                <a:ea typeface="+mn-lt"/>
+                <a:cs typeface="+mn-lt"/>
+              </a:rPr>
+              <a:t> test -</a:t>
+            </a:r>
+            <a:r>
+              <a:rPr lang="en-US" err="1">
+                <a:ea typeface="+mn-lt"/>
+                <a:cs typeface="+mn-lt"/>
+              </a:rPr>
+              <a:t>Dgroups</a:t>
+            </a:r>
+            <a:r>
+              <a:rPr lang="en-US">
+                <a:ea typeface="+mn-lt"/>
+                <a:cs typeface="+mn-lt"/>
+              </a:rPr>
+              <a:t>="</a:t>
+            </a:r>
+            <a:r>
+              <a:rPr lang="en-US" err="1">
+                <a:ea typeface="+mn-lt"/>
+                <a:cs typeface="+mn-lt"/>
+              </a:rPr>
+              <a:t>api</a:t>
+            </a:r>
+            <a:r>
+              <a:rPr lang="en-US">
+                <a:ea typeface="+mn-lt"/>
+                <a:cs typeface="+mn-lt"/>
+              </a:rPr>
+              <a:t> &amp; performance" </a:t>
+            </a:r>
+            <a:endParaRPr lang="en-US"/>
+          </a:p>
+        </p:txBody>
+      </p:sp>
     </p:spTree>
     <p:extLst>
       <p:ext uri="{BB962C8B-B14F-4D97-AF65-F5344CB8AC3E}">
-        <p14:creationId xmlns:p14="http://schemas.microsoft.com/office/powerpoint/2010/main" val="1407077744"/>
+        <p14:creationId xmlns:p14="http://schemas.microsoft.com/office/powerpoint/2010/main" val="3368177868"/>
       </p:ext>
     </p:extLst>
   </p:cSld>
@@ -24487,8 +24597,8 @@
         </p:nvSpPr>
         <p:spPr>
           <a:xfrm>
-            <a:off x="366834" y="2323286"/>
-            <a:ext cx="2041770" cy="369332"/>
+            <a:off x="1164655" y="1224573"/>
+            <a:ext cx="3048000" cy="461665"/>
           </a:xfrm>
           <a:prstGeom prst="rect">
             <a:avLst/>
@@ -24504,29 +24614,22 @@
           </a:bodyPr>
           <a:lstStyle/>
           <a:p>
-            <a:pPr marL="285750" indent="-285750">
-              <a:buFont typeface="Arial,Sans-Serif"/>
-              <a:buChar char="•"/>
-            </a:pPr>
-            <a:r>
-              <a:rPr lang="en-US" b="1">
+            <a:r>
+              <a:rPr lang="en-US" sz="2400" b="1">
                 <a:ea typeface="+mn-lt"/>
                 <a:cs typeface="+mn-lt"/>
               </a:rPr>
-              <a:t>@ActiveProfiles</a:t>
-            </a:r>
-            <a:endParaRPr lang="en-US">
-              <a:cs typeface="Calibri"/>
-            </a:endParaRPr>
+              <a:t>@ExtendWith</a:t>
+            </a:r>
           </a:p>
         </p:txBody>
       </p:sp>
       <p:pic>
         <p:nvPicPr>
-          <p:cNvPr id="3" name="Picture 4" descr="Text&#10;&#10;Description automatically generated">
+          <p:cNvPr id="3" name="Picture 3" descr="Graphical user interface, text, application&#10;&#10;Description automatically generated">
             <a:extLst>
               <a:ext uri="{FF2B5EF4-FFF2-40B4-BE49-F238E27FC236}">
-                <a16:creationId xmlns:a16="http://schemas.microsoft.com/office/drawing/2014/main" id="{925B04D1-6581-CE0B-F779-7B3C57C583D2}"/>
+                <a16:creationId xmlns:a16="http://schemas.microsoft.com/office/drawing/2014/main" id="{0273EF46-8D5D-D305-444D-9D8894F6E6C8}"/>
               </a:ext>
             </a:extLst>
           </p:cNvPr>
@@ -24543,8 +24646,8 @@
         </p:blipFill>
         <p:spPr>
           <a:xfrm>
-            <a:off x="2868246" y="1848746"/>
-            <a:ext cx="8839200" cy="3160508"/>
+            <a:off x="3996267" y="244271"/>
+            <a:ext cx="6383866" cy="5395790"/>
           </a:xfrm>
           <a:prstGeom prst="rect">
             <a:avLst/>
@@ -24554,7 +24657,7 @@
     </p:spTree>
     <p:extLst>
       <p:ext uri="{BB962C8B-B14F-4D97-AF65-F5344CB8AC3E}">
-        <p14:creationId xmlns:p14="http://schemas.microsoft.com/office/powerpoint/2010/main" val="517827728"/>
+        <p14:creationId xmlns:p14="http://schemas.microsoft.com/office/powerpoint/2010/main" val="2384930954"/>
       </p:ext>
     </p:extLst>
   </p:cSld>
@@ -24721,8 +24824,8 @@
         </p:nvSpPr>
         <p:spPr>
           <a:xfrm>
-            <a:off x="894373" y="1170517"/>
-            <a:ext cx="2960077" cy="461665"/>
+            <a:off x="1079988" y="2274440"/>
+            <a:ext cx="3048000" cy="1569660"/>
           </a:xfrm>
           <a:prstGeom prst="rect">
             <a:avLst/>
@@ -24747,18 +24850,56 @@
                 <a:ea typeface="+mn-lt"/>
                 <a:cs typeface="+mn-lt"/>
               </a:rPr>
-              <a:t>@SpringBootTest</a:t>
-            </a:r>
-            <a:endParaRPr lang="en-US"/>
+              <a:t>@BeforeEach </a:t>
+            </a:r>
+          </a:p>
+          <a:p>
+            <a:pPr marL="285750" indent="-285750">
+              <a:buFont typeface="Arial,Sans-Serif"/>
+              <a:buChar char="•"/>
+            </a:pPr>
+            <a:r>
+              <a:rPr lang="en-US" sz="2400" b="1">
+                <a:ea typeface="+mn-lt"/>
+                <a:cs typeface="+mn-lt"/>
+              </a:rPr>
+              <a:t>@AfterEach </a:t>
+            </a:r>
+          </a:p>
+          <a:p>
+            <a:pPr marL="285750" indent="-285750">
+              <a:buFont typeface="Arial,Sans-Serif"/>
+              <a:buChar char="•"/>
+            </a:pPr>
+            <a:r>
+              <a:rPr lang="en-US" sz="2400" b="1">
+                <a:ea typeface="+mn-lt"/>
+                <a:cs typeface="+mn-lt"/>
+              </a:rPr>
+              <a:t>@BeforeAll </a:t>
+            </a:r>
+          </a:p>
+          <a:p>
+            <a:pPr marL="285750" indent="-285750">
+              <a:buFont typeface="Arial,Sans-Serif"/>
+              <a:buChar char="•"/>
+            </a:pPr>
+            <a:r>
+              <a:rPr lang="en-US" sz="2400" b="1">
+                <a:ea typeface="+mn-lt"/>
+                <a:cs typeface="+mn-lt"/>
+              </a:rPr>
+              <a:t>@AfterAll </a:t>
+            </a:r>
           </a:p>
         </p:txBody>
       </p:sp>
       <p:pic>
         <p:nvPicPr>
-          <p:cNvPr id="3" name="Picture 4" descr="Text&#10;&#10;Description automatically generated">
+          <p:cNvPr id="4" name="Picture 4" descr="Graphical user interface, application&#10;&#10;Description automatically generated">
             <a:extLst>
               <a:ext uri="{FF2B5EF4-FFF2-40B4-BE49-F238E27FC236}">
-                <a16:creationId xmlns:a16="http://schemas.microsoft.com/office/drawing/2014/main" id="{925B04D1-6581-CE0B-F779-7B3C57C583D2}"/>
+                <a16:creationId xmlns:a16="http://schemas.microsoft.com/office/drawing/2014/main" id="{774C1C13-0E11-E741-D5F9-80C43CF47453}"/>
               </a:ext>
             </a:extLst>
           </p:cNvPr>
@@ -24775,8 +24916,8 @@
         </p:blipFill>
         <p:spPr>
           <a:xfrm>
-            <a:off x="611554" y="1711977"/>
-            <a:ext cx="8839200" cy="3160508"/>
+            <a:off x="4468813" y="42333"/>
+            <a:ext cx="3398308" cy="6714067"/>
           </a:xfrm>
           <a:prstGeom prst="rect">
             <a:avLst/>
@@ -24786,7 +24927,7 @@
     </p:spTree>
     <p:extLst>
       <p:ext uri="{BB962C8B-B14F-4D97-AF65-F5344CB8AC3E}">
-        <p14:creationId xmlns:p14="http://schemas.microsoft.com/office/powerpoint/2010/main" val="3280785539"/>
+        <p14:creationId xmlns:p14="http://schemas.microsoft.com/office/powerpoint/2010/main" val="151043685"/>
       </p:ext>
     </p:extLst>
   </p:cSld>
@@ -25221,6 +25362,965 @@
         </p:nvSpPr>
         <p:spPr>
           <a:xfrm>
+            <a:off x="894373" y="1258440"/>
+            <a:ext cx="2354385" cy="461665"/>
+          </a:xfrm>
+          <a:prstGeom prst="rect">
+            <a:avLst/>
+          </a:prstGeom>
+          <a:noFill/>
+        </p:spPr>
+        <p:txBody>
+          <a:bodyPr rot="0" spcFirstLastPara="0" vertOverflow="overflow" horzOverflow="overflow" vert="horz" wrap="square" lIns="91440" tIns="45720" rIns="91440" bIns="45720" numCol="1" spcCol="0" rtlCol="0" fromWordArt="0" anchor="t" anchorCtr="0" forceAA="0" compatLnSpc="1">
+            <a:prstTxWarp prst="textNoShape">
+              <a:avLst/>
+            </a:prstTxWarp>
+            <a:spAutoFit/>
+          </a:bodyPr>
+          <a:lstStyle/>
+          <a:p>
+            <a:pPr marL="285750" indent="-285750">
+              <a:buFont typeface="Arial,Sans-Serif"/>
+              <a:buChar char="•"/>
+            </a:pPr>
+            <a:r>
+              <a:rPr lang="en-US" sz="2400" b="1">
+                <a:ea typeface="+mn-lt"/>
+                <a:cs typeface="+mn-lt"/>
+              </a:rPr>
+              <a:t>@Disabled</a:t>
+            </a:r>
+          </a:p>
+        </p:txBody>
+      </p:sp>
+      <p:pic>
+        <p:nvPicPr>
+          <p:cNvPr id="3" name="Picture 4" descr="Graphical user interface, text&#10;&#10;Description automatically generated">
+            <a:extLst>
+              <a:ext uri="{FF2B5EF4-FFF2-40B4-BE49-F238E27FC236}">
+                <a16:creationId xmlns:a16="http://schemas.microsoft.com/office/drawing/2014/main" id="{92D2A96F-8C6C-E61F-2A6A-884A5798B935}"/>
+              </a:ext>
+            </a:extLst>
+          </p:cNvPr>
+          <p:cNvPicPr>
+            <a:picLocks noChangeAspect="1"/>
+          </p:cNvPicPr>
+          <p:nvPr/>
+        </p:nvPicPr>
+        <p:blipFill>
+          <a:blip r:embed="rId4"/>
+          <a:stretch>
+            <a:fillRect/>
+          </a:stretch>
+        </p:blipFill>
+        <p:spPr>
+          <a:xfrm>
+            <a:off x="4246359" y="325363"/>
+            <a:ext cx="6019148" cy="5214068"/>
+          </a:xfrm>
+          <a:prstGeom prst="rect">
+            <a:avLst/>
+          </a:prstGeom>
+        </p:spPr>
+      </p:pic>
+    </p:spTree>
+    <p:extLst>
+      <p:ext uri="{BB962C8B-B14F-4D97-AF65-F5344CB8AC3E}">
+        <p14:creationId xmlns:p14="http://schemas.microsoft.com/office/powerpoint/2010/main" val="1161972306"/>
+      </p:ext>
+    </p:extLst>
+  </p:cSld>
+  <p:clrMapOvr>
+    <a:masterClrMapping/>
+  </p:clrMapOvr>
+  <p:timing>
+    <p:tnLst>
+      <p:par>
+        <p:cTn id="1" dur="indefinite" restart="never" nodeType="tmRoot">
+          <p:childTnLst>
+            <p:seq concurrent="1" nextAc="seek">
+              <p:cTn id="2" dur="indefinite" nodeType="mainSeq"/>
+              <p:prevCondLst>
+                <p:cond evt="onPrev" delay="0">
+                  <p:tgtEl>
+                    <p:sldTgt/>
+                  </p:tgtEl>
+                </p:cond>
+              </p:prevCondLst>
+              <p:nextCondLst>
+                <p:cond evt="onNext" delay="0">
+                  <p:tgtEl>
+                    <p:sldTgt/>
+                  </p:tgtEl>
+                </p:cond>
+              </p:nextCondLst>
+            </p:seq>
+          </p:childTnLst>
+        </p:cTn>
+      </p:par>
+    </p:tnLst>
+  </p:timing>
+</p:sld>
+</file>
+
+<file path=ppt/slides/slide61.xml><?xml version="1.0" encoding="utf-8"?>
+<p:sld xmlns:a="http://schemas.openxmlformats.org/drawingml/2006/main" xmlns:r="http://schemas.openxmlformats.org/officeDocument/2006/relationships" xmlns:p="http://schemas.openxmlformats.org/presentationml/2006/main">
+  <p:cSld>
+    <p:spTree>
+      <p:nvGrpSpPr>
+        <p:cNvPr id="1" name=""/>
+        <p:cNvGrpSpPr/>
+        <p:nvPr/>
+      </p:nvGrpSpPr>
+      <p:grpSpPr>
+        <a:xfrm>
+          <a:off x="0" y="0"/>
+          <a:ext cx="0" cy="0"/>
+          <a:chOff x="0" y="0"/>
+          <a:chExt cx="0" cy="0"/>
+        </a:xfrm>
+      </p:grpSpPr>
+      <p:pic>
+        <p:nvPicPr>
+          <p:cNvPr id="6" name="Image 5">
+            <a:extLst>
+              <a:ext uri="{FF2B5EF4-FFF2-40B4-BE49-F238E27FC236}">
+                <a16:creationId xmlns:a16="http://schemas.microsoft.com/office/drawing/2014/main" id="{85C1BEF6-C4FA-794F-9003-5D49864298CC}"/>
+              </a:ext>
+            </a:extLst>
+          </p:cNvPr>
+          <p:cNvPicPr>
+            <a:picLocks noChangeAspect="1"/>
+          </p:cNvPicPr>
+          <p:nvPr/>
+        </p:nvPicPr>
+        <p:blipFill>
+          <a:blip r:embed="rId2"/>
+          <a:stretch>
+            <a:fillRect/>
+          </a:stretch>
+        </p:blipFill>
+        <p:spPr>
+          <a:xfrm>
+            <a:off x="10595481" y="4159"/>
+            <a:ext cx="1064878" cy="1706406"/>
+          </a:xfrm>
+          <a:prstGeom prst="rect">
+            <a:avLst/>
+          </a:prstGeom>
+        </p:spPr>
+      </p:pic>
+      <p:sp>
+        <p:nvSpPr>
+          <p:cNvPr id="7" name="Titre 1">
+            <a:extLst>
+              <a:ext uri="{FF2B5EF4-FFF2-40B4-BE49-F238E27FC236}">
+                <a16:creationId xmlns:a16="http://schemas.microsoft.com/office/drawing/2014/main" id="{B50329F0-7FAB-5A46-8618-A4B121772237}"/>
+              </a:ext>
+            </a:extLst>
+          </p:cNvPr>
+          <p:cNvSpPr>
+            <a:spLocks noGrp="1"/>
+          </p:cNvSpPr>
+          <p:nvPr>
+            <p:ph type="title"/>
+          </p:nvPr>
+        </p:nvSpPr>
+        <p:spPr>
+          <a:xfrm>
+            <a:off x="838200" y="567915"/>
+            <a:ext cx="6450106" cy="365125"/>
+          </a:xfrm>
+        </p:spPr>
+        <p:txBody>
+          <a:bodyPr>
+            <a:noAutofit/>
+          </a:bodyPr>
+          <a:lstStyle/>
+          <a:p>
+            <a:r>
+              <a:rPr lang="fr-FR" sz="2800">
+                <a:latin typeface="Zilla Slab"/>
+                <a:sym typeface="Lato Light"/>
+              </a:rPr>
+              <a:t>JUnit Jupiter</a:t>
+            </a:r>
+            <a:endParaRPr lang="en-US"/>
+          </a:p>
+        </p:txBody>
+      </p:sp>
+      <p:pic>
+        <p:nvPicPr>
+          <p:cNvPr id="2" name="Picture 2" descr="A picture containing text, sign, vector graphics&#10;&#10;Description automatically generated">
+            <a:extLst>
+              <a:ext uri="{FF2B5EF4-FFF2-40B4-BE49-F238E27FC236}">
+                <a16:creationId xmlns:a16="http://schemas.microsoft.com/office/drawing/2014/main" id="{52365D72-64A7-0D09-93B2-629B872770E6}"/>
+              </a:ext>
+            </a:extLst>
+          </p:cNvPr>
+          <p:cNvPicPr>
+            <a:picLocks noChangeAspect="1"/>
+          </p:cNvPicPr>
+          <p:nvPr/>
+        </p:nvPicPr>
+        <p:blipFill>
+          <a:blip r:embed="rId3"/>
+          <a:stretch>
+            <a:fillRect/>
+          </a:stretch>
+        </p:blipFill>
+        <p:spPr>
+          <a:xfrm>
+            <a:off x="9267825" y="5619828"/>
+            <a:ext cx="2305050" cy="704695"/>
+          </a:xfrm>
+          <a:prstGeom prst="rect">
+            <a:avLst/>
+          </a:prstGeom>
+        </p:spPr>
+      </p:pic>
+      <p:sp>
+        <p:nvSpPr>
+          <p:cNvPr id="13" name="TextBox 12">
+            <a:extLst>
+              <a:ext uri="{FF2B5EF4-FFF2-40B4-BE49-F238E27FC236}">
+                <a16:creationId xmlns:a16="http://schemas.microsoft.com/office/drawing/2014/main" id="{3AAE83B0-0E0C-0245-093D-33B6EA5DE0A8}"/>
+              </a:ext>
+            </a:extLst>
+          </p:cNvPr>
+          <p:cNvSpPr txBox="1"/>
+          <p:nvPr/>
+        </p:nvSpPr>
+        <p:spPr>
+          <a:xfrm>
+            <a:off x="1079988" y="2274440"/>
+            <a:ext cx="2041770" cy="461665"/>
+          </a:xfrm>
+          <a:prstGeom prst="rect">
+            <a:avLst/>
+          </a:prstGeom>
+          <a:noFill/>
+        </p:spPr>
+        <p:txBody>
+          <a:bodyPr rot="0" spcFirstLastPara="0" vertOverflow="overflow" horzOverflow="overflow" vert="horz" wrap="square" lIns="91440" tIns="45720" rIns="91440" bIns="45720" numCol="1" spcCol="0" rtlCol="0" fromWordArt="0" anchor="t" anchorCtr="0" forceAA="0" compatLnSpc="1">
+            <a:prstTxWarp prst="textNoShape">
+              <a:avLst/>
+            </a:prstTxWarp>
+            <a:spAutoFit/>
+          </a:bodyPr>
+          <a:lstStyle/>
+          <a:p>
+            <a:pPr marL="285750" indent="-285750">
+              <a:buFont typeface="Arial,Sans-Serif"/>
+              <a:buChar char="•"/>
+            </a:pPr>
+            <a:r>
+              <a:rPr lang="en-US" sz="2400" b="1">
+                <a:ea typeface="+mn-lt"/>
+                <a:cs typeface="+mn-lt"/>
+              </a:rPr>
+              <a:t>@Sql</a:t>
+            </a:r>
+            <a:endParaRPr lang="en-US"/>
+          </a:p>
+        </p:txBody>
+      </p:sp>
+      <p:pic>
+        <p:nvPicPr>
+          <p:cNvPr id="3" name="Picture 4" descr="Text&#10;&#10;Description automatically generated">
+            <a:extLst>
+              <a:ext uri="{FF2B5EF4-FFF2-40B4-BE49-F238E27FC236}">
+                <a16:creationId xmlns:a16="http://schemas.microsoft.com/office/drawing/2014/main" id="{925B04D1-6581-CE0B-F779-7B3C57C583D2}"/>
+              </a:ext>
+            </a:extLst>
+          </p:cNvPr>
+          <p:cNvPicPr>
+            <a:picLocks noChangeAspect="1"/>
+          </p:cNvPicPr>
+          <p:nvPr/>
+        </p:nvPicPr>
+        <p:blipFill>
+          <a:blip r:embed="rId4"/>
+          <a:stretch>
+            <a:fillRect/>
+          </a:stretch>
+        </p:blipFill>
+        <p:spPr>
+          <a:xfrm>
+            <a:off x="3239477" y="490823"/>
+            <a:ext cx="8839200" cy="3160508"/>
+          </a:xfrm>
+          <a:prstGeom prst="rect">
+            <a:avLst/>
+          </a:prstGeom>
+        </p:spPr>
+      </p:pic>
+      <p:pic>
+        <p:nvPicPr>
+          <p:cNvPr id="5" name="Picture 7" descr="Text&#10;&#10;Description automatically generated">
+            <a:extLst>
+              <a:ext uri="{FF2B5EF4-FFF2-40B4-BE49-F238E27FC236}">
+                <a16:creationId xmlns:a16="http://schemas.microsoft.com/office/drawing/2014/main" id="{69C6E587-5425-80D6-02A3-F817A9CA1C7C}"/>
+              </a:ext>
+            </a:extLst>
+          </p:cNvPr>
+          <p:cNvPicPr>
+            <a:picLocks noChangeAspect="1"/>
+          </p:cNvPicPr>
+          <p:nvPr/>
+        </p:nvPicPr>
+        <p:blipFill>
+          <a:blip r:embed="rId5"/>
+          <a:stretch>
+            <a:fillRect/>
+          </a:stretch>
+        </p:blipFill>
+        <p:spPr>
+          <a:xfrm>
+            <a:off x="738554" y="3947682"/>
+            <a:ext cx="8272584" cy="1825021"/>
+          </a:xfrm>
+          <a:prstGeom prst="rect">
+            <a:avLst/>
+          </a:prstGeom>
+        </p:spPr>
+      </p:pic>
+    </p:spTree>
+    <p:extLst>
+      <p:ext uri="{BB962C8B-B14F-4D97-AF65-F5344CB8AC3E}">
+        <p14:creationId xmlns:p14="http://schemas.microsoft.com/office/powerpoint/2010/main" val="1407077744"/>
+      </p:ext>
+    </p:extLst>
+  </p:cSld>
+  <p:clrMapOvr>
+    <a:masterClrMapping/>
+  </p:clrMapOvr>
+  <p:timing>
+    <p:tnLst>
+      <p:par>
+        <p:cTn id="1" dur="indefinite" restart="never" nodeType="tmRoot">
+          <p:childTnLst>
+            <p:seq concurrent="1" nextAc="seek">
+              <p:cTn id="2" dur="indefinite" nodeType="mainSeq"/>
+              <p:prevCondLst>
+                <p:cond evt="onPrev" delay="0">
+                  <p:tgtEl>
+                    <p:sldTgt/>
+                  </p:tgtEl>
+                </p:cond>
+              </p:prevCondLst>
+              <p:nextCondLst>
+                <p:cond evt="onNext" delay="0">
+                  <p:tgtEl>
+                    <p:sldTgt/>
+                  </p:tgtEl>
+                </p:cond>
+              </p:nextCondLst>
+            </p:seq>
+          </p:childTnLst>
+        </p:cTn>
+      </p:par>
+    </p:tnLst>
+  </p:timing>
+</p:sld>
+</file>
+
+<file path=ppt/slides/slide62.xml><?xml version="1.0" encoding="utf-8"?>
+<p:sld xmlns:a="http://schemas.openxmlformats.org/drawingml/2006/main" xmlns:r="http://schemas.openxmlformats.org/officeDocument/2006/relationships" xmlns:p="http://schemas.openxmlformats.org/presentationml/2006/main">
+  <p:cSld>
+    <p:spTree>
+      <p:nvGrpSpPr>
+        <p:cNvPr id="1" name=""/>
+        <p:cNvGrpSpPr/>
+        <p:nvPr/>
+      </p:nvGrpSpPr>
+      <p:grpSpPr>
+        <a:xfrm>
+          <a:off x="0" y="0"/>
+          <a:ext cx="0" cy="0"/>
+          <a:chOff x="0" y="0"/>
+          <a:chExt cx="0" cy="0"/>
+        </a:xfrm>
+      </p:grpSpPr>
+      <p:pic>
+        <p:nvPicPr>
+          <p:cNvPr id="6" name="Image 5">
+            <a:extLst>
+              <a:ext uri="{FF2B5EF4-FFF2-40B4-BE49-F238E27FC236}">
+                <a16:creationId xmlns:a16="http://schemas.microsoft.com/office/drawing/2014/main" id="{85C1BEF6-C4FA-794F-9003-5D49864298CC}"/>
+              </a:ext>
+            </a:extLst>
+          </p:cNvPr>
+          <p:cNvPicPr>
+            <a:picLocks noChangeAspect="1"/>
+          </p:cNvPicPr>
+          <p:nvPr/>
+        </p:nvPicPr>
+        <p:blipFill>
+          <a:blip r:embed="rId2"/>
+          <a:stretch>
+            <a:fillRect/>
+          </a:stretch>
+        </p:blipFill>
+        <p:spPr>
+          <a:xfrm>
+            <a:off x="10595481" y="4159"/>
+            <a:ext cx="1064878" cy="1706406"/>
+          </a:xfrm>
+          <a:prstGeom prst="rect">
+            <a:avLst/>
+          </a:prstGeom>
+        </p:spPr>
+      </p:pic>
+      <p:sp>
+        <p:nvSpPr>
+          <p:cNvPr id="7" name="Titre 1">
+            <a:extLst>
+              <a:ext uri="{FF2B5EF4-FFF2-40B4-BE49-F238E27FC236}">
+                <a16:creationId xmlns:a16="http://schemas.microsoft.com/office/drawing/2014/main" id="{B50329F0-7FAB-5A46-8618-A4B121772237}"/>
+              </a:ext>
+            </a:extLst>
+          </p:cNvPr>
+          <p:cNvSpPr>
+            <a:spLocks noGrp="1"/>
+          </p:cNvSpPr>
+          <p:nvPr>
+            <p:ph type="title"/>
+          </p:nvPr>
+        </p:nvSpPr>
+        <p:spPr>
+          <a:xfrm>
+            <a:off x="838200" y="567915"/>
+            <a:ext cx="6450106" cy="365125"/>
+          </a:xfrm>
+        </p:spPr>
+        <p:txBody>
+          <a:bodyPr>
+            <a:noAutofit/>
+          </a:bodyPr>
+          <a:lstStyle/>
+          <a:p>
+            <a:r>
+              <a:rPr lang="fr-FR" sz="2800">
+                <a:latin typeface="Zilla Slab"/>
+                <a:sym typeface="Lato Light"/>
+              </a:rPr>
+              <a:t>JUnit Jupiter</a:t>
+            </a:r>
+            <a:endParaRPr lang="en-US"/>
+          </a:p>
+        </p:txBody>
+      </p:sp>
+      <p:pic>
+        <p:nvPicPr>
+          <p:cNvPr id="2" name="Picture 2" descr="A picture containing text, sign, vector graphics&#10;&#10;Description automatically generated">
+            <a:extLst>
+              <a:ext uri="{FF2B5EF4-FFF2-40B4-BE49-F238E27FC236}">
+                <a16:creationId xmlns:a16="http://schemas.microsoft.com/office/drawing/2014/main" id="{52365D72-64A7-0D09-93B2-629B872770E6}"/>
+              </a:ext>
+            </a:extLst>
+          </p:cNvPr>
+          <p:cNvPicPr>
+            <a:picLocks noChangeAspect="1"/>
+          </p:cNvPicPr>
+          <p:nvPr/>
+        </p:nvPicPr>
+        <p:blipFill>
+          <a:blip r:embed="rId3"/>
+          <a:stretch>
+            <a:fillRect/>
+          </a:stretch>
+        </p:blipFill>
+        <p:spPr>
+          <a:xfrm>
+            <a:off x="9267825" y="5619828"/>
+            <a:ext cx="2305050" cy="704695"/>
+          </a:xfrm>
+          <a:prstGeom prst="rect">
+            <a:avLst/>
+          </a:prstGeom>
+        </p:spPr>
+      </p:pic>
+      <p:sp>
+        <p:nvSpPr>
+          <p:cNvPr id="13" name="TextBox 12">
+            <a:extLst>
+              <a:ext uri="{FF2B5EF4-FFF2-40B4-BE49-F238E27FC236}">
+                <a16:creationId xmlns:a16="http://schemas.microsoft.com/office/drawing/2014/main" id="{3AAE83B0-0E0C-0245-093D-33B6EA5DE0A8}"/>
+              </a:ext>
+            </a:extLst>
+          </p:cNvPr>
+          <p:cNvSpPr txBox="1"/>
+          <p:nvPr/>
+        </p:nvSpPr>
+        <p:spPr>
+          <a:xfrm>
+            <a:off x="366834" y="2323286"/>
+            <a:ext cx="2041770" cy="369332"/>
+          </a:xfrm>
+          <a:prstGeom prst="rect">
+            <a:avLst/>
+          </a:prstGeom>
+          <a:noFill/>
+        </p:spPr>
+        <p:txBody>
+          <a:bodyPr rot="0" spcFirstLastPara="0" vertOverflow="overflow" horzOverflow="overflow" vert="horz" wrap="square" lIns="91440" tIns="45720" rIns="91440" bIns="45720" numCol="1" spcCol="0" rtlCol="0" fromWordArt="0" anchor="t" anchorCtr="0" forceAA="0" compatLnSpc="1">
+            <a:prstTxWarp prst="textNoShape">
+              <a:avLst/>
+            </a:prstTxWarp>
+            <a:spAutoFit/>
+          </a:bodyPr>
+          <a:lstStyle/>
+          <a:p>
+            <a:pPr marL="285750" indent="-285750">
+              <a:buFont typeface="Arial,Sans-Serif"/>
+              <a:buChar char="•"/>
+            </a:pPr>
+            <a:r>
+              <a:rPr lang="en-US" b="1">
+                <a:ea typeface="+mn-lt"/>
+                <a:cs typeface="+mn-lt"/>
+              </a:rPr>
+              <a:t>@ActiveProfiles</a:t>
+            </a:r>
+            <a:endParaRPr lang="en-US">
+              <a:cs typeface="Calibri"/>
+            </a:endParaRPr>
+          </a:p>
+        </p:txBody>
+      </p:sp>
+      <p:pic>
+        <p:nvPicPr>
+          <p:cNvPr id="3" name="Picture 4" descr="Text&#10;&#10;Description automatically generated">
+            <a:extLst>
+              <a:ext uri="{FF2B5EF4-FFF2-40B4-BE49-F238E27FC236}">
+                <a16:creationId xmlns:a16="http://schemas.microsoft.com/office/drawing/2014/main" id="{925B04D1-6581-CE0B-F779-7B3C57C583D2}"/>
+              </a:ext>
+            </a:extLst>
+          </p:cNvPr>
+          <p:cNvPicPr>
+            <a:picLocks noChangeAspect="1"/>
+          </p:cNvPicPr>
+          <p:nvPr/>
+        </p:nvPicPr>
+        <p:blipFill>
+          <a:blip r:embed="rId4"/>
+          <a:stretch>
+            <a:fillRect/>
+          </a:stretch>
+        </p:blipFill>
+        <p:spPr>
+          <a:xfrm>
+            <a:off x="2868246" y="1848746"/>
+            <a:ext cx="8839200" cy="3160508"/>
+          </a:xfrm>
+          <a:prstGeom prst="rect">
+            <a:avLst/>
+          </a:prstGeom>
+        </p:spPr>
+      </p:pic>
+    </p:spTree>
+    <p:extLst>
+      <p:ext uri="{BB962C8B-B14F-4D97-AF65-F5344CB8AC3E}">
+        <p14:creationId xmlns:p14="http://schemas.microsoft.com/office/powerpoint/2010/main" val="517827728"/>
+      </p:ext>
+    </p:extLst>
+  </p:cSld>
+  <p:clrMapOvr>
+    <a:masterClrMapping/>
+  </p:clrMapOvr>
+  <p:timing>
+    <p:tnLst>
+      <p:par>
+        <p:cTn id="1" dur="indefinite" restart="never" nodeType="tmRoot">
+          <p:childTnLst>
+            <p:seq concurrent="1" nextAc="seek">
+              <p:cTn id="2" dur="indefinite" nodeType="mainSeq"/>
+              <p:prevCondLst>
+                <p:cond evt="onPrev" delay="0">
+                  <p:tgtEl>
+                    <p:sldTgt/>
+                  </p:tgtEl>
+                </p:cond>
+              </p:prevCondLst>
+              <p:nextCondLst>
+                <p:cond evt="onNext" delay="0">
+                  <p:tgtEl>
+                    <p:sldTgt/>
+                  </p:tgtEl>
+                </p:cond>
+              </p:nextCondLst>
+            </p:seq>
+          </p:childTnLst>
+        </p:cTn>
+      </p:par>
+    </p:tnLst>
+  </p:timing>
+</p:sld>
+</file>
+
+<file path=ppt/slides/slide63.xml><?xml version="1.0" encoding="utf-8"?>
+<p:sld xmlns:a="http://schemas.openxmlformats.org/drawingml/2006/main" xmlns:r="http://schemas.openxmlformats.org/officeDocument/2006/relationships" xmlns:p="http://schemas.openxmlformats.org/presentationml/2006/main">
+  <p:cSld>
+    <p:spTree>
+      <p:nvGrpSpPr>
+        <p:cNvPr id="1" name=""/>
+        <p:cNvGrpSpPr/>
+        <p:nvPr/>
+      </p:nvGrpSpPr>
+      <p:grpSpPr>
+        <a:xfrm>
+          <a:off x="0" y="0"/>
+          <a:ext cx="0" cy="0"/>
+          <a:chOff x="0" y="0"/>
+          <a:chExt cx="0" cy="0"/>
+        </a:xfrm>
+      </p:grpSpPr>
+      <p:pic>
+        <p:nvPicPr>
+          <p:cNvPr id="6" name="Image 5">
+            <a:extLst>
+              <a:ext uri="{FF2B5EF4-FFF2-40B4-BE49-F238E27FC236}">
+                <a16:creationId xmlns:a16="http://schemas.microsoft.com/office/drawing/2014/main" id="{85C1BEF6-C4FA-794F-9003-5D49864298CC}"/>
+              </a:ext>
+            </a:extLst>
+          </p:cNvPr>
+          <p:cNvPicPr>
+            <a:picLocks noChangeAspect="1"/>
+          </p:cNvPicPr>
+          <p:nvPr/>
+        </p:nvPicPr>
+        <p:blipFill>
+          <a:blip r:embed="rId2"/>
+          <a:stretch>
+            <a:fillRect/>
+          </a:stretch>
+        </p:blipFill>
+        <p:spPr>
+          <a:xfrm>
+            <a:off x="10595481" y="4159"/>
+            <a:ext cx="1064878" cy="1706406"/>
+          </a:xfrm>
+          <a:prstGeom prst="rect">
+            <a:avLst/>
+          </a:prstGeom>
+        </p:spPr>
+      </p:pic>
+      <p:sp>
+        <p:nvSpPr>
+          <p:cNvPr id="7" name="Titre 1">
+            <a:extLst>
+              <a:ext uri="{FF2B5EF4-FFF2-40B4-BE49-F238E27FC236}">
+                <a16:creationId xmlns:a16="http://schemas.microsoft.com/office/drawing/2014/main" id="{B50329F0-7FAB-5A46-8618-A4B121772237}"/>
+              </a:ext>
+            </a:extLst>
+          </p:cNvPr>
+          <p:cNvSpPr>
+            <a:spLocks noGrp="1"/>
+          </p:cNvSpPr>
+          <p:nvPr>
+            <p:ph type="title"/>
+          </p:nvPr>
+        </p:nvSpPr>
+        <p:spPr>
+          <a:xfrm>
+            <a:off x="838200" y="567915"/>
+            <a:ext cx="6450106" cy="365125"/>
+          </a:xfrm>
+        </p:spPr>
+        <p:txBody>
+          <a:bodyPr>
+            <a:noAutofit/>
+          </a:bodyPr>
+          <a:lstStyle/>
+          <a:p>
+            <a:r>
+              <a:rPr lang="fr-FR" sz="2800">
+                <a:latin typeface="Zilla Slab"/>
+                <a:sym typeface="Lato Light"/>
+              </a:rPr>
+              <a:t>JUnit Jupiter</a:t>
+            </a:r>
+            <a:endParaRPr lang="en-US"/>
+          </a:p>
+        </p:txBody>
+      </p:sp>
+      <p:pic>
+        <p:nvPicPr>
+          <p:cNvPr id="2" name="Picture 2" descr="A picture containing text, sign, vector graphics&#10;&#10;Description automatically generated">
+            <a:extLst>
+              <a:ext uri="{FF2B5EF4-FFF2-40B4-BE49-F238E27FC236}">
+                <a16:creationId xmlns:a16="http://schemas.microsoft.com/office/drawing/2014/main" id="{52365D72-64A7-0D09-93B2-629B872770E6}"/>
+              </a:ext>
+            </a:extLst>
+          </p:cNvPr>
+          <p:cNvPicPr>
+            <a:picLocks noChangeAspect="1"/>
+          </p:cNvPicPr>
+          <p:nvPr/>
+        </p:nvPicPr>
+        <p:blipFill>
+          <a:blip r:embed="rId3"/>
+          <a:stretch>
+            <a:fillRect/>
+          </a:stretch>
+        </p:blipFill>
+        <p:spPr>
+          <a:xfrm>
+            <a:off x="9267825" y="5619828"/>
+            <a:ext cx="2305050" cy="704695"/>
+          </a:xfrm>
+          <a:prstGeom prst="rect">
+            <a:avLst/>
+          </a:prstGeom>
+        </p:spPr>
+      </p:pic>
+      <p:sp>
+        <p:nvSpPr>
+          <p:cNvPr id="13" name="TextBox 12">
+            <a:extLst>
+              <a:ext uri="{FF2B5EF4-FFF2-40B4-BE49-F238E27FC236}">
+                <a16:creationId xmlns:a16="http://schemas.microsoft.com/office/drawing/2014/main" id="{3AAE83B0-0E0C-0245-093D-33B6EA5DE0A8}"/>
+              </a:ext>
+            </a:extLst>
+          </p:cNvPr>
+          <p:cNvSpPr txBox="1"/>
+          <p:nvPr/>
+        </p:nvSpPr>
+        <p:spPr>
+          <a:xfrm>
+            <a:off x="894373" y="1170517"/>
+            <a:ext cx="2960077" cy="461665"/>
+          </a:xfrm>
+          <a:prstGeom prst="rect">
+            <a:avLst/>
+          </a:prstGeom>
+          <a:noFill/>
+        </p:spPr>
+        <p:txBody>
+          <a:bodyPr rot="0" spcFirstLastPara="0" vertOverflow="overflow" horzOverflow="overflow" vert="horz" wrap="square" lIns="91440" tIns="45720" rIns="91440" bIns="45720" numCol="1" spcCol="0" rtlCol="0" fromWordArt="0" anchor="t" anchorCtr="0" forceAA="0" compatLnSpc="1">
+            <a:prstTxWarp prst="textNoShape">
+              <a:avLst/>
+            </a:prstTxWarp>
+            <a:spAutoFit/>
+          </a:bodyPr>
+          <a:lstStyle/>
+          <a:p>
+            <a:pPr marL="285750" indent="-285750">
+              <a:buFont typeface="Arial,Sans-Serif"/>
+              <a:buChar char="•"/>
+            </a:pPr>
+            <a:r>
+              <a:rPr lang="en-US" sz="2400" b="1">
+                <a:ea typeface="+mn-lt"/>
+                <a:cs typeface="+mn-lt"/>
+              </a:rPr>
+              <a:t>@SpringBootTest</a:t>
+            </a:r>
+            <a:endParaRPr lang="en-US"/>
+          </a:p>
+        </p:txBody>
+      </p:sp>
+      <p:pic>
+        <p:nvPicPr>
+          <p:cNvPr id="3" name="Picture 4" descr="Text&#10;&#10;Description automatically generated">
+            <a:extLst>
+              <a:ext uri="{FF2B5EF4-FFF2-40B4-BE49-F238E27FC236}">
+                <a16:creationId xmlns:a16="http://schemas.microsoft.com/office/drawing/2014/main" id="{925B04D1-6581-CE0B-F779-7B3C57C583D2}"/>
+              </a:ext>
+            </a:extLst>
+          </p:cNvPr>
+          <p:cNvPicPr>
+            <a:picLocks noChangeAspect="1"/>
+          </p:cNvPicPr>
+          <p:nvPr/>
+        </p:nvPicPr>
+        <p:blipFill>
+          <a:blip r:embed="rId4"/>
+          <a:stretch>
+            <a:fillRect/>
+          </a:stretch>
+        </p:blipFill>
+        <p:spPr>
+          <a:xfrm>
+            <a:off x="611554" y="1711977"/>
+            <a:ext cx="8839200" cy="3160508"/>
+          </a:xfrm>
+          <a:prstGeom prst="rect">
+            <a:avLst/>
+          </a:prstGeom>
+        </p:spPr>
+      </p:pic>
+    </p:spTree>
+    <p:extLst>
+      <p:ext uri="{BB962C8B-B14F-4D97-AF65-F5344CB8AC3E}">
+        <p14:creationId xmlns:p14="http://schemas.microsoft.com/office/powerpoint/2010/main" val="3280785539"/>
+      </p:ext>
+    </p:extLst>
+  </p:cSld>
+  <p:clrMapOvr>
+    <a:masterClrMapping/>
+  </p:clrMapOvr>
+  <p:timing>
+    <p:tnLst>
+      <p:par>
+        <p:cTn id="1" dur="indefinite" restart="never" nodeType="tmRoot">
+          <p:childTnLst>
+            <p:seq concurrent="1" nextAc="seek">
+              <p:cTn id="2" dur="indefinite" nodeType="mainSeq"/>
+              <p:prevCondLst>
+                <p:cond evt="onPrev" delay="0">
+                  <p:tgtEl>
+                    <p:sldTgt/>
+                  </p:tgtEl>
+                </p:cond>
+              </p:prevCondLst>
+              <p:nextCondLst>
+                <p:cond evt="onNext" delay="0">
+                  <p:tgtEl>
+                    <p:sldTgt/>
+                  </p:tgtEl>
+                </p:cond>
+              </p:nextCondLst>
+            </p:seq>
+          </p:childTnLst>
+        </p:cTn>
+      </p:par>
+    </p:tnLst>
+  </p:timing>
+</p:sld>
+</file>
+
+<file path=ppt/slides/slide64.xml><?xml version="1.0" encoding="utf-8"?>
+<p:sld xmlns:a="http://schemas.openxmlformats.org/drawingml/2006/main" xmlns:r="http://schemas.openxmlformats.org/officeDocument/2006/relationships" xmlns:p="http://schemas.openxmlformats.org/presentationml/2006/main">
+  <p:cSld>
+    <p:spTree>
+      <p:nvGrpSpPr>
+        <p:cNvPr id="1" name=""/>
+        <p:cNvGrpSpPr/>
+        <p:nvPr/>
+      </p:nvGrpSpPr>
+      <p:grpSpPr>
+        <a:xfrm>
+          <a:off x="0" y="0"/>
+          <a:ext cx="0" cy="0"/>
+          <a:chOff x="0" y="0"/>
+          <a:chExt cx="0" cy="0"/>
+        </a:xfrm>
+      </p:grpSpPr>
+      <p:pic>
+        <p:nvPicPr>
+          <p:cNvPr id="6" name="Image 5">
+            <a:extLst>
+              <a:ext uri="{FF2B5EF4-FFF2-40B4-BE49-F238E27FC236}">
+                <a16:creationId xmlns:a16="http://schemas.microsoft.com/office/drawing/2014/main" id="{85C1BEF6-C4FA-794F-9003-5D49864298CC}"/>
+              </a:ext>
+            </a:extLst>
+          </p:cNvPr>
+          <p:cNvPicPr>
+            <a:picLocks noChangeAspect="1"/>
+          </p:cNvPicPr>
+          <p:nvPr/>
+        </p:nvPicPr>
+        <p:blipFill>
+          <a:blip r:embed="rId2"/>
+          <a:stretch>
+            <a:fillRect/>
+          </a:stretch>
+        </p:blipFill>
+        <p:spPr>
+          <a:xfrm>
+            <a:off x="10595481" y="4159"/>
+            <a:ext cx="1064878" cy="1706406"/>
+          </a:xfrm>
+          <a:prstGeom prst="rect">
+            <a:avLst/>
+          </a:prstGeom>
+        </p:spPr>
+      </p:pic>
+      <p:sp>
+        <p:nvSpPr>
+          <p:cNvPr id="7" name="Titre 1">
+            <a:extLst>
+              <a:ext uri="{FF2B5EF4-FFF2-40B4-BE49-F238E27FC236}">
+                <a16:creationId xmlns:a16="http://schemas.microsoft.com/office/drawing/2014/main" id="{B50329F0-7FAB-5A46-8618-A4B121772237}"/>
+              </a:ext>
+            </a:extLst>
+          </p:cNvPr>
+          <p:cNvSpPr>
+            <a:spLocks noGrp="1"/>
+          </p:cNvSpPr>
+          <p:nvPr>
+            <p:ph type="title"/>
+          </p:nvPr>
+        </p:nvSpPr>
+        <p:spPr>
+          <a:xfrm>
+            <a:off x="838200" y="567915"/>
+            <a:ext cx="6450106" cy="365125"/>
+          </a:xfrm>
+        </p:spPr>
+        <p:txBody>
+          <a:bodyPr>
+            <a:noAutofit/>
+          </a:bodyPr>
+          <a:lstStyle/>
+          <a:p>
+            <a:r>
+              <a:rPr lang="fr-FR" sz="2800">
+                <a:latin typeface="Zilla Slab"/>
+                <a:sym typeface="Lato Light"/>
+              </a:rPr>
+              <a:t>JUnit Jupiter</a:t>
+            </a:r>
+            <a:endParaRPr lang="en-US"/>
+          </a:p>
+        </p:txBody>
+      </p:sp>
+      <p:pic>
+        <p:nvPicPr>
+          <p:cNvPr id="2" name="Picture 2" descr="A picture containing text, sign, vector graphics&#10;&#10;Description automatically generated">
+            <a:extLst>
+              <a:ext uri="{FF2B5EF4-FFF2-40B4-BE49-F238E27FC236}">
+                <a16:creationId xmlns:a16="http://schemas.microsoft.com/office/drawing/2014/main" id="{52365D72-64A7-0D09-93B2-629B872770E6}"/>
+              </a:ext>
+            </a:extLst>
+          </p:cNvPr>
+          <p:cNvPicPr>
+            <a:picLocks noChangeAspect="1"/>
+          </p:cNvPicPr>
+          <p:nvPr/>
+        </p:nvPicPr>
+        <p:blipFill>
+          <a:blip r:embed="rId3"/>
+          <a:stretch>
+            <a:fillRect/>
+          </a:stretch>
+        </p:blipFill>
+        <p:spPr>
+          <a:xfrm>
+            <a:off x="9267825" y="5619828"/>
+            <a:ext cx="2305050" cy="704695"/>
+          </a:xfrm>
+          <a:prstGeom prst="rect">
+            <a:avLst/>
+          </a:prstGeom>
+        </p:spPr>
+      </p:pic>
+      <p:sp>
+        <p:nvSpPr>
+          <p:cNvPr id="13" name="TextBox 12">
+            <a:extLst>
+              <a:ext uri="{FF2B5EF4-FFF2-40B4-BE49-F238E27FC236}">
+                <a16:creationId xmlns:a16="http://schemas.microsoft.com/office/drawing/2014/main" id="{3AAE83B0-0E0C-0245-093D-33B6EA5DE0A8}"/>
+              </a:ext>
+            </a:extLst>
+          </p:cNvPr>
+          <p:cNvSpPr txBox="1"/>
+          <p:nvPr/>
+        </p:nvSpPr>
+        <p:spPr>
+          <a:xfrm>
             <a:off x="894373" y="1170517"/>
             <a:ext cx="2960077" cy="461665"/>
           </a:xfrm>
@@ -25353,7 +26453,7 @@
 </p:sld>
 </file>
 
-<file path=ppt/slides/slide61.xml><?xml version="1.0" encoding="utf-8"?>
+<file path=ppt/slides/slide65.xml><?xml version="1.0" encoding="utf-8"?>
 <p:sld xmlns:a="http://schemas.openxmlformats.org/drawingml/2006/main" xmlns:r="http://schemas.openxmlformats.org/officeDocument/2006/relationships" xmlns:p="http://schemas.openxmlformats.org/presentationml/2006/main">
   <p:cSld>
     <p:spTree>
@@ -26102,7 +27202,7 @@
 </p:sld>
 </file>
 
-<file path=ppt/slides/slide62.xml><?xml version="1.0" encoding="utf-8"?>
+<file path=ppt/slides/slide66.xml><?xml version="1.0" encoding="utf-8"?>
 <p:sld xmlns:a="http://schemas.openxmlformats.org/drawingml/2006/main" xmlns:r="http://schemas.openxmlformats.org/officeDocument/2006/relationships" xmlns:p="http://schemas.openxmlformats.org/presentationml/2006/main">
   <p:cSld>
     <p:spTree>
@@ -26276,7 +27376,7 @@
 </p:sld>
 </file>
 
-<file path=ppt/slides/slide63.xml><?xml version="1.0" encoding="utf-8"?>
+<file path=ppt/slides/slide67.xml><?xml version="1.0" encoding="utf-8"?>
 <p:sld xmlns:a="http://schemas.openxmlformats.org/drawingml/2006/main" xmlns:r="http://schemas.openxmlformats.org/officeDocument/2006/relationships" xmlns:p="http://schemas.openxmlformats.org/presentationml/2006/main">
   <p:cSld>
     <p:spTree>
@@ -26513,7 +27613,7 @@
 </p:sld>
 </file>
 
-<file path=ppt/slides/slide64.xml><?xml version="1.0" encoding="utf-8"?>
+<file path=ppt/slides/slide68.xml><?xml version="1.0" encoding="utf-8"?>
 <p:sld xmlns:a="http://schemas.openxmlformats.org/drawingml/2006/main" xmlns:r="http://schemas.openxmlformats.org/officeDocument/2006/relationships" xmlns:p="http://schemas.openxmlformats.org/presentationml/2006/main">
   <p:cSld>
     <p:spTree>
@@ -26740,7 +27840,7 @@
 </p:sld>
 </file>
 
-<file path=ppt/slides/slide65.xml><?xml version="1.0" encoding="utf-8"?>
+<file path=ppt/slides/slide69.xml><?xml version="1.0" encoding="utf-8"?>
 <p:sld xmlns:a="http://schemas.openxmlformats.org/drawingml/2006/main" xmlns:r="http://schemas.openxmlformats.org/officeDocument/2006/relationships" xmlns:p="http://schemas.openxmlformats.org/presentationml/2006/main">
   <p:cSld>
     <p:spTree>
@@ -26935,68 +28035,6 @@
     <p:extLst>
       <p:ext uri="{BB962C8B-B14F-4D97-AF65-F5344CB8AC3E}">
         <p14:creationId xmlns:p14="http://schemas.microsoft.com/office/powerpoint/2010/main" val="3679372535"/>
-      </p:ext>
-    </p:extLst>
-  </p:cSld>
-  <p:clrMapOvr>
-    <a:masterClrMapping/>
-  </p:clrMapOvr>
-</p:sld>
-</file>
-
-<file path=ppt/slides/slide66.xml><?xml version="1.0" encoding="utf-8"?>
-<p:sld xmlns:a="http://schemas.openxmlformats.org/drawingml/2006/main" xmlns:r="http://schemas.openxmlformats.org/officeDocument/2006/relationships" xmlns:p="http://schemas.openxmlformats.org/presentationml/2006/main">
-  <p:cSld>
-    <p:spTree>
-      <p:nvGrpSpPr>
-        <p:cNvPr id="1" name=""/>
-        <p:cNvGrpSpPr/>
-        <p:nvPr/>
-      </p:nvGrpSpPr>
-      <p:grpSpPr>
-        <a:xfrm>
-          <a:off x="0" y="0"/>
-          <a:ext cx="0" cy="0"/>
-          <a:chOff x="0" y="0"/>
-          <a:chExt cx="0" cy="0"/>
-        </a:xfrm>
-      </p:grpSpPr>
-      <p:sp>
-        <p:nvSpPr>
-          <p:cNvPr id="2" name="Titre 1">
-            <a:extLst>
-              <a:ext uri="{FF2B5EF4-FFF2-40B4-BE49-F238E27FC236}">
-                <a16:creationId xmlns:a16="http://schemas.microsoft.com/office/drawing/2014/main" id="{EB0A48F6-5416-EB48-8E29-9C44C4F4E08B}"/>
-              </a:ext>
-            </a:extLst>
-          </p:cNvPr>
-          <p:cNvSpPr>
-            <a:spLocks noGrp="1"/>
-          </p:cNvSpPr>
-          <p:nvPr>
-            <p:ph type="title"/>
-          </p:nvPr>
-        </p:nvSpPr>
-        <p:spPr/>
-        <p:txBody>
-          <a:bodyPr/>
-          <a:lstStyle/>
-          <a:p>
-            <a:r>
-              <a:rPr lang="fr-FR"/>
-              <a:t>M</a:t>
-            </a:r>
-            <a:r>
-              <a:rPr lang="x-none"/>
-              <a:t>erci pour votre attention</a:t>
-            </a:r>
-          </a:p>
-        </p:txBody>
-      </p:sp>
-    </p:spTree>
-    <p:extLst>
-      <p:ext uri="{BB962C8B-B14F-4D97-AF65-F5344CB8AC3E}">
-        <p14:creationId xmlns:p14="http://schemas.microsoft.com/office/powerpoint/2010/main" val="2860047580"/>
       </p:ext>
     </p:extLst>
   </p:cSld>
@@ -27278,6 +28316,68 @@
       </p:transition>
     </mc:Fallback>
   </mc:AlternateContent>
+</p:sld>
+</file>
+
+<file path=ppt/slides/slide70.xml><?xml version="1.0" encoding="utf-8"?>
+<p:sld xmlns:a="http://schemas.openxmlformats.org/drawingml/2006/main" xmlns:r="http://schemas.openxmlformats.org/officeDocument/2006/relationships" xmlns:p="http://schemas.openxmlformats.org/presentationml/2006/main">
+  <p:cSld>
+    <p:spTree>
+      <p:nvGrpSpPr>
+        <p:cNvPr id="1" name=""/>
+        <p:cNvGrpSpPr/>
+        <p:nvPr/>
+      </p:nvGrpSpPr>
+      <p:grpSpPr>
+        <a:xfrm>
+          <a:off x="0" y="0"/>
+          <a:ext cx="0" cy="0"/>
+          <a:chOff x="0" y="0"/>
+          <a:chExt cx="0" cy="0"/>
+        </a:xfrm>
+      </p:grpSpPr>
+      <p:sp>
+        <p:nvSpPr>
+          <p:cNvPr id="2" name="Titre 1">
+            <a:extLst>
+              <a:ext uri="{FF2B5EF4-FFF2-40B4-BE49-F238E27FC236}">
+                <a16:creationId xmlns:a16="http://schemas.microsoft.com/office/drawing/2014/main" id="{EB0A48F6-5416-EB48-8E29-9C44C4F4E08B}"/>
+              </a:ext>
+            </a:extLst>
+          </p:cNvPr>
+          <p:cNvSpPr>
+            <a:spLocks noGrp="1"/>
+          </p:cNvSpPr>
+          <p:nvPr>
+            <p:ph type="title"/>
+          </p:nvPr>
+        </p:nvSpPr>
+        <p:spPr/>
+        <p:txBody>
+          <a:bodyPr/>
+          <a:lstStyle/>
+          <a:p>
+            <a:r>
+              <a:rPr lang="fr-FR"/>
+              <a:t>M</a:t>
+            </a:r>
+            <a:r>
+              <a:rPr lang="x-none"/>
+              <a:t>erci pour votre attention</a:t>
+            </a:r>
+          </a:p>
+        </p:txBody>
+      </p:sp>
+    </p:spTree>
+    <p:extLst>
+      <p:ext uri="{BB962C8B-B14F-4D97-AF65-F5344CB8AC3E}">
+        <p14:creationId xmlns:p14="http://schemas.microsoft.com/office/powerpoint/2010/main" val="2860047580"/>
+      </p:ext>
+    </p:extLst>
+  </p:cSld>
+  <p:clrMapOvr>
+    <a:masterClrMapping/>
+  </p:clrMapOvr>
 </p:sld>
 </file>
 

--- a/Testing ReactJS.pptx
+++ b/Testing ReactJS.pptx
@@ -13,7 +13,7 @@
     <p:sldMasterId id="2147483672" r:id="rId12"/>
   </p:sldMasterIdLst>
   <p:notesMasterIdLst>
-    <p:notesMasterId r:id="rId66"/>
+    <p:notesMasterId r:id="rId67"/>
   </p:notesMasterIdLst>
   <p:sldIdLst>
     <p:sldId id="256" r:id="rId13"/>
@@ -30,45 +30,46 @@
     <p:sldId id="337" r:id="rId24"/>
     <p:sldId id="338" r:id="rId25"/>
     <p:sldId id="339" r:id="rId26"/>
-    <p:sldId id="370" r:id="rId27"/>
-    <p:sldId id="361" r:id="rId28"/>
-    <p:sldId id="362" r:id="rId29"/>
-    <p:sldId id="352" r:id="rId30"/>
-    <p:sldId id="353" r:id="rId31"/>
-    <p:sldId id="374" r:id="rId32"/>
-    <p:sldId id="375" r:id="rId33"/>
-    <p:sldId id="365" r:id="rId34"/>
-    <p:sldId id="354" r:id="rId35"/>
-    <p:sldId id="363" r:id="rId36"/>
-    <p:sldId id="364" r:id="rId37"/>
-    <p:sldId id="335" r:id="rId38"/>
-    <p:sldId id="334" r:id="rId39"/>
-    <p:sldId id="349" r:id="rId40"/>
-    <p:sldId id="359" r:id="rId41"/>
-    <p:sldId id="348" r:id="rId42"/>
-    <p:sldId id="347" r:id="rId43"/>
-    <p:sldId id="360" r:id="rId44"/>
-    <p:sldId id="343" r:id="rId45"/>
-    <p:sldId id="344" r:id="rId46"/>
-    <p:sldId id="345" r:id="rId47"/>
-    <p:sldId id="346" r:id="rId48"/>
-    <p:sldId id="350" r:id="rId49"/>
-    <p:sldId id="351" r:id="rId50"/>
-    <p:sldId id="371" r:id="rId51"/>
-    <p:sldId id="372" r:id="rId52"/>
-    <p:sldId id="376" r:id="rId53"/>
-    <p:sldId id="355" r:id="rId54"/>
-    <p:sldId id="356" r:id="rId55"/>
-    <p:sldId id="366" r:id="rId56"/>
-    <p:sldId id="373" r:id="rId57"/>
-    <p:sldId id="367" r:id="rId58"/>
-    <p:sldId id="368" r:id="rId59"/>
-    <p:sldId id="369" r:id="rId60"/>
-    <p:sldId id="357" r:id="rId61"/>
-    <p:sldId id="358" r:id="rId62"/>
-    <p:sldId id="378" r:id="rId63"/>
-    <p:sldId id="314" r:id="rId64"/>
-    <p:sldId id="269" r:id="rId65"/>
+    <p:sldId id="379" r:id="rId27"/>
+    <p:sldId id="370" r:id="rId28"/>
+    <p:sldId id="361" r:id="rId29"/>
+    <p:sldId id="362" r:id="rId30"/>
+    <p:sldId id="352" r:id="rId31"/>
+    <p:sldId id="353" r:id="rId32"/>
+    <p:sldId id="374" r:id="rId33"/>
+    <p:sldId id="375" r:id="rId34"/>
+    <p:sldId id="365" r:id="rId35"/>
+    <p:sldId id="354" r:id="rId36"/>
+    <p:sldId id="363" r:id="rId37"/>
+    <p:sldId id="364" r:id="rId38"/>
+    <p:sldId id="335" r:id="rId39"/>
+    <p:sldId id="334" r:id="rId40"/>
+    <p:sldId id="349" r:id="rId41"/>
+    <p:sldId id="359" r:id="rId42"/>
+    <p:sldId id="348" r:id="rId43"/>
+    <p:sldId id="347" r:id="rId44"/>
+    <p:sldId id="360" r:id="rId45"/>
+    <p:sldId id="343" r:id="rId46"/>
+    <p:sldId id="344" r:id="rId47"/>
+    <p:sldId id="345" r:id="rId48"/>
+    <p:sldId id="346" r:id="rId49"/>
+    <p:sldId id="350" r:id="rId50"/>
+    <p:sldId id="351" r:id="rId51"/>
+    <p:sldId id="371" r:id="rId52"/>
+    <p:sldId id="372" r:id="rId53"/>
+    <p:sldId id="376" r:id="rId54"/>
+    <p:sldId id="355" r:id="rId55"/>
+    <p:sldId id="356" r:id="rId56"/>
+    <p:sldId id="366" r:id="rId57"/>
+    <p:sldId id="373" r:id="rId58"/>
+    <p:sldId id="367" r:id="rId59"/>
+    <p:sldId id="368" r:id="rId60"/>
+    <p:sldId id="369" r:id="rId61"/>
+    <p:sldId id="357" r:id="rId62"/>
+    <p:sldId id="358" r:id="rId63"/>
+    <p:sldId id="378" r:id="rId64"/>
+    <p:sldId id="314" r:id="rId65"/>
+    <p:sldId id="269" r:id="rId66"/>
   </p:sldIdLst>
   <p:sldSz cx="12192000" cy="6858000"/>
   <p:notesSz cx="6858000" cy="9144000"/>
@@ -278,7 +279,7 @@
           <a:p>
             <a:fld id="{A255E714-09F2-9A40-AD8B-C2589A9C5974}" type="datetimeFigureOut">
               <a:rPr lang="fr-FR" smtClean="0"/>
-              <a:t>06/04/2025</a:t>
+              <a:t>08/04/2025</a:t>
             </a:fld>
             <a:endParaRPr lang="fr-FR"/>
           </a:p>
@@ -694,7 +695,7 @@
           <a:p>
             <a:fld id="{B7A3EB84-70AC-F442-9B25-5114AFCD2EF7}" type="slidenum">
               <a:rPr lang="fr-FR" smtClean="0"/>
-              <a:t>16</a:t>
+              <a:t>17</a:t>
             </a:fld>
             <a:endParaRPr lang="fr-FR"/>
           </a:p>
@@ -7260,7 +7261,7 @@
               <a:rPr lang="en-US" sz="2000" b="0" dirty="0">
                 <a:latin typeface="Zilla Slab"/>
               </a:rPr>
-              <a:t>Animated by :</a:t>
+              <a:t>Presented by :</a:t>
             </a:r>
             <a:r>
               <a:rPr lang="en-US" sz="2000" dirty="0">
@@ -9143,7 +9144,7 @@
                 </a:solidFill>
                 <a:latin typeface="sohne"/>
               </a:rPr>
-              <a:t>3. </a:t>
+              <a:t>3.1 </a:t>
             </a:r>
             <a:r>
               <a:rPr lang="en-US" b="1" i="0" dirty="0">
@@ -9774,7 +9775,7 @@
                 </a:solidFill>
                 <a:latin typeface="sohne"/>
               </a:rPr>
-              <a:t>3. </a:t>
+              <a:t>3.0 </a:t>
             </a:r>
             <a:r>
               <a:rPr lang="en-US" b="1" i="0" dirty="0">
@@ -9784,7 +9785,7 @@
                 <a:effectLst/>
                 <a:latin typeface="sohne"/>
               </a:rPr>
-              <a:t>Mock function: </a:t>
+              <a:t>Mock external dependencies: </a:t>
             </a:r>
             <a:r>
               <a:rPr lang="en-US" b="1" i="0" dirty="0" err="1">
@@ -9804,8 +9805,25 @@
                 <a:effectLst/>
                 <a:latin typeface="sohne"/>
               </a:rPr>
-              <a:t>()</a:t>
-            </a:r>
+              <a:t> vs </a:t>
+            </a:r>
+            <a:r>
+              <a:rPr lang="en-US" b="1" i="0" dirty="0" err="1">
+                <a:solidFill>
+                  <a:srgbClr val="242424"/>
+                </a:solidFill>
+                <a:effectLst/>
+                <a:latin typeface="sohne"/>
+              </a:rPr>
+              <a:t>jest.spyOn</a:t>
+            </a:r>
+            <a:endParaRPr lang="en-US" b="1" i="0" dirty="0">
+              <a:solidFill>
+                <a:srgbClr val="242424"/>
+              </a:solidFill>
+              <a:effectLst/>
+              <a:latin typeface="sohne"/>
+            </a:endParaRPr>
           </a:p>
           <a:p>
             <a:endParaRPr lang="en-US" b="1" i="0" dirty="0">
@@ -9844,7 +9862,7 @@
         </p:nvSpPr>
         <p:spPr>
           <a:xfrm>
-            <a:off x="1954306" y="2670610"/>
+            <a:off x="1954306" y="2782668"/>
             <a:ext cx="6544235" cy="646331"/>
           </a:xfrm>
           <a:prstGeom prst="rect">
@@ -9867,7 +9885,37 @@
                 <a:effectLst/>
                 <a:latin typeface="source-serif-pro"/>
               </a:rPr>
-              <a:t>Tools like Jest provide mocking capabilities to help you easily mock dependencies.</a:t>
+              <a:t>The only difference is that YOU CAN RESTORE ORIGINAL FUNCTION with </a:t>
+            </a:r>
+            <a:r>
+              <a:rPr lang="en-US" b="0" i="0" dirty="0" err="1">
+                <a:solidFill>
+                  <a:srgbClr val="242424"/>
+                </a:solidFill>
+                <a:effectLst/>
+                <a:latin typeface="source-serif-pro"/>
+              </a:rPr>
+              <a:t>jest.spyOn</a:t>
+            </a:r>
+            <a:r>
+              <a:rPr lang="en-US" b="0" i="0" dirty="0">
+                <a:solidFill>
+                  <a:srgbClr val="242424"/>
+                </a:solidFill>
+                <a:effectLst/>
+                <a:latin typeface="source-serif-pro"/>
+              </a:rPr>
+              <a:t> and you can't with </a:t>
+            </a:r>
+            <a:r>
+              <a:rPr lang="en-US" b="0" i="0" dirty="0" err="1">
+                <a:solidFill>
+                  <a:srgbClr val="242424"/>
+                </a:solidFill>
+                <a:effectLst/>
+                <a:latin typeface="source-serif-pro"/>
+              </a:rPr>
+              <a:t>jest.fn</a:t>
             </a:r>
             <a:endParaRPr lang="en-US" dirty="0"/>
           </a:p>
@@ -9887,8 +9935,8 @@
         </p:nvSpPr>
         <p:spPr>
           <a:xfrm>
-            <a:off x="2486905" y="3411072"/>
-            <a:ext cx="8641976" cy="2954655"/>
+            <a:off x="1954306" y="4275308"/>
+            <a:ext cx="8641976" cy="1200329"/>
           </a:xfrm>
           <a:prstGeom prst="rect">
             <a:avLst/>
@@ -9910,99 +9958,370 @@
                 <a:effectLst/>
                 <a:latin typeface="source-serif-pro"/>
               </a:rPr>
-              <a:t>test(‘</a:t>
-            </a:r>
-            <a:r>
-              <a:rPr lang="en-US" sz="1800" dirty="0"/>
-              <a:t>'</a:t>
-            </a:r>
-            <a:r>
-              <a:rPr lang="en-US" sz="1800" dirty="0" err="1"/>
-              <a:t>fetchUser</a:t>
-            </a:r>
-            <a:r>
-              <a:rPr lang="en-US" sz="1800" dirty="0"/>
-              <a:t> with </a:t>
-            </a:r>
-            <a:r>
-              <a:rPr lang="en-US" sz="1800" dirty="0" err="1"/>
-              <a:t>jest.fn</a:t>
-            </a:r>
-            <a:r>
-              <a:rPr lang="en-US" sz="1800" dirty="0"/>
-              <a:t> on </a:t>
-            </a:r>
-            <a:r>
-              <a:rPr lang="en-US" sz="1800" dirty="0" err="1"/>
-              <a:t>axios.get</a:t>
-            </a:r>
-            <a:r>
-              <a:rPr lang="en-US" b="0" i="0" dirty="0">
+              <a:t>export const </a:t>
+            </a:r>
+            <a:r>
+              <a:rPr lang="en-US" b="0" i="0" dirty="0" err="1">
                 <a:solidFill>
                   <a:srgbClr val="242424"/>
                 </a:solidFill>
                 <a:effectLst/>
                 <a:latin typeface="source-serif-pro"/>
               </a:rPr>
-              <a:t>’, async () =&gt; {</a:t>
-            </a:r>
-          </a:p>
-          <a:p>
-            <a:pPr algn="l"/>
-            <a:r>
-              <a:rPr lang="en-US" sz="1200" dirty="0">
-                <a:solidFill>
-                  <a:srgbClr val="242424"/>
-                </a:solidFill>
-                <a:latin typeface="source-serif-pro"/>
-              </a:rPr>
-              <a:t>	</a:t>
-            </a:r>
-            <a:r>
-              <a:rPr lang="en-US" sz="1200" b="0" i="0" dirty="0">
+              <a:t>welcomeUser</a:t>
+            </a:r>
+            <a:r>
+              <a:rPr lang="en-US" b="0" i="0" dirty="0">
                 <a:solidFill>
                   <a:srgbClr val="242424"/>
                 </a:solidFill>
                 <a:effectLst/>
                 <a:latin typeface="source-serif-pro"/>
               </a:rPr>
-              <a:t>const </a:t>
-            </a:r>
-            <a:r>
-              <a:rPr lang="en-US" sz="1200" b="0" i="0" dirty="0" err="1">
+              <a:t> = (name: string) =&gt; {</a:t>
+            </a:r>
+          </a:p>
+          <a:p>
+            <a:pPr algn="l"/>
+            <a:r>
+              <a:rPr lang="en-US" b="0" i="0" dirty="0">
                 <a:solidFill>
                   <a:srgbClr val="242424"/>
                 </a:solidFill>
                 <a:effectLst/>
                 <a:latin typeface="source-serif-pro"/>
               </a:rPr>
-              <a:t>mockAxios</a:t>
-            </a:r>
-            <a:r>
-              <a:rPr lang="en-US" sz="1200" b="0" i="0" dirty="0">
+              <a:t>    return `Hello, ${name}!`;</a:t>
+            </a:r>
+          </a:p>
+          <a:p>
+            <a:pPr algn="l"/>
+            <a:r>
+              <a:rPr lang="en-US" b="0" i="0" dirty="0">
                 <a:solidFill>
                   <a:srgbClr val="242424"/>
                 </a:solidFill>
                 <a:effectLst/>
                 <a:latin typeface="source-serif-pro"/>
               </a:rPr>
-              <a:t> = {</a:t>
-            </a:r>
-          </a:p>
+              <a:t>}</a:t>
+            </a:r>
+          </a:p>
+          <a:p>
+            <a:endParaRPr lang="en-US" dirty="0"/>
+          </a:p>
+        </p:txBody>
+      </p:sp>
+    </p:spTree>
+    <p:extLst>
+      <p:ext uri="{BB962C8B-B14F-4D97-AF65-F5344CB8AC3E}">
+        <p14:creationId xmlns:p14="http://schemas.microsoft.com/office/powerpoint/2010/main" val="1439650010"/>
+      </p:ext>
+    </p:extLst>
+  </p:cSld>
+  <p:clrMapOvr>
+    <a:masterClrMapping/>
+  </p:clrMapOvr>
+  <mc:AlternateContent xmlns:mc="http://schemas.openxmlformats.org/markup-compatibility/2006" xmlns:p14="http://schemas.microsoft.com/office/powerpoint/2010/main">
+    <mc:Choice Requires="p14">
+      <p:transition spd="slow" p14:dur="800">
+        <p14:flythrough/>
+      </p:transition>
+    </mc:Choice>
+    <mc:Fallback xmlns="">
+      <p:transition spd="slow">
+        <p:fade/>
+      </p:transition>
+    </mc:Fallback>
+  </mc:AlternateContent>
+</p:sld>
+</file>
+
+<file path=ppt/slides/slide16.xml><?xml version="1.0" encoding="utf-8"?>
+<p:sld xmlns:a="http://schemas.openxmlformats.org/drawingml/2006/main" xmlns:r="http://schemas.openxmlformats.org/officeDocument/2006/relationships" xmlns:p="http://schemas.openxmlformats.org/presentationml/2006/main">
+  <p:cSld>
+    <p:spTree>
+      <p:nvGrpSpPr>
+        <p:cNvPr id="1" name=""/>
+        <p:cNvGrpSpPr/>
+        <p:nvPr/>
+      </p:nvGrpSpPr>
+      <p:grpSpPr>
+        <a:xfrm>
+          <a:off x="0" y="0"/>
+          <a:ext cx="0" cy="0"/>
+          <a:chOff x="0" y="0"/>
+          <a:chExt cx="0" cy="0"/>
+        </a:xfrm>
+      </p:grpSpPr>
+      <p:pic>
+        <p:nvPicPr>
+          <p:cNvPr id="6" name="Image 5">
+            <a:extLst>
+              <a:ext uri="{FF2B5EF4-FFF2-40B4-BE49-F238E27FC236}">
+                <a16:creationId xmlns:a16="http://schemas.microsoft.com/office/drawing/2014/main" id="{85C1BEF6-C4FA-794F-9003-5D49864298CC}"/>
+              </a:ext>
+            </a:extLst>
+          </p:cNvPr>
+          <p:cNvPicPr>
+            <a:picLocks noChangeAspect="1"/>
+          </p:cNvPicPr>
+          <p:nvPr/>
+        </p:nvPicPr>
+        <p:blipFill>
+          <a:blip r:embed="rId2"/>
+          <a:stretch>
+            <a:fillRect/>
+          </a:stretch>
+        </p:blipFill>
+        <p:spPr>
+          <a:xfrm>
+            <a:off x="11128881" y="4159"/>
+            <a:ext cx="1064878" cy="1706406"/>
+          </a:xfrm>
+          <a:prstGeom prst="rect">
+            <a:avLst/>
+          </a:prstGeom>
+        </p:spPr>
+      </p:pic>
+      <p:sp>
+        <p:nvSpPr>
+          <p:cNvPr id="7" name="Titre 1">
+            <a:extLst>
+              <a:ext uri="{FF2B5EF4-FFF2-40B4-BE49-F238E27FC236}">
+                <a16:creationId xmlns:a16="http://schemas.microsoft.com/office/drawing/2014/main" id="{B50329F0-7FAB-5A46-8618-A4B121772237}"/>
+              </a:ext>
+            </a:extLst>
+          </p:cNvPr>
+          <p:cNvSpPr>
+            <a:spLocks noGrp="1"/>
+          </p:cNvSpPr>
+          <p:nvPr>
+            <p:ph type="title"/>
+          </p:nvPr>
+        </p:nvSpPr>
+        <p:spPr>
+          <a:xfrm>
+            <a:off x="838200" y="567915"/>
+            <a:ext cx="6450106" cy="365125"/>
+          </a:xfrm>
+        </p:spPr>
+        <p:txBody>
+          <a:bodyPr>
+            <a:noAutofit/>
+          </a:bodyPr>
+          <a:lstStyle/>
+          <a:p>
+            <a:r>
+              <a:rPr lang="en-GB" sz="2800" spc="300" dirty="0">
+                <a:latin typeface="Zilla Slab"/>
+              </a:rPr>
+              <a:t>Introduction</a:t>
+            </a:r>
+            <a:endParaRPr lang="en-US" dirty="0">
+              <a:latin typeface="Zilla Slab"/>
+            </a:endParaRPr>
+          </a:p>
+        </p:txBody>
+      </p:sp>
+      <p:sp>
+        <p:nvSpPr>
+          <p:cNvPr id="9" name="Google Shape;121;g6d93b6fd7c_0_0"/>
+          <p:cNvSpPr txBox="1"/>
+          <p:nvPr/>
+        </p:nvSpPr>
+        <p:spPr>
+          <a:xfrm>
+            <a:off x="3224212" y="1263625"/>
+            <a:ext cx="6332164" cy="746175"/>
+          </a:xfrm>
+          <a:prstGeom prst="rect">
+            <a:avLst/>
+          </a:prstGeom>
+          <a:noFill/>
+          <a:ln>
+            <a:noFill/>
+          </a:ln>
+        </p:spPr>
+        <p:txBody>
+          <a:bodyPr spcFirstLastPara="1" wrap="square" lIns="91425" tIns="91425" rIns="91425" bIns="91425" anchor="t" anchorCtr="0">
+            <a:noAutofit/>
+          </a:bodyPr>
+          <a:lstStyle/>
+          <a:p>
+            <a:r>
+              <a:rPr lang="en-US" sz="3200" b="1" i="1" dirty="0">
+                <a:solidFill>
+                  <a:srgbClr val="572AD7"/>
+                </a:solidFill>
+                <a:latin typeface="Montserrat"/>
+              </a:rPr>
+              <a:t>Testing Best Practices</a:t>
+            </a:r>
+          </a:p>
+          <a:p>
+            <a:endParaRPr lang="en-GB" sz="2400" dirty="0">
+              <a:solidFill>
+                <a:schemeClr val="tx1">
+                  <a:lumMod val="65000"/>
+                  <a:lumOff val="35000"/>
+                </a:schemeClr>
+              </a:solidFill>
+              <a:latin typeface="Montserrat" charset="0"/>
+              <a:ea typeface="Montserrat" charset="0"/>
+              <a:cs typeface="Montserrat" charset="0"/>
+            </a:endParaRPr>
+          </a:p>
+          <a:p>
+            <a:pPr marL="0" lvl="0" indent="0" algn="l" rtl="0">
+              <a:spcBef>
+                <a:spcPts val="0"/>
+              </a:spcBef>
+              <a:spcAft>
+                <a:spcPts val="0"/>
+              </a:spcAft>
+              <a:buNone/>
+            </a:pPr>
+            <a:endParaRPr lang="en-GB" sz="2800" dirty="0">
+              <a:latin typeface="Montserrat" charset="0"/>
+              <a:ea typeface="Montserrat" charset="0"/>
+              <a:cs typeface="Montserrat" charset="0"/>
+            </a:endParaRPr>
+          </a:p>
+        </p:txBody>
+      </p:sp>
+      <p:sp>
+        <p:nvSpPr>
+          <p:cNvPr id="3" name="TextBox 2">
+            <a:extLst>
+              <a:ext uri="{FF2B5EF4-FFF2-40B4-BE49-F238E27FC236}">
+                <a16:creationId xmlns:a16="http://schemas.microsoft.com/office/drawing/2014/main" id="{814AE3A4-2837-4A3B-9B32-B7F5104A9C2B}"/>
+              </a:ext>
+            </a:extLst>
+          </p:cNvPr>
+          <p:cNvSpPr txBox="1"/>
+          <p:nvPr/>
+        </p:nvSpPr>
+        <p:spPr>
+          <a:xfrm>
+            <a:off x="1389529" y="2142509"/>
+            <a:ext cx="8848165" cy="923330"/>
+          </a:xfrm>
+          <a:prstGeom prst="rect">
+            <a:avLst/>
+          </a:prstGeom>
+          <a:noFill/>
+        </p:spPr>
+        <p:txBody>
+          <a:bodyPr wrap="square" rtlCol="0">
+            <a:spAutoFit/>
+          </a:bodyPr>
+          <a:lstStyle/>
+          <a:p>
+            <a:r>
+              <a:rPr lang="en-US" b="1" dirty="0">
+                <a:solidFill>
+                  <a:srgbClr val="242424"/>
+                </a:solidFill>
+                <a:latin typeface="sohne"/>
+              </a:rPr>
+              <a:t>3.2 </a:t>
+            </a:r>
+            <a:r>
+              <a:rPr lang="en-US" b="1" i="0" dirty="0">
+                <a:solidFill>
+                  <a:srgbClr val="242424"/>
+                </a:solidFill>
+                <a:effectLst/>
+                <a:latin typeface="sohne"/>
+              </a:rPr>
+              <a:t>Mock function: </a:t>
+            </a:r>
+            <a:r>
+              <a:rPr lang="en-US" b="1" i="0" dirty="0" err="1">
+                <a:solidFill>
+                  <a:srgbClr val="242424"/>
+                </a:solidFill>
+                <a:effectLst/>
+                <a:latin typeface="sohne"/>
+              </a:rPr>
+              <a:t>jest.fn</a:t>
+            </a:r>
+            <a:r>
+              <a:rPr lang="en-US" b="1" i="0" dirty="0">
+                <a:solidFill>
+                  <a:srgbClr val="242424"/>
+                </a:solidFill>
+                <a:effectLst/>
+                <a:latin typeface="sohne"/>
+              </a:rPr>
+              <a:t>()</a:t>
+            </a:r>
+          </a:p>
+          <a:p>
+            <a:endParaRPr lang="en-US" b="1" i="0" dirty="0">
+              <a:solidFill>
+                <a:srgbClr val="333333"/>
+              </a:solidFill>
+              <a:effectLst/>
+              <a:latin typeface="Lucida Grande"/>
+            </a:endParaRPr>
+          </a:p>
+          <a:p>
+            <a:pPr marL="342900" indent="-342900">
+              <a:buAutoNum type="arabicPeriod"/>
+            </a:pPr>
+            <a:endParaRPr lang="en-US" b="1" i="0" dirty="0">
+              <a:solidFill>
+                <a:srgbClr val="242424"/>
+              </a:solidFill>
+              <a:effectLst/>
+              <a:latin typeface="sohne"/>
+            </a:endParaRPr>
+          </a:p>
+        </p:txBody>
+      </p:sp>
+      <p:sp>
+        <p:nvSpPr>
+          <p:cNvPr id="4" name="TextBox 3">
+            <a:extLst>
+              <a:ext uri="{FF2B5EF4-FFF2-40B4-BE49-F238E27FC236}">
+                <a16:creationId xmlns:a16="http://schemas.microsoft.com/office/drawing/2014/main" id="{E2341E85-43DE-4462-9F2D-B5EF08EF5A58}"/>
+              </a:ext>
+            </a:extLst>
+          </p:cNvPr>
+          <p:cNvSpPr txBox="1"/>
+          <p:nvPr/>
+        </p:nvSpPr>
+        <p:spPr>
+          <a:xfrm>
+            <a:off x="2838730" y="2844147"/>
+            <a:ext cx="9690847" cy="2862322"/>
+          </a:xfrm>
+          <a:prstGeom prst="rect">
+            <a:avLst/>
+          </a:prstGeom>
+          <a:noFill/>
+        </p:spPr>
+        <p:txBody>
+          <a:bodyPr wrap="square" rtlCol="0">
+            <a:spAutoFit/>
+          </a:bodyPr>
+          <a:lstStyle/>
           <a:p>
             <a:pPr algn="l"/>
             <a:r>
-              <a:rPr lang="en-US" sz="1200" b="0" i="0" dirty="0">
+              <a:rPr lang="en-US" b="0" i="0" dirty="0">
                 <a:solidFill>
                   <a:srgbClr val="242424"/>
                 </a:solidFill>
                 <a:effectLst/>
                 <a:latin typeface="source-serif-pro"/>
               </a:rPr>
-              <a:t>    		get: </a:t>
-            </a:r>
-            <a:r>
-              <a:rPr lang="en-US" sz="1200" b="0" i="0" dirty="0" err="1">
+              <a:t>test('mock function with </a:t>
+            </a:r>
+            <a:r>
+              <a:rPr lang="en-US" b="0" i="0" dirty="0" err="1">
                 <a:solidFill>
                   <a:srgbClr val="242424"/>
                 </a:solidFill>
@@ -10012,52 +10331,138 @@
               <a:t>jest.fn</a:t>
             </a:r>
             <a:r>
-              <a:rPr lang="en-US" sz="1200" b="0" i="0" dirty="0">
+              <a:rPr lang="en-US" b="0" i="0" dirty="0">
                 <a:solidFill>
                   <a:srgbClr val="242424"/>
                 </a:solidFill>
                 <a:effectLst/>
                 <a:latin typeface="source-serif-pro"/>
               </a:rPr>
-              <a:t>().</a:t>
-            </a:r>
-            <a:r>
-              <a:rPr lang="en-US" sz="1200" b="0" i="0" dirty="0" err="1">
+              <a:t>', () =&gt; {</a:t>
+            </a:r>
+          </a:p>
+          <a:p>
+            <a:pPr algn="l"/>
+            <a:r>
+              <a:rPr lang="en-US" b="0" i="0" dirty="0">
                 <a:solidFill>
                   <a:srgbClr val="242424"/>
                 </a:solidFill>
                 <a:effectLst/>
                 <a:latin typeface="source-serif-pro"/>
               </a:rPr>
-              <a:t>mockResolvedValue</a:t>
-            </a:r>
-            <a:r>
-              <a:rPr lang="en-US" sz="1200" b="0" i="0" dirty="0">
+              <a:t>	// Given</a:t>
+            </a:r>
+          </a:p>
+          <a:p>
+            <a:pPr algn="l"/>
+            <a:r>
+              <a:rPr lang="en-US" b="0" i="0" dirty="0">
                 <a:solidFill>
                   <a:srgbClr val="242424"/>
                 </a:solidFill>
                 <a:effectLst/>
                 <a:latin typeface="source-serif-pro"/>
               </a:rPr>
-              <a:t>({ data: { id: 1, name: 'Bob' } }),</a:t>
-            </a:r>
-          </a:p>
-          <a:p>
-            <a:pPr algn="l"/>
-            <a:r>
-              <a:rPr lang="en-US" sz="1200" b="0" i="0" dirty="0">
+              <a:t>	const </a:t>
+            </a:r>
+            <a:r>
+              <a:rPr lang="en-US" b="0" i="0" dirty="0" err="1">
                 <a:solidFill>
                   <a:srgbClr val="242424"/>
                 </a:solidFill>
                 <a:effectLst/>
                 <a:latin typeface="source-serif-pro"/>
               </a:rPr>
-              <a:t>  	};</a:t>
+              <a:t>originalResult</a:t>
+            </a:r>
+            <a:r>
+              <a:rPr lang="en-US" b="0" i="0" dirty="0">
+                <a:solidFill>
+                  <a:srgbClr val="242424"/>
+                </a:solidFill>
+                <a:effectLst/>
+                <a:latin typeface="source-serif-pro"/>
+              </a:rPr>
+              <a:t> = </a:t>
+            </a:r>
+            <a:r>
+              <a:rPr lang="en-US" b="0" i="0" dirty="0" err="1">
+                <a:solidFill>
+                  <a:srgbClr val="242424"/>
+                </a:solidFill>
+                <a:effectLst/>
+                <a:latin typeface="source-serif-pro"/>
+              </a:rPr>
+              <a:t>utils.welcomeUser</a:t>
+            </a:r>
+            <a:r>
+              <a:rPr lang="en-US" b="0" i="0" dirty="0">
+                <a:solidFill>
+                  <a:srgbClr val="242424"/>
+                </a:solidFill>
+                <a:effectLst/>
+                <a:latin typeface="source-serif-pro"/>
+              </a:rPr>
+              <a:t>('Alice');</a:t>
             </a:r>
           </a:p>
           <a:p>
             <a:pPr algn="l"/>
-            <a:endParaRPr lang="en-US" sz="1200" b="0" i="0" dirty="0">
+            <a:r>
+              <a:rPr lang="en-US" b="0" i="0" dirty="0">
+                <a:solidFill>
+                  <a:srgbClr val="242424"/>
+                </a:solidFill>
+                <a:effectLst/>
+                <a:latin typeface="source-serif-pro"/>
+              </a:rPr>
+              <a:t>	expect(</a:t>
+            </a:r>
+            <a:r>
+              <a:rPr lang="en-US" b="0" i="0" dirty="0" err="1">
+                <a:solidFill>
+                  <a:srgbClr val="242424"/>
+                </a:solidFill>
+                <a:effectLst/>
+                <a:latin typeface="source-serif-pro"/>
+              </a:rPr>
+              <a:t>originalResult</a:t>
+            </a:r>
+            <a:r>
+              <a:rPr lang="en-US" b="0" i="0" dirty="0">
+                <a:solidFill>
+                  <a:srgbClr val="242424"/>
+                </a:solidFill>
+                <a:effectLst/>
+                <a:latin typeface="source-serif-pro"/>
+              </a:rPr>
+              <a:t>).</a:t>
+            </a:r>
+            <a:r>
+              <a:rPr lang="en-US" b="0" i="0" dirty="0" err="1">
+                <a:solidFill>
+                  <a:srgbClr val="242424"/>
+                </a:solidFill>
+                <a:effectLst/>
+                <a:latin typeface="source-serif-pro"/>
+              </a:rPr>
+              <a:t>toBe</a:t>
+            </a:r>
+            <a:r>
+              <a:rPr lang="en-US" b="0" i="0" dirty="0">
+                <a:solidFill>
+                  <a:srgbClr val="242424"/>
+                </a:solidFill>
+                <a:effectLst/>
+                <a:latin typeface="source-serif-pro"/>
+              </a:rPr>
+              <a:t>('Hello, Alice!');</a:t>
+            </a:r>
+          </a:p>
+          <a:p>
+            <a:pPr algn="l"/>
+            <a:endParaRPr lang="en-US" b="0" i="0" dirty="0">
               <a:solidFill>
                 <a:srgbClr val="242424"/>
               </a:solidFill>
@@ -10068,308 +10473,187 @@
           <a:p>
             <a:pPr algn="l"/>
             <a:r>
-              <a:rPr lang="en-US" sz="1200" b="0" i="0" dirty="0">
+              <a:rPr lang="en-US" b="0" i="0" dirty="0">
                 <a:solidFill>
                   <a:srgbClr val="242424"/>
                 </a:solidFill>
                 <a:effectLst/>
                 <a:latin typeface="source-serif-pro"/>
               </a:rPr>
-              <a:t>	const </a:t>
-            </a:r>
-            <a:r>
-              <a:rPr lang="en-US" sz="1200" b="0" i="0" dirty="0" err="1">
+              <a:t>	// Mock</a:t>
+            </a:r>
+          </a:p>
+          <a:p>
+            <a:pPr algn="l"/>
+            <a:r>
+              <a:rPr lang="en-US" b="0" i="0" dirty="0">
                 <a:solidFill>
                   <a:srgbClr val="242424"/>
                 </a:solidFill>
                 <a:effectLst/>
                 <a:latin typeface="source-serif-pro"/>
               </a:rPr>
-              <a:t>fetchUserWithClient</a:t>
-            </a:r>
-            <a:r>
-              <a:rPr lang="en-US" sz="1200" b="0" i="0" dirty="0">
+              <a:t>	const </a:t>
+            </a:r>
+            <a:r>
+              <a:rPr lang="en-US" b="0" i="0" dirty="0" err="1">
                 <a:solidFill>
                   <a:srgbClr val="242424"/>
                 </a:solidFill>
                 <a:effectLst/>
                 <a:latin typeface="source-serif-pro"/>
               </a:rPr>
-              <a:t> = async (id, client) =&gt; {</a:t>
-            </a:r>
-          </a:p>
-          <a:p>
-            <a:pPr algn="l"/>
-            <a:r>
-              <a:rPr lang="en-US" sz="1200" b="0" i="0" dirty="0">
+              <a:t>myMockMethod</a:t>
+            </a:r>
+            <a:r>
+              <a:rPr lang="en-US" b="0" i="0" dirty="0">
                 <a:solidFill>
                   <a:srgbClr val="242424"/>
                 </a:solidFill>
                 <a:effectLst/>
                 <a:latin typeface="source-serif-pro"/>
               </a:rPr>
-              <a:t>    		const res = await </a:t>
-            </a:r>
-            <a:r>
-              <a:rPr lang="en-US" sz="1200" b="0" i="0" dirty="0" err="1">
+              <a:t>  = </a:t>
+            </a:r>
+            <a:r>
+              <a:rPr lang="en-US" b="0" i="0" dirty="0" err="1">
                 <a:solidFill>
                   <a:srgbClr val="242424"/>
                 </a:solidFill>
                 <a:effectLst/>
                 <a:latin typeface="source-serif-pro"/>
               </a:rPr>
-              <a:t>client.get</a:t>
-            </a:r>
-            <a:r>
-              <a:rPr lang="en-US" sz="1200" b="0" i="0" dirty="0">
+              <a:t>jest.fn</a:t>
+            </a:r>
+            <a:r>
+              <a:rPr lang="en-US" b="0" i="0" dirty="0">
                 <a:solidFill>
                   <a:srgbClr val="242424"/>
                 </a:solidFill>
                 <a:effectLst/>
                 <a:latin typeface="source-serif-pro"/>
               </a:rPr>
-              <a:t>(`/</a:t>
-            </a:r>
-            <a:r>
-              <a:rPr lang="en-US" sz="1200" b="0" i="0" dirty="0" err="1">
+              <a:t>(() =&gt; 'Mocked!'); // Replaces the original permanently</a:t>
+            </a:r>
+          </a:p>
+          <a:p>
+            <a:pPr algn="l"/>
+            <a:r>
+              <a:rPr lang="en-US" b="0" i="0" dirty="0">
                 <a:solidFill>
                   <a:srgbClr val="242424"/>
                 </a:solidFill>
                 <a:effectLst/>
                 <a:latin typeface="source-serif-pro"/>
               </a:rPr>
-              <a:t>api</a:t>
-            </a:r>
-            <a:r>
-              <a:rPr lang="en-US" sz="1200" b="0" i="0" dirty="0">
+              <a:t>	const </a:t>
+            </a:r>
+            <a:r>
+              <a:rPr lang="en-US" b="0" i="0" dirty="0" err="1">
                 <a:solidFill>
                   <a:srgbClr val="242424"/>
                 </a:solidFill>
                 <a:effectLst/>
                 <a:latin typeface="source-serif-pro"/>
               </a:rPr>
-              <a:t>/users/${id}`);</a:t>
-            </a:r>
-          </a:p>
-          <a:p>
-            <a:pPr algn="l"/>
-            <a:r>
-              <a:rPr lang="en-US" sz="1200" b="0" i="0" dirty="0">
+              <a:t>resultMock</a:t>
+            </a:r>
+            <a:r>
+              <a:rPr lang="en-US" b="0" i="0" dirty="0">
                 <a:solidFill>
                   <a:srgbClr val="242424"/>
                 </a:solidFill>
                 <a:effectLst/>
                 <a:latin typeface="source-serif-pro"/>
               </a:rPr>
-              <a:t>    		return </a:t>
-            </a:r>
-            <a:r>
-              <a:rPr lang="en-US" sz="1200" b="0" i="0" dirty="0" err="1">
+              <a:t> = </a:t>
+            </a:r>
+            <a:r>
+              <a:rPr lang="en-US" b="0" i="0" dirty="0" err="1">
                 <a:solidFill>
                   <a:srgbClr val="242424"/>
                 </a:solidFill>
                 <a:effectLst/>
                 <a:latin typeface="source-serif-pro"/>
               </a:rPr>
-              <a:t>res.data</a:t>
-            </a:r>
-            <a:r>
-              <a:rPr lang="en-US" sz="1200" b="0" i="0" dirty="0">
+              <a:t>myMockMethod</a:t>
+            </a:r>
+            <a:r>
+              <a:rPr lang="en-US" b="0" i="0" dirty="0">
                 <a:solidFill>
                   <a:srgbClr val="242424"/>
                 </a:solidFill>
                 <a:effectLst/>
                 <a:latin typeface="source-serif-pro"/>
               </a:rPr>
-              <a:t>;</a:t>
+              <a:t>();</a:t>
             </a:r>
           </a:p>
           <a:p>
             <a:pPr algn="l"/>
             <a:r>
-              <a:rPr lang="en-US" sz="1200" b="0" i="0" dirty="0">
+              <a:rPr lang="en-US" b="0" i="0" dirty="0">
                 <a:solidFill>
                   <a:srgbClr val="242424"/>
                 </a:solidFill>
                 <a:effectLst/>
                 <a:latin typeface="source-serif-pro"/>
               </a:rPr>
-              <a:t>  	};</a:t>
-            </a:r>
-          </a:p>
-          <a:p>
-            <a:pPr algn="l"/>
-            <a:r>
-              <a:rPr lang="en-US" sz="1200" b="0" i="0" dirty="0">
+              <a:t>	expect(</a:t>
+            </a:r>
+            <a:r>
+              <a:rPr lang="en-US" b="0" i="0" dirty="0" err="1">
                 <a:solidFill>
                   <a:srgbClr val="242424"/>
                 </a:solidFill>
                 <a:effectLst/>
                 <a:latin typeface="source-serif-pro"/>
               </a:rPr>
-              <a:t>	const result = await </a:t>
-            </a:r>
-            <a:r>
-              <a:rPr lang="en-US" sz="1200" b="0" i="0" dirty="0" err="1">
+              <a:t>resultMock</a:t>
+            </a:r>
+            <a:r>
+              <a:rPr lang="en-US" b="0" i="0" dirty="0">
                 <a:solidFill>
                   <a:srgbClr val="242424"/>
                 </a:solidFill>
                 <a:effectLst/>
                 <a:latin typeface="source-serif-pro"/>
               </a:rPr>
-              <a:t>fetchUserWithClient</a:t>
-            </a:r>
-            <a:r>
-              <a:rPr lang="en-US" sz="1200" b="0" i="0" dirty="0">
+              <a:t>).</a:t>
+            </a:r>
+            <a:r>
+              <a:rPr lang="en-US" b="0" i="0" dirty="0" err="1">
                 <a:solidFill>
                   <a:srgbClr val="242424"/>
                 </a:solidFill>
                 <a:effectLst/>
                 <a:latin typeface="source-serif-pro"/>
               </a:rPr>
-              <a:t>(1, </a:t>
-            </a:r>
-            <a:r>
-              <a:rPr lang="en-US" sz="1200" b="0" i="0" dirty="0" err="1">
+              <a:t>toBe</a:t>
+            </a:r>
+            <a:r>
+              <a:rPr lang="en-US" b="0" i="0" dirty="0">
                 <a:solidFill>
                   <a:srgbClr val="242424"/>
                 </a:solidFill>
                 <a:effectLst/>
                 <a:latin typeface="source-serif-pro"/>
               </a:rPr>
-              <a:t>mockAxios</a:t>
-            </a:r>
-            <a:r>
-              <a:rPr lang="en-US" sz="1200" b="0" i="0" dirty="0">
+              <a:t>('Mocked!');</a:t>
+            </a:r>
+          </a:p>
+          <a:p>
+            <a:pPr algn="l"/>
+            <a:r>
+              <a:rPr lang="en-US" b="0" i="0" dirty="0">
                 <a:solidFill>
                   <a:srgbClr val="242424"/>
                 </a:solidFill>
                 <a:effectLst/>
                 <a:latin typeface="source-serif-pro"/>
               </a:rPr>
-              <a:t>);</a:t>
-            </a:r>
-          </a:p>
-          <a:p>
-            <a:pPr algn="l"/>
-            <a:r>
-              <a:rPr lang="en-US" sz="1200" b="0" i="0" dirty="0">
-                <a:solidFill>
-                  <a:srgbClr val="242424"/>
-                </a:solidFill>
-                <a:effectLst/>
-                <a:latin typeface="source-serif-pro"/>
-              </a:rPr>
-              <a:t>  	expect(</a:t>
-            </a:r>
-            <a:r>
-              <a:rPr lang="en-US" sz="1200" b="0" i="0" dirty="0" err="1">
-                <a:solidFill>
-                  <a:srgbClr val="242424"/>
-                </a:solidFill>
-                <a:effectLst/>
-                <a:latin typeface="source-serif-pro"/>
-              </a:rPr>
-              <a:t>mockAxios.get</a:t>
-            </a:r>
-            <a:r>
-              <a:rPr lang="en-US" sz="1200" b="0" i="0" dirty="0">
-                <a:solidFill>
-                  <a:srgbClr val="242424"/>
-                </a:solidFill>
-                <a:effectLst/>
-                <a:latin typeface="source-serif-pro"/>
-              </a:rPr>
-              <a:t>).</a:t>
-            </a:r>
-            <a:r>
-              <a:rPr lang="en-US" sz="1200" b="0" i="0" dirty="0" err="1">
-                <a:solidFill>
-                  <a:srgbClr val="242424"/>
-                </a:solidFill>
-                <a:effectLst/>
-                <a:latin typeface="source-serif-pro"/>
-              </a:rPr>
-              <a:t>toHaveBeenCalledWith</a:t>
-            </a:r>
-            <a:r>
-              <a:rPr lang="en-US" sz="1200" b="0" i="0" dirty="0">
-                <a:solidFill>
-                  <a:srgbClr val="242424"/>
-                </a:solidFill>
-                <a:effectLst/>
-                <a:latin typeface="source-serif-pro"/>
-              </a:rPr>
-              <a:t>('/</a:t>
-            </a:r>
-            <a:r>
-              <a:rPr lang="en-US" sz="1200" b="0" i="0" dirty="0" err="1">
-                <a:solidFill>
-                  <a:srgbClr val="242424"/>
-                </a:solidFill>
-                <a:effectLst/>
-                <a:latin typeface="source-serif-pro"/>
-              </a:rPr>
-              <a:t>api</a:t>
-            </a:r>
-            <a:r>
-              <a:rPr lang="en-US" sz="1200" b="0" i="0" dirty="0">
-                <a:solidFill>
-                  <a:srgbClr val="242424"/>
-                </a:solidFill>
-                <a:effectLst/>
-                <a:latin typeface="source-serif-pro"/>
-              </a:rPr>
-              <a:t>/users/1');</a:t>
-            </a:r>
-          </a:p>
-          <a:p>
-            <a:pPr algn="l"/>
-            <a:r>
-              <a:rPr lang="en-US" sz="1200" b="0" i="0" dirty="0">
-                <a:solidFill>
-                  <a:srgbClr val="242424"/>
-                </a:solidFill>
-                <a:effectLst/>
-                <a:latin typeface="source-serif-pro"/>
-              </a:rPr>
-              <a:t>  	expect(result).</a:t>
-            </a:r>
-            <a:r>
-              <a:rPr lang="en-US" sz="1200" b="0" i="0" dirty="0" err="1">
-                <a:solidFill>
-                  <a:srgbClr val="242424"/>
-                </a:solidFill>
-                <a:effectLst/>
-                <a:latin typeface="source-serif-pro"/>
-              </a:rPr>
-              <a:t>toEqual</a:t>
-            </a:r>
-            <a:r>
-              <a:rPr lang="en-US" sz="1200" b="0" i="0" dirty="0">
-                <a:solidFill>
-                  <a:srgbClr val="242424"/>
-                </a:solidFill>
-                <a:effectLst/>
-                <a:latin typeface="source-serif-pro"/>
-              </a:rPr>
-              <a:t>({ id: 1, name: 'Bob' });</a:t>
-            </a:r>
-          </a:p>
-          <a:p>
-            <a:pPr algn="l"/>
-            <a:r>
-              <a:rPr lang="en-US" b="0" i="0" dirty="0">
-                <a:solidFill>
-                  <a:srgbClr val="242424"/>
-                </a:solidFill>
-                <a:effectLst/>
-                <a:latin typeface="source-serif-pro"/>
-              </a:rPr>
-              <a:t>});</a:t>
-            </a:r>
-          </a:p>
-          <a:p>
+              <a:t>})</a:t>
+            </a:r>
             <a:endParaRPr lang="en-US" dirty="0"/>
           </a:p>
         </p:txBody>
@@ -10399,7 +10683,7 @@
 </p:sld>
 </file>
 
-<file path=ppt/slides/slide16.xml><?xml version="1.0" encoding="utf-8"?>
+<file path=ppt/slides/slide17.xml><?xml version="1.0" encoding="utf-8"?>
 <p:sld xmlns:a="http://schemas.openxmlformats.org/drawingml/2006/main" xmlns:r="http://schemas.openxmlformats.org/officeDocument/2006/relationships" xmlns:p="http://schemas.openxmlformats.org/presentationml/2006/main">
   <p:cSld>
     <p:spTree>
@@ -10566,7 +10850,7 @@
         </p:nvSpPr>
         <p:spPr>
           <a:xfrm>
-            <a:off x="1389529" y="2142509"/>
+            <a:off x="2280716" y="2060762"/>
             <a:ext cx="8848165" cy="923330"/>
           </a:xfrm>
           <a:prstGeom prst="rect">
@@ -10587,7 +10871,7 @@
                 </a:solidFill>
                 <a:latin typeface="sohne"/>
               </a:rPr>
-              <a:t>3. </a:t>
+              <a:t>3.3 </a:t>
             </a:r>
             <a:r>
               <a:rPr lang="en-US" b="1" i="0" dirty="0">
@@ -10657,8 +10941,8 @@
         </p:nvSpPr>
         <p:spPr>
           <a:xfrm>
-            <a:off x="2160495" y="2787933"/>
-            <a:ext cx="8641976" cy="2492990"/>
+            <a:off x="3124200" y="2684857"/>
+            <a:ext cx="10941424" cy="3416320"/>
           </a:xfrm>
           <a:prstGeom prst="rect">
             <a:avLst/>
@@ -10673,39 +10957,8 @@
           <a:p>
             <a:pPr algn="l"/>
             <a:r>
-              <a:rPr lang="en-US" dirty="0"/>
-              <a:t>test('</a:t>
-            </a:r>
-            <a:r>
-              <a:rPr lang="en-US" dirty="0" err="1"/>
-              <a:t>fetchUser</a:t>
-            </a:r>
-            <a:r>
-              <a:rPr lang="en-US" dirty="0"/>
-              <a:t> with </a:t>
-            </a:r>
-            <a:r>
-              <a:rPr lang="en-US" dirty="0" err="1"/>
-              <a:t>spyOn</a:t>
-            </a:r>
-            <a:r>
-              <a:rPr lang="en-US" dirty="0"/>
-              <a:t> on </a:t>
-            </a:r>
-            <a:r>
-              <a:rPr lang="en-US" dirty="0" err="1"/>
-              <a:t>axios.get</a:t>
-            </a:r>
-            <a:r>
-              <a:rPr lang="en-US" dirty="0"/>
-              <a:t>', async () =&gt; {</a:t>
-            </a:r>
-          </a:p>
-          <a:p>
-            <a:pPr lvl="1"/>
-            <a:r>
               <a:rPr lang="en-US" sz="1200" dirty="0"/>
-              <a:t>  const spy = </a:t>
+              <a:t>test('mock function with </a:t>
             </a:r>
             <a:r>
               <a:rPr lang="en-US" sz="1200" dirty="0" err="1"/>
@@ -10713,67 +10966,159 @@
             </a:r>
             <a:r>
               <a:rPr lang="en-US" sz="1200" dirty="0"/>
-              <a:t>(</a:t>
+              <a:t>', () =&gt; {</a:t>
+            </a:r>
+          </a:p>
+          <a:p>
+            <a:pPr algn="l"/>
+            <a:r>
+              <a:rPr lang="en-US" sz="1200" dirty="0"/>
+              <a:t>	// Given</a:t>
+            </a:r>
+          </a:p>
+          <a:p>
+            <a:pPr algn="l"/>
+            <a:r>
+              <a:rPr lang="en-US" sz="1200" dirty="0"/>
+              <a:t>	const </a:t>
             </a:r>
             <a:r>
               <a:rPr lang="en-US" sz="1200" dirty="0" err="1"/>
-              <a:t>axios</a:t>
+              <a:t>originalResult</a:t>
             </a:r>
             <a:r>
               <a:rPr lang="en-US" sz="1200" dirty="0"/>
-              <a:t>, 'get').</a:t>
+              <a:t> = </a:t>
             </a:r>
             <a:r>
               <a:rPr lang="en-US" sz="1200" dirty="0" err="1"/>
-              <a:t>mockResolvedValue</a:t>
+              <a:t>utils.welcomeUser</a:t>
             </a:r>
             <a:r>
               <a:rPr lang="en-US" sz="1200" dirty="0"/>
-              <a:t>({</a:t>
-            </a:r>
-          </a:p>
-          <a:p>
-            <a:pPr lvl="1"/>
+              <a:t>('Alice');</a:t>
+            </a:r>
+          </a:p>
+          <a:p>
+            <a:pPr algn="l"/>
             <a:r>
               <a:rPr lang="en-US" sz="1200" dirty="0"/>
-              <a:t>    data: { id: 1, name: 'Bob' },</a:t>
-            </a:r>
-          </a:p>
-          <a:p>
-            <a:pPr lvl="1"/>
+              <a:t>	expect(</a:t>
+            </a:r>
+            <a:r>
+              <a:rPr lang="en-US" sz="1200" dirty="0" err="1"/>
+              <a:t>originalResult</a:t>
+            </a:r>
             <a:r>
               <a:rPr lang="en-US" sz="1200" dirty="0"/>
-              <a:t>  });</a:t>
-            </a:r>
-          </a:p>
-          <a:p>
-            <a:pPr lvl="1"/>
+              <a:t>).</a:t>
+            </a:r>
+            <a:r>
+              <a:rPr lang="en-US" sz="1200" dirty="0" err="1"/>
+              <a:t>toBe</a:t>
+            </a:r>
+            <a:r>
+              <a:rPr lang="en-US" sz="1200" dirty="0"/>
+              <a:t>('Hello, Alice!');</a:t>
+            </a:r>
+          </a:p>
+          <a:p>
+            <a:pPr algn="l"/>
             <a:endParaRPr lang="en-US" sz="1200" dirty="0"/>
           </a:p>
           <a:p>
-            <a:pPr lvl="1"/>
+            <a:pPr algn="l"/>
             <a:r>
               <a:rPr lang="en-US" sz="1200" dirty="0"/>
-              <a:t>  const result = await </a:t>
+              <a:t>	// Spy and mock</a:t>
+            </a:r>
+          </a:p>
+          <a:p>
+            <a:pPr algn="l"/>
+            <a:r>
+              <a:rPr lang="en-US" sz="1200" dirty="0"/>
+              <a:t>	const spy = </a:t>
             </a:r>
             <a:r>
               <a:rPr lang="en-US" sz="1200" dirty="0" err="1"/>
-              <a:t>fetchUser</a:t>
+              <a:t>jest.spyOn</a:t>
             </a:r>
             <a:r>
               <a:rPr lang="en-US" sz="1200" dirty="0"/>
-              <a:t>(1);</a:t>
-            </a:r>
-          </a:p>
-          <a:p>
-            <a:pPr lvl="1"/>
+              <a:t>(utils, '</a:t>
+            </a:r>
+            <a:r>
+              <a:rPr lang="en-US" sz="1200" dirty="0" err="1"/>
+              <a:t>welcomeUser</a:t>
+            </a:r>
+            <a:r>
+              <a:rPr lang="en-US" sz="1200" dirty="0"/>
+              <a:t>').</a:t>
+            </a:r>
+            <a:r>
+              <a:rPr lang="en-US" sz="1200" dirty="0" err="1"/>
+              <a:t>mockImplementation</a:t>
+            </a:r>
+            <a:r>
+              <a:rPr lang="en-US" sz="1200" dirty="0"/>
+              <a:t>(() =&gt; 'Mocked!');</a:t>
+            </a:r>
+          </a:p>
+          <a:p>
+            <a:pPr algn="l"/>
             <a:endParaRPr lang="en-US" sz="1200" dirty="0"/>
           </a:p>
           <a:p>
-            <a:pPr lvl="1"/>
+            <a:pPr algn="l"/>
             <a:r>
               <a:rPr lang="en-US" sz="1200" dirty="0"/>
-              <a:t>  expect(spy).</a:t>
+              <a:t>	const </a:t>
+            </a:r>
+            <a:r>
+              <a:rPr lang="en-US" sz="1200" dirty="0" err="1"/>
+              <a:t>mockedResult</a:t>
+            </a:r>
+            <a:r>
+              <a:rPr lang="en-US" sz="1200" dirty="0"/>
+              <a:t> = </a:t>
+            </a:r>
+            <a:r>
+              <a:rPr lang="en-US" sz="1200" dirty="0" err="1"/>
+              <a:t>utils.welcomeUser</a:t>
+            </a:r>
+            <a:r>
+              <a:rPr lang="en-US" sz="1200" dirty="0"/>
+              <a:t>('Bob');</a:t>
+            </a:r>
+          </a:p>
+          <a:p>
+            <a:pPr algn="l"/>
+            <a:r>
+              <a:rPr lang="en-US" sz="1200" dirty="0"/>
+              <a:t>	expect(</a:t>
+            </a:r>
+            <a:r>
+              <a:rPr lang="en-US" sz="1200" dirty="0" err="1"/>
+              <a:t>mockedResult</a:t>
+            </a:r>
+            <a:r>
+              <a:rPr lang="en-US" sz="1200" dirty="0"/>
+              <a:t>).</a:t>
+            </a:r>
+            <a:r>
+              <a:rPr lang="en-US" sz="1200" dirty="0" err="1"/>
+              <a:t>toBe</a:t>
+            </a:r>
+            <a:r>
+              <a:rPr lang="en-US" sz="1200" dirty="0"/>
+              <a:t>('Mocked!');</a:t>
+            </a:r>
+          </a:p>
+          <a:p>
+            <a:pPr algn="l"/>
+            <a:r>
+              <a:rPr lang="en-US" sz="1200" dirty="0"/>
+              <a:t>	expect(spy).</a:t>
             </a:r>
             <a:r>
               <a:rPr lang="en-US" sz="1200" dirty="0" err="1"/>
@@ -10781,41 +11126,25 @@
             </a:r>
             <a:r>
               <a:rPr lang="en-US" sz="1200" dirty="0"/>
-              <a:t>('/</a:t>
-            </a:r>
-            <a:r>
-              <a:rPr lang="en-US" sz="1200" dirty="0" err="1"/>
-              <a:t>api</a:t>
-            </a:r>
+              <a:t>('Bob');</a:t>
+            </a:r>
+          </a:p>
+          <a:p>
+            <a:pPr algn="l"/>
+            <a:endParaRPr lang="en-US" sz="1200" dirty="0"/>
+          </a:p>
+          <a:p>
+            <a:pPr algn="l"/>
             <a:r>
               <a:rPr lang="en-US" sz="1200" dirty="0"/>
-              <a:t>/users/1');</a:t>
-            </a:r>
-          </a:p>
-          <a:p>
-            <a:pPr lvl="1"/>
+              <a:t>	// Restore the original greet</a:t>
+            </a:r>
+          </a:p>
+          <a:p>
+            <a:pPr algn="l"/>
             <a:r>
               <a:rPr lang="en-US" sz="1200" dirty="0"/>
-              <a:t>  expect(result).</a:t>
-            </a:r>
-            <a:r>
-              <a:rPr lang="en-US" sz="1200" dirty="0" err="1"/>
-              <a:t>toEqual</a:t>
-            </a:r>
-            <a:r>
-              <a:rPr lang="en-US" sz="1200" dirty="0"/>
-              <a:t>({ id: 1, name: 'Bob' });</a:t>
-            </a:r>
-          </a:p>
-          <a:p>
-            <a:pPr lvl="1"/>
-            <a:endParaRPr lang="en-US" sz="1200" dirty="0"/>
-          </a:p>
-          <a:p>
-            <a:pPr lvl="1"/>
-            <a:r>
-              <a:rPr lang="en-US" sz="1200" dirty="0"/>
-              <a:t>  </a:t>
+              <a:t>	</a:t>
             </a:r>
             <a:r>
               <a:rPr lang="en-US" sz="1200" dirty="0" err="1"/>
@@ -10823,13 +11152,63 @@
             </a:r>
             <a:r>
               <a:rPr lang="en-US" sz="1200" dirty="0"/>
-              <a:t>(); // Optional: clean up</a:t>
+              <a:t>();</a:t>
             </a:r>
           </a:p>
           <a:p>
             <a:pPr algn="l"/>
-            <a:r>
-              <a:rPr lang="en-US" dirty="0"/>
+            <a:endParaRPr lang="en-US" sz="1200" dirty="0"/>
+          </a:p>
+          <a:p>
+            <a:pPr algn="l"/>
+            <a:r>
+              <a:rPr lang="en-US" sz="1200" dirty="0"/>
+              <a:t>	const </a:t>
+            </a:r>
+            <a:r>
+              <a:rPr lang="en-US" sz="1200" dirty="0" err="1"/>
+              <a:t>restoredResult</a:t>
+            </a:r>
+            <a:r>
+              <a:rPr lang="en-US" sz="1200" dirty="0"/>
+              <a:t> = </a:t>
+            </a:r>
+            <a:r>
+              <a:rPr lang="en-US" sz="1200" dirty="0" err="1"/>
+              <a:t>utils.welcomeUser</a:t>
+            </a:r>
+            <a:r>
+              <a:rPr lang="en-US" sz="1200" dirty="0"/>
+              <a:t>('Charlie');</a:t>
+            </a:r>
+          </a:p>
+          <a:p>
+            <a:pPr algn="l"/>
+            <a:r>
+              <a:rPr lang="en-US" sz="1200" dirty="0"/>
+              <a:t>	expect(</a:t>
+            </a:r>
+            <a:r>
+              <a:rPr lang="en-US" sz="1200" dirty="0" err="1"/>
+              <a:t>restoredResult</a:t>
+            </a:r>
+            <a:r>
+              <a:rPr lang="en-US" sz="1200" dirty="0"/>
+              <a:t>).</a:t>
+            </a:r>
+            <a:r>
+              <a:rPr lang="en-US" sz="1200" dirty="0" err="1"/>
+              <a:t>toBe</a:t>
+            </a:r>
+            <a:r>
+              <a:rPr lang="en-US" sz="1200" dirty="0"/>
+              <a:t>('Hello, Charlie!');</a:t>
+            </a:r>
+          </a:p>
+          <a:p>
+            <a:pPr algn="l"/>
+            <a:r>
+              <a:rPr lang="en-US" sz="1200" dirty="0"/>
               <a:t>});</a:t>
             </a:r>
           </a:p>
@@ -10839,273 +11218,6 @@
     <p:extLst>
       <p:ext uri="{BB962C8B-B14F-4D97-AF65-F5344CB8AC3E}">
         <p14:creationId xmlns:p14="http://schemas.microsoft.com/office/powerpoint/2010/main" val="3246237425"/>
-      </p:ext>
-    </p:extLst>
-  </p:cSld>
-  <p:clrMapOvr>
-    <a:masterClrMapping/>
-  </p:clrMapOvr>
-  <mc:AlternateContent xmlns:mc="http://schemas.openxmlformats.org/markup-compatibility/2006" xmlns:p14="http://schemas.microsoft.com/office/powerpoint/2010/main">
-    <mc:Choice Requires="p14">
-      <p:transition spd="slow" p14:dur="800">
-        <p14:flythrough/>
-      </p:transition>
-    </mc:Choice>
-    <mc:Fallback xmlns="">
-      <p:transition spd="slow">
-        <p:fade/>
-      </p:transition>
-    </mc:Fallback>
-  </mc:AlternateContent>
-</p:sld>
-</file>
-
-<file path=ppt/slides/slide17.xml><?xml version="1.0" encoding="utf-8"?>
-<p:sld xmlns:a="http://schemas.openxmlformats.org/drawingml/2006/main" xmlns:r="http://schemas.openxmlformats.org/officeDocument/2006/relationships" xmlns:p="http://schemas.openxmlformats.org/presentationml/2006/main">
-  <p:cSld>
-    <p:spTree>
-      <p:nvGrpSpPr>
-        <p:cNvPr id="1" name=""/>
-        <p:cNvGrpSpPr/>
-        <p:nvPr/>
-      </p:nvGrpSpPr>
-      <p:grpSpPr>
-        <a:xfrm>
-          <a:off x="0" y="0"/>
-          <a:ext cx="0" cy="0"/>
-          <a:chOff x="0" y="0"/>
-          <a:chExt cx="0" cy="0"/>
-        </a:xfrm>
-      </p:grpSpPr>
-      <p:pic>
-        <p:nvPicPr>
-          <p:cNvPr id="6" name="Image 5">
-            <a:extLst>
-              <a:ext uri="{FF2B5EF4-FFF2-40B4-BE49-F238E27FC236}">
-                <a16:creationId xmlns:a16="http://schemas.microsoft.com/office/drawing/2014/main" id="{85C1BEF6-C4FA-794F-9003-5D49864298CC}"/>
-              </a:ext>
-            </a:extLst>
-          </p:cNvPr>
-          <p:cNvPicPr>
-            <a:picLocks noChangeAspect="1"/>
-          </p:cNvPicPr>
-          <p:nvPr/>
-        </p:nvPicPr>
-        <p:blipFill>
-          <a:blip r:embed="rId2"/>
-          <a:stretch>
-            <a:fillRect/>
-          </a:stretch>
-        </p:blipFill>
-        <p:spPr>
-          <a:xfrm>
-            <a:off x="11128881" y="4159"/>
-            <a:ext cx="1064878" cy="1706406"/>
-          </a:xfrm>
-          <a:prstGeom prst="rect">
-            <a:avLst/>
-          </a:prstGeom>
-        </p:spPr>
-      </p:pic>
-      <p:sp>
-        <p:nvSpPr>
-          <p:cNvPr id="7" name="Titre 1">
-            <a:extLst>
-              <a:ext uri="{FF2B5EF4-FFF2-40B4-BE49-F238E27FC236}">
-                <a16:creationId xmlns:a16="http://schemas.microsoft.com/office/drawing/2014/main" id="{B50329F0-7FAB-5A46-8618-A4B121772237}"/>
-              </a:ext>
-            </a:extLst>
-          </p:cNvPr>
-          <p:cNvSpPr>
-            <a:spLocks noGrp="1"/>
-          </p:cNvSpPr>
-          <p:nvPr>
-            <p:ph type="title"/>
-          </p:nvPr>
-        </p:nvSpPr>
-        <p:spPr>
-          <a:xfrm>
-            <a:off x="838200" y="567915"/>
-            <a:ext cx="6450106" cy="365125"/>
-          </a:xfrm>
-        </p:spPr>
-        <p:txBody>
-          <a:bodyPr>
-            <a:noAutofit/>
-          </a:bodyPr>
-          <a:lstStyle/>
-          <a:p>
-            <a:r>
-              <a:rPr lang="en-GB" sz="2800" spc="300" dirty="0">
-                <a:latin typeface="Zilla Slab"/>
-              </a:rPr>
-              <a:t>Introduction</a:t>
-            </a:r>
-            <a:endParaRPr lang="en-US" dirty="0">
-              <a:latin typeface="Zilla Slab"/>
-            </a:endParaRPr>
-          </a:p>
-        </p:txBody>
-      </p:sp>
-      <p:sp>
-        <p:nvSpPr>
-          <p:cNvPr id="9" name="Google Shape;121;g6d93b6fd7c_0_0"/>
-          <p:cNvSpPr txBox="1"/>
-          <p:nvPr/>
-        </p:nvSpPr>
-        <p:spPr>
-          <a:xfrm>
-            <a:off x="3224212" y="1263625"/>
-            <a:ext cx="6332164" cy="1183740"/>
-          </a:xfrm>
-          <a:prstGeom prst="rect">
-            <a:avLst/>
-          </a:prstGeom>
-          <a:noFill/>
-          <a:ln>
-            <a:noFill/>
-          </a:ln>
-        </p:spPr>
-        <p:txBody>
-          <a:bodyPr spcFirstLastPara="1" wrap="square" lIns="91425" tIns="91425" rIns="91425" bIns="91425" anchor="t" anchorCtr="0">
-            <a:noAutofit/>
-          </a:bodyPr>
-          <a:lstStyle/>
-          <a:p>
-            <a:r>
-              <a:rPr lang="en-US" sz="3200" b="1" i="1" dirty="0">
-                <a:solidFill>
-                  <a:srgbClr val="572AD7"/>
-                </a:solidFill>
-                <a:latin typeface="Montserrat"/>
-              </a:rPr>
-              <a:t>Unit Tests vs Integration Tests vs E2E Tests </a:t>
-            </a:r>
-          </a:p>
-          <a:p>
-            <a:endParaRPr lang="en-US" sz="3200" b="1" i="1" dirty="0">
-              <a:solidFill>
-                <a:srgbClr val="572AD7"/>
-              </a:solidFill>
-              <a:latin typeface="Montserrat"/>
-            </a:endParaRPr>
-          </a:p>
-          <a:p>
-            <a:endParaRPr lang="en-GB" sz="2400" dirty="0">
-              <a:solidFill>
-                <a:schemeClr val="tx1">
-                  <a:lumMod val="65000"/>
-                  <a:lumOff val="35000"/>
-                </a:schemeClr>
-              </a:solidFill>
-              <a:latin typeface="Montserrat" charset="0"/>
-              <a:ea typeface="Montserrat" charset="0"/>
-              <a:cs typeface="Montserrat" charset="0"/>
-            </a:endParaRPr>
-          </a:p>
-          <a:p>
-            <a:pPr marL="0" lvl="0" indent="0" algn="l" rtl="0">
-              <a:spcBef>
-                <a:spcPts val="0"/>
-              </a:spcBef>
-              <a:spcAft>
-                <a:spcPts val="0"/>
-              </a:spcAft>
-              <a:buNone/>
-            </a:pPr>
-            <a:endParaRPr lang="en-GB" sz="2800" dirty="0">
-              <a:latin typeface="Montserrat" charset="0"/>
-              <a:ea typeface="Montserrat" charset="0"/>
-              <a:cs typeface="Montserrat" charset="0"/>
-            </a:endParaRPr>
-          </a:p>
-        </p:txBody>
-      </p:sp>
-      <p:sp>
-        <p:nvSpPr>
-          <p:cNvPr id="3" name="TextBox 2">
-            <a:extLst>
-              <a:ext uri="{FF2B5EF4-FFF2-40B4-BE49-F238E27FC236}">
-                <a16:creationId xmlns:a16="http://schemas.microsoft.com/office/drawing/2014/main" id="{814AE3A4-2837-4A3B-9B32-B7F5104A9C2B}"/>
-              </a:ext>
-            </a:extLst>
-          </p:cNvPr>
-          <p:cNvSpPr txBox="1"/>
-          <p:nvPr/>
-        </p:nvSpPr>
-        <p:spPr>
-          <a:xfrm>
-            <a:off x="1541929" y="3086637"/>
-            <a:ext cx="8848165" cy="2507738"/>
-          </a:xfrm>
-          <a:prstGeom prst="rect">
-            <a:avLst/>
-          </a:prstGeom>
-          <a:noFill/>
-        </p:spPr>
-        <p:txBody>
-          <a:bodyPr wrap="square" rtlCol="0">
-            <a:spAutoFit/>
-          </a:bodyPr>
-          <a:lstStyle/>
-          <a:p>
-            <a:r>
-              <a:rPr lang="en-US" b="1" i="0" dirty="0">
-                <a:solidFill>
-                  <a:srgbClr val="FF0000"/>
-                </a:solidFill>
-                <a:effectLst/>
-                <a:latin typeface="sohne"/>
-              </a:rPr>
-              <a:t>				</a:t>
-            </a:r>
-            <a:r>
-              <a:rPr lang="en-US" b="1" i="0" dirty="0" err="1">
-                <a:solidFill>
-                  <a:srgbClr val="FF0000"/>
-                </a:solidFill>
-                <a:effectLst/>
-                <a:latin typeface="sohne"/>
-              </a:rPr>
-              <a:t>BeforeAll</a:t>
-            </a:r>
-            <a:endParaRPr lang="en-US" b="1" i="0" dirty="0">
-              <a:solidFill>
-                <a:srgbClr val="FF0000"/>
-              </a:solidFill>
-              <a:effectLst/>
-              <a:latin typeface="sohne"/>
-            </a:endParaRPr>
-          </a:p>
-          <a:p>
-            <a:pPr>
-              <a:lnSpc>
-                <a:spcPct val="200000"/>
-              </a:lnSpc>
-            </a:pPr>
-            <a:r>
-              <a:rPr lang="en-US" dirty="0"/>
-              <a:t>	</a:t>
-            </a:r>
-            <a:r>
-              <a:rPr lang="en-US" b="1" i="1" dirty="0"/>
-              <a:t>Kent C </a:t>
-            </a:r>
-            <a:r>
-              <a:rPr lang="en-US" b="1" i="1" dirty="0" err="1"/>
-              <a:t>Dodds</a:t>
-            </a:r>
-            <a:r>
-              <a:rPr lang="en-US" dirty="0"/>
-              <a:t>, a well-known software engineer, once said that what is important is 	the value that testing provides to the business. He doesn't care about the 	distinctions between types of testing. The value of testing is that it catches bugs 	and ensures that tests fail when breaking changes are made.</a:t>
-            </a:r>
-          </a:p>
-        </p:txBody>
-      </p:sp>
-    </p:spTree>
-    <p:extLst>
-      <p:ext uri="{BB962C8B-B14F-4D97-AF65-F5344CB8AC3E}">
-        <p14:creationId xmlns:p14="http://schemas.microsoft.com/office/powerpoint/2010/main" val="1565777339"/>
       </p:ext>
     </p:extLst>
   </p:cSld>
@@ -11302,8 +11414,8 @@
         </p:nvSpPr>
         <p:spPr>
           <a:xfrm>
-            <a:off x="1559859" y="2800362"/>
-            <a:ext cx="8848165" cy="3050002"/>
+            <a:off x="1541929" y="3086637"/>
+            <a:ext cx="8848165" cy="2507738"/>
           </a:xfrm>
           <a:prstGeom prst="rect">
             <a:avLst/>
@@ -11316,19 +11428,33 @@
           </a:bodyPr>
           <a:lstStyle/>
           <a:p>
-            <a:pPr marL="342900" indent="-342900">
-              <a:buAutoNum type="arabicPeriod"/>
-            </a:pPr>
             <a:r>
               <a:rPr lang="en-US" b="1" i="0" dirty="0">
                 <a:solidFill>
-                  <a:srgbClr val="242424"/>
+                  <a:srgbClr val="FF0000"/>
                 </a:solidFill>
                 <a:effectLst/>
                 <a:latin typeface="sohne"/>
               </a:rPr>
-              <a:t>Unit Tests</a:t>
-            </a:r>
+              <a:t>				</a:t>
+            </a:r>
+            <a:r>
+              <a:rPr lang="en-US" b="1" i="0" dirty="0" err="1">
+                <a:solidFill>
+                  <a:srgbClr val="FF0000"/>
+                </a:solidFill>
+                <a:effectLst/>
+                <a:latin typeface="sohne"/>
+              </a:rPr>
+              <a:t>BeforeAll</a:t>
+            </a:r>
+            <a:endParaRPr lang="en-US" b="1" i="0" dirty="0">
+              <a:solidFill>
+                <a:srgbClr val="FF0000"/>
+              </a:solidFill>
+              <a:effectLst/>
+              <a:latin typeface="sohne"/>
+            </a:endParaRPr>
           </a:p>
           <a:p>
             <a:pPr>
@@ -11338,73 +11464,27 @@
             </a:pPr>
             <a:r>
               <a:rPr lang="en-US" dirty="0"/>
-              <a:t>	=&gt; </a:t>
-            </a:r>
-            <a:r>
-              <a:rPr lang="en-US" b="0" i="0" dirty="0">
-                <a:solidFill>
-                  <a:srgbClr val="0A0A23"/>
-                </a:solidFill>
-                <a:effectLst/>
-                <a:latin typeface="Lato" panose="020F0502020204030203" pitchFamily="34" charset="0"/>
-              </a:rPr>
-              <a:t>Write unit tests for individual components or functions to ensure they 	work as expected in isolation.</a:t>
-            </a:r>
-          </a:p>
-          <a:p>
-            <a:pPr>
-              <a:lnSpc>
-                <a:spcPct val="200000"/>
-              </a:lnSpc>
-            </a:pPr>
-            <a:r>
-              <a:rPr lang="en-US" dirty="0">
-                <a:solidFill>
-                  <a:srgbClr val="0A0A23"/>
-                </a:solidFill>
-                <a:latin typeface="Lato" panose="020F0502020204030203" pitchFamily="34" charset="0"/>
-              </a:rPr>
-              <a:t>	=&gt; Unit tests focus on one small part of your app at a time : like a button or a 		message</a:t>
-            </a:r>
-          </a:p>
-          <a:p>
-            <a:pPr>
-              <a:lnSpc>
-                <a:spcPct val="200000"/>
-              </a:lnSpc>
-            </a:pPr>
-            <a:r>
-              <a:rPr lang="en-US" dirty="0">
-                <a:solidFill>
-                  <a:srgbClr val="0A0A23"/>
-                </a:solidFill>
-                <a:latin typeface="Lato" panose="020F0502020204030203" pitchFamily="34" charset="0"/>
-              </a:rPr>
-              <a:t>	=&gt; </a:t>
-            </a:r>
-            <a:r>
-              <a:rPr lang="en-US" b="0" i="0" dirty="0">
-                <a:solidFill>
-                  <a:srgbClr val="212121"/>
-                </a:solidFill>
-                <a:effectLst/>
-                <a:latin typeface="__Poppins_9e6217"/>
-              </a:rPr>
-              <a:t> A single piece of code in isolation at a time</a:t>
-            </a:r>
-            <a:endParaRPr lang="en-US" dirty="0">
-              <a:solidFill>
-                <a:srgbClr val="0A0A23"/>
-              </a:solidFill>
-              <a:latin typeface="Lato" panose="020F0502020204030203" pitchFamily="34" charset="0"/>
-            </a:endParaRPr>
+              <a:t>	</a:t>
+            </a:r>
+            <a:r>
+              <a:rPr lang="en-US" b="1" i="1" dirty="0"/>
+              <a:t>Kent C </a:t>
+            </a:r>
+            <a:r>
+              <a:rPr lang="en-US" b="1" i="1" dirty="0" err="1"/>
+              <a:t>Dodds</a:t>
+            </a:r>
+            <a:r>
+              <a:rPr lang="en-US" dirty="0"/>
+              <a:t>, a well-known software engineer, once said that what is important is 	the value that testing provides to the business. He doesn't care about the 	distinctions between types of testing. The value of testing is that it catches bugs 	and ensures that tests fail when breaking changes are made.</a:t>
+            </a:r>
           </a:p>
         </p:txBody>
       </p:sp>
     </p:spTree>
     <p:extLst>
       <p:ext uri="{BB962C8B-B14F-4D97-AF65-F5344CB8AC3E}">
-        <p14:creationId xmlns:p14="http://schemas.microsoft.com/office/powerpoint/2010/main" val="2054604129"/>
+        <p14:creationId xmlns:p14="http://schemas.microsoft.com/office/powerpoint/2010/main" val="1565777339"/>
       </p:ext>
     </p:extLst>
   </p:cSld>
@@ -11601,8 +11681,8 @@
         </p:nvSpPr>
         <p:spPr>
           <a:xfrm>
-            <a:off x="1497106" y="2918012"/>
-            <a:ext cx="8848165" cy="2505238"/>
+            <a:off x="1559859" y="2800362"/>
+            <a:ext cx="8848165" cy="3050002"/>
           </a:xfrm>
           <a:prstGeom prst="rect">
             <a:avLst/>
@@ -11615,6 +11695,9 @@
           </a:bodyPr>
           <a:lstStyle/>
           <a:p>
+            <a:pPr marL="342900" indent="-342900">
+              <a:buAutoNum type="arabicPeriod"/>
+            </a:pPr>
             <a:r>
               <a:rPr lang="en-US" b="1" i="0" dirty="0">
                 <a:solidFill>
@@ -11623,7 +11706,7 @@
                 <a:effectLst/>
                 <a:latin typeface="sohne"/>
               </a:rPr>
-              <a:t>2.    Integration Tests</a:t>
+              <a:t>Unit Tests</a:t>
             </a:r>
           </a:p>
           <a:p>
@@ -11644,7 +11727,7 @@
                 <a:effectLst/>
                 <a:latin typeface="Lato" panose="020F0502020204030203" pitchFamily="34" charset="0"/>
               </a:rPr>
-              <a:t>Write integration tests to ensure that different parts of your application 	work together correctly</a:t>
+              <a:t>Write unit tests for individual components or functions to ensure they 	work as expected in isolation.</a:t>
             </a:r>
           </a:p>
           <a:p>
@@ -11660,14 +11743,33 @@
                 </a:solidFill>
                 <a:latin typeface="Lato" panose="020F0502020204030203" pitchFamily="34" charset="0"/>
               </a:rPr>
-              <a:t>	=&gt; T</a:t>
+              <a:t>	=&gt; Unit tests focus on one small part of your app at a time : like a button or a 		message</a:t>
+            </a:r>
+          </a:p>
+          <a:p>
+            <a:pPr>
+              <a:lnSpc>
+                <a:spcPct val="200000"/>
+              </a:lnSpc>
+            </a:pPr>
+            <a:r>
+              <a:rPr lang="en-US" dirty="0">
+                <a:solidFill>
+                  <a:srgbClr val="0A0A23"/>
+                </a:solidFill>
+                <a:latin typeface="Lato" panose="020F0502020204030203" pitchFamily="34" charset="0"/>
+              </a:rPr>
+              <a:t>	=&gt; </a:t>
             </a:r>
             <a:r>
               <a:rPr lang="en-US" b="0" i="0" dirty="0">
+                <a:solidFill>
+                  <a:srgbClr val="212121"/>
+                </a:solidFill>
                 <a:effectLst/>
-                <a:latin typeface="Figtree"/>
-              </a:rPr>
-              <a:t>esting the interactions between the different components, i.e., how these 	components work together to create a specific functionality or workflow</a:t>
+                <a:latin typeface="__Poppins_9e6217"/>
+              </a:rPr>
+              <a:t> A single piece of code in isolation at a time</a:t>
             </a:r>
             <a:endParaRPr lang="en-US" dirty="0">
               <a:solidFill>
@@ -11681,7 +11783,7 @@
     </p:spTree>
     <p:extLst>
       <p:ext uri="{BB962C8B-B14F-4D97-AF65-F5344CB8AC3E}">
-        <p14:creationId xmlns:p14="http://schemas.microsoft.com/office/powerpoint/2010/main" val="4281764007"/>
+        <p14:creationId xmlns:p14="http://schemas.microsoft.com/office/powerpoint/2010/main" val="2054604129"/>
       </p:ext>
     </p:extLst>
   </p:cSld>
@@ -12106,6 +12208,283 @@
 </file>
 
 <file path=ppt/slides/slide20.xml><?xml version="1.0" encoding="utf-8"?>
+<p:sld xmlns:a="http://schemas.openxmlformats.org/drawingml/2006/main" xmlns:r="http://schemas.openxmlformats.org/officeDocument/2006/relationships" xmlns:p="http://schemas.openxmlformats.org/presentationml/2006/main">
+  <p:cSld>
+    <p:spTree>
+      <p:nvGrpSpPr>
+        <p:cNvPr id="1" name=""/>
+        <p:cNvGrpSpPr/>
+        <p:nvPr/>
+      </p:nvGrpSpPr>
+      <p:grpSpPr>
+        <a:xfrm>
+          <a:off x="0" y="0"/>
+          <a:ext cx="0" cy="0"/>
+          <a:chOff x="0" y="0"/>
+          <a:chExt cx="0" cy="0"/>
+        </a:xfrm>
+      </p:grpSpPr>
+      <p:pic>
+        <p:nvPicPr>
+          <p:cNvPr id="6" name="Image 5">
+            <a:extLst>
+              <a:ext uri="{FF2B5EF4-FFF2-40B4-BE49-F238E27FC236}">
+                <a16:creationId xmlns:a16="http://schemas.microsoft.com/office/drawing/2014/main" id="{85C1BEF6-C4FA-794F-9003-5D49864298CC}"/>
+              </a:ext>
+            </a:extLst>
+          </p:cNvPr>
+          <p:cNvPicPr>
+            <a:picLocks noChangeAspect="1"/>
+          </p:cNvPicPr>
+          <p:nvPr/>
+        </p:nvPicPr>
+        <p:blipFill>
+          <a:blip r:embed="rId2"/>
+          <a:stretch>
+            <a:fillRect/>
+          </a:stretch>
+        </p:blipFill>
+        <p:spPr>
+          <a:xfrm>
+            <a:off x="11128881" y="4159"/>
+            <a:ext cx="1064878" cy="1706406"/>
+          </a:xfrm>
+          <a:prstGeom prst="rect">
+            <a:avLst/>
+          </a:prstGeom>
+        </p:spPr>
+      </p:pic>
+      <p:sp>
+        <p:nvSpPr>
+          <p:cNvPr id="7" name="Titre 1">
+            <a:extLst>
+              <a:ext uri="{FF2B5EF4-FFF2-40B4-BE49-F238E27FC236}">
+                <a16:creationId xmlns:a16="http://schemas.microsoft.com/office/drawing/2014/main" id="{B50329F0-7FAB-5A46-8618-A4B121772237}"/>
+              </a:ext>
+            </a:extLst>
+          </p:cNvPr>
+          <p:cNvSpPr>
+            <a:spLocks noGrp="1"/>
+          </p:cNvSpPr>
+          <p:nvPr>
+            <p:ph type="title"/>
+          </p:nvPr>
+        </p:nvSpPr>
+        <p:spPr>
+          <a:xfrm>
+            <a:off x="838200" y="567915"/>
+            <a:ext cx="6450106" cy="365125"/>
+          </a:xfrm>
+        </p:spPr>
+        <p:txBody>
+          <a:bodyPr>
+            <a:noAutofit/>
+          </a:bodyPr>
+          <a:lstStyle/>
+          <a:p>
+            <a:r>
+              <a:rPr lang="en-GB" sz="2800" spc="300" dirty="0">
+                <a:latin typeface="Zilla Slab"/>
+              </a:rPr>
+              <a:t>Introduction</a:t>
+            </a:r>
+            <a:endParaRPr lang="en-US" dirty="0">
+              <a:latin typeface="Zilla Slab"/>
+            </a:endParaRPr>
+          </a:p>
+        </p:txBody>
+      </p:sp>
+      <p:sp>
+        <p:nvSpPr>
+          <p:cNvPr id="9" name="Google Shape;121;g6d93b6fd7c_0_0"/>
+          <p:cNvSpPr txBox="1"/>
+          <p:nvPr/>
+        </p:nvSpPr>
+        <p:spPr>
+          <a:xfrm>
+            <a:off x="3224212" y="1263625"/>
+            <a:ext cx="6332164" cy="1183740"/>
+          </a:xfrm>
+          <a:prstGeom prst="rect">
+            <a:avLst/>
+          </a:prstGeom>
+          <a:noFill/>
+          <a:ln>
+            <a:noFill/>
+          </a:ln>
+        </p:spPr>
+        <p:txBody>
+          <a:bodyPr spcFirstLastPara="1" wrap="square" lIns="91425" tIns="91425" rIns="91425" bIns="91425" anchor="t" anchorCtr="0">
+            <a:noAutofit/>
+          </a:bodyPr>
+          <a:lstStyle/>
+          <a:p>
+            <a:r>
+              <a:rPr lang="en-US" sz="3200" b="1" i="1" dirty="0">
+                <a:solidFill>
+                  <a:srgbClr val="572AD7"/>
+                </a:solidFill>
+                <a:latin typeface="Montserrat"/>
+              </a:rPr>
+              <a:t>Unit Tests vs Integration Tests vs E2E Tests </a:t>
+            </a:r>
+          </a:p>
+          <a:p>
+            <a:endParaRPr lang="en-US" sz="3200" b="1" i="1" dirty="0">
+              <a:solidFill>
+                <a:srgbClr val="572AD7"/>
+              </a:solidFill>
+              <a:latin typeface="Montserrat"/>
+            </a:endParaRPr>
+          </a:p>
+          <a:p>
+            <a:endParaRPr lang="en-GB" sz="2400" dirty="0">
+              <a:solidFill>
+                <a:schemeClr val="tx1">
+                  <a:lumMod val="65000"/>
+                  <a:lumOff val="35000"/>
+                </a:schemeClr>
+              </a:solidFill>
+              <a:latin typeface="Montserrat" charset="0"/>
+              <a:ea typeface="Montserrat" charset="0"/>
+              <a:cs typeface="Montserrat" charset="0"/>
+            </a:endParaRPr>
+          </a:p>
+          <a:p>
+            <a:pPr marL="0" lvl="0" indent="0" algn="l" rtl="0">
+              <a:spcBef>
+                <a:spcPts val="0"/>
+              </a:spcBef>
+              <a:spcAft>
+                <a:spcPts val="0"/>
+              </a:spcAft>
+              <a:buNone/>
+            </a:pPr>
+            <a:endParaRPr lang="en-GB" sz="2800" dirty="0">
+              <a:latin typeface="Montserrat" charset="0"/>
+              <a:ea typeface="Montserrat" charset="0"/>
+              <a:cs typeface="Montserrat" charset="0"/>
+            </a:endParaRPr>
+          </a:p>
+        </p:txBody>
+      </p:sp>
+      <p:sp>
+        <p:nvSpPr>
+          <p:cNvPr id="3" name="TextBox 2">
+            <a:extLst>
+              <a:ext uri="{FF2B5EF4-FFF2-40B4-BE49-F238E27FC236}">
+                <a16:creationId xmlns:a16="http://schemas.microsoft.com/office/drawing/2014/main" id="{814AE3A4-2837-4A3B-9B32-B7F5104A9C2B}"/>
+              </a:ext>
+            </a:extLst>
+          </p:cNvPr>
+          <p:cNvSpPr txBox="1"/>
+          <p:nvPr/>
+        </p:nvSpPr>
+        <p:spPr>
+          <a:xfrm>
+            <a:off x="1497106" y="2918012"/>
+            <a:ext cx="8848165" cy="2505238"/>
+          </a:xfrm>
+          <a:prstGeom prst="rect">
+            <a:avLst/>
+          </a:prstGeom>
+          <a:noFill/>
+        </p:spPr>
+        <p:txBody>
+          <a:bodyPr wrap="square" rtlCol="0">
+            <a:spAutoFit/>
+          </a:bodyPr>
+          <a:lstStyle/>
+          <a:p>
+            <a:r>
+              <a:rPr lang="en-US" b="1" i="0" dirty="0">
+                <a:solidFill>
+                  <a:srgbClr val="242424"/>
+                </a:solidFill>
+                <a:effectLst/>
+                <a:latin typeface="sohne"/>
+              </a:rPr>
+              <a:t>2.    Integration Tests</a:t>
+            </a:r>
+          </a:p>
+          <a:p>
+            <a:pPr>
+              <a:lnSpc>
+                <a:spcPct val="200000"/>
+              </a:lnSpc>
+            </a:pPr>
+            <a:r>
+              <a:rPr lang="en-US" dirty="0"/>
+              <a:t>	=&gt; </a:t>
+            </a:r>
+            <a:r>
+              <a:rPr lang="en-US" b="0" i="0" dirty="0">
+                <a:solidFill>
+                  <a:srgbClr val="0A0A23"/>
+                </a:solidFill>
+                <a:effectLst/>
+                <a:latin typeface="Lato" panose="020F0502020204030203" pitchFamily="34" charset="0"/>
+              </a:rPr>
+              <a:t>Write integration tests to ensure that different parts of your application 	work together correctly</a:t>
+            </a:r>
+          </a:p>
+          <a:p>
+            <a:pPr>
+              <a:lnSpc>
+                <a:spcPct val="200000"/>
+              </a:lnSpc>
+            </a:pPr>
+            <a:r>
+              <a:rPr lang="en-US" dirty="0">
+                <a:solidFill>
+                  <a:srgbClr val="0A0A23"/>
+                </a:solidFill>
+                <a:latin typeface="Lato" panose="020F0502020204030203" pitchFamily="34" charset="0"/>
+              </a:rPr>
+              <a:t>	=&gt; T</a:t>
+            </a:r>
+            <a:r>
+              <a:rPr lang="en-US" b="0" i="0" dirty="0">
+                <a:effectLst/>
+                <a:latin typeface="Figtree"/>
+              </a:rPr>
+              <a:t>esting the interactions between the different components, i.e., how these 	components work together to create a specific functionality or workflow</a:t>
+            </a:r>
+            <a:endParaRPr lang="en-US" dirty="0">
+              <a:solidFill>
+                <a:srgbClr val="0A0A23"/>
+              </a:solidFill>
+              <a:latin typeface="Lato" panose="020F0502020204030203" pitchFamily="34" charset="0"/>
+            </a:endParaRPr>
+          </a:p>
+        </p:txBody>
+      </p:sp>
+    </p:spTree>
+    <p:extLst>
+      <p:ext uri="{BB962C8B-B14F-4D97-AF65-F5344CB8AC3E}">
+        <p14:creationId xmlns:p14="http://schemas.microsoft.com/office/powerpoint/2010/main" val="4281764007"/>
+      </p:ext>
+    </p:extLst>
+  </p:cSld>
+  <p:clrMapOvr>
+    <a:masterClrMapping/>
+  </p:clrMapOvr>
+  <mc:AlternateContent xmlns:mc="http://schemas.openxmlformats.org/markup-compatibility/2006" xmlns:p14="http://schemas.microsoft.com/office/powerpoint/2010/main">
+    <mc:Choice Requires="p14">
+      <p:transition spd="slow" p14:dur="800">
+        <p14:flythrough/>
+      </p:transition>
+    </mc:Choice>
+    <mc:Fallback xmlns="">
+      <p:transition spd="slow">
+        <p:fade/>
+      </p:transition>
+    </mc:Fallback>
+  </mc:AlternateContent>
+</p:sld>
+</file>
+
+<file path=ppt/slides/slide21.xml><?xml version="1.0" encoding="utf-8"?>
 <p:sld xmlns:a="http://schemas.openxmlformats.org/drawingml/2006/main" xmlns:r="http://schemas.openxmlformats.org/officeDocument/2006/relationships" xmlns:p="http://schemas.openxmlformats.org/presentationml/2006/main">
   <p:cSld>
     <p:spTree>
@@ -12977,7 +13356,7 @@
 </p:sld>
 </file>
 
-<file path=ppt/slides/slide21.xml><?xml version="1.0" encoding="utf-8"?>
+<file path=ppt/slides/slide22.xml><?xml version="1.0" encoding="utf-8"?>
 <p:sld xmlns:a="http://schemas.openxmlformats.org/drawingml/2006/main" xmlns:r="http://schemas.openxmlformats.org/officeDocument/2006/relationships" xmlns:p="http://schemas.openxmlformats.org/presentationml/2006/main">
   <p:cSld>
     <p:spTree>
@@ -13617,7 +13996,7 @@
 </p:sld>
 </file>
 
-<file path=ppt/slides/slide22.xml><?xml version="1.0" encoding="utf-8"?>
+<file path=ppt/slides/slide23.xml><?xml version="1.0" encoding="utf-8"?>
 <p:sld xmlns:a="http://schemas.openxmlformats.org/drawingml/2006/main" xmlns:r="http://schemas.openxmlformats.org/officeDocument/2006/relationships" xmlns:p="http://schemas.openxmlformats.org/presentationml/2006/main">
   <p:cSld>
     <p:spTree>
@@ -14094,306 +14473,6 @@
 </p:sld>
 </file>
 
-<file path=ppt/slides/slide23.xml><?xml version="1.0" encoding="utf-8"?>
-<p:sld xmlns:a="http://schemas.openxmlformats.org/drawingml/2006/main" xmlns:r="http://schemas.openxmlformats.org/officeDocument/2006/relationships" xmlns:p="http://schemas.openxmlformats.org/presentationml/2006/main">
-  <p:cSld>
-    <p:spTree>
-      <p:nvGrpSpPr>
-        <p:cNvPr id="1" name=""/>
-        <p:cNvGrpSpPr/>
-        <p:nvPr/>
-      </p:nvGrpSpPr>
-      <p:grpSpPr>
-        <a:xfrm>
-          <a:off x="0" y="0"/>
-          <a:ext cx="0" cy="0"/>
-          <a:chOff x="0" y="0"/>
-          <a:chExt cx="0" cy="0"/>
-        </a:xfrm>
-      </p:grpSpPr>
-      <p:pic>
-        <p:nvPicPr>
-          <p:cNvPr id="6" name="Image 5">
-            <a:extLst>
-              <a:ext uri="{FF2B5EF4-FFF2-40B4-BE49-F238E27FC236}">
-                <a16:creationId xmlns:a16="http://schemas.microsoft.com/office/drawing/2014/main" id="{85C1BEF6-C4FA-794F-9003-5D49864298CC}"/>
-              </a:ext>
-            </a:extLst>
-          </p:cNvPr>
-          <p:cNvPicPr>
-            <a:picLocks noChangeAspect="1"/>
-          </p:cNvPicPr>
-          <p:nvPr/>
-        </p:nvPicPr>
-        <p:blipFill>
-          <a:blip r:embed="rId2"/>
-          <a:stretch>
-            <a:fillRect/>
-          </a:stretch>
-        </p:blipFill>
-        <p:spPr>
-          <a:xfrm>
-            <a:off x="11128881" y="4159"/>
-            <a:ext cx="1064878" cy="1706406"/>
-          </a:xfrm>
-          <a:prstGeom prst="rect">
-            <a:avLst/>
-          </a:prstGeom>
-        </p:spPr>
-      </p:pic>
-      <p:sp>
-        <p:nvSpPr>
-          <p:cNvPr id="7" name="Titre 1">
-            <a:extLst>
-              <a:ext uri="{FF2B5EF4-FFF2-40B4-BE49-F238E27FC236}">
-                <a16:creationId xmlns:a16="http://schemas.microsoft.com/office/drawing/2014/main" id="{B50329F0-7FAB-5A46-8618-A4B121772237}"/>
-              </a:ext>
-            </a:extLst>
-          </p:cNvPr>
-          <p:cNvSpPr>
-            <a:spLocks noGrp="1"/>
-          </p:cNvSpPr>
-          <p:nvPr>
-            <p:ph type="title"/>
-          </p:nvPr>
-        </p:nvSpPr>
-        <p:spPr>
-          <a:xfrm>
-            <a:off x="838200" y="567915"/>
-            <a:ext cx="6450106" cy="365125"/>
-          </a:xfrm>
-        </p:spPr>
-        <p:txBody>
-          <a:bodyPr>
-            <a:noAutofit/>
-          </a:bodyPr>
-          <a:lstStyle/>
-          <a:p>
-            <a:r>
-              <a:rPr lang="en-GB" sz="2800" spc="300" dirty="0">
-                <a:latin typeface="Zilla Slab"/>
-              </a:rPr>
-              <a:t>Introduction</a:t>
-            </a:r>
-            <a:endParaRPr lang="en-US" dirty="0">
-              <a:latin typeface="Zilla Slab"/>
-            </a:endParaRPr>
-          </a:p>
-        </p:txBody>
-      </p:sp>
-      <p:sp>
-        <p:nvSpPr>
-          <p:cNvPr id="9" name="Google Shape;121;g6d93b6fd7c_0_0"/>
-          <p:cNvSpPr txBox="1"/>
-          <p:nvPr/>
-        </p:nvSpPr>
-        <p:spPr>
-          <a:xfrm>
-            <a:off x="3224212" y="1263625"/>
-            <a:ext cx="6332164" cy="1183740"/>
-          </a:xfrm>
-          <a:prstGeom prst="rect">
-            <a:avLst/>
-          </a:prstGeom>
-          <a:noFill/>
-          <a:ln>
-            <a:noFill/>
-          </a:ln>
-        </p:spPr>
-        <p:txBody>
-          <a:bodyPr spcFirstLastPara="1" wrap="square" lIns="91425" tIns="91425" rIns="91425" bIns="91425" anchor="t" anchorCtr="0">
-            <a:noAutofit/>
-          </a:bodyPr>
-          <a:lstStyle/>
-          <a:p>
-            <a:pPr algn="ctr"/>
-            <a:r>
-              <a:rPr lang="en-US" sz="3200" b="1" i="1" dirty="0">
-                <a:solidFill>
-                  <a:srgbClr val="572AD7"/>
-                </a:solidFill>
-                <a:latin typeface="Montserrat"/>
-              </a:rPr>
-              <a:t>Unit Tests vs Integration Tests vs E2E Tests </a:t>
-            </a:r>
-          </a:p>
-          <a:p>
-            <a:endParaRPr lang="en-US" sz="3200" b="1" i="1" dirty="0">
-              <a:solidFill>
-                <a:srgbClr val="572AD7"/>
-              </a:solidFill>
-              <a:latin typeface="Montserrat"/>
-            </a:endParaRPr>
-          </a:p>
-          <a:p>
-            <a:endParaRPr lang="en-GB" sz="2400" dirty="0">
-              <a:solidFill>
-                <a:schemeClr val="tx1">
-                  <a:lumMod val="65000"/>
-                  <a:lumOff val="35000"/>
-                </a:schemeClr>
-              </a:solidFill>
-              <a:latin typeface="Montserrat" charset="0"/>
-              <a:ea typeface="Montserrat" charset="0"/>
-              <a:cs typeface="Montserrat" charset="0"/>
-            </a:endParaRPr>
-          </a:p>
-          <a:p>
-            <a:pPr marL="0" lvl="0" indent="0" algn="l" rtl="0">
-              <a:spcBef>
-                <a:spcPts val="0"/>
-              </a:spcBef>
-              <a:spcAft>
-                <a:spcPts val="0"/>
-              </a:spcAft>
-              <a:buNone/>
-            </a:pPr>
-            <a:endParaRPr lang="en-GB" sz="2800" dirty="0">
-              <a:latin typeface="Montserrat" charset="0"/>
-              <a:ea typeface="Montserrat" charset="0"/>
-              <a:cs typeface="Montserrat" charset="0"/>
-            </a:endParaRPr>
-          </a:p>
-        </p:txBody>
-      </p:sp>
-      <p:sp>
-        <p:nvSpPr>
-          <p:cNvPr id="3" name="TextBox 2">
-            <a:extLst>
-              <a:ext uri="{FF2B5EF4-FFF2-40B4-BE49-F238E27FC236}">
-                <a16:creationId xmlns:a16="http://schemas.microsoft.com/office/drawing/2014/main" id="{814AE3A4-2837-4A3B-9B32-B7F5104A9C2B}"/>
-              </a:ext>
-            </a:extLst>
-          </p:cNvPr>
-          <p:cNvSpPr txBox="1"/>
-          <p:nvPr/>
-        </p:nvSpPr>
-        <p:spPr>
-          <a:xfrm>
-            <a:off x="1452283" y="3429000"/>
-            <a:ext cx="8848165" cy="2507738"/>
-          </a:xfrm>
-          <a:prstGeom prst="rect">
-            <a:avLst/>
-          </a:prstGeom>
-          <a:noFill/>
-        </p:spPr>
-        <p:txBody>
-          <a:bodyPr wrap="square" rtlCol="0">
-            <a:spAutoFit/>
-          </a:bodyPr>
-          <a:lstStyle/>
-          <a:p>
-            <a:r>
-              <a:rPr lang="en-US" b="1" dirty="0">
-                <a:solidFill>
-                  <a:srgbClr val="242424"/>
-                </a:solidFill>
-                <a:latin typeface="sohne"/>
-              </a:rPr>
-              <a:t>3.    </a:t>
-            </a:r>
-            <a:r>
-              <a:rPr lang="en-US" b="1" i="0" dirty="0">
-                <a:solidFill>
-                  <a:srgbClr val="242424"/>
-                </a:solidFill>
-                <a:effectLst/>
-                <a:latin typeface="sohne"/>
-              </a:rPr>
-              <a:t>E2E Tests</a:t>
-            </a:r>
-          </a:p>
-          <a:p>
-            <a:pPr>
-              <a:lnSpc>
-                <a:spcPct val="200000"/>
-              </a:lnSpc>
-            </a:pPr>
-            <a:r>
-              <a:rPr lang="en-US" dirty="0"/>
-              <a:t>	=&gt; </a:t>
-            </a:r>
-            <a:r>
-              <a:rPr lang="en-US" b="0" i="0" dirty="0">
-                <a:solidFill>
-                  <a:srgbClr val="0A0A23"/>
-                </a:solidFill>
-                <a:effectLst/>
-                <a:latin typeface="Lato" panose="020F0502020204030203" pitchFamily="34" charset="0"/>
-              </a:rPr>
-              <a:t>Write E2E tests to verify that the entire application works as expected 	from the user’s perspective</a:t>
-            </a:r>
-            <a:endParaRPr lang="en-US" dirty="0">
-              <a:solidFill>
-                <a:srgbClr val="0A0A23"/>
-              </a:solidFill>
-              <a:latin typeface="Lato" panose="020F0502020204030203" pitchFamily="34" charset="0"/>
-            </a:endParaRPr>
-          </a:p>
-          <a:p>
-            <a:pPr>
-              <a:lnSpc>
-                <a:spcPct val="200000"/>
-              </a:lnSpc>
-            </a:pPr>
-            <a:r>
-              <a:rPr lang="en-US" dirty="0">
-                <a:solidFill>
-                  <a:srgbClr val="0A0A23"/>
-                </a:solidFill>
-                <a:latin typeface="Lato" panose="020F0502020204030203" pitchFamily="34" charset="0"/>
-              </a:rPr>
-              <a:t>	=&gt; </a:t>
-            </a:r>
-            <a:r>
-              <a:rPr lang="en-US" dirty="0"/>
-              <a:t>Testing your </a:t>
-            </a:r>
-            <a:r>
-              <a:rPr lang="en-US" b="1" dirty="0"/>
-              <a:t>entire application flow</a:t>
-            </a:r>
-            <a:r>
-              <a:rPr lang="en-US" dirty="0"/>
-              <a:t> — </a:t>
-            </a:r>
-            <a:r>
-              <a:rPr lang="en-US" b="1" dirty="0"/>
-              <a:t>from the user's perspective</a:t>
-            </a:r>
-            <a:r>
-              <a:rPr lang="en-US" dirty="0"/>
-              <a:t> — in a 	simulated browser.</a:t>
-            </a:r>
-          </a:p>
-        </p:txBody>
-      </p:sp>
-    </p:spTree>
-    <p:extLst>
-      <p:ext uri="{BB962C8B-B14F-4D97-AF65-F5344CB8AC3E}">
-        <p14:creationId xmlns:p14="http://schemas.microsoft.com/office/powerpoint/2010/main" val="3505299038"/>
-      </p:ext>
-    </p:extLst>
-  </p:cSld>
-  <p:clrMapOvr>
-    <a:masterClrMapping/>
-  </p:clrMapOvr>
-  <mc:AlternateContent xmlns:mc="http://schemas.openxmlformats.org/markup-compatibility/2006" xmlns:p14="http://schemas.microsoft.com/office/powerpoint/2010/main">
-    <mc:Choice Requires="p14">
-      <p:transition spd="slow" p14:dur="800">
-        <p14:flythrough/>
-      </p:transition>
-    </mc:Choice>
-    <mc:Fallback xmlns="">
-      <p:transition spd="slow">
-        <p:fade/>
-      </p:transition>
-    </mc:Fallback>
-  </mc:AlternateContent>
-</p:sld>
-</file>
-
 <file path=ppt/slides/slide24.xml><?xml version="1.0" encoding="utf-8"?>
 <p:sld xmlns:a="http://schemas.openxmlformats.org/drawingml/2006/main" xmlns:r="http://schemas.openxmlformats.org/officeDocument/2006/relationships" xmlns:p="http://schemas.openxmlformats.org/presentationml/2006/main">
   <p:cSld>
@@ -14506,6 +14585,7 @@
           </a:bodyPr>
           <a:lstStyle/>
           <a:p>
+            <a:pPr algn="ctr"/>
             <a:r>
               <a:rPr lang="en-US" sz="3200" b="1" i="1" dirty="0">
                 <a:solidFill>
@@ -14555,40 +14635,123 @@
           </a:p>
         </p:txBody>
       </p:sp>
-      <p:pic>
-        <p:nvPicPr>
-          <p:cNvPr id="4" name="Picture 3">
+      <p:sp>
+        <p:nvSpPr>
+          <p:cNvPr id="3" name="TextBox 2">
             <a:extLst>
               <a:ext uri="{FF2B5EF4-FFF2-40B4-BE49-F238E27FC236}">
-                <a16:creationId xmlns:a16="http://schemas.microsoft.com/office/drawing/2014/main" id="{B41EB0E7-27D8-4C64-9563-95F077F62A3B}"/>
+                <a16:creationId xmlns:a16="http://schemas.microsoft.com/office/drawing/2014/main" id="{814AE3A4-2837-4A3B-9B32-B7F5104A9C2B}"/>
               </a:ext>
             </a:extLst>
           </p:cNvPr>
-          <p:cNvPicPr>
-            <a:picLocks noChangeAspect="1"/>
-          </p:cNvPicPr>
+          <p:cNvSpPr txBox="1"/>
           <p:nvPr/>
-        </p:nvPicPr>
-        <p:blipFill>
-          <a:blip r:embed="rId3"/>
-          <a:stretch>
-            <a:fillRect/>
-          </a:stretch>
-        </p:blipFill>
+        </p:nvSpPr>
         <p:spPr>
           <a:xfrm>
-            <a:off x="3144772" y="2877160"/>
-            <a:ext cx="5040626" cy="3259806"/>
+            <a:off x="1452283" y="3429000"/>
+            <a:ext cx="8848165" cy="2507738"/>
           </a:xfrm>
           <a:prstGeom prst="rect">
             <a:avLst/>
           </a:prstGeom>
+          <a:noFill/>
         </p:spPr>
-      </p:pic>
+        <p:txBody>
+          <a:bodyPr wrap="square" rtlCol="0">
+            <a:spAutoFit/>
+          </a:bodyPr>
+          <a:lstStyle/>
+          <a:p>
+            <a:r>
+              <a:rPr lang="en-US" b="1" dirty="0">
+                <a:solidFill>
+                  <a:srgbClr val="242424"/>
+                </a:solidFill>
+                <a:latin typeface="sohne"/>
+              </a:rPr>
+              <a:t>3.    </a:t>
+            </a:r>
+            <a:r>
+              <a:rPr lang="en-US" b="1" i="0" dirty="0">
+                <a:solidFill>
+                  <a:srgbClr val="242424"/>
+                </a:solidFill>
+                <a:effectLst/>
+                <a:latin typeface="sohne"/>
+              </a:rPr>
+              <a:t>E2E Tests</a:t>
+            </a:r>
+          </a:p>
+          <a:p>
+            <a:pPr>
+              <a:lnSpc>
+                <a:spcPct val="200000"/>
+              </a:lnSpc>
+            </a:pPr>
+            <a:r>
+              <a:rPr lang="en-US" dirty="0"/>
+              <a:t>	=&gt; </a:t>
+            </a:r>
+            <a:r>
+              <a:rPr lang="en-US" b="0" i="0" dirty="0">
+                <a:solidFill>
+                  <a:srgbClr val="0A0A23"/>
+                </a:solidFill>
+                <a:effectLst/>
+                <a:latin typeface="Lato" panose="020F0502020204030203" pitchFamily="34" charset="0"/>
+              </a:rPr>
+              <a:t>Write E2E tests to verify that the entire application works as expected 	from the user’s perspective</a:t>
+            </a:r>
+            <a:endParaRPr lang="en-US" dirty="0">
+              <a:solidFill>
+                <a:srgbClr val="0A0A23"/>
+              </a:solidFill>
+              <a:latin typeface="Lato" panose="020F0502020204030203" pitchFamily="34" charset="0"/>
+            </a:endParaRPr>
+          </a:p>
+          <a:p>
+            <a:pPr>
+              <a:lnSpc>
+                <a:spcPct val="200000"/>
+              </a:lnSpc>
+            </a:pPr>
+            <a:r>
+              <a:rPr lang="en-US" dirty="0">
+                <a:solidFill>
+                  <a:srgbClr val="0A0A23"/>
+                </a:solidFill>
+                <a:latin typeface="Lato" panose="020F0502020204030203" pitchFamily="34" charset="0"/>
+              </a:rPr>
+              <a:t>	=&gt; </a:t>
+            </a:r>
+            <a:r>
+              <a:rPr lang="en-US" dirty="0"/>
+              <a:t>Testing your </a:t>
+            </a:r>
+            <a:r>
+              <a:rPr lang="en-US" b="1" dirty="0"/>
+              <a:t>entire application flow</a:t>
+            </a:r>
+            <a:r>
+              <a:rPr lang="en-US" dirty="0"/>
+              <a:t> — </a:t>
+            </a:r>
+            <a:r>
+              <a:rPr lang="en-US" b="1" dirty="0"/>
+              <a:t>from the user's perspective</a:t>
+            </a:r>
+            <a:r>
+              <a:rPr lang="en-US" dirty="0"/>
+              <a:t> — in a 	simulated browser.</a:t>
+            </a:r>
+          </a:p>
+        </p:txBody>
+      </p:sp>
     </p:spTree>
     <p:extLst>
       <p:ext uri="{BB962C8B-B14F-4D97-AF65-F5344CB8AC3E}">
-        <p14:creationId xmlns:p14="http://schemas.microsoft.com/office/powerpoint/2010/main" val="1506387044"/>
+        <p14:creationId xmlns:p14="http://schemas.microsoft.com/office/powerpoint/2010/main" val="3505299038"/>
       </p:ext>
     </p:extLst>
   </p:cSld>
@@ -14771,6 +14934,222 @@
           </a:p>
         </p:txBody>
       </p:sp>
+      <p:pic>
+        <p:nvPicPr>
+          <p:cNvPr id="4" name="Picture 3">
+            <a:extLst>
+              <a:ext uri="{FF2B5EF4-FFF2-40B4-BE49-F238E27FC236}">
+                <a16:creationId xmlns:a16="http://schemas.microsoft.com/office/drawing/2014/main" id="{B41EB0E7-27D8-4C64-9563-95F077F62A3B}"/>
+              </a:ext>
+            </a:extLst>
+          </p:cNvPr>
+          <p:cNvPicPr>
+            <a:picLocks noChangeAspect="1"/>
+          </p:cNvPicPr>
+          <p:nvPr/>
+        </p:nvPicPr>
+        <p:blipFill>
+          <a:blip r:embed="rId3"/>
+          <a:stretch>
+            <a:fillRect/>
+          </a:stretch>
+        </p:blipFill>
+        <p:spPr>
+          <a:xfrm>
+            <a:off x="3144772" y="2877160"/>
+            <a:ext cx="5040626" cy="3259806"/>
+          </a:xfrm>
+          <a:prstGeom prst="rect">
+            <a:avLst/>
+          </a:prstGeom>
+        </p:spPr>
+      </p:pic>
+    </p:spTree>
+    <p:extLst>
+      <p:ext uri="{BB962C8B-B14F-4D97-AF65-F5344CB8AC3E}">
+        <p14:creationId xmlns:p14="http://schemas.microsoft.com/office/powerpoint/2010/main" val="1506387044"/>
+      </p:ext>
+    </p:extLst>
+  </p:cSld>
+  <p:clrMapOvr>
+    <a:masterClrMapping/>
+  </p:clrMapOvr>
+  <mc:AlternateContent xmlns:mc="http://schemas.openxmlformats.org/markup-compatibility/2006" xmlns:p14="http://schemas.microsoft.com/office/powerpoint/2010/main">
+    <mc:Choice Requires="p14">
+      <p:transition spd="slow" p14:dur="800">
+        <p14:flythrough/>
+      </p:transition>
+    </mc:Choice>
+    <mc:Fallback xmlns="">
+      <p:transition spd="slow">
+        <p:fade/>
+      </p:transition>
+    </mc:Fallback>
+  </mc:AlternateContent>
+</p:sld>
+</file>
+
+<file path=ppt/slides/slide26.xml><?xml version="1.0" encoding="utf-8"?>
+<p:sld xmlns:a="http://schemas.openxmlformats.org/drawingml/2006/main" xmlns:r="http://schemas.openxmlformats.org/officeDocument/2006/relationships" xmlns:p="http://schemas.openxmlformats.org/presentationml/2006/main">
+  <p:cSld>
+    <p:spTree>
+      <p:nvGrpSpPr>
+        <p:cNvPr id="1" name=""/>
+        <p:cNvGrpSpPr/>
+        <p:nvPr/>
+      </p:nvGrpSpPr>
+      <p:grpSpPr>
+        <a:xfrm>
+          <a:off x="0" y="0"/>
+          <a:ext cx="0" cy="0"/>
+          <a:chOff x="0" y="0"/>
+          <a:chExt cx="0" cy="0"/>
+        </a:xfrm>
+      </p:grpSpPr>
+      <p:pic>
+        <p:nvPicPr>
+          <p:cNvPr id="6" name="Image 5">
+            <a:extLst>
+              <a:ext uri="{FF2B5EF4-FFF2-40B4-BE49-F238E27FC236}">
+                <a16:creationId xmlns:a16="http://schemas.microsoft.com/office/drawing/2014/main" id="{85C1BEF6-C4FA-794F-9003-5D49864298CC}"/>
+              </a:ext>
+            </a:extLst>
+          </p:cNvPr>
+          <p:cNvPicPr>
+            <a:picLocks noChangeAspect="1"/>
+          </p:cNvPicPr>
+          <p:nvPr/>
+        </p:nvPicPr>
+        <p:blipFill>
+          <a:blip r:embed="rId2"/>
+          <a:stretch>
+            <a:fillRect/>
+          </a:stretch>
+        </p:blipFill>
+        <p:spPr>
+          <a:xfrm>
+            <a:off x="11128881" y="4159"/>
+            <a:ext cx="1064878" cy="1706406"/>
+          </a:xfrm>
+          <a:prstGeom prst="rect">
+            <a:avLst/>
+          </a:prstGeom>
+        </p:spPr>
+      </p:pic>
+      <p:sp>
+        <p:nvSpPr>
+          <p:cNvPr id="7" name="Titre 1">
+            <a:extLst>
+              <a:ext uri="{FF2B5EF4-FFF2-40B4-BE49-F238E27FC236}">
+                <a16:creationId xmlns:a16="http://schemas.microsoft.com/office/drawing/2014/main" id="{B50329F0-7FAB-5A46-8618-A4B121772237}"/>
+              </a:ext>
+            </a:extLst>
+          </p:cNvPr>
+          <p:cNvSpPr>
+            <a:spLocks noGrp="1"/>
+          </p:cNvSpPr>
+          <p:nvPr>
+            <p:ph type="title"/>
+          </p:nvPr>
+        </p:nvSpPr>
+        <p:spPr>
+          <a:xfrm>
+            <a:off x="838200" y="567915"/>
+            <a:ext cx="6450106" cy="365125"/>
+          </a:xfrm>
+        </p:spPr>
+        <p:txBody>
+          <a:bodyPr>
+            <a:noAutofit/>
+          </a:bodyPr>
+          <a:lstStyle/>
+          <a:p>
+            <a:r>
+              <a:rPr lang="en-GB" sz="2800" spc="300" dirty="0">
+                <a:latin typeface="Zilla Slab"/>
+              </a:rPr>
+              <a:t>Introduction</a:t>
+            </a:r>
+            <a:endParaRPr lang="en-US" dirty="0">
+              <a:latin typeface="Zilla Slab"/>
+            </a:endParaRPr>
+          </a:p>
+        </p:txBody>
+      </p:sp>
+      <p:sp>
+        <p:nvSpPr>
+          <p:cNvPr id="9" name="Google Shape;121;g6d93b6fd7c_0_0"/>
+          <p:cNvSpPr txBox="1"/>
+          <p:nvPr/>
+        </p:nvSpPr>
+        <p:spPr>
+          <a:xfrm>
+            <a:off x="3224212" y="1263625"/>
+            <a:ext cx="6332164" cy="1183740"/>
+          </a:xfrm>
+          <a:prstGeom prst="rect">
+            <a:avLst/>
+          </a:prstGeom>
+          <a:noFill/>
+          <a:ln>
+            <a:noFill/>
+          </a:ln>
+        </p:spPr>
+        <p:txBody>
+          <a:bodyPr spcFirstLastPara="1" wrap="square" lIns="91425" tIns="91425" rIns="91425" bIns="91425" anchor="t" anchorCtr="0">
+            <a:noAutofit/>
+          </a:bodyPr>
+          <a:lstStyle/>
+          <a:p>
+            <a:r>
+              <a:rPr lang="en-US" sz="3200" b="1" i="1" dirty="0">
+                <a:solidFill>
+                  <a:srgbClr val="572AD7"/>
+                </a:solidFill>
+                <a:latin typeface="Montserrat"/>
+              </a:rPr>
+              <a:t>Unit Tests vs Integration Tests vs E2E Tests </a:t>
+            </a:r>
+          </a:p>
+          <a:p>
+            <a:endParaRPr lang="en-US" sz="3200" b="1" i="1" dirty="0">
+              <a:solidFill>
+                <a:srgbClr val="572AD7"/>
+              </a:solidFill>
+              <a:latin typeface="Montserrat"/>
+            </a:endParaRPr>
+          </a:p>
+          <a:p>
+            <a:endParaRPr lang="en-GB" sz="2400" dirty="0">
+              <a:solidFill>
+                <a:schemeClr val="tx1">
+                  <a:lumMod val="65000"/>
+                  <a:lumOff val="35000"/>
+                </a:schemeClr>
+              </a:solidFill>
+              <a:latin typeface="Montserrat" charset="0"/>
+              <a:ea typeface="Montserrat" charset="0"/>
+              <a:cs typeface="Montserrat" charset="0"/>
+            </a:endParaRPr>
+          </a:p>
+          <a:p>
+            <a:pPr marL="0" lvl="0" indent="0" algn="l" rtl="0">
+              <a:spcBef>
+                <a:spcPts val="0"/>
+              </a:spcBef>
+              <a:spcAft>
+                <a:spcPts val="0"/>
+              </a:spcAft>
+              <a:buNone/>
+            </a:pPr>
+            <a:endParaRPr lang="en-GB" sz="2800" dirty="0">
+              <a:latin typeface="Montserrat" charset="0"/>
+              <a:ea typeface="Montserrat" charset="0"/>
+              <a:cs typeface="Montserrat" charset="0"/>
+            </a:endParaRPr>
+          </a:p>
+        </p:txBody>
+      </p:sp>
       <p:sp>
         <p:nvSpPr>
           <p:cNvPr id="2" name="TextBox 1">
@@ -14843,7 +15222,7 @@
 </p:sld>
 </file>
 
-<file path=ppt/slides/slide26.xml><?xml version="1.0" encoding="utf-8"?>
+<file path=ppt/slides/slide27.xml><?xml version="1.0" encoding="utf-8"?>
 <p:sld xmlns:a="http://schemas.openxmlformats.org/drawingml/2006/main" xmlns:r="http://schemas.openxmlformats.org/officeDocument/2006/relationships" xmlns:p="http://schemas.openxmlformats.org/presentationml/2006/main">
   <p:cSld>
     <p:spTree>
@@ -15080,381 +15459,6 @@
 </p:sld>
 </file>
 
-<file path=ppt/slides/slide27.xml><?xml version="1.0" encoding="utf-8"?>
-<p:sld xmlns:a="http://schemas.openxmlformats.org/drawingml/2006/main" xmlns:r="http://schemas.openxmlformats.org/officeDocument/2006/relationships" xmlns:p="http://schemas.openxmlformats.org/presentationml/2006/main">
-  <p:cSld>
-    <p:spTree>
-      <p:nvGrpSpPr>
-        <p:cNvPr id="1" name=""/>
-        <p:cNvGrpSpPr/>
-        <p:nvPr/>
-      </p:nvGrpSpPr>
-      <p:grpSpPr>
-        <a:xfrm>
-          <a:off x="0" y="0"/>
-          <a:ext cx="0" cy="0"/>
-          <a:chOff x="0" y="0"/>
-          <a:chExt cx="0" cy="0"/>
-        </a:xfrm>
-      </p:grpSpPr>
-      <p:pic>
-        <p:nvPicPr>
-          <p:cNvPr id="6" name="Image 5">
-            <a:extLst>
-              <a:ext uri="{FF2B5EF4-FFF2-40B4-BE49-F238E27FC236}">
-                <a16:creationId xmlns:a16="http://schemas.microsoft.com/office/drawing/2014/main" id="{85C1BEF6-C4FA-794F-9003-5D49864298CC}"/>
-              </a:ext>
-            </a:extLst>
-          </p:cNvPr>
-          <p:cNvPicPr>
-            <a:picLocks noChangeAspect="1"/>
-          </p:cNvPicPr>
-          <p:nvPr/>
-        </p:nvPicPr>
-        <p:blipFill>
-          <a:blip r:embed="rId2"/>
-          <a:stretch>
-            <a:fillRect/>
-          </a:stretch>
-        </p:blipFill>
-        <p:spPr>
-          <a:xfrm>
-            <a:off x="11128881" y="4159"/>
-            <a:ext cx="1064878" cy="1706406"/>
-          </a:xfrm>
-          <a:prstGeom prst="rect">
-            <a:avLst/>
-          </a:prstGeom>
-        </p:spPr>
-      </p:pic>
-      <p:sp>
-        <p:nvSpPr>
-          <p:cNvPr id="7" name="Titre 1">
-            <a:extLst>
-              <a:ext uri="{FF2B5EF4-FFF2-40B4-BE49-F238E27FC236}">
-                <a16:creationId xmlns:a16="http://schemas.microsoft.com/office/drawing/2014/main" id="{B50329F0-7FAB-5A46-8618-A4B121772237}"/>
-              </a:ext>
-            </a:extLst>
-          </p:cNvPr>
-          <p:cNvSpPr>
-            <a:spLocks noGrp="1"/>
-          </p:cNvSpPr>
-          <p:nvPr>
-            <p:ph type="title"/>
-          </p:nvPr>
-        </p:nvSpPr>
-        <p:spPr>
-          <a:xfrm>
-            <a:off x="838200" y="567915"/>
-            <a:ext cx="6450106" cy="365125"/>
-          </a:xfrm>
-        </p:spPr>
-        <p:txBody>
-          <a:bodyPr>
-            <a:noAutofit/>
-          </a:bodyPr>
-          <a:lstStyle/>
-          <a:p>
-            <a:r>
-              <a:rPr lang="en-GB" sz="2800" spc="300" dirty="0">
-                <a:latin typeface="Zilla Slab"/>
-              </a:rPr>
-              <a:t>Tools and </a:t>
-            </a:r>
-            <a:r>
-              <a:rPr lang="en-US" sz="2800" spc="300" dirty="0">
-                <a:latin typeface="Zilla Slab"/>
-              </a:rPr>
-              <a:t>Dependencies</a:t>
-            </a:r>
-          </a:p>
-        </p:txBody>
-      </p:sp>
-      <p:sp>
-        <p:nvSpPr>
-          <p:cNvPr id="9" name="Google Shape;121;g6d93b6fd7c_0_0"/>
-          <p:cNvSpPr txBox="1"/>
-          <p:nvPr/>
-        </p:nvSpPr>
-        <p:spPr>
-          <a:xfrm>
-            <a:off x="3224212" y="1263625"/>
-            <a:ext cx="6332164" cy="746175"/>
-          </a:xfrm>
-          <a:prstGeom prst="rect">
-            <a:avLst/>
-          </a:prstGeom>
-          <a:noFill/>
-          <a:ln>
-            <a:noFill/>
-          </a:ln>
-        </p:spPr>
-        <p:txBody>
-          <a:bodyPr spcFirstLastPara="1" wrap="square" lIns="91425" tIns="91425" rIns="91425" bIns="91425" anchor="t" anchorCtr="0">
-            <a:noAutofit/>
-          </a:bodyPr>
-          <a:lstStyle/>
-          <a:p>
-            <a:r>
-              <a:rPr lang="en-US" sz="3200" b="1" i="1" dirty="0">
-                <a:solidFill>
-                  <a:srgbClr val="572AD7"/>
-                </a:solidFill>
-                <a:latin typeface="Montserrat"/>
-              </a:rPr>
-              <a:t>Jest</a:t>
-            </a:r>
-          </a:p>
-          <a:p>
-            <a:endParaRPr lang="en-US" sz="3200" b="1" i="1" dirty="0">
-              <a:solidFill>
-                <a:srgbClr val="572AD7"/>
-              </a:solidFill>
-              <a:latin typeface="Montserrat"/>
-            </a:endParaRPr>
-          </a:p>
-          <a:p>
-            <a:endParaRPr lang="en-GB" sz="2400" dirty="0">
-              <a:solidFill>
-                <a:schemeClr val="tx1">
-                  <a:lumMod val="65000"/>
-                  <a:lumOff val="35000"/>
-                </a:schemeClr>
-              </a:solidFill>
-              <a:latin typeface="Montserrat" charset="0"/>
-              <a:ea typeface="Montserrat" charset="0"/>
-              <a:cs typeface="Montserrat" charset="0"/>
-            </a:endParaRPr>
-          </a:p>
-          <a:p>
-            <a:pPr marL="0" lvl="0" indent="0" algn="l" rtl="0">
-              <a:spcBef>
-                <a:spcPts val="0"/>
-              </a:spcBef>
-              <a:spcAft>
-                <a:spcPts val="0"/>
-              </a:spcAft>
-              <a:buNone/>
-            </a:pPr>
-            <a:endParaRPr lang="en-GB" sz="2800" dirty="0">
-              <a:latin typeface="Montserrat" charset="0"/>
-              <a:ea typeface="Montserrat" charset="0"/>
-              <a:cs typeface="Montserrat" charset="0"/>
-            </a:endParaRPr>
-          </a:p>
-        </p:txBody>
-      </p:sp>
-      <p:sp>
-        <p:nvSpPr>
-          <p:cNvPr id="2" name="TextBox 1">
-            <a:extLst>
-              <a:ext uri="{FF2B5EF4-FFF2-40B4-BE49-F238E27FC236}">
-                <a16:creationId xmlns:a16="http://schemas.microsoft.com/office/drawing/2014/main" id="{7D83EFE5-79B4-4877-8AE7-94F5DCD94987}"/>
-              </a:ext>
-            </a:extLst>
-          </p:cNvPr>
-          <p:cNvSpPr txBox="1"/>
-          <p:nvPr/>
-        </p:nvSpPr>
-        <p:spPr>
-          <a:xfrm>
-            <a:off x="1748118" y="3164542"/>
-            <a:ext cx="7978588" cy="1953740"/>
-          </a:xfrm>
-          <a:prstGeom prst="rect">
-            <a:avLst/>
-          </a:prstGeom>
-          <a:noFill/>
-        </p:spPr>
-        <p:txBody>
-          <a:bodyPr wrap="square" rtlCol="0">
-            <a:spAutoFit/>
-          </a:bodyPr>
-          <a:lstStyle/>
-          <a:p>
-            <a:endParaRPr lang="en-US" b="1" i="0" dirty="0">
-              <a:solidFill>
-                <a:srgbClr val="242424"/>
-              </a:solidFill>
-              <a:effectLst/>
-              <a:latin typeface="sohne"/>
-            </a:endParaRPr>
-          </a:p>
-          <a:p>
-            <a:pPr algn="l">
-              <a:lnSpc>
-                <a:spcPct val="200000"/>
-              </a:lnSpc>
-            </a:pPr>
-            <a:r>
-              <a:rPr lang="en-US" b="0" i="0" dirty="0">
-                <a:effectLst/>
-                <a:latin typeface="Monaco"/>
-              </a:rPr>
-              <a:t>Jest is a delightful JavaScript Testing Framework with a focus on simplicity.</a:t>
-            </a:r>
-          </a:p>
-          <a:p>
-            <a:pPr>
-              <a:lnSpc>
-                <a:spcPct val="200000"/>
-              </a:lnSpc>
-            </a:pPr>
-            <a:r>
-              <a:rPr lang="en-US" dirty="0">
-                <a:effectLst/>
-                <a:latin typeface="Monaco"/>
-              </a:rPr>
-              <a:t>It works with projects using: </a:t>
-            </a:r>
-            <a:r>
-              <a:rPr lang="en-US" u="sng" dirty="0">
-                <a:effectLst/>
-                <a:latin typeface="Monaco"/>
-                <a:hlinkClick r:id="rId3"/>
-              </a:rPr>
-              <a:t>Babel</a:t>
-            </a:r>
-            <a:r>
-              <a:rPr lang="en-US" dirty="0">
-                <a:effectLst/>
-                <a:latin typeface="Monaco"/>
-              </a:rPr>
-              <a:t>, </a:t>
-            </a:r>
-            <a:r>
-              <a:rPr lang="en-US" u="sng" dirty="0">
-                <a:effectLst/>
-                <a:latin typeface="Monaco"/>
-                <a:hlinkClick r:id="rId4"/>
-              </a:rPr>
-              <a:t>TypeScript</a:t>
-            </a:r>
-            <a:r>
-              <a:rPr lang="en-US" dirty="0">
-                <a:effectLst/>
-                <a:latin typeface="Monaco"/>
-              </a:rPr>
-              <a:t>, </a:t>
-            </a:r>
-            <a:r>
-              <a:rPr lang="en-US" u="sng" dirty="0">
-                <a:effectLst/>
-                <a:latin typeface="Monaco"/>
-                <a:hlinkClick r:id="rId5"/>
-              </a:rPr>
-              <a:t>Node</a:t>
-            </a:r>
-            <a:r>
-              <a:rPr lang="en-US" dirty="0">
-                <a:effectLst/>
-                <a:latin typeface="Monaco"/>
-              </a:rPr>
-              <a:t>, </a:t>
-            </a:r>
-            <a:r>
-              <a:rPr lang="en-US" u="sng" dirty="0">
-                <a:effectLst/>
-                <a:latin typeface="Monaco"/>
-                <a:hlinkClick r:id="rId6"/>
-              </a:rPr>
-              <a:t>React</a:t>
-            </a:r>
-            <a:r>
-              <a:rPr lang="en-US" dirty="0">
-                <a:effectLst/>
-                <a:latin typeface="Monaco"/>
-              </a:rPr>
-              <a:t>, </a:t>
-            </a:r>
-            <a:r>
-              <a:rPr lang="en-US" u="sng" dirty="0">
-                <a:effectLst/>
-                <a:latin typeface="Monaco"/>
-                <a:hlinkClick r:id="rId7"/>
-              </a:rPr>
-              <a:t>Angular</a:t>
-            </a:r>
-            <a:r>
-              <a:rPr lang="en-US" dirty="0">
-                <a:effectLst/>
-                <a:latin typeface="Monaco"/>
-              </a:rPr>
-              <a:t>, </a:t>
-            </a:r>
-            <a:r>
-              <a:rPr lang="en-US" u="sng" dirty="0">
-                <a:effectLst/>
-                <a:latin typeface="Monaco"/>
-                <a:hlinkClick r:id="rId8"/>
-              </a:rPr>
-              <a:t>Vue</a:t>
-            </a:r>
-            <a:r>
-              <a:rPr lang="en-US" dirty="0">
-                <a:effectLst/>
-                <a:latin typeface="Monaco"/>
-              </a:rPr>
-              <a:t> and more!</a:t>
-            </a:r>
-          </a:p>
-        </p:txBody>
-      </p:sp>
-      <p:pic>
-        <p:nvPicPr>
-          <p:cNvPr id="8" name="Picture 7">
-            <a:extLst>
-              <a:ext uri="{FF2B5EF4-FFF2-40B4-BE49-F238E27FC236}">
-                <a16:creationId xmlns:a16="http://schemas.microsoft.com/office/drawing/2014/main" id="{1009F16B-8AF6-497A-A5DF-663D83E1E492}"/>
-              </a:ext>
-            </a:extLst>
-          </p:cNvPr>
-          <p:cNvPicPr>
-            <a:picLocks noChangeAspect="1"/>
-          </p:cNvPicPr>
-          <p:nvPr/>
-        </p:nvPicPr>
-        <p:blipFill>
-          <a:blip r:embed="rId9"/>
-          <a:stretch>
-            <a:fillRect/>
-          </a:stretch>
-        </p:blipFill>
-        <p:spPr>
-          <a:xfrm>
-            <a:off x="8357814" y="1037431"/>
-            <a:ext cx="1198562" cy="1198562"/>
-          </a:xfrm>
-          <a:prstGeom prst="rect">
-            <a:avLst/>
-          </a:prstGeom>
-        </p:spPr>
-      </p:pic>
-    </p:spTree>
-    <p:extLst>
-      <p:ext uri="{BB962C8B-B14F-4D97-AF65-F5344CB8AC3E}">
-        <p14:creationId xmlns:p14="http://schemas.microsoft.com/office/powerpoint/2010/main" val="137911435"/>
-      </p:ext>
-    </p:extLst>
-  </p:cSld>
-  <p:clrMapOvr>
-    <a:masterClrMapping/>
-  </p:clrMapOvr>
-  <mc:AlternateContent xmlns:mc="http://schemas.openxmlformats.org/markup-compatibility/2006" xmlns:p14="http://schemas.microsoft.com/office/powerpoint/2010/main">
-    <mc:Choice Requires="p14">
-      <p:transition spd="slow" p14:dur="800">
-        <p14:flythrough/>
-      </p:transition>
-    </mc:Choice>
-    <mc:Fallback xmlns="">
-      <p:transition spd="slow">
-        <p:fade/>
-      </p:transition>
-    </mc:Fallback>
-  </mc:AlternateContent>
-</p:sld>
-</file>
-
 <file path=ppt/slides/slide28.xml><?xml version="1.0" encoding="utf-8"?>
 <p:sld xmlns:a="http://schemas.openxmlformats.org/drawingml/2006/main" xmlns:r="http://schemas.openxmlformats.org/officeDocument/2006/relationships" xmlns:p="http://schemas.openxmlformats.org/presentationml/2006/main">
   <p:cSld>
@@ -15633,8 +15637,8 @@
         </p:nvSpPr>
         <p:spPr>
           <a:xfrm>
-            <a:off x="1649506" y="2205318"/>
-            <a:ext cx="7978588" cy="1122743"/>
+            <a:off x="1748118" y="3164542"/>
+            <a:ext cx="7978588" cy="1953740"/>
           </a:xfrm>
           <a:prstGeom prst="rect">
             <a:avLst/>
@@ -15647,115 +15651,168 @@
           </a:bodyPr>
           <a:lstStyle/>
           <a:p>
+            <a:endParaRPr lang="en-US" b="1" i="0" dirty="0">
+              <a:solidFill>
+                <a:srgbClr val="242424"/>
+              </a:solidFill>
+              <a:effectLst/>
+              <a:latin typeface="sohne"/>
+            </a:endParaRPr>
+          </a:p>
+          <a:p>
             <a:pPr algn="l">
               <a:lnSpc>
                 <a:spcPct val="200000"/>
               </a:lnSpc>
             </a:pPr>
             <a:r>
-              <a:rPr lang="en-US" b="1" i="0" dirty="0">
-                <a:solidFill>
-                  <a:srgbClr val="C2A813"/>
-                </a:solidFill>
+              <a:rPr lang="en-US" b="0" i="0" dirty="0">
                 <a:effectLst/>
                 <a:latin typeface="Monaco"/>
               </a:rPr>
-              <a:t>Zero config</a:t>
-            </a:r>
-          </a:p>
-          <a:p>
-            <a:pPr algn="l">
+              <a:t>Jest is a delightful JavaScript Testing Framework with a focus on simplicity.</a:t>
+            </a:r>
+          </a:p>
+          <a:p>
+            <a:pPr>
               <a:lnSpc>
                 <a:spcPct val="200000"/>
               </a:lnSpc>
             </a:pPr>
             <a:r>
-              <a:rPr lang="en-US" b="0" i="0" dirty="0">
-                <a:solidFill>
-                  <a:srgbClr val="1C1E21"/>
-                </a:solidFill>
+              <a:rPr lang="en-US" dirty="0">
                 <a:effectLst/>
-                <a:latin typeface="system-ui"/>
-              </a:rPr>
-              <a:t>Jest aims to work out of the box, config free, on most JavaScript projects.</a:t>
-            </a:r>
-            <a:endParaRPr lang="en-US" dirty="0">
-              <a:effectLst/>
-              <a:latin typeface="Monaco"/>
-            </a:endParaRPr>
+                <a:latin typeface="Monaco"/>
+              </a:rPr>
+              <a:t>It works with projects using: </a:t>
+            </a:r>
+            <a:r>
+              <a:rPr lang="en-US" u="sng" dirty="0">
+                <a:effectLst/>
+                <a:latin typeface="Monaco"/>
+                <a:hlinkClick r:id="rId3"/>
+              </a:rPr>
+              <a:t>Babel</a:t>
+            </a:r>
+            <a:r>
+              <a:rPr lang="en-US" dirty="0">
+                <a:effectLst/>
+                <a:latin typeface="Monaco"/>
+              </a:rPr>
+              <a:t>, </a:t>
+            </a:r>
+            <a:r>
+              <a:rPr lang="en-US" u="sng" dirty="0">
+                <a:effectLst/>
+                <a:latin typeface="Monaco"/>
+                <a:hlinkClick r:id="rId4"/>
+              </a:rPr>
+              <a:t>TypeScript</a:t>
+            </a:r>
+            <a:r>
+              <a:rPr lang="en-US" dirty="0">
+                <a:effectLst/>
+                <a:latin typeface="Monaco"/>
+              </a:rPr>
+              <a:t>, </a:t>
+            </a:r>
+            <a:r>
+              <a:rPr lang="en-US" u="sng" dirty="0">
+                <a:effectLst/>
+                <a:latin typeface="Monaco"/>
+                <a:hlinkClick r:id="rId5"/>
+              </a:rPr>
+              <a:t>Node</a:t>
+            </a:r>
+            <a:r>
+              <a:rPr lang="en-US" dirty="0">
+                <a:effectLst/>
+                <a:latin typeface="Monaco"/>
+              </a:rPr>
+              <a:t>, </a:t>
+            </a:r>
+            <a:r>
+              <a:rPr lang="en-US" u="sng" dirty="0">
+                <a:effectLst/>
+                <a:latin typeface="Monaco"/>
+                <a:hlinkClick r:id="rId6"/>
+              </a:rPr>
+              <a:t>React</a:t>
+            </a:r>
+            <a:r>
+              <a:rPr lang="en-US" dirty="0">
+                <a:effectLst/>
+                <a:latin typeface="Monaco"/>
+              </a:rPr>
+              <a:t>, </a:t>
+            </a:r>
+            <a:r>
+              <a:rPr lang="en-US" u="sng" dirty="0">
+                <a:effectLst/>
+                <a:latin typeface="Monaco"/>
+                <a:hlinkClick r:id="rId7"/>
+              </a:rPr>
+              <a:t>Angular</a:t>
+            </a:r>
+            <a:r>
+              <a:rPr lang="en-US" dirty="0">
+                <a:effectLst/>
+                <a:latin typeface="Monaco"/>
+              </a:rPr>
+              <a:t>, </a:t>
+            </a:r>
+            <a:r>
+              <a:rPr lang="en-US" u="sng" dirty="0">
+                <a:effectLst/>
+                <a:latin typeface="Monaco"/>
+                <a:hlinkClick r:id="rId8"/>
+              </a:rPr>
+              <a:t>Vue</a:t>
+            </a:r>
+            <a:r>
+              <a:rPr lang="en-US" dirty="0">
+                <a:effectLst/>
+                <a:latin typeface="Monaco"/>
+              </a:rPr>
+              <a:t> and more!</a:t>
+            </a:r>
           </a:p>
         </p:txBody>
       </p:sp>
-      <p:sp>
-        <p:nvSpPr>
-          <p:cNvPr id="8" name="TextBox 7">
+      <p:pic>
+        <p:nvPicPr>
+          <p:cNvPr id="8" name="Picture 7">
             <a:extLst>
               <a:ext uri="{FF2B5EF4-FFF2-40B4-BE49-F238E27FC236}">
-                <a16:creationId xmlns:a16="http://schemas.microsoft.com/office/drawing/2014/main" id="{F8F5F54F-DCC5-4472-AAFF-7853A3345D68}"/>
+                <a16:creationId xmlns:a16="http://schemas.microsoft.com/office/drawing/2014/main" id="{1009F16B-8AF6-497A-A5DF-663D83E1E492}"/>
               </a:ext>
             </a:extLst>
           </p:cNvPr>
-          <p:cNvSpPr txBox="1"/>
+          <p:cNvPicPr>
+            <a:picLocks noChangeAspect="1"/>
+          </p:cNvPicPr>
           <p:nvPr/>
-        </p:nvSpPr>
+        </p:nvPicPr>
+        <p:blipFill>
+          <a:blip r:embed="rId9"/>
+          <a:stretch>
+            <a:fillRect/>
+          </a:stretch>
+        </p:blipFill>
         <p:spPr>
           <a:xfrm>
-            <a:off x="1649506" y="3944471"/>
-            <a:ext cx="7978588" cy="2230739"/>
+            <a:off x="8357814" y="1037431"/>
+            <a:ext cx="1198562" cy="1198562"/>
           </a:xfrm>
           <a:prstGeom prst="rect">
             <a:avLst/>
           </a:prstGeom>
-          <a:noFill/>
         </p:spPr>
-        <p:txBody>
-          <a:bodyPr wrap="square" rtlCol="0">
-            <a:spAutoFit/>
-          </a:bodyPr>
-          <a:lstStyle/>
-          <a:p>
-            <a:pPr algn="l">
-              <a:lnSpc>
-                <a:spcPct val="200000"/>
-              </a:lnSpc>
-            </a:pPr>
-            <a:r>
-              <a:rPr lang="en-US" b="1" dirty="0">
-                <a:solidFill>
-                  <a:srgbClr val="C2A813"/>
-                </a:solidFill>
-                <a:latin typeface="Monaco"/>
-              </a:rPr>
-              <a:t>Fast and safe</a:t>
-            </a:r>
-          </a:p>
-          <a:p>
-            <a:pPr algn="l">
-              <a:lnSpc>
-                <a:spcPct val="200000"/>
-              </a:lnSpc>
-            </a:pPr>
-            <a:r>
-              <a:rPr lang="en-US" b="0" i="0" dirty="0">
-                <a:solidFill>
-                  <a:srgbClr val="1C1E21"/>
-                </a:solidFill>
-                <a:effectLst/>
-                <a:latin typeface="system-ui"/>
-              </a:rPr>
-              <a:t>By ensuring your tests have unique global state, Jest can reliably run tests in parallel. To make things quick, Jest runs previously failed tests first and re-organizes runs based on how long test files take.</a:t>
-            </a:r>
-            <a:endParaRPr lang="en-US" dirty="0">
-              <a:effectLst/>
-              <a:latin typeface="Monaco"/>
-            </a:endParaRPr>
-          </a:p>
-        </p:txBody>
-      </p:sp>
+      </p:pic>
     </p:spTree>
     <p:extLst>
       <p:ext uri="{BB962C8B-B14F-4D97-AF65-F5344CB8AC3E}">
-        <p14:creationId xmlns:p14="http://schemas.microsoft.com/office/powerpoint/2010/main" val="235915903"/>
+        <p14:creationId xmlns:p14="http://schemas.microsoft.com/office/powerpoint/2010/main" val="137911435"/>
       </p:ext>
     </p:extLst>
   </p:cSld>
@@ -15899,7 +15956,7 @@
                 </a:solidFill>
                 <a:latin typeface="Montserrat"/>
               </a:rPr>
-              <a:t>Testing Library</a:t>
+              <a:t>Jest</a:t>
             </a:r>
           </a:p>
           <a:p>
@@ -15955,8 +16012,8 @@
         </p:nvSpPr>
         <p:spPr>
           <a:xfrm>
-            <a:off x="1649506" y="2590629"/>
-            <a:ext cx="7978588" cy="3338735"/>
+            <a:off x="1649506" y="2205318"/>
+            <a:ext cx="7978588" cy="1122743"/>
           </a:xfrm>
           <a:prstGeom prst="rect">
             <a:avLst/>
@@ -15982,7 +16039,7 @@
                 <a:effectLst/>
                 <a:latin typeface="Monaco"/>
               </a:rPr>
-              <a:t>Introduction</a:t>
+              <a:t>Zero config</a:t>
             </a:r>
           </a:p>
           <a:p>
@@ -15992,15 +16049,6 @@
               </a:lnSpc>
             </a:pPr>
             <a:r>
-              <a:rPr lang="en-US" dirty="0">
-                <a:solidFill>
-                  <a:srgbClr val="1C1E21"/>
-                </a:solidFill>
-                <a:latin typeface="system-ui"/>
-              </a:rPr>
-              <a:t>I</a:t>
-            </a:r>
-            <a:r>
               <a:rPr lang="en-US" b="0" i="0" dirty="0">
                 <a:solidFill>
                   <a:srgbClr val="1C1E21"/>
@@ -16008,21 +16056,57 @@
                 <a:effectLst/>
                 <a:latin typeface="system-ui"/>
               </a:rPr>
-              <a:t>s a light-weight solution for testing web pages by querying and interacting with DOM nodes (whether simulated with JSDOM/Jest or in the browser)</a:t>
-            </a:r>
-          </a:p>
+              <a:t>Jest aims to work out of the box, config free, on most JavaScript projects.</a:t>
+            </a:r>
+            <a:endParaRPr lang="en-US" dirty="0">
+              <a:effectLst/>
+              <a:latin typeface="Monaco"/>
+            </a:endParaRPr>
+          </a:p>
+        </p:txBody>
+      </p:sp>
+      <p:sp>
+        <p:nvSpPr>
+          <p:cNvPr id="8" name="TextBox 7">
+            <a:extLst>
+              <a:ext uri="{FF2B5EF4-FFF2-40B4-BE49-F238E27FC236}">
+                <a16:creationId xmlns:a16="http://schemas.microsoft.com/office/drawing/2014/main" id="{F8F5F54F-DCC5-4472-AAFF-7853A3345D68}"/>
+              </a:ext>
+            </a:extLst>
+          </p:cNvPr>
+          <p:cNvSpPr txBox="1"/>
+          <p:nvPr/>
+        </p:nvSpPr>
+        <p:spPr>
+          <a:xfrm>
+            <a:off x="1649506" y="3944471"/>
+            <a:ext cx="7978588" cy="2230739"/>
+          </a:xfrm>
+          <a:prstGeom prst="rect">
+            <a:avLst/>
+          </a:prstGeom>
+          <a:noFill/>
+        </p:spPr>
+        <p:txBody>
+          <a:bodyPr wrap="square" rtlCol="0">
+            <a:spAutoFit/>
+          </a:bodyPr>
+          <a:lstStyle/>
           <a:p>
             <a:pPr algn="l">
               <a:lnSpc>
                 <a:spcPct val="200000"/>
               </a:lnSpc>
             </a:pPr>
-            <a:endParaRPr lang="en-US" dirty="0">
-              <a:solidFill>
-                <a:srgbClr val="1C1E21"/>
-              </a:solidFill>
-              <a:latin typeface="system-ui"/>
-            </a:endParaRPr>
+            <a:r>
+              <a:rPr lang="en-US" b="1" dirty="0">
+                <a:solidFill>
+                  <a:srgbClr val="C2A813"/>
+                </a:solidFill>
+                <a:latin typeface="Monaco"/>
+              </a:rPr>
+              <a:t>Fast and safe</a:t>
+            </a:r>
           </a:p>
           <a:p>
             <a:pPr algn="l">
@@ -16031,49 +16115,26 @@
               </a:lnSpc>
             </a:pPr>
             <a:r>
-              <a:rPr lang="en-US" dirty="0">
+              <a:rPr lang="en-US" b="0" i="0" dirty="0">
+                <a:solidFill>
+                  <a:srgbClr val="1C1E21"/>
+                </a:solidFill>
                 <a:effectLst/>
-                <a:latin typeface="Monaco"/>
-              </a:rPr>
-              <a:t>Helps you test React components in a way that's closer to how users interact with them (user event).</a:t>
-            </a:r>
+                <a:latin typeface="system-ui"/>
+              </a:rPr>
+              <a:t>By ensuring your tests have unique global state, Jest can reliably run tests in parallel. To make things quick, Jest runs previously failed tests first and re-organizes runs based on how long test files take.</a:t>
+            </a:r>
+            <a:endParaRPr lang="en-US" dirty="0">
+              <a:effectLst/>
+              <a:latin typeface="Monaco"/>
+            </a:endParaRPr>
           </a:p>
         </p:txBody>
       </p:sp>
-      <p:pic>
-        <p:nvPicPr>
-          <p:cNvPr id="4" name="Picture 3">
-            <a:extLst>
-              <a:ext uri="{FF2B5EF4-FFF2-40B4-BE49-F238E27FC236}">
-                <a16:creationId xmlns:a16="http://schemas.microsoft.com/office/drawing/2014/main" id="{ECDD8072-B256-425A-BA7E-5A6D575E4B84}"/>
-              </a:ext>
-            </a:extLst>
-          </p:cNvPr>
-          <p:cNvPicPr>
-            <a:picLocks noChangeAspect="1"/>
-          </p:cNvPicPr>
-          <p:nvPr/>
-        </p:nvPicPr>
-        <p:blipFill>
-          <a:blip r:embed="rId3"/>
-          <a:stretch>
-            <a:fillRect/>
-          </a:stretch>
-        </p:blipFill>
-        <p:spPr>
-          <a:xfrm>
-            <a:off x="8652782" y="1027112"/>
-            <a:ext cx="1219200" cy="1219200"/>
-          </a:xfrm>
-          <a:prstGeom prst="rect">
-            <a:avLst/>
-          </a:prstGeom>
-        </p:spPr>
-      </p:pic>
     </p:spTree>
     <p:extLst>
       <p:ext uri="{BB962C8B-B14F-4D97-AF65-F5344CB8AC3E}">
-        <p14:creationId xmlns:p14="http://schemas.microsoft.com/office/powerpoint/2010/main" val="1521471451"/>
+        <p14:creationId xmlns:p14="http://schemas.microsoft.com/office/powerpoint/2010/main" val="235915903"/>
       </p:ext>
     </p:extLst>
   </p:cSld>
@@ -16442,7 +16503,7 @@
                 </a:solidFill>
                 <a:latin typeface="Montserrat"/>
               </a:rPr>
-              <a:t>Installing Dependencies</a:t>
+              <a:t>Testing Library</a:t>
             </a:r>
           </a:p>
           <a:p>
@@ -16498,8 +16559,8 @@
         </p:nvSpPr>
         <p:spPr>
           <a:xfrm>
-            <a:off x="1748118" y="3164542"/>
-            <a:ext cx="7978588" cy="1754326"/>
+            <a:off x="1649506" y="2590629"/>
+            <a:ext cx="7978588" cy="3338735"/>
           </a:xfrm>
           <a:prstGeom prst="rect">
             <a:avLst/>
@@ -16512,239 +16573,111 @@
           </a:bodyPr>
           <a:lstStyle/>
           <a:p>
-            <a:endParaRPr lang="en-US" b="1" i="0" dirty="0">
+            <a:pPr algn="l">
+              <a:lnSpc>
+                <a:spcPct val="200000"/>
+              </a:lnSpc>
+            </a:pPr>
+            <a:r>
+              <a:rPr lang="en-US" b="1" i="0" dirty="0">
+                <a:solidFill>
+                  <a:srgbClr val="C2A813"/>
+                </a:solidFill>
+                <a:effectLst/>
+                <a:latin typeface="Monaco"/>
+              </a:rPr>
+              <a:t>Introduction</a:t>
+            </a:r>
+          </a:p>
+          <a:p>
+            <a:pPr algn="l">
+              <a:lnSpc>
+                <a:spcPct val="200000"/>
+              </a:lnSpc>
+            </a:pPr>
+            <a:r>
+              <a:rPr lang="en-US" dirty="0">
+                <a:solidFill>
+                  <a:srgbClr val="1C1E21"/>
+                </a:solidFill>
+                <a:latin typeface="system-ui"/>
+              </a:rPr>
+              <a:t>I</a:t>
+            </a:r>
+            <a:r>
+              <a:rPr lang="en-US" b="0" i="0" dirty="0">
+                <a:solidFill>
+                  <a:srgbClr val="1C1E21"/>
+                </a:solidFill>
+                <a:effectLst/>
+                <a:latin typeface="system-ui"/>
+              </a:rPr>
+              <a:t>s a light-weight solution for testing web pages by querying and interacting with DOM nodes (whether simulated with JSDOM/Jest or in the browser)</a:t>
+            </a:r>
+          </a:p>
+          <a:p>
+            <a:pPr algn="l">
+              <a:lnSpc>
+                <a:spcPct val="200000"/>
+              </a:lnSpc>
+            </a:pPr>
+            <a:endParaRPr lang="en-US" dirty="0">
               <a:solidFill>
-                <a:srgbClr val="242424"/>
+                <a:srgbClr val="1C1E21"/>
               </a:solidFill>
-              <a:effectLst/>
-              <a:latin typeface="sohne"/>
+              <a:latin typeface="system-ui"/>
             </a:endParaRPr>
           </a:p>
           <a:p>
-            <a:r>
-              <a:rPr lang="nb-NO" b="0" i="0" dirty="0">
-                <a:solidFill>
-                  <a:srgbClr val="242424"/>
-                </a:solidFill>
+            <a:pPr algn="l">
+              <a:lnSpc>
+                <a:spcPct val="200000"/>
+              </a:lnSpc>
+            </a:pPr>
+            <a:r>
+              <a:rPr lang="en-US" dirty="0">
                 <a:effectLst/>
-                <a:latin typeface="source-code-pro"/>
-              </a:rPr>
-              <a:t>npm install --save-dev jest </a:t>
-            </a:r>
-            <a:r>
-              <a:rPr lang="nb-NO" b="0" i="0" dirty="0">
-                <a:solidFill>
-                  <a:srgbClr val="643820"/>
-                </a:solidFill>
-                <a:effectLst/>
-                <a:latin typeface="source-code-pro"/>
-              </a:rPr>
-              <a:t>@testing</a:t>
-            </a:r>
-            <a:r>
-              <a:rPr lang="nb-NO" b="0" i="0" dirty="0">
-                <a:solidFill>
-                  <a:srgbClr val="242424"/>
-                </a:solidFill>
-                <a:effectLst/>
-                <a:latin typeface="source-code-pro"/>
-              </a:rPr>
-              <a:t>-</a:t>
-            </a:r>
-            <a:r>
-              <a:rPr lang="nb-NO" b="0" i="0" dirty="0">
-                <a:solidFill>
-                  <a:srgbClr val="AA0D91"/>
-                </a:solidFill>
-                <a:effectLst/>
-                <a:latin typeface="source-code-pro"/>
-              </a:rPr>
-              <a:t>library</a:t>
-            </a:r>
-            <a:r>
-              <a:rPr lang="nb-NO" b="0" i="0" dirty="0">
-                <a:solidFill>
-                  <a:srgbClr val="242424"/>
-                </a:solidFill>
-                <a:effectLst/>
-                <a:latin typeface="source-code-pro"/>
-              </a:rPr>
-              <a:t>/react </a:t>
-            </a:r>
-            <a:r>
-              <a:rPr lang="nb-NO" b="0" i="0" dirty="0">
-                <a:solidFill>
-                  <a:srgbClr val="643820"/>
-                </a:solidFill>
-                <a:effectLst/>
-                <a:latin typeface="source-code-pro"/>
-              </a:rPr>
-              <a:t>@testing</a:t>
-            </a:r>
-            <a:r>
-              <a:rPr lang="nb-NO" b="0" i="0" dirty="0">
-                <a:solidFill>
-                  <a:srgbClr val="242424"/>
-                </a:solidFill>
-                <a:effectLst/>
-                <a:latin typeface="source-code-pro"/>
-              </a:rPr>
-              <a:t>-</a:t>
-            </a:r>
-            <a:r>
-              <a:rPr lang="nb-NO" b="0" i="0" dirty="0">
-                <a:solidFill>
-                  <a:srgbClr val="AA0D91"/>
-                </a:solidFill>
-                <a:effectLst/>
-                <a:latin typeface="source-code-pro"/>
-              </a:rPr>
-              <a:t>library</a:t>
-            </a:r>
-            <a:r>
-              <a:rPr lang="nb-NO" b="0" i="0" dirty="0">
-                <a:solidFill>
-                  <a:srgbClr val="242424"/>
-                </a:solidFill>
-                <a:effectLst/>
-                <a:latin typeface="source-code-pro"/>
-              </a:rPr>
-              <a:t>/jest-dom</a:t>
-            </a:r>
-            <a:br>
-              <a:rPr lang="en-US" dirty="0"/>
-            </a:br>
-            <a:br>
-              <a:rPr lang="en-US" dirty="0"/>
-            </a:br>
-            <a:r>
-              <a:rPr lang="en-US" dirty="0"/>
-              <a:t>	</a:t>
-            </a:r>
-            <a:r>
-              <a:rPr lang="en-US" b="0" i="0" dirty="0">
-                <a:solidFill>
-                  <a:srgbClr val="AA0D91"/>
-                </a:solidFill>
-                <a:effectLst/>
-                <a:latin typeface="source-code-pro"/>
-              </a:rPr>
-              <a:t>or</a:t>
-            </a:r>
-            <a:r>
-              <a:rPr lang="en-US" b="0" i="0" dirty="0">
-                <a:solidFill>
-                  <a:srgbClr val="242424"/>
-                </a:solidFill>
-                <a:effectLst/>
-                <a:latin typeface="source-code-pro"/>
-              </a:rPr>
-              <a:t> </a:t>
-            </a:r>
-            <a:br>
-              <a:rPr lang="en-US" dirty="0"/>
-            </a:br>
-            <a:br>
-              <a:rPr lang="en-US" dirty="0"/>
-            </a:br>
-            <a:r>
-              <a:rPr lang="en-US" b="0" i="0" dirty="0">
-                <a:solidFill>
-                  <a:srgbClr val="242424"/>
-                </a:solidFill>
-                <a:effectLst/>
-                <a:latin typeface="source-code-pro"/>
-              </a:rPr>
-              <a:t>yarn add --dev jest </a:t>
-            </a:r>
-            <a:r>
-              <a:rPr lang="en-US" b="0" i="0" dirty="0">
-                <a:solidFill>
-                  <a:srgbClr val="643820"/>
-                </a:solidFill>
-                <a:effectLst/>
-                <a:latin typeface="source-code-pro"/>
-              </a:rPr>
-              <a:t>@testing</a:t>
-            </a:r>
-            <a:r>
-              <a:rPr lang="en-US" b="0" i="0" dirty="0">
-                <a:solidFill>
-                  <a:srgbClr val="242424"/>
-                </a:solidFill>
-                <a:effectLst/>
-                <a:latin typeface="source-code-pro"/>
-              </a:rPr>
-              <a:t>-</a:t>
-            </a:r>
-            <a:r>
-              <a:rPr lang="en-US" b="0" i="0" dirty="0">
-                <a:solidFill>
-                  <a:srgbClr val="AA0D91"/>
-                </a:solidFill>
-                <a:effectLst/>
-                <a:latin typeface="source-code-pro"/>
-              </a:rPr>
-              <a:t>library</a:t>
-            </a:r>
-            <a:r>
-              <a:rPr lang="en-US" b="0" i="0" dirty="0">
-                <a:solidFill>
-                  <a:srgbClr val="242424"/>
-                </a:solidFill>
-                <a:effectLst/>
-                <a:latin typeface="source-code-pro"/>
-              </a:rPr>
-              <a:t>/react </a:t>
-            </a:r>
-            <a:r>
-              <a:rPr lang="en-US" b="0" i="0" dirty="0">
-                <a:solidFill>
-                  <a:srgbClr val="643820"/>
-                </a:solidFill>
-                <a:effectLst/>
-                <a:latin typeface="source-code-pro"/>
-              </a:rPr>
-              <a:t>@testing</a:t>
-            </a:r>
-            <a:r>
-              <a:rPr lang="en-US" b="0" i="0" dirty="0">
-                <a:solidFill>
-                  <a:srgbClr val="242424"/>
-                </a:solidFill>
-                <a:effectLst/>
-                <a:latin typeface="source-code-pro"/>
-              </a:rPr>
-              <a:t>-</a:t>
-            </a:r>
-            <a:r>
-              <a:rPr lang="en-US" b="0" i="0" dirty="0">
-                <a:solidFill>
-                  <a:srgbClr val="AA0D91"/>
-                </a:solidFill>
-                <a:effectLst/>
-                <a:latin typeface="source-code-pro"/>
-              </a:rPr>
-              <a:t>library</a:t>
-            </a:r>
-            <a:r>
-              <a:rPr lang="en-US" b="0" i="0" dirty="0">
-                <a:solidFill>
-                  <a:srgbClr val="242424"/>
-                </a:solidFill>
-                <a:effectLst/>
-                <a:latin typeface="source-code-pro"/>
-              </a:rPr>
-              <a:t>/jest-dom</a:t>
-            </a:r>
-            <a:endParaRPr lang="en-US" dirty="0"/>
+                <a:latin typeface="Monaco"/>
+              </a:rPr>
+              <a:t>Helps you test React components in a way that's closer to how users interact with them (user event).</a:t>
+            </a:r>
           </a:p>
         </p:txBody>
       </p:sp>
+      <p:pic>
+        <p:nvPicPr>
+          <p:cNvPr id="4" name="Picture 3">
+            <a:extLst>
+              <a:ext uri="{FF2B5EF4-FFF2-40B4-BE49-F238E27FC236}">
+                <a16:creationId xmlns:a16="http://schemas.microsoft.com/office/drawing/2014/main" id="{ECDD8072-B256-425A-BA7E-5A6D575E4B84}"/>
+              </a:ext>
+            </a:extLst>
+          </p:cNvPr>
+          <p:cNvPicPr>
+            <a:picLocks noChangeAspect="1"/>
+          </p:cNvPicPr>
+          <p:nvPr/>
+        </p:nvPicPr>
+        <p:blipFill>
+          <a:blip r:embed="rId3"/>
+          <a:stretch>
+            <a:fillRect/>
+          </a:stretch>
+        </p:blipFill>
+        <p:spPr>
+          <a:xfrm>
+            <a:off x="8652782" y="1027112"/>
+            <a:ext cx="1219200" cy="1219200"/>
+          </a:xfrm>
+          <a:prstGeom prst="rect">
+            <a:avLst/>
+          </a:prstGeom>
+        </p:spPr>
+      </p:pic>
     </p:spTree>
     <p:extLst>
       <p:ext uri="{BB962C8B-B14F-4D97-AF65-F5344CB8AC3E}">
-        <p14:creationId xmlns:p14="http://schemas.microsoft.com/office/powerpoint/2010/main" val="2371425213"/>
+        <p14:creationId xmlns:p14="http://schemas.microsoft.com/office/powerpoint/2010/main" val="1521471451"/>
       </p:ext>
     </p:extLst>
   </p:cSld>
@@ -16888,8 +16821,16 @@
                 </a:solidFill>
                 <a:latin typeface="Montserrat"/>
               </a:rPr>
-              <a:t>Cypress</a:t>
-            </a:r>
+              <a:t>Installing Dependencies</a:t>
+            </a:r>
+          </a:p>
+          <a:p>
+            <a:endParaRPr lang="en-US" sz="3200" b="1" i="1" dirty="0">
+              <a:solidFill>
+                <a:srgbClr val="572AD7"/>
+              </a:solidFill>
+              <a:latin typeface="Montserrat"/>
+            </a:endParaRPr>
           </a:p>
           <a:p>
             <a:endParaRPr lang="en-GB" sz="2400" dirty="0">
@@ -16936,8 +16877,8 @@
         </p:nvSpPr>
         <p:spPr>
           <a:xfrm>
-            <a:off x="1766047" y="2635624"/>
-            <a:ext cx="7978588" cy="1200329"/>
+            <a:off x="1748118" y="3164542"/>
+            <a:ext cx="7978588" cy="1754326"/>
           </a:xfrm>
           <a:prstGeom prst="rect">
             <a:avLst/>
@@ -16950,18 +16891,6 @@
           </a:bodyPr>
           <a:lstStyle/>
           <a:p>
-            <a:r>
-              <a:rPr lang="en-US" b="1" i="0" dirty="0">
-                <a:solidFill>
-                  <a:srgbClr val="C2A813"/>
-                </a:solidFill>
-                <a:effectLst/>
-                <a:latin typeface="Monaco"/>
-              </a:rPr>
-              <a:t>Introduction</a:t>
-            </a:r>
-          </a:p>
-          <a:p>
             <a:endParaRPr lang="en-US" b="1" i="0" dirty="0">
               <a:solidFill>
                 <a:srgbClr val="242424"/>
@@ -16972,57 +16901,229 @@
           </a:p>
           <a:p>
             <a:r>
-              <a:rPr lang="en-US" dirty="0">
-                <a:solidFill>
-                  <a:srgbClr val="1C1E21"/>
-                </a:solidFill>
-                <a:latin typeface="system-ui"/>
-              </a:rPr>
-              <a:t>Watch your end-to-end and component tests run in real time as you develop your applications.</a:t>
-            </a:r>
+              <a:rPr lang="nb-NO" b="0" i="0" dirty="0">
+                <a:solidFill>
+                  <a:srgbClr val="242424"/>
+                </a:solidFill>
+                <a:effectLst/>
+                <a:latin typeface="source-code-pro"/>
+              </a:rPr>
+              <a:t>npm install --save-dev jest </a:t>
+            </a:r>
+            <a:r>
+              <a:rPr lang="nb-NO" b="0" i="0" dirty="0">
+                <a:solidFill>
+                  <a:srgbClr val="643820"/>
+                </a:solidFill>
+                <a:effectLst/>
+                <a:latin typeface="source-code-pro"/>
+              </a:rPr>
+              <a:t>@testing</a:t>
+            </a:r>
+            <a:r>
+              <a:rPr lang="nb-NO" b="0" i="0" dirty="0">
+                <a:solidFill>
+                  <a:srgbClr val="242424"/>
+                </a:solidFill>
+                <a:effectLst/>
+                <a:latin typeface="source-code-pro"/>
+              </a:rPr>
+              <a:t>-</a:t>
+            </a:r>
+            <a:r>
+              <a:rPr lang="nb-NO" b="0" i="0" dirty="0">
+                <a:solidFill>
+                  <a:srgbClr val="AA0D91"/>
+                </a:solidFill>
+                <a:effectLst/>
+                <a:latin typeface="source-code-pro"/>
+              </a:rPr>
+              <a:t>library</a:t>
+            </a:r>
+            <a:r>
+              <a:rPr lang="nb-NO" b="0" i="0" dirty="0">
+                <a:solidFill>
+                  <a:srgbClr val="242424"/>
+                </a:solidFill>
+                <a:effectLst/>
+                <a:latin typeface="source-code-pro"/>
+              </a:rPr>
+              <a:t>/react </a:t>
+            </a:r>
+            <a:r>
+              <a:rPr lang="nb-NO" b="0" i="0" dirty="0">
+                <a:solidFill>
+                  <a:srgbClr val="643820"/>
+                </a:solidFill>
+                <a:effectLst/>
+                <a:latin typeface="source-code-pro"/>
+              </a:rPr>
+              <a:t>@testing</a:t>
+            </a:r>
+            <a:r>
+              <a:rPr lang="nb-NO" b="0" i="0" dirty="0">
+                <a:solidFill>
+                  <a:srgbClr val="242424"/>
+                </a:solidFill>
+                <a:effectLst/>
+                <a:latin typeface="source-code-pro"/>
+              </a:rPr>
+              <a:t>-</a:t>
+            </a:r>
+            <a:r>
+              <a:rPr lang="nb-NO" b="0" i="0" dirty="0">
+                <a:solidFill>
+                  <a:srgbClr val="AA0D91"/>
+                </a:solidFill>
+                <a:effectLst/>
+                <a:latin typeface="source-code-pro"/>
+              </a:rPr>
+              <a:t>library</a:t>
+            </a:r>
+            <a:r>
+              <a:rPr lang="nb-NO" b="0" i="0" dirty="0">
+                <a:solidFill>
+                  <a:srgbClr val="242424"/>
+                </a:solidFill>
+                <a:effectLst/>
+                <a:latin typeface="source-code-pro"/>
+              </a:rPr>
+              <a:t>/jest-dom</a:t>
+            </a:r>
+            <a:br>
+              <a:rPr lang="en-US" dirty="0"/>
+            </a:br>
+            <a:br>
+              <a:rPr lang="en-US" dirty="0"/>
+            </a:br>
+            <a:r>
+              <a:rPr lang="en-US" dirty="0"/>
+              <a:t>	</a:t>
+            </a:r>
+            <a:r>
+              <a:rPr lang="en-US" b="0" i="0" dirty="0">
+                <a:solidFill>
+                  <a:srgbClr val="AA0D91"/>
+                </a:solidFill>
+                <a:effectLst/>
+                <a:latin typeface="source-code-pro"/>
+              </a:rPr>
+              <a:t>or</a:t>
+            </a:r>
+            <a:r>
+              <a:rPr lang="en-US" b="0" i="0" dirty="0">
+                <a:solidFill>
+                  <a:srgbClr val="242424"/>
+                </a:solidFill>
+                <a:effectLst/>
+                <a:latin typeface="source-code-pro"/>
+              </a:rPr>
+              <a:t> </a:t>
+            </a:r>
+            <a:br>
+              <a:rPr lang="en-US" dirty="0"/>
+            </a:br>
+            <a:br>
+              <a:rPr lang="en-US" dirty="0"/>
+            </a:br>
+            <a:r>
+              <a:rPr lang="en-US" b="0" i="0" dirty="0">
+                <a:solidFill>
+                  <a:srgbClr val="242424"/>
+                </a:solidFill>
+                <a:effectLst/>
+                <a:latin typeface="source-code-pro"/>
+              </a:rPr>
+              <a:t>yarn add --dev jest </a:t>
+            </a:r>
+            <a:r>
+              <a:rPr lang="en-US" b="0" i="0" dirty="0">
+                <a:solidFill>
+                  <a:srgbClr val="643820"/>
+                </a:solidFill>
+                <a:effectLst/>
+                <a:latin typeface="source-code-pro"/>
+              </a:rPr>
+              <a:t>@testing</a:t>
+            </a:r>
+            <a:r>
+              <a:rPr lang="en-US" b="0" i="0" dirty="0">
+                <a:solidFill>
+                  <a:srgbClr val="242424"/>
+                </a:solidFill>
+                <a:effectLst/>
+                <a:latin typeface="source-code-pro"/>
+              </a:rPr>
+              <a:t>-</a:t>
+            </a:r>
+            <a:r>
+              <a:rPr lang="en-US" b="0" i="0" dirty="0">
+                <a:solidFill>
+                  <a:srgbClr val="AA0D91"/>
+                </a:solidFill>
+                <a:effectLst/>
+                <a:latin typeface="source-code-pro"/>
+              </a:rPr>
+              <a:t>library</a:t>
+            </a:r>
+            <a:r>
+              <a:rPr lang="en-US" b="0" i="0" dirty="0">
+                <a:solidFill>
+                  <a:srgbClr val="242424"/>
+                </a:solidFill>
+                <a:effectLst/>
+                <a:latin typeface="source-code-pro"/>
+              </a:rPr>
+              <a:t>/react </a:t>
+            </a:r>
+            <a:r>
+              <a:rPr lang="en-US" b="0" i="0" dirty="0">
+                <a:solidFill>
+                  <a:srgbClr val="643820"/>
+                </a:solidFill>
+                <a:effectLst/>
+                <a:latin typeface="source-code-pro"/>
+              </a:rPr>
+              <a:t>@testing</a:t>
+            </a:r>
+            <a:r>
+              <a:rPr lang="en-US" b="0" i="0" dirty="0">
+                <a:solidFill>
+                  <a:srgbClr val="242424"/>
+                </a:solidFill>
+                <a:effectLst/>
+                <a:latin typeface="source-code-pro"/>
+              </a:rPr>
+              <a:t>-</a:t>
+            </a:r>
+            <a:r>
+              <a:rPr lang="en-US" b="0" i="0" dirty="0">
+                <a:solidFill>
+                  <a:srgbClr val="AA0D91"/>
+                </a:solidFill>
+                <a:effectLst/>
+                <a:latin typeface="source-code-pro"/>
+              </a:rPr>
+              <a:t>library</a:t>
+            </a:r>
+            <a:r>
+              <a:rPr lang="en-US" b="0" i="0" dirty="0">
+                <a:solidFill>
+                  <a:srgbClr val="242424"/>
+                </a:solidFill>
+                <a:effectLst/>
+                <a:latin typeface="source-code-pro"/>
+              </a:rPr>
+              <a:t>/jest-dom</a:t>
+            </a:r>
+            <a:endParaRPr lang="en-US" dirty="0"/>
           </a:p>
         </p:txBody>
       </p:sp>
-      <p:pic>
-        <p:nvPicPr>
-          <p:cNvPr id="4" name="Graphic 3">
-            <a:extLst>
-              <a:ext uri="{FF2B5EF4-FFF2-40B4-BE49-F238E27FC236}">
-                <a16:creationId xmlns:a16="http://schemas.microsoft.com/office/drawing/2014/main" id="{4B09B88A-DADF-4C62-A58F-2E63A484F146}"/>
-              </a:ext>
-            </a:extLst>
-          </p:cNvPr>
-          <p:cNvPicPr>
-            <a:picLocks noChangeAspect="1"/>
-          </p:cNvPicPr>
-          <p:nvPr/>
-        </p:nvPicPr>
-        <p:blipFill>
-          <a:blip r:embed="rId3">
-            <a:extLst>
-              <a:ext uri="{96DAC541-7B7A-43D3-8B79-37D633B846F1}">
-                <asvg:svgBlip xmlns:asvg="http://schemas.microsoft.com/office/drawing/2016/SVG/main" r:embed="rId4"/>
-              </a:ext>
-            </a:extLst>
-          </a:blip>
-          <a:stretch>
-            <a:fillRect/>
-          </a:stretch>
-        </p:blipFill>
-        <p:spPr>
-          <a:xfrm>
-            <a:off x="7288306" y="1479532"/>
-            <a:ext cx="762000" cy="304800"/>
-          </a:xfrm>
-          <a:prstGeom prst="rect">
-            <a:avLst/>
-          </a:prstGeom>
-        </p:spPr>
-      </p:pic>
     </p:spTree>
     <p:extLst>
       <p:ext uri="{BB962C8B-B14F-4D97-AF65-F5344CB8AC3E}">
-        <p14:creationId xmlns:p14="http://schemas.microsoft.com/office/powerpoint/2010/main" val="2482171108"/>
+        <p14:creationId xmlns:p14="http://schemas.microsoft.com/office/powerpoint/2010/main" val="2371425213"/>
       </p:ext>
     </p:extLst>
   </p:cSld>
@@ -17215,7 +17316,7 @@
         <p:spPr>
           <a:xfrm>
             <a:off x="1766047" y="2635624"/>
-            <a:ext cx="7978588" cy="2031325"/>
+            <a:ext cx="7978588" cy="1200329"/>
           </a:xfrm>
           <a:prstGeom prst="rect">
             <a:avLst/>
@@ -17231,12 +17332,12 @@
             <a:r>
               <a:rPr lang="en-US" b="1" i="0" dirty="0">
                 <a:solidFill>
-                  <a:srgbClr val="242424"/>
+                  <a:srgbClr val="C2A813"/>
                 </a:solidFill>
                 <a:effectLst/>
-                <a:latin typeface="sohne"/>
-              </a:rPr>
-              <a:t>Installing Cypress</a:t>
+                <a:latin typeface="Monaco"/>
+              </a:rPr>
+              <a:t>Introduction</a:t>
             </a:r>
           </a:p>
           <a:p>
@@ -17250,139 +17351,23 @@
           </a:p>
           <a:p>
             <a:r>
-              <a:rPr lang="en-US" dirty="0"/>
-              <a:t> 	</a:t>
-            </a:r>
-            <a:r>
-              <a:rPr lang="en-US" b="0" i="0" dirty="0">
-                <a:solidFill>
-                  <a:srgbClr val="242424"/>
-                </a:solidFill>
-                <a:effectLst/>
-                <a:latin typeface="source-code-pro"/>
-              </a:rPr>
-              <a:t> </a:t>
-            </a:r>
-            <a:r>
-              <a:rPr lang="en-US" b="0" i="0" dirty="0" err="1">
-                <a:solidFill>
-                  <a:srgbClr val="242424"/>
-                </a:solidFill>
-                <a:effectLst/>
-                <a:latin typeface="source-code-pro"/>
-              </a:rPr>
-              <a:t>npm</a:t>
-            </a:r>
-            <a:r>
-              <a:rPr lang="en-US" b="0" i="0" dirty="0">
-                <a:solidFill>
-                  <a:srgbClr val="242424"/>
-                </a:solidFill>
-                <a:effectLst/>
-                <a:latin typeface="source-code-pro"/>
-              </a:rPr>
-              <a:t> install </a:t>
-            </a:r>
-            <a:r>
-              <a:rPr lang="en-US" b="0" i="0" dirty="0">
-                <a:solidFill>
-                  <a:srgbClr val="007400"/>
-                </a:solidFill>
-                <a:effectLst/>
-                <a:latin typeface="source-code-pro"/>
-              </a:rPr>
-              <a:t>--save-dev cypress</a:t>
-            </a:r>
-            <a:br>
-              <a:rPr lang="en-US" dirty="0"/>
-            </a:br>
-            <a:br>
-              <a:rPr lang="en-US" dirty="0"/>
-            </a:br>
-            <a:r>
-              <a:rPr lang="en-US" dirty="0"/>
-              <a:t>	</a:t>
-            </a:r>
-            <a:r>
-              <a:rPr lang="en-US" b="0" i="0" dirty="0">
-                <a:solidFill>
-                  <a:srgbClr val="AA0D91"/>
-                </a:solidFill>
-                <a:effectLst/>
-                <a:latin typeface="source-code-pro"/>
-              </a:rPr>
-              <a:t>or</a:t>
-            </a:r>
-            <a:r>
-              <a:rPr lang="en-US" b="0" i="0" dirty="0">
-                <a:solidFill>
-                  <a:srgbClr val="242424"/>
-                </a:solidFill>
-                <a:effectLst/>
-                <a:latin typeface="source-code-pro"/>
-              </a:rPr>
-              <a:t> </a:t>
-            </a:r>
-            <a:br>
-              <a:rPr lang="en-US" dirty="0"/>
-            </a:br>
-            <a:br>
-              <a:rPr lang="en-US" dirty="0"/>
-            </a:br>
-            <a:r>
-              <a:rPr lang="en-US" dirty="0"/>
-              <a:t>	</a:t>
-            </a:r>
-            <a:r>
-              <a:rPr lang="en-US" b="0" i="0" dirty="0">
-                <a:solidFill>
-                  <a:srgbClr val="242424"/>
-                </a:solidFill>
-                <a:effectLst/>
-                <a:latin typeface="source-code-pro"/>
-              </a:rPr>
-              <a:t>yarn </a:t>
-            </a:r>
-            <a:r>
-              <a:rPr lang="en-US" b="0" i="0" dirty="0">
-                <a:solidFill>
-                  <a:srgbClr val="AA0D91"/>
-                </a:solidFill>
-                <a:effectLst/>
-                <a:latin typeface="source-code-pro"/>
-              </a:rPr>
-              <a:t>add</a:t>
-            </a:r>
-            <a:r>
-              <a:rPr lang="en-US" b="0" i="0" dirty="0">
-                <a:solidFill>
-                  <a:srgbClr val="242424"/>
-                </a:solidFill>
-                <a:effectLst/>
-                <a:latin typeface="source-code-pro"/>
-              </a:rPr>
-              <a:t> </a:t>
-            </a:r>
-            <a:r>
-              <a:rPr lang="en-US" b="0" i="0" dirty="0">
-                <a:solidFill>
-                  <a:srgbClr val="007400"/>
-                </a:solidFill>
-                <a:effectLst/>
-                <a:latin typeface="source-code-pro"/>
-              </a:rPr>
-              <a:t>--dev cypress</a:t>
-            </a:r>
-            <a:endParaRPr lang="en-US" dirty="0"/>
+              <a:rPr lang="en-US" dirty="0">
+                <a:solidFill>
+                  <a:srgbClr val="1C1E21"/>
+                </a:solidFill>
+                <a:latin typeface="system-ui"/>
+              </a:rPr>
+              <a:t>Watch your end-to-end and component tests run in real time as you develop your applications.</a:t>
+            </a:r>
           </a:p>
         </p:txBody>
       </p:sp>
       <p:pic>
         <p:nvPicPr>
-          <p:cNvPr id="4" name="Picture 3">
+          <p:cNvPr id="4" name="Graphic 3">
             <a:extLst>
               <a:ext uri="{FF2B5EF4-FFF2-40B4-BE49-F238E27FC236}">
-                <a16:creationId xmlns:a16="http://schemas.microsoft.com/office/drawing/2014/main" id="{8C1AC6D3-F117-4F9D-B4C6-80D0052711CA}"/>
+                <a16:creationId xmlns:a16="http://schemas.microsoft.com/office/drawing/2014/main" id="{4B09B88A-DADF-4C62-A58F-2E63A484F146}"/>
               </a:ext>
             </a:extLst>
           </p:cNvPr>
@@ -17392,15 +17377,21 @@
           <p:nvPr/>
         </p:nvPicPr>
         <p:blipFill>
-          <a:blip r:embed="rId3"/>
+          <a:blip r:embed="rId3">
+            <a:extLst>
+              <a:ext uri="{96DAC541-7B7A-43D3-8B79-37D633B846F1}">
+                <asvg:svgBlip xmlns:asvg="http://schemas.microsoft.com/office/drawing/2016/SVG/main" r:embed="rId4"/>
+              </a:ext>
+            </a:extLst>
+          </a:blip>
           <a:stretch>
             <a:fillRect/>
           </a:stretch>
         </p:blipFill>
         <p:spPr>
           <a:xfrm>
-            <a:off x="7288306" y="3852448"/>
-            <a:ext cx="3943900" cy="1629002"/>
+            <a:off x="7288306" y="1479532"/>
+            <a:ext cx="762000" cy="304800"/>
           </a:xfrm>
           <a:prstGeom prst="rect">
             <a:avLst/>
@@ -17410,7 +17401,7 @@
     </p:spTree>
     <p:extLst>
       <p:ext uri="{BB962C8B-B14F-4D97-AF65-F5344CB8AC3E}">
-        <p14:creationId xmlns:p14="http://schemas.microsoft.com/office/powerpoint/2010/main" val="1957446384"/>
+        <p14:creationId xmlns:p14="http://schemas.microsoft.com/office/powerpoint/2010/main" val="2482171108"/>
       </p:ext>
     </p:extLst>
   </p:cSld>
@@ -17616,7 +17607,6 @@
           </a:bodyPr>
           <a:lstStyle/>
           <a:p>
-            <a:pPr algn="l"/>
             <a:r>
               <a:rPr lang="en-US" b="1" i="0" dirty="0">
                 <a:solidFill>
@@ -17625,7 +17615,7 @@
                 <a:effectLst/>
                 <a:latin typeface="sohne"/>
               </a:rPr>
-              <a:t>Running Cypress</a:t>
+              <a:t>Installing Cypress</a:t>
             </a:r>
           </a:p>
           <a:p>
@@ -17650,109 +17640,71 @@
                 <a:effectLst/>
                 <a:latin typeface="source-code-pro"/>
               </a:rPr>
-              <a:t> {</a:t>
+              <a:t> </a:t>
+            </a:r>
+            <a:r>
+              <a:rPr lang="en-US" b="0" i="0" dirty="0" err="1">
+                <a:solidFill>
+                  <a:srgbClr val="242424"/>
+                </a:solidFill>
+                <a:effectLst/>
+                <a:latin typeface="source-code-pro"/>
+              </a:rPr>
+              <a:t>npm</a:t>
+            </a:r>
+            <a:r>
+              <a:rPr lang="en-US" b="0" i="0" dirty="0">
+                <a:solidFill>
+                  <a:srgbClr val="242424"/>
+                </a:solidFill>
+                <a:effectLst/>
+                <a:latin typeface="source-code-pro"/>
+              </a:rPr>
+              <a:t> install </a:t>
+            </a:r>
+            <a:r>
+              <a:rPr lang="en-US" b="0" i="0" dirty="0">
+                <a:solidFill>
+                  <a:srgbClr val="007400"/>
+                </a:solidFill>
+                <a:effectLst/>
+                <a:latin typeface="source-code-pro"/>
+              </a:rPr>
+              <a:t>--save-dev cypress</a:t>
             </a:r>
             <a:br>
               <a:rPr lang="en-US" dirty="0"/>
             </a:br>
-            <a:r>
-              <a:rPr lang="en-US" dirty="0"/>
-              <a:t>		</a:t>
-            </a:r>
-            <a:r>
-              <a:rPr lang="en-US" b="0" i="0" dirty="0">
-                <a:solidFill>
-                  <a:srgbClr val="836C28"/>
-                </a:solidFill>
-                <a:effectLst/>
-                <a:latin typeface="source-code-pro"/>
-              </a:rPr>
-              <a:t>"scripts"</a:t>
-            </a:r>
-            <a:r>
-              <a:rPr lang="en-US" b="0" i="0" dirty="0">
-                <a:solidFill>
-                  <a:srgbClr val="242424"/>
-                </a:solidFill>
-                <a:effectLst/>
-                <a:latin typeface="source-code-pro"/>
-              </a:rPr>
-              <a:t>: {</a:t>
-            </a:r>
             <a:br>
               <a:rPr lang="en-US" dirty="0"/>
             </a:br>
             <a:r>
               <a:rPr lang="en-US" dirty="0"/>
-              <a:t>			</a:t>
+              <a:t>	</a:t>
             </a:r>
             <a:r>
               <a:rPr lang="en-US" b="0" i="0" dirty="0">
                 <a:solidFill>
-                  <a:srgbClr val="836C28"/>
+                  <a:srgbClr val="AA0D91"/>
                 </a:solidFill>
                 <a:effectLst/>
                 <a:latin typeface="source-code-pro"/>
               </a:rPr>
-              <a:t>"</a:t>
-            </a:r>
-            <a:r>
-              <a:rPr lang="en-US" b="0" i="0" dirty="0" err="1">
-                <a:solidFill>
-                  <a:srgbClr val="836C28"/>
+              <a:t>or</a:t>
+            </a:r>
+            <a:r>
+              <a:rPr lang="en-US" b="0" i="0" dirty="0">
+                <a:solidFill>
+                  <a:srgbClr val="242424"/>
                 </a:solidFill>
                 <a:effectLst/>
                 <a:latin typeface="source-code-pro"/>
               </a:rPr>
-              <a:t>cypress:open</a:t>
-            </a:r>
-            <a:r>
-              <a:rPr lang="en-US" b="0" i="0" dirty="0">
-                <a:solidFill>
-                  <a:srgbClr val="836C28"/>
-                </a:solidFill>
-                <a:effectLst/>
-                <a:latin typeface="source-code-pro"/>
-              </a:rPr>
-              <a:t>"</a:t>
-            </a:r>
-            <a:r>
-              <a:rPr lang="en-US" b="0" i="0" dirty="0">
-                <a:solidFill>
-                  <a:srgbClr val="242424"/>
-                </a:solidFill>
-                <a:effectLst/>
-                <a:latin typeface="source-code-pro"/>
-              </a:rPr>
-              <a:t>: </a:t>
-            </a:r>
-            <a:r>
-              <a:rPr lang="en-US" b="0" i="0" dirty="0">
-                <a:solidFill>
-                  <a:srgbClr val="C41A16"/>
-                </a:solidFill>
-                <a:effectLst/>
-                <a:latin typeface="source-code-pro"/>
-              </a:rPr>
-              <a:t>"cypress open"</a:t>
+              <a:t> </a:t>
             </a:r>
             <a:br>
               <a:rPr lang="en-US" dirty="0"/>
             </a:br>
-            <a:r>
-              <a:rPr lang="en-US" dirty="0"/>
-              <a:t>		</a:t>
-            </a:r>
-            <a:r>
-              <a:rPr lang="en-US" b="0" i="0" dirty="0">
-                <a:solidFill>
-                  <a:srgbClr val="242424"/>
-                </a:solidFill>
-                <a:effectLst/>
-                <a:latin typeface="source-code-pro"/>
-              </a:rPr>
-              <a:t>}</a:t>
-            </a:r>
             <a:br>
               <a:rPr lang="en-US" dirty="0"/>
             </a:br>
@@ -17768,16 +17720,76 @@
                 <a:effectLst/>
                 <a:latin typeface="source-code-pro"/>
               </a:rPr>
-              <a:t>}</a:t>
+              <a:t>yarn </a:t>
+            </a:r>
+            <a:r>
+              <a:rPr lang="en-US" b="0" i="0" dirty="0">
+                <a:solidFill>
+                  <a:srgbClr val="AA0D91"/>
+                </a:solidFill>
+                <a:effectLst/>
+                <a:latin typeface="source-code-pro"/>
+              </a:rPr>
+              <a:t>add</a:t>
+            </a:r>
+            <a:r>
+              <a:rPr lang="en-US" b="0" i="0" dirty="0">
+                <a:solidFill>
+                  <a:srgbClr val="242424"/>
+                </a:solidFill>
+                <a:effectLst/>
+                <a:latin typeface="source-code-pro"/>
+              </a:rPr>
+              <a:t> </a:t>
+            </a:r>
+            <a:r>
+              <a:rPr lang="en-US" b="0" i="0" dirty="0">
+                <a:solidFill>
+                  <a:srgbClr val="007400"/>
+                </a:solidFill>
+                <a:effectLst/>
+                <a:latin typeface="source-code-pro"/>
+              </a:rPr>
+              <a:t>--dev cypress</a:t>
             </a:r>
             <a:endParaRPr lang="en-US" dirty="0"/>
           </a:p>
         </p:txBody>
       </p:sp>
+      <p:pic>
+        <p:nvPicPr>
+          <p:cNvPr id="4" name="Picture 3">
+            <a:extLst>
+              <a:ext uri="{FF2B5EF4-FFF2-40B4-BE49-F238E27FC236}">
+                <a16:creationId xmlns:a16="http://schemas.microsoft.com/office/drawing/2014/main" id="{8C1AC6D3-F117-4F9D-B4C6-80D0052711CA}"/>
+              </a:ext>
+            </a:extLst>
+          </p:cNvPr>
+          <p:cNvPicPr>
+            <a:picLocks noChangeAspect="1"/>
+          </p:cNvPicPr>
+          <p:nvPr/>
+        </p:nvPicPr>
+        <p:blipFill>
+          <a:blip r:embed="rId3"/>
+          <a:stretch>
+            <a:fillRect/>
+          </a:stretch>
+        </p:blipFill>
+        <p:spPr>
+          <a:xfrm>
+            <a:off x="7288306" y="3852448"/>
+            <a:ext cx="3943900" cy="1629002"/>
+          </a:xfrm>
+          <a:prstGeom prst="rect">
+            <a:avLst/>
+          </a:prstGeom>
+        </p:spPr>
+      </p:pic>
     </p:spTree>
     <p:extLst>
       <p:ext uri="{BB962C8B-B14F-4D97-AF65-F5344CB8AC3E}">
-        <p14:creationId xmlns:p14="http://schemas.microsoft.com/office/powerpoint/2010/main" val="1509843617"/>
+        <p14:creationId xmlns:p14="http://schemas.microsoft.com/office/powerpoint/2010/main" val="1957446384"/>
       </p:ext>
     </p:extLst>
   </p:cSld>
@@ -17969,8 +17981,8 @@
         </p:nvSpPr>
         <p:spPr>
           <a:xfrm>
-            <a:off x="1721224" y="2214283"/>
-            <a:ext cx="7978588" cy="923330"/>
+            <a:off x="1766047" y="2635624"/>
+            <a:ext cx="7978588" cy="2031325"/>
           </a:xfrm>
           <a:prstGeom prst="rect">
             <a:avLst/>
@@ -17987,12 +17999,12 @@
             <a:r>
               <a:rPr lang="en-US" b="1" i="0" dirty="0">
                 <a:solidFill>
-                  <a:srgbClr val="FF0000"/>
+                  <a:srgbClr val="242424"/>
                 </a:solidFill>
                 <a:effectLst/>
                 <a:latin typeface="sohne"/>
               </a:rPr>
-              <a:t>Before Running Cypress</a:t>
+              <a:t>Running Cypress</a:t>
             </a:r>
           </a:p>
           <a:p>
@@ -18009,43 +18021,142 @@
               <a:rPr lang="en-US" dirty="0"/>
               <a:t> 	</a:t>
             </a:r>
+            <a:r>
+              <a:rPr lang="en-US" b="0" i="0" dirty="0">
+                <a:solidFill>
+                  <a:srgbClr val="242424"/>
+                </a:solidFill>
+                <a:effectLst/>
+                <a:latin typeface="source-code-pro"/>
+              </a:rPr>
+              <a:t> {</a:t>
+            </a:r>
+            <a:br>
+              <a:rPr lang="en-US" dirty="0"/>
+            </a:br>
+            <a:r>
+              <a:rPr lang="en-US" dirty="0"/>
+              <a:t>		</a:t>
+            </a:r>
+            <a:r>
+              <a:rPr lang="en-US" b="0" i="0" dirty="0">
+                <a:solidFill>
+                  <a:srgbClr val="836C28"/>
+                </a:solidFill>
+                <a:effectLst/>
+                <a:latin typeface="source-code-pro"/>
+              </a:rPr>
+              <a:t>"scripts"</a:t>
+            </a:r>
+            <a:r>
+              <a:rPr lang="en-US" b="0" i="0" dirty="0">
+                <a:solidFill>
+                  <a:srgbClr val="242424"/>
+                </a:solidFill>
+                <a:effectLst/>
+                <a:latin typeface="source-code-pro"/>
+              </a:rPr>
+              <a:t>: {</a:t>
+            </a:r>
+            <a:br>
+              <a:rPr lang="en-US" dirty="0"/>
+            </a:br>
+            <a:r>
+              <a:rPr lang="en-US" dirty="0"/>
+              <a:t>			</a:t>
+            </a:r>
+            <a:r>
+              <a:rPr lang="en-US" b="0" i="0" dirty="0">
+                <a:solidFill>
+                  <a:srgbClr val="836C28"/>
+                </a:solidFill>
+                <a:effectLst/>
+                <a:latin typeface="source-code-pro"/>
+              </a:rPr>
+              <a:t>"</a:t>
+            </a:r>
+            <a:r>
+              <a:rPr lang="en-US" b="0" i="0" dirty="0" err="1">
+                <a:solidFill>
+                  <a:srgbClr val="836C28"/>
+                </a:solidFill>
+                <a:effectLst/>
+                <a:latin typeface="source-code-pro"/>
+              </a:rPr>
+              <a:t>cypress:open</a:t>
+            </a:r>
+            <a:r>
+              <a:rPr lang="en-US" b="0" i="0" dirty="0">
+                <a:solidFill>
+                  <a:srgbClr val="836C28"/>
+                </a:solidFill>
+                <a:effectLst/>
+                <a:latin typeface="source-code-pro"/>
+              </a:rPr>
+              <a:t>"</a:t>
+            </a:r>
+            <a:r>
+              <a:rPr lang="en-US" b="0" i="0" dirty="0">
+                <a:solidFill>
+                  <a:srgbClr val="242424"/>
+                </a:solidFill>
+                <a:effectLst/>
+                <a:latin typeface="source-code-pro"/>
+              </a:rPr>
+              <a:t>: </a:t>
+            </a:r>
+            <a:r>
+              <a:rPr lang="en-US" b="0" i="0" dirty="0">
+                <a:solidFill>
+                  <a:srgbClr val="C41A16"/>
+                </a:solidFill>
+                <a:effectLst/>
+                <a:latin typeface="source-code-pro"/>
+              </a:rPr>
+              <a:t>"cypress open"</a:t>
+            </a:r>
+            <a:br>
+              <a:rPr lang="en-US" dirty="0"/>
+            </a:br>
+            <a:r>
+              <a:rPr lang="en-US" dirty="0"/>
+              <a:t>		</a:t>
+            </a:r>
+            <a:r>
+              <a:rPr lang="en-US" b="0" i="0" dirty="0">
+                <a:solidFill>
+                  <a:srgbClr val="242424"/>
+                </a:solidFill>
+                <a:effectLst/>
+                <a:latin typeface="source-code-pro"/>
+              </a:rPr>
+              <a:t>}</a:t>
+            </a:r>
+            <a:br>
+              <a:rPr lang="en-US" dirty="0"/>
+            </a:br>
+            <a:r>
+              <a:rPr lang="en-US" dirty="0"/>
+              <a:t>	</a:t>
+            </a:r>
+            <a:r>
+              <a:rPr lang="en-US" b="0" i="0" dirty="0">
+                <a:solidFill>
+                  <a:srgbClr val="242424"/>
+                </a:solidFill>
+                <a:effectLst/>
+                <a:latin typeface="source-code-pro"/>
+              </a:rPr>
+              <a:t>}</a:t>
+            </a:r>
+            <a:endParaRPr lang="en-US" dirty="0"/>
           </a:p>
         </p:txBody>
       </p:sp>
-      <p:pic>
-        <p:nvPicPr>
-          <p:cNvPr id="4" name="Picture 3">
-            <a:extLst>
-              <a:ext uri="{FF2B5EF4-FFF2-40B4-BE49-F238E27FC236}">
-                <a16:creationId xmlns:a16="http://schemas.microsoft.com/office/drawing/2014/main" id="{DB10AD28-6E93-4728-ABA6-30FBA0F7F49E}"/>
-              </a:ext>
-            </a:extLst>
-          </p:cNvPr>
-          <p:cNvPicPr>
-            <a:picLocks noChangeAspect="1"/>
-          </p:cNvPicPr>
-          <p:nvPr/>
-        </p:nvPicPr>
-        <p:blipFill>
-          <a:blip r:embed="rId3"/>
-          <a:stretch>
-            <a:fillRect/>
-          </a:stretch>
-        </p:blipFill>
-        <p:spPr>
-          <a:xfrm>
-            <a:off x="4602310" y="1935797"/>
-            <a:ext cx="7059010" cy="4277322"/>
-          </a:xfrm>
-          <a:prstGeom prst="rect">
-            <a:avLst/>
-          </a:prstGeom>
-        </p:spPr>
-      </p:pic>
     </p:spTree>
     <p:extLst>
       <p:ext uri="{BB962C8B-B14F-4D97-AF65-F5344CB8AC3E}">
-        <p14:creationId xmlns:p14="http://schemas.microsoft.com/office/powerpoint/2010/main" val="3729418989"/>
+        <p14:creationId xmlns:p14="http://schemas.microsoft.com/office/powerpoint/2010/main" val="1509843617"/>
       </p:ext>
     </p:extLst>
   </p:cSld>
@@ -18260,6 +18371,274 @@
                 <a:effectLst/>
                 <a:latin typeface="sohne"/>
               </a:rPr>
+              <a:t>Before Running Cypress</a:t>
+            </a:r>
+          </a:p>
+          <a:p>
+            <a:endParaRPr lang="en-US" b="1" i="0" dirty="0">
+              <a:solidFill>
+                <a:srgbClr val="242424"/>
+              </a:solidFill>
+              <a:effectLst/>
+              <a:latin typeface="sohne"/>
+            </a:endParaRPr>
+          </a:p>
+          <a:p>
+            <a:r>
+              <a:rPr lang="en-US" dirty="0"/>
+              <a:t> 	</a:t>
+            </a:r>
+          </a:p>
+        </p:txBody>
+      </p:sp>
+      <p:pic>
+        <p:nvPicPr>
+          <p:cNvPr id="4" name="Picture 3">
+            <a:extLst>
+              <a:ext uri="{FF2B5EF4-FFF2-40B4-BE49-F238E27FC236}">
+                <a16:creationId xmlns:a16="http://schemas.microsoft.com/office/drawing/2014/main" id="{DB10AD28-6E93-4728-ABA6-30FBA0F7F49E}"/>
+              </a:ext>
+            </a:extLst>
+          </p:cNvPr>
+          <p:cNvPicPr>
+            <a:picLocks noChangeAspect="1"/>
+          </p:cNvPicPr>
+          <p:nvPr/>
+        </p:nvPicPr>
+        <p:blipFill>
+          <a:blip r:embed="rId3"/>
+          <a:stretch>
+            <a:fillRect/>
+          </a:stretch>
+        </p:blipFill>
+        <p:spPr>
+          <a:xfrm>
+            <a:off x="4602310" y="1935797"/>
+            <a:ext cx="7059010" cy="4277322"/>
+          </a:xfrm>
+          <a:prstGeom prst="rect">
+            <a:avLst/>
+          </a:prstGeom>
+        </p:spPr>
+      </p:pic>
+    </p:spTree>
+    <p:extLst>
+      <p:ext uri="{BB962C8B-B14F-4D97-AF65-F5344CB8AC3E}">
+        <p14:creationId xmlns:p14="http://schemas.microsoft.com/office/powerpoint/2010/main" val="3729418989"/>
+      </p:ext>
+    </p:extLst>
+  </p:cSld>
+  <p:clrMapOvr>
+    <a:masterClrMapping/>
+  </p:clrMapOvr>
+  <mc:AlternateContent xmlns:mc="http://schemas.openxmlformats.org/markup-compatibility/2006" xmlns:p14="http://schemas.microsoft.com/office/powerpoint/2010/main">
+    <mc:Choice Requires="p14">
+      <p:transition spd="slow" p14:dur="800">
+        <p14:flythrough/>
+      </p:transition>
+    </mc:Choice>
+    <mc:Fallback xmlns="">
+      <p:transition spd="slow">
+        <p:fade/>
+      </p:transition>
+    </mc:Fallback>
+  </mc:AlternateContent>
+</p:sld>
+</file>
+
+<file path=ppt/slides/slide36.xml><?xml version="1.0" encoding="utf-8"?>
+<p:sld xmlns:a="http://schemas.openxmlformats.org/drawingml/2006/main" xmlns:r="http://schemas.openxmlformats.org/officeDocument/2006/relationships" xmlns:p="http://schemas.openxmlformats.org/presentationml/2006/main">
+  <p:cSld>
+    <p:spTree>
+      <p:nvGrpSpPr>
+        <p:cNvPr id="1" name=""/>
+        <p:cNvGrpSpPr/>
+        <p:nvPr/>
+      </p:nvGrpSpPr>
+      <p:grpSpPr>
+        <a:xfrm>
+          <a:off x="0" y="0"/>
+          <a:ext cx="0" cy="0"/>
+          <a:chOff x="0" y="0"/>
+          <a:chExt cx="0" cy="0"/>
+        </a:xfrm>
+      </p:grpSpPr>
+      <p:pic>
+        <p:nvPicPr>
+          <p:cNvPr id="6" name="Image 5">
+            <a:extLst>
+              <a:ext uri="{FF2B5EF4-FFF2-40B4-BE49-F238E27FC236}">
+                <a16:creationId xmlns:a16="http://schemas.microsoft.com/office/drawing/2014/main" id="{85C1BEF6-C4FA-794F-9003-5D49864298CC}"/>
+              </a:ext>
+            </a:extLst>
+          </p:cNvPr>
+          <p:cNvPicPr>
+            <a:picLocks noChangeAspect="1"/>
+          </p:cNvPicPr>
+          <p:nvPr/>
+        </p:nvPicPr>
+        <p:blipFill>
+          <a:blip r:embed="rId2"/>
+          <a:stretch>
+            <a:fillRect/>
+          </a:stretch>
+        </p:blipFill>
+        <p:spPr>
+          <a:xfrm>
+            <a:off x="11128881" y="4159"/>
+            <a:ext cx="1064878" cy="1706406"/>
+          </a:xfrm>
+          <a:prstGeom prst="rect">
+            <a:avLst/>
+          </a:prstGeom>
+        </p:spPr>
+      </p:pic>
+      <p:sp>
+        <p:nvSpPr>
+          <p:cNvPr id="7" name="Titre 1">
+            <a:extLst>
+              <a:ext uri="{FF2B5EF4-FFF2-40B4-BE49-F238E27FC236}">
+                <a16:creationId xmlns:a16="http://schemas.microsoft.com/office/drawing/2014/main" id="{B50329F0-7FAB-5A46-8618-A4B121772237}"/>
+              </a:ext>
+            </a:extLst>
+          </p:cNvPr>
+          <p:cNvSpPr>
+            <a:spLocks noGrp="1"/>
+          </p:cNvSpPr>
+          <p:nvPr>
+            <p:ph type="title"/>
+          </p:nvPr>
+        </p:nvSpPr>
+        <p:spPr>
+          <a:xfrm>
+            <a:off x="838200" y="567915"/>
+            <a:ext cx="6450106" cy="365125"/>
+          </a:xfrm>
+        </p:spPr>
+        <p:txBody>
+          <a:bodyPr>
+            <a:noAutofit/>
+          </a:bodyPr>
+          <a:lstStyle/>
+          <a:p>
+            <a:r>
+              <a:rPr lang="en-GB" sz="2800" spc="300" dirty="0">
+                <a:latin typeface="Zilla Slab"/>
+              </a:rPr>
+              <a:t>Tools and </a:t>
+            </a:r>
+            <a:r>
+              <a:rPr lang="en-US" sz="2800" spc="300" dirty="0">
+                <a:latin typeface="Zilla Slab"/>
+              </a:rPr>
+              <a:t>Dependencies</a:t>
+            </a:r>
+          </a:p>
+        </p:txBody>
+      </p:sp>
+      <p:sp>
+        <p:nvSpPr>
+          <p:cNvPr id="9" name="Google Shape;121;g6d93b6fd7c_0_0"/>
+          <p:cNvSpPr txBox="1"/>
+          <p:nvPr/>
+        </p:nvSpPr>
+        <p:spPr>
+          <a:xfrm>
+            <a:off x="3224212" y="1263625"/>
+            <a:ext cx="6332164" cy="746175"/>
+          </a:xfrm>
+          <a:prstGeom prst="rect">
+            <a:avLst/>
+          </a:prstGeom>
+          <a:noFill/>
+          <a:ln>
+            <a:noFill/>
+          </a:ln>
+        </p:spPr>
+        <p:txBody>
+          <a:bodyPr spcFirstLastPara="1" wrap="square" lIns="91425" tIns="91425" rIns="91425" bIns="91425" anchor="t" anchorCtr="0">
+            <a:noAutofit/>
+          </a:bodyPr>
+          <a:lstStyle/>
+          <a:p>
+            <a:r>
+              <a:rPr lang="en-US" sz="3200" b="1" i="1" dirty="0">
+                <a:solidFill>
+                  <a:srgbClr val="572AD7"/>
+                </a:solidFill>
+                <a:latin typeface="Montserrat"/>
+              </a:rPr>
+              <a:t>Cypress</a:t>
+            </a:r>
+          </a:p>
+          <a:p>
+            <a:endParaRPr lang="en-GB" sz="2400" dirty="0">
+              <a:solidFill>
+                <a:schemeClr val="tx1">
+                  <a:lumMod val="65000"/>
+                  <a:lumOff val="35000"/>
+                </a:schemeClr>
+              </a:solidFill>
+              <a:latin typeface="Montserrat" charset="0"/>
+              <a:ea typeface="Montserrat" charset="0"/>
+              <a:cs typeface="Montserrat" charset="0"/>
+            </a:endParaRPr>
+          </a:p>
+          <a:p>
+            <a:pPr marL="0" lvl="0" indent="0" algn="l" rtl="0">
+              <a:spcBef>
+                <a:spcPts val="0"/>
+              </a:spcBef>
+              <a:spcAft>
+                <a:spcPts val="0"/>
+              </a:spcAft>
+              <a:buNone/>
+            </a:pPr>
+            <a:endParaRPr lang="en-GB" sz="2800" dirty="0">
+              <a:latin typeface="Montserrat" charset="0"/>
+              <a:ea typeface="Montserrat" charset="0"/>
+              <a:cs typeface="Montserrat" charset="0"/>
+            </a:endParaRPr>
+          </a:p>
+        </p:txBody>
+      </p:sp>
+      <p:sp>
+        <p:nvSpPr>
+          <p:cNvPr id="2" name="TextBox 1">
+            <a:extLst>
+              <a:ext uri="{FF2B5EF4-FFF2-40B4-BE49-F238E27FC236}">
+                <a16:creationId xmlns:a16="http://schemas.microsoft.com/office/drawing/2014/main" id="{7D83EFE5-79B4-4877-8AE7-94F5DCD94987}"/>
+              </a:ext>
+            </a:extLst>
+          </p:cNvPr>
+          <p:cNvSpPr txBox="1"/>
+          <p:nvPr/>
+        </p:nvSpPr>
+        <p:spPr>
+          <a:xfrm>
+            <a:off x="1721224" y="2214283"/>
+            <a:ext cx="7978588" cy="923330"/>
+          </a:xfrm>
+          <a:prstGeom prst="rect">
+            <a:avLst/>
+          </a:prstGeom>
+          <a:noFill/>
+        </p:spPr>
+        <p:txBody>
+          <a:bodyPr wrap="square" rtlCol="0">
+            <a:spAutoFit/>
+          </a:bodyPr>
+          <a:lstStyle/>
+          <a:p>
+            <a:pPr algn="l"/>
+            <a:r>
+              <a:rPr lang="en-US" b="1" i="0" dirty="0">
+                <a:solidFill>
+                  <a:srgbClr val="FF0000"/>
+                </a:solidFill>
+                <a:effectLst/>
+                <a:latin typeface="sohne"/>
+              </a:rPr>
               <a:t>After Running Cypress</a:t>
             </a:r>
           </a:p>
@@ -18335,7 +18714,7 @@
 </p:sld>
 </file>
 
-<file path=ppt/slides/slide36.xml><?xml version="1.0" encoding="utf-8"?>
+<file path=ppt/slides/slide37.xml><?xml version="1.0" encoding="utf-8"?>
 <p:sld xmlns:a="http://schemas.openxmlformats.org/drawingml/2006/main" xmlns:r="http://schemas.openxmlformats.org/officeDocument/2006/relationships" xmlns:p="http://schemas.openxmlformats.org/presentationml/2006/main">
   <p:cSld>
     <p:spTree>
@@ -18681,7 +19060,7 @@
 </p:sld>
 </file>
 
-<file path=ppt/slides/slide37.xml><?xml version="1.0" encoding="utf-8"?>
+<file path=ppt/slides/slide38.xml><?xml version="1.0" encoding="utf-8"?>
 <p:sld xmlns:a="http://schemas.openxmlformats.org/drawingml/2006/main" xmlns:r="http://schemas.openxmlformats.org/officeDocument/2006/relationships" xmlns:p="http://schemas.openxmlformats.org/presentationml/2006/main">
   <p:cSld>
     <p:spTree>
@@ -18900,249 +19279,6 @@
 </p:sld>
 </file>
 
-<file path=ppt/slides/slide38.xml><?xml version="1.0" encoding="utf-8"?>
-<p:sld xmlns:a="http://schemas.openxmlformats.org/drawingml/2006/main" xmlns:r="http://schemas.openxmlformats.org/officeDocument/2006/relationships" xmlns:p="http://schemas.openxmlformats.org/presentationml/2006/main">
-  <p:cSld>
-    <p:spTree>
-      <p:nvGrpSpPr>
-        <p:cNvPr id="1" name=""/>
-        <p:cNvGrpSpPr/>
-        <p:nvPr/>
-      </p:nvGrpSpPr>
-      <p:grpSpPr>
-        <a:xfrm>
-          <a:off x="0" y="0"/>
-          <a:ext cx="0" cy="0"/>
-          <a:chOff x="0" y="0"/>
-          <a:chExt cx="0" cy="0"/>
-        </a:xfrm>
-      </p:grpSpPr>
-      <p:pic>
-        <p:nvPicPr>
-          <p:cNvPr id="6" name="Image 5">
-            <a:extLst>
-              <a:ext uri="{FF2B5EF4-FFF2-40B4-BE49-F238E27FC236}">
-                <a16:creationId xmlns:a16="http://schemas.microsoft.com/office/drawing/2014/main" id="{85C1BEF6-C4FA-794F-9003-5D49864298CC}"/>
-              </a:ext>
-            </a:extLst>
-          </p:cNvPr>
-          <p:cNvPicPr>
-            <a:picLocks noChangeAspect="1"/>
-          </p:cNvPicPr>
-          <p:nvPr/>
-        </p:nvPicPr>
-        <p:blipFill>
-          <a:blip r:embed="rId2"/>
-          <a:stretch>
-            <a:fillRect/>
-          </a:stretch>
-        </p:blipFill>
-        <p:spPr>
-          <a:xfrm>
-            <a:off x="11128881" y="4159"/>
-            <a:ext cx="1064878" cy="1706406"/>
-          </a:xfrm>
-          <a:prstGeom prst="rect">
-            <a:avLst/>
-          </a:prstGeom>
-        </p:spPr>
-      </p:pic>
-      <p:sp>
-        <p:nvSpPr>
-          <p:cNvPr id="7" name="Titre 1">
-            <a:extLst>
-              <a:ext uri="{FF2B5EF4-FFF2-40B4-BE49-F238E27FC236}">
-                <a16:creationId xmlns:a16="http://schemas.microsoft.com/office/drawing/2014/main" id="{B50329F0-7FAB-5A46-8618-A4B121772237}"/>
-              </a:ext>
-            </a:extLst>
-          </p:cNvPr>
-          <p:cNvSpPr>
-            <a:spLocks noGrp="1"/>
-          </p:cNvSpPr>
-          <p:nvPr>
-            <p:ph type="title"/>
-          </p:nvPr>
-        </p:nvSpPr>
-        <p:spPr>
-          <a:xfrm>
-            <a:off x="838200" y="567915"/>
-            <a:ext cx="6450106" cy="365125"/>
-          </a:xfrm>
-        </p:spPr>
-        <p:txBody>
-          <a:bodyPr>
-            <a:noAutofit/>
-          </a:bodyPr>
-          <a:lstStyle/>
-          <a:p>
-            <a:r>
-              <a:rPr lang="en-US" sz="2800" spc="300" dirty="0">
-                <a:latin typeface="Zilla Slab"/>
-              </a:rPr>
-              <a:t>Unit Testing</a:t>
-            </a:r>
-          </a:p>
-        </p:txBody>
-      </p:sp>
-      <p:sp>
-        <p:nvSpPr>
-          <p:cNvPr id="9" name="Google Shape;121;g6d93b6fd7c_0_0"/>
-          <p:cNvSpPr txBox="1"/>
-          <p:nvPr/>
-        </p:nvSpPr>
-        <p:spPr>
-          <a:xfrm>
-            <a:off x="3224212" y="1263625"/>
-            <a:ext cx="6332164" cy="746175"/>
-          </a:xfrm>
-          <a:prstGeom prst="rect">
-            <a:avLst/>
-          </a:prstGeom>
-          <a:noFill/>
-          <a:ln>
-            <a:noFill/>
-          </a:ln>
-        </p:spPr>
-        <p:txBody>
-          <a:bodyPr spcFirstLastPara="1" wrap="square" lIns="91425" tIns="91425" rIns="91425" bIns="91425" anchor="t" anchorCtr="0">
-            <a:noAutofit/>
-          </a:bodyPr>
-          <a:lstStyle/>
-          <a:p>
-            <a:r>
-              <a:rPr lang="fr-FR" sz="3200" b="1" i="1" dirty="0" err="1">
-                <a:solidFill>
-                  <a:srgbClr val="572AD7"/>
-                </a:solidFill>
-                <a:latin typeface="Montserrat"/>
-                <a:ea typeface="Montserrat" charset="0"/>
-                <a:cs typeface="Montserrat" charset="0"/>
-                <a:sym typeface="Lato"/>
-              </a:rPr>
-              <a:t>Definition</a:t>
-            </a:r>
-            <a:endParaRPr lang="en-GB" sz="2400" dirty="0">
-              <a:solidFill>
-                <a:schemeClr val="tx1">
-                  <a:lumMod val="65000"/>
-                  <a:lumOff val="35000"/>
-                </a:schemeClr>
-              </a:solidFill>
-              <a:latin typeface="Montserrat" charset="0"/>
-              <a:ea typeface="Montserrat" charset="0"/>
-              <a:cs typeface="Montserrat" charset="0"/>
-            </a:endParaRPr>
-          </a:p>
-          <a:p>
-            <a:pPr marL="0" lvl="0" indent="0" algn="l" rtl="0">
-              <a:spcBef>
-                <a:spcPts val="0"/>
-              </a:spcBef>
-              <a:spcAft>
-                <a:spcPts val="0"/>
-              </a:spcAft>
-              <a:buNone/>
-            </a:pPr>
-            <a:endParaRPr lang="en-GB" sz="2800" dirty="0">
-              <a:latin typeface="Montserrat" charset="0"/>
-              <a:ea typeface="Montserrat" charset="0"/>
-              <a:cs typeface="Montserrat" charset="0"/>
-            </a:endParaRPr>
-          </a:p>
-        </p:txBody>
-      </p:sp>
-      <p:sp>
-        <p:nvSpPr>
-          <p:cNvPr id="14" name="TextBox 13">
-            <a:extLst>
-              <a:ext uri="{FF2B5EF4-FFF2-40B4-BE49-F238E27FC236}">
-                <a16:creationId xmlns:a16="http://schemas.microsoft.com/office/drawing/2014/main" id="{15140576-3857-4C6E-9A6D-623E2AFB7383}"/>
-              </a:ext>
-            </a:extLst>
-          </p:cNvPr>
-          <p:cNvSpPr txBox="1"/>
-          <p:nvPr/>
-        </p:nvSpPr>
-        <p:spPr>
-          <a:xfrm>
-            <a:off x="1237129" y="3039036"/>
-            <a:ext cx="8731624" cy="1676934"/>
-          </a:xfrm>
-          <a:prstGeom prst="rect">
-            <a:avLst/>
-          </a:prstGeom>
-          <a:noFill/>
-        </p:spPr>
-        <p:txBody>
-          <a:bodyPr wrap="square" rtlCol="0">
-            <a:spAutoFit/>
-          </a:bodyPr>
-          <a:lstStyle/>
-          <a:p>
-            <a:pPr marL="285750" indent="-285750">
-              <a:lnSpc>
-                <a:spcPct val="200000"/>
-              </a:lnSpc>
-              <a:buFontTx/>
-              <a:buChar char="-"/>
-            </a:pPr>
-            <a:r>
-              <a:rPr lang="en-US" dirty="0">
-                <a:solidFill>
-                  <a:srgbClr val="2D3846"/>
-                </a:solidFill>
-                <a:latin typeface="Fira Sans" panose="020B0604020202020204" pitchFamily="34" charset="0"/>
-              </a:rPr>
-              <a:t>Unit tests focus on one small part of your app at a time. They make sure that each little bit (like a button or a message, React component, a helper function</a:t>
-            </a:r>
-            <a:r>
-              <a:rPr lang="en-US" b="0" i="0" dirty="0">
-                <a:solidFill>
-                  <a:srgbClr val="374151"/>
-                </a:solidFill>
-                <a:effectLst/>
-                <a:latin typeface="Source Serif 4"/>
-              </a:rPr>
-              <a:t>, </a:t>
-            </a:r>
-            <a:r>
-              <a:rPr lang="en-US" dirty="0">
-                <a:solidFill>
-                  <a:srgbClr val="2D3846"/>
-                </a:solidFill>
-                <a:latin typeface="Fira Sans" panose="020B0604020202020204" pitchFamily="34" charset="0"/>
-              </a:rPr>
-              <a:t>or any other JavaScript module ) works right on its own.</a:t>
-            </a:r>
-            <a:endParaRPr lang="en-US" dirty="0"/>
-          </a:p>
-        </p:txBody>
-      </p:sp>
-    </p:spTree>
-    <p:extLst>
-      <p:ext uri="{BB962C8B-B14F-4D97-AF65-F5344CB8AC3E}">
-        <p14:creationId xmlns:p14="http://schemas.microsoft.com/office/powerpoint/2010/main" val="919311975"/>
-      </p:ext>
-    </p:extLst>
-  </p:cSld>
-  <p:clrMapOvr>
-    <a:masterClrMapping/>
-  </p:clrMapOvr>
-  <mc:AlternateContent xmlns:mc="http://schemas.openxmlformats.org/markup-compatibility/2006" xmlns:p14="http://schemas.microsoft.com/office/powerpoint/2010/main">
-    <mc:Choice Requires="p14">
-      <p:transition spd="slow" p14:dur="800">
-        <p14:flythrough/>
-      </p:transition>
-    </mc:Choice>
-    <mc:Fallback xmlns="">
-      <p:transition spd="slow">
-        <p:fade/>
-      </p:transition>
-    </mc:Fallback>
-  </mc:AlternateContent>
-</p:sld>
-</file>
-
 <file path=ppt/slides/slide39.xml><?xml version="1.0" encoding="utf-8"?>
 <p:sld xmlns:a="http://schemas.openxmlformats.org/drawingml/2006/main" xmlns:r="http://schemas.openxmlformats.org/officeDocument/2006/relationships" xmlns:p="http://schemas.openxmlformats.org/presentationml/2006/main">
   <p:cSld>
@@ -19253,21 +19389,27 @@
           <a:lstStyle/>
           <a:p>
             <a:r>
-              <a:rPr lang="en-US" sz="3200" b="1" i="1" dirty="0">
+              <a:rPr lang="fr-FR" sz="3200" b="1" i="1" dirty="0" err="1">
                 <a:solidFill>
                   <a:srgbClr val="572AD7"/>
                 </a:solidFill>
                 <a:latin typeface="Montserrat"/>
-              </a:rPr>
-              <a:t>What to test in Unit Testing </a:t>
-            </a:r>
-          </a:p>
-          <a:p>
-            <a:endParaRPr lang="en-GB" sz="3200" b="1" i="1" dirty="0">
+                <a:ea typeface="Montserrat" charset="0"/>
+                <a:cs typeface="Montserrat" charset="0"/>
+                <a:sym typeface="Lato"/>
+              </a:rPr>
+              <a:t>Definition</a:t>
+            </a:r>
+            <a:endParaRPr lang="en-GB" sz="2400" dirty="0">
               <a:solidFill>
-                <a:srgbClr val="572AD7"/>
+                <a:schemeClr val="tx1">
+                  <a:lumMod val="65000"/>
+                  <a:lumOff val="35000"/>
+                </a:schemeClr>
               </a:solidFill>
-              <a:latin typeface="Montserrat"/>
+              <a:latin typeface="Montserrat" charset="0"/>
+              <a:ea typeface="Montserrat" charset="0"/>
+              <a:cs typeface="Montserrat" charset="0"/>
             </a:endParaRPr>
           </a:p>
           <a:p>
@@ -19302,8 +19444,8 @@
         </p:nvSpPr>
         <p:spPr>
           <a:xfrm>
-            <a:off x="1255058" y="2940424"/>
-            <a:ext cx="8731624" cy="2784737"/>
+            <a:off x="1237129" y="3039036"/>
+            <a:ext cx="8731624" cy="1676934"/>
           </a:xfrm>
           <a:prstGeom prst="rect">
             <a:avLst/>
@@ -19316,127 +19458,49 @@
           </a:bodyPr>
           <a:lstStyle/>
           <a:p>
-            <a:pPr algn="l">
+            <a:pPr marL="285750" indent="-285750">
               <a:lnSpc>
                 <a:spcPct val="200000"/>
               </a:lnSpc>
-              <a:buFont typeface="Arial" panose="020B0604020202020204" pitchFamily="34" charset="0"/>
-              <a:buChar char="•"/>
+              <a:buFontTx/>
+              <a:buChar char="-"/>
             </a:pPr>
             <a:r>
-              <a:rPr lang="en-US" b="1" i="0" dirty="0">
+              <a:rPr lang="en-US" dirty="0">
+                <a:solidFill>
+                  <a:srgbClr val="2D3846"/>
+                </a:solidFill>
+                <a:latin typeface="Fira Sans" panose="020B0604020202020204" pitchFamily="34" charset="0"/>
+              </a:rPr>
+              <a:t>Unit tests focus on one small part of your app at a time. They make sure that each little bit (like a button or a message, React component, a helper function</a:t>
+            </a:r>
+            <a:r>
+              <a:rPr lang="en-US" b="0" i="0" dirty="0">
                 <a:solidFill>
                   <a:srgbClr val="374151"/>
                 </a:solidFill>
                 <a:effectLst/>
                 <a:latin typeface="Source Serif 4"/>
               </a:rPr>
-              <a:t> Component rendering: </a:t>
-            </a:r>
-            <a:r>
-              <a:rPr lang="en-US" b="0" i="0" dirty="0">
-                <a:solidFill>
-                  <a:srgbClr val="374151"/>
-                </a:solidFill>
-                <a:effectLst/>
-                <a:latin typeface="Source Serif 4"/>
-              </a:rPr>
-              <a:t>Ensure that the component renders correctly under different conditions.</a:t>
-            </a:r>
-          </a:p>
-          <a:p>
-            <a:pPr algn="l">
-              <a:lnSpc>
-                <a:spcPct val="200000"/>
-              </a:lnSpc>
-              <a:buFont typeface="Arial" panose="020B0604020202020204" pitchFamily="34" charset="0"/>
-              <a:buChar char="•"/>
-            </a:pPr>
-            <a:r>
-              <a:rPr lang="en-US" b="1" i="0" dirty="0">
-                <a:solidFill>
-                  <a:srgbClr val="374151"/>
-                </a:solidFill>
-                <a:effectLst/>
-                <a:latin typeface="Source Serif 4"/>
-              </a:rPr>
-              <a:t> State and props</a:t>
-            </a:r>
-            <a:r>
-              <a:rPr lang="en-US" b="0" i="0" dirty="0">
-                <a:solidFill>
-                  <a:srgbClr val="374151"/>
-                </a:solidFill>
-                <a:effectLst/>
-                <a:latin typeface="Source Serif 4"/>
-              </a:rPr>
-              <a:t>: Test the state changes and the props being received.</a:t>
-            </a:r>
-          </a:p>
-          <a:p>
-            <a:pPr algn="l">
-              <a:lnSpc>
-                <a:spcPct val="200000"/>
-              </a:lnSpc>
-              <a:buFont typeface="Arial" panose="020B0604020202020204" pitchFamily="34" charset="0"/>
-              <a:buChar char="•"/>
-            </a:pPr>
-            <a:r>
-              <a:rPr lang="en-US" b="1" i="0" dirty="0">
-                <a:solidFill>
-                  <a:srgbClr val="374151"/>
-                </a:solidFill>
-                <a:effectLst/>
-                <a:latin typeface="Source Serif 4"/>
-              </a:rPr>
-              <a:t> Event handling: </a:t>
-            </a:r>
-            <a:r>
-              <a:rPr lang="en-US" b="0" i="0" dirty="0">
-                <a:solidFill>
-                  <a:srgbClr val="374151"/>
-                </a:solidFill>
-                <a:effectLst/>
-                <a:latin typeface="Source Serif 4"/>
-              </a:rPr>
-              <a:t>Check if the events (like click, and input change) are handled correctly.</a:t>
-            </a:r>
-          </a:p>
-          <a:p>
-            <a:pPr algn="l">
-              <a:lnSpc>
-                <a:spcPct val="200000"/>
-              </a:lnSpc>
-              <a:buFont typeface="Arial" panose="020B0604020202020204" pitchFamily="34" charset="0"/>
-              <a:buChar char="•"/>
-            </a:pPr>
-            <a:r>
-              <a:rPr lang="en-US" b="1" i="0" dirty="0">
-                <a:solidFill>
-                  <a:srgbClr val="374151"/>
-                </a:solidFill>
-                <a:effectLst/>
-                <a:latin typeface="Source Serif 4"/>
-              </a:rPr>
-              <a:t> Lifecycle methods</a:t>
-            </a:r>
-            <a:r>
-              <a:rPr lang="en-US" b="0" i="0" dirty="0">
-                <a:solidFill>
-                  <a:srgbClr val="374151"/>
-                </a:solidFill>
-                <a:effectLst/>
-                <a:latin typeface="Source Serif 4"/>
-              </a:rPr>
-              <a:t>: Validate if the lifecycle methods are working as expected.</a:t>
-            </a:r>
+              <a:t>, </a:t>
+            </a:r>
+            <a:r>
+              <a:rPr lang="en-US" dirty="0">
+                <a:solidFill>
+                  <a:srgbClr val="2D3846"/>
+                </a:solidFill>
+                <a:latin typeface="Fira Sans" panose="020B0604020202020204" pitchFamily="34" charset="0"/>
+              </a:rPr>
+              <a:t>or any other JavaScript module ) works right on its own.</a:t>
+            </a:r>
+            <a:endParaRPr lang="en-US" dirty="0"/>
           </a:p>
         </p:txBody>
       </p:sp>
     </p:spTree>
     <p:extLst>
       <p:ext uri="{BB962C8B-B14F-4D97-AF65-F5344CB8AC3E}">
-        <p14:creationId xmlns:p14="http://schemas.microsoft.com/office/powerpoint/2010/main" val="990884458"/>
+        <p14:creationId xmlns:p14="http://schemas.microsoft.com/office/powerpoint/2010/main" val="919311975"/>
       </p:ext>
     </p:extLst>
   </p:cSld>
@@ -19859,7 +19923,7 @@
         <p:spPr>
           <a:xfrm>
             <a:off x="3224212" y="1263625"/>
-            <a:ext cx="6450106" cy="1237528"/>
+            <a:ext cx="6332164" cy="746175"/>
           </a:xfrm>
           <a:prstGeom prst="rect">
             <a:avLst/>
@@ -19882,18 +19946,7 @@
                 </a:solidFill>
                 <a:latin typeface="Montserrat"/>
               </a:rPr>
-              <a:t>How to perform Unit testing of React Apps using JEST?</a:t>
-            </a:r>
-          </a:p>
-          <a:p>
-            <a:r>
-              <a:rPr lang="en-US" sz="3200" b="1" i="1" dirty="0">
-                <a:solidFill>
-                  <a:srgbClr val="572AD7"/>
-                </a:solidFill>
-                <a:latin typeface="Montserrat"/>
-              </a:rPr>
-              <a:t> </a:t>
+              <a:t>What to test in Unit Testing </a:t>
             </a:r>
           </a:p>
           <a:p>
@@ -19936,8 +19989,8 @@
         </p:nvSpPr>
         <p:spPr>
           <a:xfrm>
-            <a:off x="1210234" y="2743200"/>
-            <a:ext cx="8731624" cy="3373359"/>
+            <a:off x="1255058" y="2940424"/>
+            <a:ext cx="8731624" cy="2784737"/>
           </a:xfrm>
           <a:prstGeom prst="rect">
             <a:avLst/>
@@ -19952,7 +20005,7 @@
           <a:p>
             <a:pPr algn="l">
               <a:lnSpc>
-                <a:spcPct val="150000"/>
+                <a:spcPct val="200000"/>
               </a:lnSpc>
               <a:buFont typeface="Arial" panose="020B0604020202020204" pitchFamily="34" charset="0"/>
               <a:buChar char="•"/>
@@ -19965,7 +20018,7 @@
                 <a:effectLst/>
                 <a:latin typeface="Source Serif 4"/>
               </a:rPr>
-              <a:t> Identify what to test: </a:t>
+              <a:t> Component rendering: </a:t>
             </a:r>
             <a:r>
               <a:rPr lang="en-US" b="0" i="0" dirty="0">
@@ -19975,13 +20028,13 @@
                 <a:effectLst/>
                 <a:latin typeface="Source Serif 4"/>
               </a:rPr>
-              <a:t>Determine the functionality that needs to be tested. This could be a function, a component, or an entire feature.</a:t>
+              <a:t>Ensure that the component renders correctly under different conditions.</a:t>
             </a:r>
           </a:p>
           <a:p>
             <a:pPr algn="l">
               <a:lnSpc>
-                <a:spcPct val="150000"/>
+                <a:spcPct val="200000"/>
               </a:lnSpc>
               <a:buFont typeface="Arial" panose="020B0604020202020204" pitchFamily="34" charset="0"/>
               <a:buChar char="•"/>
@@ -19994,7 +20047,7 @@
                 <a:effectLst/>
                 <a:latin typeface="Source Serif 4"/>
               </a:rPr>
-              <a:t> Write the test: </a:t>
+              <a:t> State and props</a:t>
             </a:r>
             <a:r>
               <a:rPr lang="en-US" b="0" i="0" dirty="0">
@@ -20004,13 +20057,13 @@
                 <a:effectLst/>
                 <a:latin typeface="Source Serif 4"/>
               </a:rPr>
-              <a:t>Write a test that checks if the identified functionality works as expected. This involves setting up the necessary environment, executing the functionality, and checking the result.</a:t>
+              <a:t>: Test the state changes and the props being received.</a:t>
             </a:r>
           </a:p>
           <a:p>
             <a:pPr algn="l">
               <a:lnSpc>
-                <a:spcPct val="150000"/>
+                <a:spcPct val="200000"/>
               </a:lnSpc>
               <a:buFont typeface="Arial" panose="020B0604020202020204" pitchFamily="34" charset="0"/>
               <a:buChar char="•"/>
@@ -20023,7 +20076,7 @@
                 <a:effectLst/>
                 <a:latin typeface="Source Serif 4"/>
               </a:rPr>
-              <a:t> Run the test: </a:t>
+              <a:t> Event handling: </a:t>
             </a:r>
             <a:r>
               <a:rPr lang="en-US" b="0" i="0" dirty="0">
@@ -20033,13 +20086,13 @@
                 <a:effectLst/>
                 <a:latin typeface="Source Serif 4"/>
               </a:rPr>
-              <a:t>Use Jest to run the test and check if it passes or fails.</a:t>
+              <a:t>Check if the events (like click, and input change) are handled correctly.</a:t>
             </a:r>
           </a:p>
           <a:p>
             <a:pPr algn="l">
               <a:lnSpc>
-                <a:spcPct val="150000"/>
+                <a:spcPct val="200000"/>
               </a:lnSpc>
               <a:buFont typeface="Arial" panose="020B0604020202020204" pitchFamily="34" charset="0"/>
               <a:buChar char="•"/>
@@ -20052,7 +20105,7 @@
                 <a:effectLst/>
                 <a:latin typeface="Source Serif 4"/>
               </a:rPr>
-              <a:t> Analyze the result: </a:t>
+              <a:t> Lifecycle methods</a:t>
             </a:r>
             <a:r>
               <a:rPr lang="en-US" b="0" i="0" dirty="0">
@@ -20062,7 +20115,7 @@
                 <a:effectLst/>
                 <a:latin typeface="Source Serif 4"/>
               </a:rPr>
-              <a:t>If the test fails, analyze why it failed and fix the issue. If it passes, move on to the next functionality to test.</a:t>
+              <a:t>: Validate if the lifecycle methods are working as expected.</a:t>
             </a:r>
           </a:p>
         </p:txBody>
@@ -20070,7 +20123,7 @@
     </p:spTree>
     <p:extLst>
       <p:ext uri="{BB962C8B-B14F-4D97-AF65-F5344CB8AC3E}">
-        <p14:creationId xmlns:p14="http://schemas.microsoft.com/office/powerpoint/2010/main" val="359792668"/>
+        <p14:creationId xmlns:p14="http://schemas.microsoft.com/office/powerpoint/2010/main" val="990884458"/>
       </p:ext>
     </p:extLst>
   </p:cSld>
@@ -20171,6 +20224,332 @@
               <a:rPr lang="en-US" sz="2800" spc="300" dirty="0">
                 <a:latin typeface="Zilla Slab"/>
               </a:rPr>
+              <a:t>Unit Testing</a:t>
+            </a:r>
+          </a:p>
+        </p:txBody>
+      </p:sp>
+      <p:sp>
+        <p:nvSpPr>
+          <p:cNvPr id="9" name="Google Shape;121;g6d93b6fd7c_0_0"/>
+          <p:cNvSpPr txBox="1"/>
+          <p:nvPr/>
+        </p:nvSpPr>
+        <p:spPr>
+          <a:xfrm>
+            <a:off x="3224212" y="1263625"/>
+            <a:ext cx="6450106" cy="1237528"/>
+          </a:xfrm>
+          <a:prstGeom prst="rect">
+            <a:avLst/>
+          </a:prstGeom>
+          <a:noFill/>
+          <a:ln>
+            <a:noFill/>
+          </a:ln>
+        </p:spPr>
+        <p:txBody>
+          <a:bodyPr spcFirstLastPara="1" wrap="square" lIns="91425" tIns="91425" rIns="91425" bIns="91425" anchor="t" anchorCtr="0">
+            <a:noAutofit/>
+          </a:bodyPr>
+          <a:lstStyle/>
+          <a:p>
+            <a:r>
+              <a:rPr lang="en-US" sz="3200" b="1" i="1" dirty="0">
+                <a:solidFill>
+                  <a:srgbClr val="572AD7"/>
+                </a:solidFill>
+                <a:latin typeface="Montserrat"/>
+              </a:rPr>
+              <a:t>How to perform Unit testing of React Apps using JEST?</a:t>
+            </a:r>
+          </a:p>
+          <a:p>
+            <a:r>
+              <a:rPr lang="en-US" sz="3200" b="1" i="1" dirty="0">
+                <a:solidFill>
+                  <a:srgbClr val="572AD7"/>
+                </a:solidFill>
+                <a:latin typeface="Montserrat"/>
+              </a:rPr>
+              <a:t> </a:t>
+            </a:r>
+          </a:p>
+          <a:p>
+            <a:endParaRPr lang="en-GB" sz="3200" b="1" i="1" dirty="0">
+              <a:solidFill>
+                <a:srgbClr val="572AD7"/>
+              </a:solidFill>
+              <a:latin typeface="Montserrat"/>
+            </a:endParaRPr>
+          </a:p>
+          <a:p>
+            <a:pPr marL="0" lvl="0" indent="0" algn="l" rtl="0">
+              <a:spcBef>
+                <a:spcPts val="0"/>
+              </a:spcBef>
+              <a:spcAft>
+                <a:spcPts val="0"/>
+              </a:spcAft>
+              <a:buNone/>
+            </a:pPr>
+            <a:endParaRPr lang="en-GB" sz="2800" dirty="0">
+              <a:latin typeface="Montserrat" charset="0"/>
+              <a:ea typeface="Montserrat" charset="0"/>
+              <a:cs typeface="Montserrat" charset="0"/>
+            </a:endParaRPr>
+          </a:p>
+        </p:txBody>
+      </p:sp>
+      <p:sp>
+        <p:nvSpPr>
+          <p:cNvPr id="14" name="TextBox 13">
+            <a:extLst>
+              <a:ext uri="{FF2B5EF4-FFF2-40B4-BE49-F238E27FC236}">
+                <a16:creationId xmlns:a16="http://schemas.microsoft.com/office/drawing/2014/main" id="{15140576-3857-4C6E-9A6D-623E2AFB7383}"/>
+              </a:ext>
+            </a:extLst>
+          </p:cNvPr>
+          <p:cNvSpPr txBox="1"/>
+          <p:nvPr/>
+        </p:nvSpPr>
+        <p:spPr>
+          <a:xfrm>
+            <a:off x="1210234" y="2743200"/>
+            <a:ext cx="8731624" cy="3373359"/>
+          </a:xfrm>
+          <a:prstGeom prst="rect">
+            <a:avLst/>
+          </a:prstGeom>
+          <a:noFill/>
+        </p:spPr>
+        <p:txBody>
+          <a:bodyPr wrap="square" rtlCol="0">
+            <a:spAutoFit/>
+          </a:bodyPr>
+          <a:lstStyle/>
+          <a:p>
+            <a:pPr algn="l">
+              <a:lnSpc>
+                <a:spcPct val="150000"/>
+              </a:lnSpc>
+              <a:buFont typeface="Arial" panose="020B0604020202020204" pitchFamily="34" charset="0"/>
+              <a:buChar char="•"/>
+            </a:pPr>
+            <a:r>
+              <a:rPr lang="en-US" b="1" i="0" dirty="0">
+                <a:solidFill>
+                  <a:srgbClr val="374151"/>
+                </a:solidFill>
+                <a:effectLst/>
+                <a:latin typeface="Source Serif 4"/>
+              </a:rPr>
+              <a:t> Identify what to test: </a:t>
+            </a:r>
+            <a:r>
+              <a:rPr lang="en-US" b="0" i="0" dirty="0">
+                <a:solidFill>
+                  <a:srgbClr val="374151"/>
+                </a:solidFill>
+                <a:effectLst/>
+                <a:latin typeface="Source Serif 4"/>
+              </a:rPr>
+              <a:t>Determine the functionality that needs to be tested. This could be a function, a component, or an entire feature.</a:t>
+            </a:r>
+          </a:p>
+          <a:p>
+            <a:pPr algn="l">
+              <a:lnSpc>
+                <a:spcPct val="150000"/>
+              </a:lnSpc>
+              <a:buFont typeface="Arial" panose="020B0604020202020204" pitchFamily="34" charset="0"/>
+              <a:buChar char="•"/>
+            </a:pPr>
+            <a:r>
+              <a:rPr lang="en-US" b="1" i="0" dirty="0">
+                <a:solidFill>
+                  <a:srgbClr val="374151"/>
+                </a:solidFill>
+                <a:effectLst/>
+                <a:latin typeface="Source Serif 4"/>
+              </a:rPr>
+              <a:t> Write the test: </a:t>
+            </a:r>
+            <a:r>
+              <a:rPr lang="en-US" b="0" i="0" dirty="0">
+                <a:solidFill>
+                  <a:srgbClr val="374151"/>
+                </a:solidFill>
+                <a:effectLst/>
+                <a:latin typeface="Source Serif 4"/>
+              </a:rPr>
+              <a:t>Write a test that checks if the identified functionality works as expected. This involves setting up the necessary environment, executing the functionality, and checking the result.</a:t>
+            </a:r>
+          </a:p>
+          <a:p>
+            <a:pPr algn="l">
+              <a:lnSpc>
+                <a:spcPct val="150000"/>
+              </a:lnSpc>
+              <a:buFont typeface="Arial" panose="020B0604020202020204" pitchFamily="34" charset="0"/>
+              <a:buChar char="•"/>
+            </a:pPr>
+            <a:r>
+              <a:rPr lang="en-US" b="1" i="0" dirty="0">
+                <a:solidFill>
+                  <a:srgbClr val="374151"/>
+                </a:solidFill>
+                <a:effectLst/>
+                <a:latin typeface="Source Serif 4"/>
+              </a:rPr>
+              <a:t> Run the test: </a:t>
+            </a:r>
+            <a:r>
+              <a:rPr lang="en-US" b="0" i="0" dirty="0">
+                <a:solidFill>
+                  <a:srgbClr val="374151"/>
+                </a:solidFill>
+                <a:effectLst/>
+                <a:latin typeface="Source Serif 4"/>
+              </a:rPr>
+              <a:t>Use Jest to run the test and check if it passes or fails.</a:t>
+            </a:r>
+          </a:p>
+          <a:p>
+            <a:pPr algn="l">
+              <a:lnSpc>
+                <a:spcPct val="150000"/>
+              </a:lnSpc>
+              <a:buFont typeface="Arial" panose="020B0604020202020204" pitchFamily="34" charset="0"/>
+              <a:buChar char="•"/>
+            </a:pPr>
+            <a:r>
+              <a:rPr lang="en-US" b="1" i="0" dirty="0">
+                <a:solidFill>
+                  <a:srgbClr val="374151"/>
+                </a:solidFill>
+                <a:effectLst/>
+                <a:latin typeface="Source Serif 4"/>
+              </a:rPr>
+              <a:t> Analyze the result: </a:t>
+            </a:r>
+            <a:r>
+              <a:rPr lang="en-US" b="0" i="0" dirty="0">
+                <a:solidFill>
+                  <a:srgbClr val="374151"/>
+                </a:solidFill>
+                <a:effectLst/>
+                <a:latin typeface="Source Serif 4"/>
+              </a:rPr>
+              <a:t>If the test fails, analyze why it failed and fix the issue. If it passes, move on to the next functionality to test.</a:t>
+            </a:r>
+          </a:p>
+        </p:txBody>
+      </p:sp>
+    </p:spTree>
+    <p:extLst>
+      <p:ext uri="{BB962C8B-B14F-4D97-AF65-F5344CB8AC3E}">
+        <p14:creationId xmlns:p14="http://schemas.microsoft.com/office/powerpoint/2010/main" val="359792668"/>
+      </p:ext>
+    </p:extLst>
+  </p:cSld>
+  <p:clrMapOvr>
+    <a:masterClrMapping/>
+  </p:clrMapOvr>
+  <mc:AlternateContent xmlns:mc="http://schemas.openxmlformats.org/markup-compatibility/2006" xmlns:p14="http://schemas.microsoft.com/office/powerpoint/2010/main">
+    <mc:Choice Requires="p14">
+      <p:transition spd="slow" p14:dur="800">
+        <p14:flythrough/>
+      </p:transition>
+    </mc:Choice>
+    <mc:Fallback xmlns="">
+      <p:transition spd="slow">
+        <p:fade/>
+      </p:transition>
+    </mc:Fallback>
+  </mc:AlternateContent>
+</p:sld>
+</file>
+
+<file path=ppt/slides/slide42.xml><?xml version="1.0" encoding="utf-8"?>
+<p:sld xmlns:a="http://schemas.openxmlformats.org/drawingml/2006/main" xmlns:r="http://schemas.openxmlformats.org/officeDocument/2006/relationships" xmlns:p="http://schemas.openxmlformats.org/presentationml/2006/main">
+  <p:cSld>
+    <p:spTree>
+      <p:nvGrpSpPr>
+        <p:cNvPr id="1" name=""/>
+        <p:cNvGrpSpPr/>
+        <p:nvPr/>
+      </p:nvGrpSpPr>
+      <p:grpSpPr>
+        <a:xfrm>
+          <a:off x="0" y="0"/>
+          <a:ext cx="0" cy="0"/>
+          <a:chOff x="0" y="0"/>
+          <a:chExt cx="0" cy="0"/>
+        </a:xfrm>
+      </p:grpSpPr>
+      <p:pic>
+        <p:nvPicPr>
+          <p:cNvPr id="6" name="Image 5">
+            <a:extLst>
+              <a:ext uri="{FF2B5EF4-FFF2-40B4-BE49-F238E27FC236}">
+                <a16:creationId xmlns:a16="http://schemas.microsoft.com/office/drawing/2014/main" id="{85C1BEF6-C4FA-794F-9003-5D49864298CC}"/>
+              </a:ext>
+            </a:extLst>
+          </p:cNvPr>
+          <p:cNvPicPr>
+            <a:picLocks noChangeAspect="1"/>
+          </p:cNvPicPr>
+          <p:nvPr/>
+        </p:nvPicPr>
+        <p:blipFill>
+          <a:blip r:embed="rId2"/>
+          <a:stretch>
+            <a:fillRect/>
+          </a:stretch>
+        </p:blipFill>
+        <p:spPr>
+          <a:xfrm>
+            <a:off x="11128881" y="4159"/>
+            <a:ext cx="1064878" cy="1706406"/>
+          </a:xfrm>
+          <a:prstGeom prst="rect">
+            <a:avLst/>
+          </a:prstGeom>
+        </p:spPr>
+      </p:pic>
+      <p:sp>
+        <p:nvSpPr>
+          <p:cNvPr id="7" name="Titre 1">
+            <a:extLst>
+              <a:ext uri="{FF2B5EF4-FFF2-40B4-BE49-F238E27FC236}">
+                <a16:creationId xmlns:a16="http://schemas.microsoft.com/office/drawing/2014/main" id="{B50329F0-7FAB-5A46-8618-A4B121772237}"/>
+              </a:ext>
+            </a:extLst>
+          </p:cNvPr>
+          <p:cNvSpPr>
+            <a:spLocks noGrp="1"/>
+          </p:cNvSpPr>
+          <p:nvPr>
+            <p:ph type="title"/>
+          </p:nvPr>
+        </p:nvSpPr>
+        <p:spPr>
+          <a:xfrm>
+            <a:off x="838200" y="567915"/>
+            <a:ext cx="6450106" cy="365125"/>
+          </a:xfrm>
+        </p:spPr>
+        <p:txBody>
+          <a:bodyPr>
+            <a:noAutofit/>
+          </a:bodyPr>
+          <a:lstStyle/>
+          <a:p>
+            <a:r>
+              <a:rPr lang="en-US" sz="2800" spc="300" dirty="0">
+                <a:latin typeface="Zilla Slab"/>
+              </a:rPr>
               <a:t>Integration Tests</a:t>
             </a:r>
           </a:p>
@@ -20306,7 +20685,7 @@
 </p:sld>
 </file>
 
-<file path=ppt/slides/slide42.xml><?xml version="1.0" encoding="utf-8"?>
+<file path=ppt/slides/slide43.xml><?xml version="1.0" encoding="utf-8"?>
 <p:sld xmlns:a="http://schemas.openxmlformats.org/drawingml/2006/main" xmlns:r="http://schemas.openxmlformats.org/officeDocument/2006/relationships" xmlns:p="http://schemas.openxmlformats.org/presentationml/2006/main">
   <p:cSld>
     <p:spTree>
@@ -20525,230 +20904,6 @@
 </p:sld>
 </file>
 
-<file path=ppt/slides/slide43.xml><?xml version="1.0" encoding="utf-8"?>
-<p:sld xmlns:a="http://schemas.openxmlformats.org/drawingml/2006/main" xmlns:r="http://schemas.openxmlformats.org/officeDocument/2006/relationships" xmlns:p="http://schemas.openxmlformats.org/presentationml/2006/main">
-  <p:cSld>
-    <p:spTree>
-      <p:nvGrpSpPr>
-        <p:cNvPr id="1" name=""/>
-        <p:cNvGrpSpPr/>
-        <p:nvPr/>
-      </p:nvGrpSpPr>
-      <p:grpSpPr>
-        <a:xfrm>
-          <a:off x="0" y="0"/>
-          <a:ext cx="0" cy="0"/>
-          <a:chOff x="0" y="0"/>
-          <a:chExt cx="0" cy="0"/>
-        </a:xfrm>
-      </p:grpSpPr>
-      <p:pic>
-        <p:nvPicPr>
-          <p:cNvPr id="6" name="Image 5">
-            <a:extLst>
-              <a:ext uri="{FF2B5EF4-FFF2-40B4-BE49-F238E27FC236}">
-                <a16:creationId xmlns:a16="http://schemas.microsoft.com/office/drawing/2014/main" id="{85C1BEF6-C4FA-794F-9003-5D49864298CC}"/>
-              </a:ext>
-            </a:extLst>
-          </p:cNvPr>
-          <p:cNvPicPr>
-            <a:picLocks noChangeAspect="1"/>
-          </p:cNvPicPr>
-          <p:nvPr/>
-        </p:nvPicPr>
-        <p:blipFill>
-          <a:blip r:embed="rId2"/>
-          <a:stretch>
-            <a:fillRect/>
-          </a:stretch>
-        </p:blipFill>
-        <p:spPr>
-          <a:xfrm>
-            <a:off x="11128881" y="4159"/>
-            <a:ext cx="1064878" cy="1706406"/>
-          </a:xfrm>
-          <a:prstGeom prst="rect">
-            <a:avLst/>
-          </a:prstGeom>
-        </p:spPr>
-      </p:pic>
-      <p:sp>
-        <p:nvSpPr>
-          <p:cNvPr id="7" name="Titre 1">
-            <a:extLst>
-              <a:ext uri="{FF2B5EF4-FFF2-40B4-BE49-F238E27FC236}">
-                <a16:creationId xmlns:a16="http://schemas.microsoft.com/office/drawing/2014/main" id="{B50329F0-7FAB-5A46-8618-A4B121772237}"/>
-              </a:ext>
-            </a:extLst>
-          </p:cNvPr>
-          <p:cNvSpPr>
-            <a:spLocks noGrp="1"/>
-          </p:cNvSpPr>
-          <p:nvPr>
-            <p:ph type="title"/>
-          </p:nvPr>
-        </p:nvSpPr>
-        <p:spPr>
-          <a:xfrm>
-            <a:off x="838200" y="567915"/>
-            <a:ext cx="6450106" cy="365125"/>
-          </a:xfrm>
-        </p:spPr>
-        <p:txBody>
-          <a:bodyPr>
-            <a:noAutofit/>
-          </a:bodyPr>
-          <a:lstStyle/>
-          <a:p>
-            <a:r>
-              <a:rPr lang="en-US" sz="2800" spc="300" dirty="0">
-                <a:latin typeface="Zilla Slab"/>
-              </a:rPr>
-              <a:t>Integration Tests</a:t>
-            </a:r>
-          </a:p>
-        </p:txBody>
-      </p:sp>
-      <p:sp>
-        <p:nvSpPr>
-          <p:cNvPr id="9" name="Google Shape;121;g6d93b6fd7c_0_0"/>
-          <p:cNvSpPr txBox="1"/>
-          <p:nvPr/>
-        </p:nvSpPr>
-        <p:spPr>
-          <a:xfrm>
-            <a:off x="3224212" y="1263625"/>
-            <a:ext cx="6332164" cy="746175"/>
-          </a:xfrm>
-          <a:prstGeom prst="rect">
-            <a:avLst/>
-          </a:prstGeom>
-          <a:noFill/>
-          <a:ln>
-            <a:noFill/>
-          </a:ln>
-        </p:spPr>
-        <p:txBody>
-          <a:bodyPr spcFirstLastPara="1" wrap="square" lIns="91425" tIns="91425" rIns="91425" bIns="91425" anchor="t" anchorCtr="0">
-            <a:noAutofit/>
-          </a:bodyPr>
-          <a:lstStyle/>
-          <a:p>
-            <a:r>
-              <a:rPr lang="fr-FR" sz="3200" b="1" i="1" dirty="0" err="1">
-                <a:solidFill>
-                  <a:srgbClr val="572AD7"/>
-                </a:solidFill>
-                <a:latin typeface="Montserrat"/>
-                <a:ea typeface="Montserrat" charset="0"/>
-                <a:cs typeface="Montserrat" charset="0"/>
-                <a:sym typeface="Lato"/>
-              </a:rPr>
-              <a:t>Definition</a:t>
-            </a:r>
-            <a:endParaRPr lang="en-GB" sz="2400" dirty="0">
-              <a:solidFill>
-                <a:schemeClr val="tx1">
-                  <a:lumMod val="65000"/>
-                  <a:lumOff val="35000"/>
-                </a:schemeClr>
-              </a:solidFill>
-              <a:latin typeface="Montserrat" charset="0"/>
-              <a:ea typeface="Montserrat" charset="0"/>
-              <a:cs typeface="Montserrat" charset="0"/>
-            </a:endParaRPr>
-          </a:p>
-          <a:p>
-            <a:pPr marL="0" lvl="0" indent="0" algn="l" rtl="0">
-              <a:spcBef>
-                <a:spcPts val="0"/>
-              </a:spcBef>
-              <a:spcAft>
-                <a:spcPts val="0"/>
-              </a:spcAft>
-              <a:buNone/>
-            </a:pPr>
-            <a:endParaRPr lang="en-GB" sz="2800" dirty="0">
-              <a:latin typeface="Montserrat" charset="0"/>
-              <a:ea typeface="Montserrat" charset="0"/>
-              <a:cs typeface="Montserrat" charset="0"/>
-            </a:endParaRPr>
-          </a:p>
-        </p:txBody>
-      </p:sp>
-      <p:sp>
-        <p:nvSpPr>
-          <p:cNvPr id="14" name="TextBox 13">
-            <a:extLst>
-              <a:ext uri="{FF2B5EF4-FFF2-40B4-BE49-F238E27FC236}">
-                <a16:creationId xmlns:a16="http://schemas.microsoft.com/office/drawing/2014/main" id="{15140576-3857-4C6E-9A6D-623E2AFB7383}"/>
-              </a:ext>
-            </a:extLst>
-          </p:cNvPr>
-          <p:cNvSpPr txBox="1"/>
-          <p:nvPr/>
-        </p:nvSpPr>
-        <p:spPr>
-          <a:xfrm>
-            <a:off x="1237129" y="3039036"/>
-            <a:ext cx="8731624" cy="1676934"/>
-          </a:xfrm>
-          <a:prstGeom prst="rect">
-            <a:avLst/>
-          </a:prstGeom>
-          <a:noFill/>
-        </p:spPr>
-        <p:txBody>
-          <a:bodyPr wrap="square" rtlCol="0">
-            <a:spAutoFit/>
-          </a:bodyPr>
-          <a:lstStyle/>
-          <a:p>
-            <a:pPr marL="285750" indent="-285750">
-              <a:lnSpc>
-                <a:spcPct val="200000"/>
-              </a:lnSpc>
-              <a:buFontTx/>
-              <a:buChar char="-"/>
-            </a:pPr>
-            <a:r>
-              <a:rPr lang="en-US" dirty="0">
-                <a:solidFill>
-                  <a:srgbClr val="2D3846"/>
-                </a:solidFill>
-                <a:latin typeface="Fira Sans" panose="020B0604020202020204" pitchFamily="34" charset="0"/>
-              </a:rPr>
-              <a:t>Integration tests look at how different parts of your app work together. They're about making sure that when you put several parts together, they still work right.</a:t>
-            </a:r>
-            <a:endParaRPr lang="en-US" dirty="0"/>
-          </a:p>
-        </p:txBody>
-      </p:sp>
-    </p:spTree>
-    <p:extLst>
-      <p:ext uri="{BB962C8B-B14F-4D97-AF65-F5344CB8AC3E}">
-        <p14:creationId xmlns:p14="http://schemas.microsoft.com/office/powerpoint/2010/main" val="3068097661"/>
-      </p:ext>
-    </p:extLst>
-  </p:cSld>
-  <p:clrMapOvr>
-    <a:masterClrMapping/>
-  </p:clrMapOvr>
-  <mc:AlternateContent xmlns:mc="http://schemas.openxmlformats.org/markup-compatibility/2006" xmlns:p14="http://schemas.microsoft.com/office/powerpoint/2010/main">
-    <mc:Choice Requires="p14">
-      <p:transition spd="slow" p14:dur="800">
-        <p14:flythrough/>
-      </p:transition>
-    </mc:Choice>
-    <mc:Fallback xmlns="">
-      <p:transition spd="slow">
-        <p:fade/>
-      </p:transition>
-    </mc:Fallback>
-  </mc:AlternateContent>
-</p:sld>
-</file>
-
 <file path=ppt/slides/slide44.xml><?xml version="1.0" encoding="utf-8"?>
 <p:sld xmlns:a="http://schemas.openxmlformats.org/drawingml/2006/main" xmlns:r="http://schemas.openxmlformats.org/officeDocument/2006/relationships" xmlns:p="http://schemas.openxmlformats.org/presentationml/2006/main">
   <p:cSld>
@@ -20859,16 +21014,17 @@
           <a:lstStyle/>
           <a:p>
             <a:r>
-              <a:rPr lang="en-US" sz="3200" b="1" i="1" dirty="0">
+              <a:rPr lang="fr-FR" sz="3200" b="1" i="1" dirty="0" err="1">
                 <a:solidFill>
                   <a:srgbClr val="572AD7"/>
                 </a:solidFill>
                 <a:latin typeface="Montserrat"/>
-              </a:rPr>
-              <a:t>Code Coverage</a:t>
-            </a:r>
-          </a:p>
-          <a:p>
+                <a:ea typeface="Montserrat" charset="0"/>
+                <a:cs typeface="Montserrat" charset="0"/>
+                <a:sym typeface="Lato"/>
+              </a:rPr>
+              <a:t>Definition</a:t>
+            </a:r>
             <a:endParaRPr lang="en-GB" sz="2400" dirty="0">
               <a:solidFill>
                 <a:schemeClr val="tx1">
@@ -20935,14 +21091,13 @@
               <a:buChar char="-"/>
             </a:pPr>
             <a:r>
-              <a:rPr lang="en-US" b="0" i="0" dirty="0">
-                <a:solidFill>
-                  <a:srgbClr val="242424"/>
-                </a:solidFill>
-                <a:effectLst/>
-                <a:latin typeface="source-serif-pro"/>
-              </a:rPr>
-              <a:t>Jest comes with built-in code coverage tools that help you understand how much of your codebase is covered by tests. This feature aids in identifying untested areas and improving overall code quality.</a:t>
+              <a:rPr lang="en-US" dirty="0">
+                <a:solidFill>
+                  <a:srgbClr val="2D3846"/>
+                </a:solidFill>
+                <a:latin typeface="Fira Sans" panose="020B0604020202020204" pitchFamily="34" charset="0"/>
+              </a:rPr>
+              <a:t>Integration tests look at how different parts of your app work together. They're about making sure that when you put several parts together, they still work right.</a:t>
             </a:r>
             <a:endParaRPr lang="en-US" dirty="0"/>
           </a:p>
@@ -20951,7 +21106,7 @@
     </p:spTree>
     <p:extLst>
       <p:ext uri="{BB962C8B-B14F-4D97-AF65-F5344CB8AC3E}">
-        <p14:creationId xmlns:p14="http://schemas.microsoft.com/office/powerpoint/2010/main" val="3774172881"/>
+        <p14:creationId xmlns:p14="http://schemas.microsoft.com/office/powerpoint/2010/main" val="3068097661"/>
       </p:ext>
     </p:extLst>
   </p:cSld>
@@ -21137,8 +21292,8 @@
         </p:nvSpPr>
         <p:spPr>
           <a:xfrm>
-            <a:off x="636494" y="2815912"/>
-            <a:ext cx="8731624" cy="2230739"/>
+            <a:off x="1237129" y="3039036"/>
+            <a:ext cx="8731624" cy="1676934"/>
           </a:xfrm>
           <a:prstGeom prst="rect">
             <a:avLst/>
@@ -21151,10 +21306,12 @@
           </a:bodyPr>
           <a:lstStyle/>
           <a:p>
-            <a:pPr>
+            <a:pPr marL="285750" indent="-285750">
               <a:lnSpc>
                 <a:spcPct val="200000"/>
               </a:lnSpc>
+              <a:buFontTx/>
+              <a:buChar char="-"/>
             </a:pPr>
             <a:r>
               <a:rPr lang="en-US" b="0" i="0" dirty="0">
@@ -21164,106 +21321,16 @@
                 <a:effectLst/>
                 <a:latin typeface="source-serif-pro"/>
               </a:rPr>
-              <a:t>"scripts": {</a:t>
-            </a:r>
-          </a:p>
-          <a:p>
-            <a:pPr>
-              <a:lnSpc>
-                <a:spcPct val="200000"/>
-              </a:lnSpc>
-            </a:pPr>
-            <a:r>
-              <a:rPr lang="en-US" dirty="0">
-                <a:solidFill>
-                  <a:srgbClr val="242424"/>
-                </a:solidFill>
-                <a:latin typeface="source-serif-pro"/>
-              </a:rPr>
-              <a:t>	</a:t>
-            </a:r>
-            <a:r>
-              <a:rPr lang="en-US" b="0" i="0" dirty="0">
-                <a:solidFill>
-                  <a:srgbClr val="242424"/>
-                </a:solidFill>
-                <a:effectLst/>
-                <a:latin typeface="source-serif-pro"/>
-              </a:rPr>
-              <a:t>"test": "jest --coverage",</a:t>
-            </a:r>
-          </a:p>
-          <a:p>
-            <a:pPr>
-              <a:lnSpc>
-                <a:spcPct val="200000"/>
-              </a:lnSpc>
-            </a:pPr>
-            <a:r>
-              <a:rPr lang="en-US" b="0" i="0" dirty="0">
-                <a:solidFill>
-                  <a:srgbClr val="242424"/>
-                </a:solidFill>
-                <a:effectLst/>
-                <a:latin typeface="source-serif-pro"/>
-              </a:rPr>
-              <a:t>	 // other scripts...</a:t>
-            </a:r>
-          </a:p>
-          <a:p>
-            <a:pPr>
-              <a:lnSpc>
-                <a:spcPct val="200000"/>
-              </a:lnSpc>
-            </a:pPr>
-            <a:r>
-              <a:rPr lang="en-US" b="0" i="0" dirty="0">
-                <a:solidFill>
-                  <a:srgbClr val="242424"/>
-                </a:solidFill>
-                <a:effectLst/>
-                <a:latin typeface="source-serif-pro"/>
-              </a:rPr>
-              <a:t>}</a:t>
+              <a:t>Jest comes with built-in code coverage tools that help you understand how much of your codebase is covered by tests. This feature aids in identifying untested areas and improving overall code quality.</a:t>
             </a:r>
             <a:endParaRPr lang="en-US" dirty="0"/>
           </a:p>
         </p:txBody>
       </p:sp>
-      <p:pic>
-        <p:nvPicPr>
-          <p:cNvPr id="5" name="Picture 4">
-            <a:extLst>
-              <a:ext uri="{FF2B5EF4-FFF2-40B4-BE49-F238E27FC236}">
-                <a16:creationId xmlns:a16="http://schemas.microsoft.com/office/drawing/2014/main" id="{37CB7C48-F9AC-47B1-A6FC-770EDB117200}"/>
-              </a:ext>
-            </a:extLst>
-          </p:cNvPr>
-          <p:cNvPicPr>
-            <a:picLocks noChangeAspect="1"/>
-          </p:cNvPicPr>
-          <p:nvPr/>
-        </p:nvPicPr>
-        <p:blipFill>
-          <a:blip r:embed="rId3"/>
-          <a:stretch>
-            <a:fillRect/>
-          </a:stretch>
-        </p:blipFill>
-        <p:spPr>
-          <a:xfrm>
-            <a:off x="5223342" y="2919541"/>
-            <a:ext cx="6201665" cy="2743518"/>
-          </a:xfrm>
-          <a:prstGeom prst="rect">
-            <a:avLst/>
-          </a:prstGeom>
-        </p:spPr>
-      </p:pic>
     </p:spTree>
     <p:extLst>
       <p:ext uri="{BB962C8B-B14F-4D97-AF65-F5344CB8AC3E}">
-        <p14:creationId xmlns:p14="http://schemas.microsoft.com/office/powerpoint/2010/main" val="769332646"/>
+        <p14:creationId xmlns:p14="http://schemas.microsoft.com/office/powerpoint/2010/main" val="3774172881"/>
       </p:ext>
     </p:extLst>
   </p:cSld>
@@ -21401,16 +21468,8 @@
                 </a:solidFill>
                 <a:latin typeface="Montserrat"/>
               </a:rPr>
-              <a:t>Debugging</a:t>
-            </a:r>
-          </a:p>
-          <a:p>
-            <a:endParaRPr lang="en-US" sz="3200" b="1" i="1" dirty="0">
-              <a:solidFill>
-                <a:srgbClr val="572AD7"/>
-              </a:solidFill>
-              <a:latin typeface="Montserrat"/>
-            </a:endParaRPr>
+              <a:t>Code Coverage</a:t>
+            </a:r>
           </a:p>
           <a:p>
             <a:endParaRPr lang="en-GB" sz="2400" dirty="0">
@@ -21457,7 +21516,7 @@
         </p:nvSpPr>
         <p:spPr>
           <a:xfrm>
-            <a:off x="2097740" y="2689144"/>
+            <a:off x="636494" y="2815912"/>
             <a:ext cx="8731624" cy="2230739"/>
           </a:xfrm>
           <a:prstGeom prst="rect">
@@ -21477,24 +21536,14 @@
               </a:lnSpc>
             </a:pPr>
             <a:r>
-              <a:rPr lang="en-US" dirty="0"/>
-              <a:t>import {</a:t>
-            </a:r>
-            <a:r>
-              <a:rPr lang="en-US" dirty="0" err="1"/>
-              <a:t>prettyDOM</a:t>
-            </a:r>
-            <a:r>
-              <a:rPr lang="en-US" dirty="0"/>
-              <a:t>} from '@testing-library/</a:t>
-            </a:r>
-            <a:r>
-              <a:rPr lang="en-US" dirty="0" err="1"/>
-              <a:t>dom</a:t>
-            </a:r>
-            <a:r>
-              <a:rPr lang="en-US" dirty="0"/>
-              <a:t>’</a:t>
+              <a:rPr lang="en-US" b="0" i="0" dirty="0">
+                <a:solidFill>
+                  <a:srgbClr val="242424"/>
+                </a:solidFill>
+                <a:effectLst/>
+                <a:latin typeface="source-serif-pro"/>
+              </a:rPr>
+              <a:t>"scripts": {</a:t>
             </a:r>
           </a:p>
           <a:p>
@@ -21504,16 +21553,23 @@
               </a:lnSpc>
             </a:pPr>
             <a:r>
-              <a:rPr lang="en-US" dirty="0"/>
-              <a:t>const div = </a:t>
-            </a:r>
-            <a:r>
-              <a:rPr lang="en-US" dirty="0" err="1"/>
-              <a:t>document.createElement</a:t>
-            </a:r>
-            <a:r>
-              <a:rPr lang="en-US" dirty="0"/>
-              <a:t>('div’)</a:t>
+              <a:rPr lang="en-US" dirty="0">
+                <a:solidFill>
+                  <a:srgbClr val="242424"/>
+                </a:solidFill>
+                <a:latin typeface="source-serif-pro"/>
+              </a:rPr>
+              <a:t>	</a:t>
+            </a:r>
+            <a:r>
+              <a:rPr lang="en-US" b="0" i="0" dirty="0">
+                <a:solidFill>
+                  <a:srgbClr val="242424"/>
+                </a:solidFill>
+                <a:effectLst/>
+                <a:latin typeface="source-serif-pro"/>
+              </a:rPr>
+              <a:t>"test": "jest --coverage",</a:t>
             </a:r>
           </a:p>
           <a:p>
@@ -21523,12 +21579,14 @@
               </a:lnSpc>
             </a:pPr>
             <a:r>
-              <a:rPr lang="en-US" dirty="0" err="1"/>
-              <a:t>div.innerHTML</a:t>
-            </a:r>
-            <a:r>
-              <a:rPr lang="en-US" dirty="0"/>
-              <a:t> = '&lt;div&gt;&lt;h1&gt;Hello World&lt;/h1&gt;&lt;/div&gt;’</a:t>
+              <a:rPr lang="en-US" b="0" i="0" dirty="0">
+                <a:solidFill>
+                  <a:srgbClr val="242424"/>
+                </a:solidFill>
+                <a:effectLst/>
+                <a:latin typeface="source-serif-pro"/>
+              </a:rPr>
+              <a:t>	 // other scripts...</a:t>
             </a:r>
           </a:p>
           <a:p>
@@ -21538,16 +21596,53 @@
               </a:lnSpc>
             </a:pPr>
             <a:r>
-              <a:rPr lang="en-US" b="1" dirty="0"/>
-              <a:t>console.log(div)</a:t>
-            </a:r>
+              <a:rPr lang="en-US" b="0" i="0" dirty="0">
+                <a:solidFill>
+                  <a:srgbClr val="242424"/>
+                </a:solidFill>
+                <a:effectLst/>
+                <a:latin typeface="source-serif-pro"/>
+              </a:rPr>
+              <a:t>}</a:t>
+            </a:r>
+            <a:endParaRPr lang="en-US" dirty="0"/>
           </a:p>
         </p:txBody>
       </p:sp>
+      <p:pic>
+        <p:nvPicPr>
+          <p:cNvPr id="5" name="Picture 4">
+            <a:extLst>
+              <a:ext uri="{FF2B5EF4-FFF2-40B4-BE49-F238E27FC236}">
+                <a16:creationId xmlns:a16="http://schemas.microsoft.com/office/drawing/2014/main" id="{37CB7C48-F9AC-47B1-A6FC-770EDB117200}"/>
+              </a:ext>
+            </a:extLst>
+          </p:cNvPr>
+          <p:cNvPicPr>
+            <a:picLocks noChangeAspect="1"/>
+          </p:cNvPicPr>
+          <p:nvPr/>
+        </p:nvPicPr>
+        <p:blipFill>
+          <a:blip r:embed="rId3"/>
+          <a:stretch>
+            <a:fillRect/>
+          </a:stretch>
+        </p:blipFill>
+        <p:spPr>
+          <a:xfrm>
+            <a:off x="5223342" y="2919541"/>
+            <a:ext cx="6201665" cy="2743518"/>
+          </a:xfrm>
+          <a:prstGeom prst="rect">
+            <a:avLst/>
+          </a:prstGeom>
+        </p:spPr>
+      </p:pic>
     </p:spTree>
     <p:extLst>
       <p:ext uri="{BB962C8B-B14F-4D97-AF65-F5344CB8AC3E}">
-        <p14:creationId xmlns:p14="http://schemas.microsoft.com/office/powerpoint/2010/main" val="1760361041"/>
+        <p14:creationId xmlns:p14="http://schemas.microsoft.com/office/powerpoint/2010/main" val="769332646"/>
       </p:ext>
     </p:extLst>
   </p:cSld>
@@ -21741,8 +21836,8 @@
         </p:nvSpPr>
         <p:spPr>
           <a:xfrm>
-            <a:off x="2205318" y="2340385"/>
-            <a:ext cx="8731624" cy="3139321"/>
+            <a:off x="2097740" y="2689144"/>
+            <a:ext cx="8731624" cy="2230739"/>
           </a:xfrm>
           <a:prstGeom prst="rect">
             <a:avLst/>
@@ -21823,33 +21918,7 @@
             </a:pPr>
             <a:r>
               <a:rPr lang="en-US" b="1" dirty="0"/>
-              <a:t>console.log(</a:t>
-            </a:r>
-            <a:r>
-              <a:rPr lang="en-US" b="1" dirty="0" err="1"/>
-              <a:t>prettyDOM</a:t>
-            </a:r>
-            <a:r>
-              <a:rPr lang="en-US" b="1" dirty="0"/>
-              <a:t>(div))</a:t>
-            </a:r>
-          </a:p>
-          <a:p>
-            <a:r>
-              <a:rPr lang="en-US" dirty="0"/>
-              <a:t>// &lt;div&gt;</a:t>
-            </a:r>
-          </a:p>
-          <a:p>
-            <a:r>
-              <a:rPr lang="en-US" dirty="0"/>
-              <a:t>//   &lt;h1&gt;Hello World&lt;/h1&gt;</a:t>
-            </a:r>
-          </a:p>
-          <a:p>
-            <a:r>
-              <a:rPr lang="en-US" dirty="0"/>
-              <a:t>// &lt;/div&gt;</a:t>
+              <a:t>console.log(div)</a:t>
             </a:r>
           </a:p>
         </p:txBody>
@@ -21857,7 +21926,7 @@
     </p:spTree>
     <p:extLst>
       <p:ext uri="{BB962C8B-B14F-4D97-AF65-F5344CB8AC3E}">
-        <p14:creationId xmlns:p14="http://schemas.microsoft.com/office/powerpoint/2010/main" val="2917160310"/>
+        <p14:creationId xmlns:p14="http://schemas.microsoft.com/office/powerpoint/2010/main" val="1760361041"/>
       </p:ext>
     </p:extLst>
   </p:cSld>
@@ -22051,6 +22120,316 @@
         </p:nvSpPr>
         <p:spPr>
           <a:xfrm>
+            <a:off x="2205318" y="2340385"/>
+            <a:ext cx="8731624" cy="3139321"/>
+          </a:xfrm>
+          <a:prstGeom prst="rect">
+            <a:avLst/>
+          </a:prstGeom>
+          <a:noFill/>
+        </p:spPr>
+        <p:txBody>
+          <a:bodyPr wrap="square" rtlCol="0">
+            <a:spAutoFit/>
+          </a:bodyPr>
+          <a:lstStyle/>
+          <a:p>
+            <a:pPr>
+              <a:lnSpc>
+                <a:spcPct val="200000"/>
+              </a:lnSpc>
+            </a:pPr>
+            <a:r>
+              <a:rPr lang="en-US" dirty="0"/>
+              <a:t>import {</a:t>
+            </a:r>
+            <a:r>
+              <a:rPr lang="en-US" dirty="0" err="1"/>
+              <a:t>prettyDOM</a:t>
+            </a:r>
+            <a:r>
+              <a:rPr lang="en-US" dirty="0"/>
+              <a:t>} from '@testing-library/</a:t>
+            </a:r>
+            <a:r>
+              <a:rPr lang="en-US" dirty="0" err="1"/>
+              <a:t>dom</a:t>
+            </a:r>
+            <a:r>
+              <a:rPr lang="en-US" dirty="0"/>
+              <a:t>’</a:t>
+            </a:r>
+          </a:p>
+          <a:p>
+            <a:pPr>
+              <a:lnSpc>
+                <a:spcPct val="200000"/>
+              </a:lnSpc>
+            </a:pPr>
+            <a:r>
+              <a:rPr lang="en-US" dirty="0"/>
+              <a:t>const div = </a:t>
+            </a:r>
+            <a:r>
+              <a:rPr lang="en-US" dirty="0" err="1"/>
+              <a:t>document.createElement</a:t>
+            </a:r>
+            <a:r>
+              <a:rPr lang="en-US" dirty="0"/>
+              <a:t>('div’)</a:t>
+            </a:r>
+          </a:p>
+          <a:p>
+            <a:pPr>
+              <a:lnSpc>
+                <a:spcPct val="200000"/>
+              </a:lnSpc>
+            </a:pPr>
+            <a:r>
+              <a:rPr lang="en-US" dirty="0" err="1"/>
+              <a:t>div.innerHTML</a:t>
+            </a:r>
+            <a:r>
+              <a:rPr lang="en-US" dirty="0"/>
+              <a:t> = '&lt;div&gt;&lt;h1&gt;Hello World&lt;/h1&gt;&lt;/div&gt;’</a:t>
+            </a:r>
+          </a:p>
+          <a:p>
+            <a:pPr>
+              <a:lnSpc>
+                <a:spcPct val="200000"/>
+              </a:lnSpc>
+            </a:pPr>
+            <a:r>
+              <a:rPr lang="en-US" b="1" dirty="0"/>
+              <a:t>console.log(</a:t>
+            </a:r>
+            <a:r>
+              <a:rPr lang="en-US" b="1" dirty="0" err="1"/>
+              <a:t>prettyDOM</a:t>
+            </a:r>
+            <a:r>
+              <a:rPr lang="en-US" b="1" dirty="0"/>
+              <a:t>(div))</a:t>
+            </a:r>
+          </a:p>
+          <a:p>
+            <a:r>
+              <a:rPr lang="en-US" dirty="0"/>
+              <a:t>// &lt;div&gt;</a:t>
+            </a:r>
+          </a:p>
+          <a:p>
+            <a:r>
+              <a:rPr lang="en-US" dirty="0"/>
+              <a:t>//   &lt;h1&gt;Hello World&lt;/h1&gt;</a:t>
+            </a:r>
+          </a:p>
+          <a:p>
+            <a:r>
+              <a:rPr lang="en-US" dirty="0"/>
+              <a:t>// &lt;/div&gt;</a:t>
+            </a:r>
+          </a:p>
+        </p:txBody>
+      </p:sp>
+    </p:spTree>
+    <p:extLst>
+      <p:ext uri="{BB962C8B-B14F-4D97-AF65-F5344CB8AC3E}">
+        <p14:creationId xmlns:p14="http://schemas.microsoft.com/office/powerpoint/2010/main" val="2917160310"/>
+      </p:ext>
+    </p:extLst>
+  </p:cSld>
+  <p:clrMapOvr>
+    <a:masterClrMapping/>
+  </p:clrMapOvr>
+  <mc:AlternateContent xmlns:mc="http://schemas.openxmlformats.org/markup-compatibility/2006" xmlns:p14="http://schemas.microsoft.com/office/powerpoint/2010/main">
+    <mc:Choice Requires="p14">
+      <p:transition spd="slow" p14:dur="800">
+        <p14:flythrough/>
+      </p:transition>
+    </mc:Choice>
+    <mc:Fallback xmlns="">
+      <p:transition spd="slow">
+        <p:fade/>
+      </p:transition>
+    </mc:Fallback>
+  </mc:AlternateContent>
+</p:sld>
+</file>
+
+<file path=ppt/slides/slide49.xml><?xml version="1.0" encoding="utf-8"?>
+<p:sld xmlns:a="http://schemas.openxmlformats.org/drawingml/2006/main" xmlns:r="http://schemas.openxmlformats.org/officeDocument/2006/relationships" xmlns:p="http://schemas.openxmlformats.org/presentationml/2006/main">
+  <p:cSld>
+    <p:spTree>
+      <p:nvGrpSpPr>
+        <p:cNvPr id="1" name=""/>
+        <p:cNvGrpSpPr/>
+        <p:nvPr/>
+      </p:nvGrpSpPr>
+      <p:grpSpPr>
+        <a:xfrm>
+          <a:off x="0" y="0"/>
+          <a:ext cx="0" cy="0"/>
+          <a:chOff x="0" y="0"/>
+          <a:chExt cx="0" cy="0"/>
+        </a:xfrm>
+      </p:grpSpPr>
+      <p:pic>
+        <p:nvPicPr>
+          <p:cNvPr id="6" name="Image 5">
+            <a:extLst>
+              <a:ext uri="{FF2B5EF4-FFF2-40B4-BE49-F238E27FC236}">
+                <a16:creationId xmlns:a16="http://schemas.microsoft.com/office/drawing/2014/main" id="{85C1BEF6-C4FA-794F-9003-5D49864298CC}"/>
+              </a:ext>
+            </a:extLst>
+          </p:cNvPr>
+          <p:cNvPicPr>
+            <a:picLocks noChangeAspect="1"/>
+          </p:cNvPicPr>
+          <p:nvPr/>
+        </p:nvPicPr>
+        <p:blipFill>
+          <a:blip r:embed="rId2"/>
+          <a:stretch>
+            <a:fillRect/>
+          </a:stretch>
+        </p:blipFill>
+        <p:spPr>
+          <a:xfrm>
+            <a:off x="11128881" y="4159"/>
+            <a:ext cx="1064878" cy="1706406"/>
+          </a:xfrm>
+          <a:prstGeom prst="rect">
+            <a:avLst/>
+          </a:prstGeom>
+        </p:spPr>
+      </p:pic>
+      <p:sp>
+        <p:nvSpPr>
+          <p:cNvPr id="7" name="Titre 1">
+            <a:extLst>
+              <a:ext uri="{FF2B5EF4-FFF2-40B4-BE49-F238E27FC236}">
+                <a16:creationId xmlns:a16="http://schemas.microsoft.com/office/drawing/2014/main" id="{B50329F0-7FAB-5A46-8618-A4B121772237}"/>
+              </a:ext>
+            </a:extLst>
+          </p:cNvPr>
+          <p:cNvSpPr>
+            <a:spLocks noGrp="1"/>
+          </p:cNvSpPr>
+          <p:nvPr>
+            <p:ph type="title"/>
+          </p:nvPr>
+        </p:nvSpPr>
+        <p:spPr>
+          <a:xfrm>
+            <a:off x="838200" y="567915"/>
+            <a:ext cx="6450106" cy="365125"/>
+          </a:xfrm>
+        </p:spPr>
+        <p:txBody>
+          <a:bodyPr>
+            <a:noAutofit/>
+          </a:bodyPr>
+          <a:lstStyle/>
+          <a:p>
+            <a:r>
+              <a:rPr lang="en-US" sz="2800" spc="300" dirty="0">
+                <a:latin typeface="Zilla Slab"/>
+              </a:rPr>
+              <a:t>Integration Tests</a:t>
+            </a:r>
+          </a:p>
+        </p:txBody>
+      </p:sp>
+      <p:sp>
+        <p:nvSpPr>
+          <p:cNvPr id="9" name="Google Shape;121;g6d93b6fd7c_0_0"/>
+          <p:cNvSpPr txBox="1"/>
+          <p:nvPr/>
+        </p:nvSpPr>
+        <p:spPr>
+          <a:xfrm>
+            <a:off x="3224212" y="1263625"/>
+            <a:ext cx="6332164" cy="746175"/>
+          </a:xfrm>
+          <a:prstGeom prst="rect">
+            <a:avLst/>
+          </a:prstGeom>
+          <a:noFill/>
+          <a:ln>
+            <a:noFill/>
+          </a:ln>
+        </p:spPr>
+        <p:txBody>
+          <a:bodyPr spcFirstLastPara="1" wrap="square" lIns="91425" tIns="91425" rIns="91425" bIns="91425" anchor="t" anchorCtr="0">
+            <a:noAutofit/>
+          </a:bodyPr>
+          <a:lstStyle/>
+          <a:p>
+            <a:r>
+              <a:rPr lang="en-US" sz="3200" b="1" i="1" dirty="0">
+                <a:solidFill>
+                  <a:srgbClr val="572AD7"/>
+                </a:solidFill>
+                <a:latin typeface="Montserrat"/>
+              </a:rPr>
+              <a:t>Debugging</a:t>
+            </a:r>
+          </a:p>
+          <a:p>
+            <a:endParaRPr lang="en-US" sz="3200" b="1" i="1" dirty="0">
+              <a:solidFill>
+                <a:srgbClr val="572AD7"/>
+              </a:solidFill>
+              <a:latin typeface="Montserrat"/>
+            </a:endParaRPr>
+          </a:p>
+          <a:p>
+            <a:endParaRPr lang="en-GB" sz="2400" dirty="0">
+              <a:solidFill>
+                <a:schemeClr val="tx1">
+                  <a:lumMod val="65000"/>
+                  <a:lumOff val="35000"/>
+                </a:schemeClr>
+              </a:solidFill>
+              <a:latin typeface="Montserrat" charset="0"/>
+              <a:ea typeface="Montserrat" charset="0"/>
+              <a:cs typeface="Montserrat" charset="0"/>
+            </a:endParaRPr>
+          </a:p>
+          <a:p>
+            <a:pPr marL="0" lvl="0" indent="0" algn="l" rtl="0">
+              <a:spcBef>
+                <a:spcPts val="0"/>
+              </a:spcBef>
+              <a:spcAft>
+                <a:spcPts val="0"/>
+              </a:spcAft>
+              <a:buNone/>
+            </a:pPr>
+            <a:endParaRPr lang="en-GB" sz="2800" dirty="0">
+              <a:latin typeface="Montserrat" charset="0"/>
+              <a:ea typeface="Montserrat" charset="0"/>
+              <a:cs typeface="Montserrat" charset="0"/>
+            </a:endParaRPr>
+          </a:p>
+        </p:txBody>
+      </p:sp>
+      <p:sp>
+        <p:nvSpPr>
+          <p:cNvPr id="14" name="TextBox 13">
+            <a:extLst>
+              <a:ext uri="{FF2B5EF4-FFF2-40B4-BE49-F238E27FC236}">
+                <a16:creationId xmlns:a16="http://schemas.microsoft.com/office/drawing/2014/main" id="{15140576-3857-4C6E-9A6D-623E2AFB7383}"/>
+              </a:ext>
+            </a:extLst>
+          </p:cNvPr>
+          <p:cNvSpPr txBox="1"/>
+          <p:nvPr/>
+        </p:nvSpPr>
+        <p:spPr>
+          <a:xfrm>
             <a:off x="2205317" y="2644321"/>
             <a:ext cx="8731624" cy="2308324"/>
           </a:xfrm>
@@ -22157,7 +22536,269 @@
 </p:sld>
 </file>
 
-<file path=ppt/slides/slide49.xml><?xml version="1.0" encoding="utf-8"?>
+<file path=ppt/slides/slide5.xml><?xml version="1.0" encoding="utf-8"?>
+<p:sld xmlns:a="http://schemas.openxmlformats.org/drawingml/2006/main" xmlns:r="http://schemas.openxmlformats.org/officeDocument/2006/relationships" xmlns:p="http://schemas.openxmlformats.org/presentationml/2006/main">
+  <p:cSld>
+    <p:spTree>
+      <p:nvGrpSpPr>
+        <p:cNvPr id="1" name=""/>
+        <p:cNvGrpSpPr/>
+        <p:nvPr/>
+      </p:nvGrpSpPr>
+      <p:grpSpPr>
+        <a:xfrm>
+          <a:off x="0" y="0"/>
+          <a:ext cx="0" cy="0"/>
+          <a:chOff x="0" y="0"/>
+          <a:chExt cx="0" cy="0"/>
+        </a:xfrm>
+      </p:grpSpPr>
+      <p:pic>
+        <p:nvPicPr>
+          <p:cNvPr id="6" name="Image 5">
+            <a:extLst>
+              <a:ext uri="{FF2B5EF4-FFF2-40B4-BE49-F238E27FC236}">
+                <a16:creationId xmlns:a16="http://schemas.microsoft.com/office/drawing/2014/main" id="{85C1BEF6-C4FA-794F-9003-5D49864298CC}"/>
+              </a:ext>
+            </a:extLst>
+          </p:cNvPr>
+          <p:cNvPicPr>
+            <a:picLocks noChangeAspect="1"/>
+          </p:cNvPicPr>
+          <p:nvPr/>
+        </p:nvPicPr>
+        <p:blipFill>
+          <a:blip r:embed="rId2"/>
+          <a:stretch>
+            <a:fillRect/>
+          </a:stretch>
+        </p:blipFill>
+        <p:spPr>
+          <a:xfrm>
+            <a:off x="11128881" y="4159"/>
+            <a:ext cx="1064878" cy="1706406"/>
+          </a:xfrm>
+          <a:prstGeom prst="rect">
+            <a:avLst/>
+          </a:prstGeom>
+        </p:spPr>
+      </p:pic>
+      <p:sp>
+        <p:nvSpPr>
+          <p:cNvPr id="7" name="Titre 1">
+            <a:extLst>
+              <a:ext uri="{FF2B5EF4-FFF2-40B4-BE49-F238E27FC236}">
+                <a16:creationId xmlns:a16="http://schemas.microsoft.com/office/drawing/2014/main" id="{B50329F0-7FAB-5A46-8618-A4B121772237}"/>
+              </a:ext>
+            </a:extLst>
+          </p:cNvPr>
+          <p:cNvSpPr>
+            <a:spLocks noGrp="1"/>
+          </p:cNvSpPr>
+          <p:nvPr>
+            <p:ph type="title"/>
+          </p:nvPr>
+        </p:nvSpPr>
+        <p:spPr>
+          <a:xfrm>
+            <a:off x="838200" y="567915"/>
+            <a:ext cx="6450106" cy="365125"/>
+          </a:xfrm>
+        </p:spPr>
+        <p:txBody>
+          <a:bodyPr>
+            <a:noAutofit/>
+          </a:bodyPr>
+          <a:lstStyle/>
+          <a:p>
+            <a:r>
+              <a:rPr lang="en-GB" sz="2800" spc="300" dirty="0">
+                <a:latin typeface="Zilla Slab"/>
+              </a:rPr>
+              <a:t>Introduction</a:t>
+            </a:r>
+            <a:endParaRPr lang="en-US" dirty="0">
+              <a:latin typeface="Zilla Slab"/>
+            </a:endParaRPr>
+          </a:p>
+        </p:txBody>
+      </p:sp>
+      <p:sp>
+        <p:nvSpPr>
+          <p:cNvPr id="9" name="Google Shape;121;g6d93b6fd7c_0_0"/>
+          <p:cNvSpPr txBox="1"/>
+          <p:nvPr/>
+        </p:nvSpPr>
+        <p:spPr>
+          <a:xfrm>
+            <a:off x="3224212" y="1263625"/>
+            <a:ext cx="6332164" cy="746175"/>
+          </a:xfrm>
+          <a:prstGeom prst="rect">
+            <a:avLst/>
+          </a:prstGeom>
+          <a:noFill/>
+          <a:ln>
+            <a:noFill/>
+          </a:ln>
+        </p:spPr>
+        <p:txBody>
+          <a:bodyPr spcFirstLastPara="1" wrap="square" lIns="91425" tIns="91425" rIns="91425" bIns="91425" anchor="t" anchorCtr="0">
+            <a:noAutofit/>
+          </a:bodyPr>
+          <a:lstStyle/>
+          <a:p>
+            <a:r>
+              <a:rPr lang="en-US" sz="3200" b="1" i="1" dirty="0">
+                <a:solidFill>
+                  <a:srgbClr val="572AD7"/>
+                </a:solidFill>
+                <a:latin typeface="Montserrat"/>
+                <a:ea typeface="Montserrat" charset="0"/>
+                <a:cs typeface="Montserrat" charset="0"/>
+                <a:sym typeface="Lato"/>
+              </a:rPr>
+              <a:t>Importance of Testing</a:t>
+            </a:r>
+            <a:endParaRPr lang="en-GB" sz="2400" dirty="0">
+              <a:solidFill>
+                <a:schemeClr val="tx1">
+                  <a:lumMod val="65000"/>
+                  <a:lumOff val="35000"/>
+                </a:schemeClr>
+              </a:solidFill>
+              <a:latin typeface="Montserrat" charset="0"/>
+              <a:ea typeface="Montserrat" charset="0"/>
+              <a:cs typeface="Montserrat" charset="0"/>
+            </a:endParaRPr>
+          </a:p>
+          <a:p>
+            <a:pPr marL="0" lvl="0" indent="0" algn="l" rtl="0">
+              <a:spcBef>
+                <a:spcPts val="0"/>
+              </a:spcBef>
+              <a:spcAft>
+                <a:spcPts val="0"/>
+              </a:spcAft>
+              <a:buNone/>
+            </a:pPr>
+            <a:endParaRPr lang="en-GB" sz="2800" dirty="0">
+              <a:latin typeface="Montserrat" charset="0"/>
+              <a:ea typeface="Montserrat" charset="0"/>
+              <a:cs typeface="Montserrat" charset="0"/>
+            </a:endParaRPr>
+          </a:p>
+        </p:txBody>
+      </p:sp>
+      <p:sp>
+        <p:nvSpPr>
+          <p:cNvPr id="5" name="TextBox 4">
+            <a:extLst>
+              <a:ext uri="{FF2B5EF4-FFF2-40B4-BE49-F238E27FC236}">
+                <a16:creationId xmlns:a16="http://schemas.microsoft.com/office/drawing/2014/main" id="{FEC06C8C-535C-4357-B9E9-6ECF52C2B1B8}"/>
+              </a:ext>
+            </a:extLst>
+          </p:cNvPr>
+          <p:cNvSpPr txBox="1"/>
+          <p:nvPr/>
+        </p:nvSpPr>
+        <p:spPr>
+          <a:xfrm>
+            <a:off x="1192305" y="2551837"/>
+            <a:ext cx="8731624" cy="2308324"/>
+          </a:xfrm>
+          <a:prstGeom prst="rect">
+            <a:avLst/>
+          </a:prstGeom>
+          <a:noFill/>
+        </p:spPr>
+        <p:txBody>
+          <a:bodyPr wrap="square" rtlCol="0">
+            <a:spAutoFit/>
+          </a:bodyPr>
+          <a:lstStyle/>
+          <a:p>
+            <a:pPr marL="285750" indent="-285750">
+              <a:buFontTx/>
+              <a:buChar char="-"/>
+            </a:pPr>
+            <a:r>
+              <a:rPr lang="en-US" dirty="0">
+                <a:solidFill>
+                  <a:srgbClr val="2D3846"/>
+                </a:solidFill>
+                <a:latin typeface="Fira Sans" panose="020B0604020202020204" pitchFamily="34" charset="0"/>
+              </a:rPr>
+              <a:t>It is easy to onboard new team members in the development as they can also understand the code base with less effort. Moreover, any damage to the code becomes less worrisome as it can be quickly identified.</a:t>
+            </a:r>
+          </a:p>
+          <a:p>
+            <a:pPr marL="285750" indent="-285750">
+              <a:buFontTx/>
+              <a:buChar char="-"/>
+            </a:pPr>
+            <a:endParaRPr lang="en-US" dirty="0">
+              <a:solidFill>
+                <a:srgbClr val="2D3846"/>
+              </a:solidFill>
+              <a:latin typeface="Fira Sans" panose="020B0604020202020204" pitchFamily="34" charset="0"/>
+            </a:endParaRPr>
+          </a:p>
+          <a:p>
+            <a:pPr marL="285750" indent="-285750">
+              <a:buFontTx/>
+              <a:buChar char="-"/>
+            </a:pPr>
+            <a:r>
+              <a:rPr lang="en-US" dirty="0"/>
+              <a:t>Unit testing facilitates changes to the code by providing a way to quickly and easily verify that changes to the code do not break existing functionality</a:t>
+            </a:r>
+          </a:p>
+          <a:p>
+            <a:pPr marL="285750" indent="-285750">
+              <a:buFontTx/>
+              <a:buChar char="-"/>
+            </a:pPr>
+            <a:endParaRPr lang="en-US" dirty="0"/>
+          </a:p>
+          <a:p>
+            <a:pPr marL="285750" indent="-285750">
+              <a:buFontTx/>
+              <a:buChar char="-"/>
+            </a:pPr>
+            <a:r>
+              <a:rPr lang="en-US" dirty="0"/>
+              <a:t>Tests can serve as a code documentation</a:t>
+            </a:r>
+          </a:p>
+        </p:txBody>
+      </p:sp>
+    </p:spTree>
+    <p:extLst>
+      <p:ext uri="{BB962C8B-B14F-4D97-AF65-F5344CB8AC3E}">
+        <p14:creationId xmlns:p14="http://schemas.microsoft.com/office/powerpoint/2010/main" val="3008934499"/>
+      </p:ext>
+    </p:extLst>
+  </p:cSld>
+  <p:clrMapOvr>
+    <a:masterClrMapping/>
+  </p:clrMapOvr>
+  <mc:AlternateContent xmlns:mc="http://schemas.openxmlformats.org/markup-compatibility/2006" xmlns:p14="http://schemas.microsoft.com/office/powerpoint/2010/main">
+    <mc:Choice Requires="p14">
+      <p:transition spd="slow" p14:dur="800">
+        <p14:flythrough/>
+      </p:transition>
+    </mc:Choice>
+    <mc:Fallback xmlns="">
+      <p:transition spd="slow">
+        <p:fade/>
+      </p:transition>
+    </mc:Fallback>
+  </mc:AlternateContent>
+</p:sld>
+</file>
+
+<file path=ppt/slides/slide50.xml><?xml version="1.0" encoding="utf-8"?>
 <p:sld xmlns:a="http://schemas.openxmlformats.org/drawingml/2006/main" xmlns:r="http://schemas.openxmlformats.org/officeDocument/2006/relationships" xmlns:p="http://schemas.openxmlformats.org/presentationml/2006/main">
   <p:cSld>
     <p:spTree>
@@ -22385,492 +23026,6 @@
 </p:sld>
 </file>
 
-<file path=ppt/slides/slide5.xml><?xml version="1.0" encoding="utf-8"?>
-<p:sld xmlns:a="http://schemas.openxmlformats.org/drawingml/2006/main" xmlns:r="http://schemas.openxmlformats.org/officeDocument/2006/relationships" xmlns:p="http://schemas.openxmlformats.org/presentationml/2006/main">
-  <p:cSld>
-    <p:spTree>
-      <p:nvGrpSpPr>
-        <p:cNvPr id="1" name=""/>
-        <p:cNvGrpSpPr/>
-        <p:nvPr/>
-      </p:nvGrpSpPr>
-      <p:grpSpPr>
-        <a:xfrm>
-          <a:off x="0" y="0"/>
-          <a:ext cx="0" cy="0"/>
-          <a:chOff x="0" y="0"/>
-          <a:chExt cx="0" cy="0"/>
-        </a:xfrm>
-      </p:grpSpPr>
-      <p:pic>
-        <p:nvPicPr>
-          <p:cNvPr id="6" name="Image 5">
-            <a:extLst>
-              <a:ext uri="{FF2B5EF4-FFF2-40B4-BE49-F238E27FC236}">
-                <a16:creationId xmlns:a16="http://schemas.microsoft.com/office/drawing/2014/main" id="{85C1BEF6-C4FA-794F-9003-5D49864298CC}"/>
-              </a:ext>
-            </a:extLst>
-          </p:cNvPr>
-          <p:cNvPicPr>
-            <a:picLocks noChangeAspect="1"/>
-          </p:cNvPicPr>
-          <p:nvPr/>
-        </p:nvPicPr>
-        <p:blipFill>
-          <a:blip r:embed="rId2"/>
-          <a:stretch>
-            <a:fillRect/>
-          </a:stretch>
-        </p:blipFill>
-        <p:spPr>
-          <a:xfrm>
-            <a:off x="11128881" y="4159"/>
-            <a:ext cx="1064878" cy="1706406"/>
-          </a:xfrm>
-          <a:prstGeom prst="rect">
-            <a:avLst/>
-          </a:prstGeom>
-        </p:spPr>
-      </p:pic>
-      <p:sp>
-        <p:nvSpPr>
-          <p:cNvPr id="7" name="Titre 1">
-            <a:extLst>
-              <a:ext uri="{FF2B5EF4-FFF2-40B4-BE49-F238E27FC236}">
-                <a16:creationId xmlns:a16="http://schemas.microsoft.com/office/drawing/2014/main" id="{B50329F0-7FAB-5A46-8618-A4B121772237}"/>
-              </a:ext>
-            </a:extLst>
-          </p:cNvPr>
-          <p:cNvSpPr>
-            <a:spLocks noGrp="1"/>
-          </p:cNvSpPr>
-          <p:nvPr>
-            <p:ph type="title"/>
-          </p:nvPr>
-        </p:nvSpPr>
-        <p:spPr>
-          <a:xfrm>
-            <a:off x="838200" y="567915"/>
-            <a:ext cx="6450106" cy="365125"/>
-          </a:xfrm>
-        </p:spPr>
-        <p:txBody>
-          <a:bodyPr>
-            <a:noAutofit/>
-          </a:bodyPr>
-          <a:lstStyle/>
-          <a:p>
-            <a:r>
-              <a:rPr lang="en-GB" sz="2800" spc="300" dirty="0">
-                <a:latin typeface="Zilla Slab"/>
-              </a:rPr>
-              <a:t>Introduction</a:t>
-            </a:r>
-            <a:endParaRPr lang="en-US" dirty="0">
-              <a:latin typeface="Zilla Slab"/>
-            </a:endParaRPr>
-          </a:p>
-        </p:txBody>
-      </p:sp>
-      <p:sp>
-        <p:nvSpPr>
-          <p:cNvPr id="9" name="Google Shape;121;g6d93b6fd7c_0_0"/>
-          <p:cNvSpPr txBox="1"/>
-          <p:nvPr/>
-        </p:nvSpPr>
-        <p:spPr>
-          <a:xfrm>
-            <a:off x="3224212" y="1263625"/>
-            <a:ext cx="6332164" cy="746175"/>
-          </a:xfrm>
-          <a:prstGeom prst="rect">
-            <a:avLst/>
-          </a:prstGeom>
-          <a:noFill/>
-          <a:ln>
-            <a:noFill/>
-          </a:ln>
-        </p:spPr>
-        <p:txBody>
-          <a:bodyPr spcFirstLastPara="1" wrap="square" lIns="91425" tIns="91425" rIns="91425" bIns="91425" anchor="t" anchorCtr="0">
-            <a:noAutofit/>
-          </a:bodyPr>
-          <a:lstStyle/>
-          <a:p>
-            <a:r>
-              <a:rPr lang="en-US" sz="3200" b="1" i="1" dirty="0">
-                <a:solidFill>
-                  <a:srgbClr val="572AD7"/>
-                </a:solidFill>
-                <a:latin typeface="Montserrat"/>
-                <a:ea typeface="Montserrat" charset="0"/>
-                <a:cs typeface="Montserrat" charset="0"/>
-                <a:sym typeface="Lato"/>
-              </a:rPr>
-              <a:t>Importance of Testing</a:t>
-            </a:r>
-            <a:endParaRPr lang="en-GB" sz="2400" dirty="0">
-              <a:solidFill>
-                <a:schemeClr val="tx1">
-                  <a:lumMod val="65000"/>
-                  <a:lumOff val="35000"/>
-                </a:schemeClr>
-              </a:solidFill>
-              <a:latin typeface="Montserrat" charset="0"/>
-              <a:ea typeface="Montserrat" charset="0"/>
-              <a:cs typeface="Montserrat" charset="0"/>
-            </a:endParaRPr>
-          </a:p>
-          <a:p>
-            <a:pPr marL="0" lvl="0" indent="0" algn="l" rtl="0">
-              <a:spcBef>
-                <a:spcPts val="0"/>
-              </a:spcBef>
-              <a:spcAft>
-                <a:spcPts val="0"/>
-              </a:spcAft>
-              <a:buNone/>
-            </a:pPr>
-            <a:endParaRPr lang="en-GB" sz="2800" dirty="0">
-              <a:latin typeface="Montserrat" charset="0"/>
-              <a:ea typeface="Montserrat" charset="0"/>
-              <a:cs typeface="Montserrat" charset="0"/>
-            </a:endParaRPr>
-          </a:p>
-        </p:txBody>
-      </p:sp>
-      <p:sp>
-        <p:nvSpPr>
-          <p:cNvPr id="5" name="TextBox 4">
-            <a:extLst>
-              <a:ext uri="{FF2B5EF4-FFF2-40B4-BE49-F238E27FC236}">
-                <a16:creationId xmlns:a16="http://schemas.microsoft.com/office/drawing/2014/main" id="{FEC06C8C-535C-4357-B9E9-6ECF52C2B1B8}"/>
-              </a:ext>
-            </a:extLst>
-          </p:cNvPr>
-          <p:cNvSpPr txBox="1"/>
-          <p:nvPr/>
-        </p:nvSpPr>
-        <p:spPr>
-          <a:xfrm>
-            <a:off x="1192305" y="2551837"/>
-            <a:ext cx="8731624" cy="2308324"/>
-          </a:xfrm>
-          <a:prstGeom prst="rect">
-            <a:avLst/>
-          </a:prstGeom>
-          <a:noFill/>
-        </p:spPr>
-        <p:txBody>
-          <a:bodyPr wrap="square" rtlCol="0">
-            <a:spAutoFit/>
-          </a:bodyPr>
-          <a:lstStyle/>
-          <a:p>
-            <a:pPr marL="285750" indent="-285750">
-              <a:buFontTx/>
-              <a:buChar char="-"/>
-            </a:pPr>
-            <a:r>
-              <a:rPr lang="en-US" dirty="0">
-                <a:solidFill>
-                  <a:srgbClr val="2D3846"/>
-                </a:solidFill>
-                <a:latin typeface="Fira Sans" panose="020B0604020202020204" pitchFamily="34" charset="0"/>
-              </a:rPr>
-              <a:t>It is easy to onboard new team members in the development as they can also understand the code base with less effort. Moreover, any damage to the code becomes less worrisome as it can be quickly identified.</a:t>
-            </a:r>
-          </a:p>
-          <a:p>
-            <a:pPr marL="285750" indent="-285750">
-              <a:buFontTx/>
-              <a:buChar char="-"/>
-            </a:pPr>
-            <a:endParaRPr lang="en-US" dirty="0">
-              <a:solidFill>
-                <a:srgbClr val="2D3846"/>
-              </a:solidFill>
-              <a:latin typeface="Fira Sans" panose="020B0604020202020204" pitchFamily="34" charset="0"/>
-            </a:endParaRPr>
-          </a:p>
-          <a:p>
-            <a:pPr marL="285750" indent="-285750">
-              <a:buFontTx/>
-              <a:buChar char="-"/>
-            </a:pPr>
-            <a:r>
-              <a:rPr lang="en-US" dirty="0"/>
-              <a:t>Unit testing facilitates changes to the code by providing a way to quickly and easily verify that changes to the code do not break existing functionality</a:t>
-            </a:r>
-          </a:p>
-          <a:p>
-            <a:pPr marL="285750" indent="-285750">
-              <a:buFontTx/>
-              <a:buChar char="-"/>
-            </a:pPr>
-            <a:endParaRPr lang="en-US" dirty="0"/>
-          </a:p>
-          <a:p>
-            <a:pPr marL="285750" indent="-285750">
-              <a:buFontTx/>
-              <a:buChar char="-"/>
-            </a:pPr>
-            <a:r>
-              <a:rPr lang="en-US" dirty="0"/>
-              <a:t>Tests can serve as a code documentation</a:t>
-            </a:r>
-          </a:p>
-        </p:txBody>
-      </p:sp>
-    </p:spTree>
-    <p:extLst>
-      <p:ext uri="{BB962C8B-B14F-4D97-AF65-F5344CB8AC3E}">
-        <p14:creationId xmlns:p14="http://schemas.microsoft.com/office/powerpoint/2010/main" val="3008934499"/>
-      </p:ext>
-    </p:extLst>
-  </p:cSld>
-  <p:clrMapOvr>
-    <a:masterClrMapping/>
-  </p:clrMapOvr>
-  <mc:AlternateContent xmlns:mc="http://schemas.openxmlformats.org/markup-compatibility/2006" xmlns:p14="http://schemas.microsoft.com/office/powerpoint/2010/main">
-    <mc:Choice Requires="p14">
-      <p:transition spd="slow" p14:dur="800">
-        <p14:flythrough/>
-      </p:transition>
-    </mc:Choice>
-    <mc:Fallback xmlns="">
-      <p:transition spd="slow">
-        <p:fade/>
-      </p:transition>
-    </mc:Fallback>
-  </mc:AlternateContent>
-</p:sld>
-</file>
-
-<file path=ppt/slides/slide50.xml><?xml version="1.0" encoding="utf-8"?>
-<p:sld xmlns:a="http://schemas.openxmlformats.org/drawingml/2006/main" xmlns:r="http://schemas.openxmlformats.org/officeDocument/2006/relationships" xmlns:p="http://schemas.openxmlformats.org/presentationml/2006/main">
-  <p:cSld>
-    <p:spTree>
-      <p:nvGrpSpPr>
-        <p:cNvPr id="1" name=""/>
-        <p:cNvGrpSpPr/>
-        <p:nvPr/>
-      </p:nvGrpSpPr>
-      <p:grpSpPr>
-        <a:xfrm>
-          <a:off x="0" y="0"/>
-          <a:ext cx="0" cy="0"/>
-          <a:chOff x="0" y="0"/>
-          <a:chExt cx="0" cy="0"/>
-        </a:xfrm>
-      </p:grpSpPr>
-      <p:pic>
-        <p:nvPicPr>
-          <p:cNvPr id="6" name="Image 5">
-            <a:extLst>
-              <a:ext uri="{FF2B5EF4-FFF2-40B4-BE49-F238E27FC236}">
-                <a16:creationId xmlns:a16="http://schemas.microsoft.com/office/drawing/2014/main" id="{85C1BEF6-C4FA-794F-9003-5D49864298CC}"/>
-              </a:ext>
-            </a:extLst>
-          </p:cNvPr>
-          <p:cNvPicPr>
-            <a:picLocks noChangeAspect="1"/>
-          </p:cNvPicPr>
-          <p:nvPr/>
-        </p:nvPicPr>
-        <p:blipFill>
-          <a:blip r:embed="rId2"/>
-          <a:stretch>
-            <a:fillRect/>
-          </a:stretch>
-        </p:blipFill>
-        <p:spPr>
-          <a:xfrm>
-            <a:off x="11128881" y="4159"/>
-            <a:ext cx="1064878" cy="1706406"/>
-          </a:xfrm>
-          <a:prstGeom prst="rect">
-            <a:avLst/>
-          </a:prstGeom>
-        </p:spPr>
-      </p:pic>
-      <p:sp>
-        <p:nvSpPr>
-          <p:cNvPr id="7" name="Titre 1">
-            <a:extLst>
-              <a:ext uri="{FF2B5EF4-FFF2-40B4-BE49-F238E27FC236}">
-                <a16:creationId xmlns:a16="http://schemas.microsoft.com/office/drawing/2014/main" id="{B50329F0-7FAB-5A46-8618-A4B121772237}"/>
-              </a:ext>
-            </a:extLst>
-          </p:cNvPr>
-          <p:cNvSpPr>
-            <a:spLocks noGrp="1"/>
-          </p:cNvSpPr>
-          <p:nvPr>
-            <p:ph type="title"/>
-          </p:nvPr>
-        </p:nvSpPr>
-        <p:spPr>
-          <a:xfrm>
-            <a:off x="838200" y="567915"/>
-            <a:ext cx="6450106" cy="365125"/>
-          </a:xfrm>
-        </p:spPr>
-        <p:txBody>
-          <a:bodyPr>
-            <a:noAutofit/>
-          </a:bodyPr>
-          <a:lstStyle/>
-          <a:p>
-            <a:r>
-              <a:rPr lang="en-US" sz="2800" spc="300" dirty="0">
-                <a:latin typeface="Zilla Slab"/>
-              </a:rPr>
-              <a:t>End-to-End Testing  </a:t>
-            </a:r>
-          </a:p>
-        </p:txBody>
-      </p:sp>
-      <p:sp>
-        <p:nvSpPr>
-          <p:cNvPr id="9" name="Google Shape;121;g6d93b6fd7c_0_0"/>
-          <p:cNvSpPr txBox="1"/>
-          <p:nvPr/>
-        </p:nvSpPr>
-        <p:spPr>
-          <a:xfrm>
-            <a:off x="3224212" y="1263625"/>
-            <a:ext cx="6332164" cy="746175"/>
-          </a:xfrm>
-          <a:prstGeom prst="rect">
-            <a:avLst/>
-          </a:prstGeom>
-          <a:noFill/>
-          <a:ln>
-            <a:noFill/>
-          </a:ln>
-        </p:spPr>
-        <p:txBody>
-          <a:bodyPr spcFirstLastPara="1" wrap="square" lIns="91425" tIns="91425" rIns="91425" bIns="91425" anchor="t" anchorCtr="0">
-            <a:noAutofit/>
-          </a:bodyPr>
-          <a:lstStyle/>
-          <a:p>
-            <a:r>
-              <a:rPr lang="fr-FR" sz="3200" b="1" i="1" dirty="0" err="1">
-                <a:solidFill>
-                  <a:srgbClr val="572AD7"/>
-                </a:solidFill>
-                <a:latin typeface="Montserrat"/>
-                <a:ea typeface="Montserrat" charset="0"/>
-                <a:cs typeface="Montserrat" charset="0"/>
-                <a:sym typeface="Lato"/>
-              </a:rPr>
-              <a:t>Definition</a:t>
-            </a:r>
-            <a:endParaRPr lang="en-GB" sz="2400" dirty="0">
-              <a:solidFill>
-                <a:schemeClr val="tx1">
-                  <a:lumMod val="65000"/>
-                  <a:lumOff val="35000"/>
-                </a:schemeClr>
-              </a:solidFill>
-              <a:latin typeface="Montserrat" charset="0"/>
-              <a:ea typeface="Montserrat" charset="0"/>
-              <a:cs typeface="Montserrat" charset="0"/>
-            </a:endParaRPr>
-          </a:p>
-          <a:p>
-            <a:pPr marL="0" lvl="0" indent="0" algn="l" rtl="0">
-              <a:spcBef>
-                <a:spcPts val="0"/>
-              </a:spcBef>
-              <a:spcAft>
-                <a:spcPts val="0"/>
-              </a:spcAft>
-              <a:buNone/>
-            </a:pPr>
-            <a:endParaRPr lang="en-GB" sz="2800" dirty="0">
-              <a:latin typeface="Montserrat" charset="0"/>
-              <a:ea typeface="Montserrat" charset="0"/>
-              <a:cs typeface="Montserrat" charset="0"/>
-            </a:endParaRPr>
-          </a:p>
-        </p:txBody>
-      </p:sp>
-      <p:sp>
-        <p:nvSpPr>
-          <p:cNvPr id="14" name="TextBox 13">
-            <a:extLst>
-              <a:ext uri="{FF2B5EF4-FFF2-40B4-BE49-F238E27FC236}">
-                <a16:creationId xmlns:a16="http://schemas.microsoft.com/office/drawing/2014/main" id="{15140576-3857-4C6E-9A6D-623E2AFB7383}"/>
-              </a:ext>
-            </a:extLst>
-          </p:cNvPr>
-          <p:cNvSpPr txBox="1"/>
-          <p:nvPr/>
-        </p:nvSpPr>
-        <p:spPr>
-          <a:xfrm>
-            <a:off x="1237129" y="3039036"/>
-            <a:ext cx="8731624" cy="1676934"/>
-          </a:xfrm>
-          <a:prstGeom prst="rect">
-            <a:avLst/>
-          </a:prstGeom>
-          <a:noFill/>
-        </p:spPr>
-        <p:txBody>
-          <a:bodyPr wrap="square" rtlCol="0">
-            <a:spAutoFit/>
-          </a:bodyPr>
-          <a:lstStyle/>
-          <a:p>
-            <a:pPr marL="285750" indent="-285750">
-              <a:lnSpc>
-                <a:spcPct val="200000"/>
-              </a:lnSpc>
-              <a:buFontTx/>
-              <a:buChar char="-"/>
-            </a:pPr>
-            <a:r>
-              <a:rPr lang="en-US" dirty="0">
-                <a:solidFill>
-                  <a:srgbClr val="2D3846"/>
-                </a:solidFill>
-                <a:latin typeface="Fira Sans" panose="020B0604020202020204" pitchFamily="34" charset="0"/>
-              </a:rPr>
-              <a:t>End-to-end tests are like pretending you're a user and walking through everything they would do. It's about making sure the whole app works from start to finish, just like it should for a real user.</a:t>
-            </a:r>
-            <a:endParaRPr lang="en-US" dirty="0"/>
-          </a:p>
-        </p:txBody>
-      </p:sp>
-    </p:spTree>
-    <p:extLst>
-      <p:ext uri="{BB962C8B-B14F-4D97-AF65-F5344CB8AC3E}">
-        <p14:creationId xmlns:p14="http://schemas.microsoft.com/office/powerpoint/2010/main" val="803695897"/>
-      </p:ext>
-    </p:extLst>
-  </p:cSld>
-  <p:clrMapOvr>
-    <a:masterClrMapping/>
-  </p:clrMapOvr>
-  <mc:AlternateContent xmlns:mc="http://schemas.openxmlformats.org/markup-compatibility/2006" xmlns:p14="http://schemas.microsoft.com/office/powerpoint/2010/main">
-    <mc:Choice Requires="p14">
-      <p:transition spd="slow" p14:dur="800">
-        <p14:flythrough/>
-      </p:transition>
-    </mc:Choice>
-    <mc:Fallback xmlns="">
-      <p:transition spd="slow">
-        <p:fade/>
-      </p:transition>
-    </mc:Fallback>
-  </mc:AlternateContent>
-</p:sld>
-</file>
-
 <file path=ppt/slides/slide51.xml><?xml version="1.0" encoding="utf-8"?>
 <p:sld xmlns:a="http://schemas.openxmlformats.org/drawingml/2006/main" xmlns:r="http://schemas.openxmlformats.org/officeDocument/2006/relationships" xmlns:p="http://schemas.openxmlformats.org/presentationml/2006/main">
   <p:cSld>
@@ -22950,6 +23105,230 @@
               <a:rPr lang="en-US" sz="2800" spc="300" dirty="0">
                 <a:latin typeface="Zilla Slab"/>
               </a:rPr>
+              <a:t>End-to-End Testing  </a:t>
+            </a:r>
+          </a:p>
+        </p:txBody>
+      </p:sp>
+      <p:sp>
+        <p:nvSpPr>
+          <p:cNvPr id="9" name="Google Shape;121;g6d93b6fd7c_0_0"/>
+          <p:cNvSpPr txBox="1"/>
+          <p:nvPr/>
+        </p:nvSpPr>
+        <p:spPr>
+          <a:xfrm>
+            <a:off x="3224212" y="1263625"/>
+            <a:ext cx="6332164" cy="746175"/>
+          </a:xfrm>
+          <a:prstGeom prst="rect">
+            <a:avLst/>
+          </a:prstGeom>
+          <a:noFill/>
+          <a:ln>
+            <a:noFill/>
+          </a:ln>
+        </p:spPr>
+        <p:txBody>
+          <a:bodyPr spcFirstLastPara="1" wrap="square" lIns="91425" tIns="91425" rIns="91425" bIns="91425" anchor="t" anchorCtr="0">
+            <a:noAutofit/>
+          </a:bodyPr>
+          <a:lstStyle/>
+          <a:p>
+            <a:r>
+              <a:rPr lang="fr-FR" sz="3200" b="1" i="1" dirty="0" err="1">
+                <a:solidFill>
+                  <a:srgbClr val="572AD7"/>
+                </a:solidFill>
+                <a:latin typeface="Montserrat"/>
+                <a:ea typeface="Montserrat" charset="0"/>
+                <a:cs typeface="Montserrat" charset="0"/>
+                <a:sym typeface="Lato"/>
+              </a:rPr>
+              <a:t>Definition</a:t>
+            </a:r>
+            <a:endParaRPr lang="en-GB" sz="2400" dirty="0">
+              <a:solidFill>
+                <a:schemeClr val="tx1">
+                  <a:lumMod val="65000"/>
+                  <a:lumOff val="35000"/>
+                </a:schemeClr>
+              </a:solidFill>
+              <a:latin typeface="Montserrat" charset="0"/>
+              <a:ea typeface="Montserrat" charset="0"/>
+              <a:cs typeface="Montserrat" charset="0"/>
+            </a:endParaRPr>
+          </a:p>
+          <a:p>
+            <a:pPr marL="0" lvl="0" indent="0" algn="l" rtl="0">
+              <a:spcBef>
+                <a:spcPts val="0"/>
+              </a:spcBef>
+              <a:spcAft>
+                <a:spcPts val="0"/>
+              </a:spcAft>
+              <a:buNone/>
+            </a:pPr>
+            <a:endParaRPr lang="en-GB" sz="2800" dirty="0">
+              <a:latin typeface="Montserrat" charset="0"/>
+              <a:ea typeface="Montserrat" charset="0"/>
+              <a:cs typeface="Montserrat" charset="0"/>
+            </a:endParaRPr>
+          </a:p>
+        </p:txBody>
+      </p:sp>
+      <p:sp>
+        <p:nvSpPr>
+          <p:cNvPr id="14" name="TextBox 13">
+            <a:extLst>
+              <a:ext uri="{FF2B5EF4-FFF2-40B4-BE49-F238E27FC236}">
+                <a16:creationId xmlns:a16="http://schemas.microsoft.com/office/drawing/2014/main" id="{15140576-3857-4C6E-9A6D-623E2AFB7383}"/>
+              </a:ext>
+            </a:extLst>
+          </p:cNvPr>
+          <p:cNvSpPr txBox="1"/>
+          <p:nvPr/>
+        </p:nvSpPr>
+        <p:spPr>
+          <a:xfrm>
+            <a:off x="1237129" y="3039036"/>
+            <a:ext cx="8731624" cy="1676934"/>
+          </a:xfrm>
+          <a:prstGeom prst="rect">
+            <a:avLst/>
+          </a:prstGeom>
+          <a:noFill/>
+        </p:spPr>
+        <p:txBody>
+          <a:bodyPr wrap="square" rtlCol="0">
+            <a:spAutoFit/>
+          </a:bodyPr>
+          <a:lstStyle/>
+          <a:p>
+            <a:pPr marL="285750" indent="-285750">
+              <a:lnSpc>
+                <a:spcPct val="200000"/>
+              </a:lnSpc>
+              <a:buFontTx/>
+              <a:buChar char="-"/>
+            </a:pPr>
+            <a:r>
+              <a:rPr lang="en-US" dirty="0">
+                <a:solidFill>
+                  <a:srgbClr val="2D3846"/>
+                </a:solidFill>
+                <a:latin typeface="Fira Sans" panose="020B0604020202020204" pitchFamily="34" charset="0"/>
+              </a:rPr>
+              <a:t>End-to-end tests are like pretending you're a user and walking through everything they would do. It's about making sure the whole app works from start to finish, just like it should for a real user.</a:t>
+            </a:r>
+            <a:endParaRPr lang="en-US" dirty="0"/>
+          </a:p>
+        </p:txBody>
+      </p:sp>
+    </p:spTree>
+    <p:extLst>
+      <p:ext uri="{BB962C8B-B14F-4D97-AF65-F5344CB8AC3E}">
+        <p14:creationId xmlns:p14="http://schemas.microsoft.com/office/powerpoint/2010/main" val="803695897"/>
+      </p:ext>
+    </p:extLst>
+  </p:cSld>
+  <p:clrMapOvr>
+    <a:masterClrMapping/>
+  </p:clrMapOvr>
+  <mc:AlternateContent xmlns:mc="http://schemas.openxmlformats.org/markup-compatibility/2006" xmlns:p14="http://schemas.microsoft.com/office/powerpoint/2010/main">
+    <mc:Choice Requires="p14">
+      <p:transition spd="slow" p14:dur="800">
+        <p14:flythrough/>
+      </p:transition>
+    </mc:Choice>
+    <mc:Fallback xmlns="">
+      <p:transition spd="slow">
+        <p:fade/>
+      </p:transition>
+    </mc:Fallback>
+  </mc:AlternateContent>
+</p:sld>
+</file>
+
+<file path=ppt/slides/slide52.xml><?xml version="1.0" encoding="utf-8"?>
+<p:sld xmlns:a="http://schemas.openxmlformats.org/drawingml/2006/main" xmlns:r="http://schemas.openxmlformats.org/officeDocument/2006/relationships" xmlns:p="http://schemas.openxmlformats.org/presentationml/2006/main">
+  <p:cSld>
+    <p:spTree>
+      <p:nvGrpSpPr>
+        <p:cNvPr id="1" name=""/>
+        <p:cNvGrpSpPr/>
+        <p:nvPr/>
+      </p:nvGrpSpPr>
+      <p:grpSpPr>
+        <a:xfrm>
+          <a:off x="0" y="0"/>
+          <a:ext cx="0" cy="0"/>
+          <a:chOff x="0" y="0"/>
+          <a:chExt cx="0" cy="0"/>
+        </a:xfrm>
+      </p:grpSpPr>
+      <p:pic>
+        <p:nvPicPr>
+          <p:cNvPr id="6" name="Image 5">
+            <a:extLst>
+              <a:ext uri="{FF2B5EF4-FFF2-40B4-BE49-F238E27FC236}">
+                <a16:creationId xmlns:a16="http://schemas.microsoft.com/office/drawing/2014/main" id="{85C1BEF6-C4FA-794F-9003-5D49864298CC}"/>
+              </a:ext>
+            </a:extLst>
+          </p:cNvPr>
+          <p:cNvPicPr>
+            <a:picLocks noChangeAspect="1"/>
+          </p:cNvPicPr>
+          <p:nvPr/>
+        </p:nvPicPr>
+        <p:blipFill>
+          <a:blip r:embed="rId2"/>
+          <a:stretch>
+            <a:fillRect/>
+          </a:stretch>
+        </p:blipFill>
+        <p:spPr>
+          <a:xfrm>
+            <a:off x="11128881" y="4159"/>
+            <a:ext cx="1064878" cy="1706406"/>
+          </a:xfrm>
+          <a:prstGeom prst="rect">
+            <a:avLst/>
+          </a:prstGeom>
+        </p:spPr>
+      </p:pic>
+      <p:sp>
+        <p:nvSpPr>
+          <p:cNvPr id="7" name="Titre 1">
+            <a:extLst>
+              <a:ext uri="{FF2B5EF4-FFF2-40B4-BE49-F238E27FC236}">
+                <a16:creationId xmlns:a16="http://schemas.microsoft.com/office/drawing/2014/main" id="{B50329F0-7FAB-5A46-8618-A4B121772237}"/>
+              </a:ext>
+            </a:extLst>
+          </p:cNvPr>
+          <p:cNvSpPr>
+            <a:spLocks noGrp="1"/>
+          </p:cNvSpPr>
+          <p:nvPr>
+            <p:ph type="title"/>
+          </p:nvPr>
+        </p:nvSpPr>
+        <p:spPr>
+          <a:xfrm>
+            <a:off x="838200" y="567915"/>
+            <a:ext cx="6450106" cy="365125"/>
+          </a:xfrm>
+        </p:spPr>
+        <p:txBody>
+          <a:bodyPr>
+            <a:noAutofit/>
+          </a:bodyPr>
+          <a:lstStyle/>
+          <a:p>
+            <a:r>
+              <a:rPr lang="en-US" sz="2800" spc="300" dirty="0">
+                <a:latin typeface="Zilla Slab"/>
+              </a:rPr>
               <a:t>Integration Tests</a:t>
             </a:r>
           </a:p>
@@ -23085,7 +23464,7 @@
 </p:sld>
 </file>
 
-<file path=ppt/slides/slide52.xml><?xml version="1.0" encoding="utf-8"?>
+<file path=ppt/slides/slide53.xml><?xml version="1.0" encoding="utf-8"?>
 <p:sld xmlns:a="http://schemas.openxmlformats.org/drawingml/2006/main" xmlns:r="http://schemas.openxmlformats.org/officeDocument/2006/relationships" xmlns:p="http://schemas.openxmlformats.org/presentationml/2006/main">
   <p:cSld>
     <p:spTree>
@@ -23303,7 +23682,7 @@
 </p:sld>
 </file>
 
-<file path=ppt/slides/slide53.xml><?xml version="1.0" encoding="utf-8"?>
+<file path=ppt/slides/slide54.xml><?xml version="1.0" encoding="utf-8"?>
 <p:sld xmlns:a="http://schemas.openxmlformats.org/drawingml/2006/main" xmlns:r="http://schemas.openxmlformats.org/officeDocument/2006/relationships" xmlns:p="http://schemas.openxmlformats.org/presentationml/2006/main">
   <p:cSld>
     <p:spTree>
@@ -23867,7 +24246,7 @@
                 <a:effectLst/>
                 <a:latin typeface="Lato" panose="020F0502020204030203" pitchFamily="34" charset="0"/>
               </a:rPr>
-              <a:t>If you are using any third party libraries (like Material UI, JS Library, SDK 	JS (MFP) …), no need to test those – they should already be tried and tested.</a:t>
+              <a:t>If you are using any third party libraries (like Material UI, JS Library, SDK 	JS (MFP) …), no need to test those – they should already be tried and 	tested.</a:t>
             </a:r>
             <a:r>
               <a:rPr lang="en-US" b="0" i="0" dirty="0">
@@ -23995,12 +24374,198 @@
           </a:p>
         </p:txBody>
       </p:sp>
+      <p:sp>
+        <p:nvSpPr>
+          <p:cNvPr id="2" name="TextBox 1">
+            <a:extLst>
+              <a:ext uri="{FF2B5EF4-FFF2-40B4-BE49-F238E27FC236}">
+                <a16:creationId xmlns:a16="http://schemas.microsoft.com/office/drawing/2014/main" id="{51881CE3-ABA4-4F9F-AE7A-7BF43D7EA242}"/>
+              </a:ext>
+            </a:extLst>
+          </p:cNvPr>
+          <p:cNvSpPr txBox="1"/>
+          <p:nvPr/>
+        </p:nvSpPr>
+        <p:spPr>
+          <a:xfrm>
+            <a:off x="1775012" y="2793395"/>
+            <a:ext cx="6382871" cy="369332"/>
+          </a:xfrm>
+          <a:prstGeom prst="rect">
+            <a:avLst/>
+          </a:prstGeom>
+          <a:noFill/>
+        </p:spPr>
+        <p:txBody>
+          <a:bodyPr wrap="square" rtlCol="0">
+            <a:spAutoFit/>
+          </a:bodyPr>
+          <a:lstStyle/>
+          <a:p>
+            <a:r>
+              <a:rPr lang="en-US" dirty="0"/>
+              <a:t>The Test frontend divided in two part</a:t>
+            </a:r>
+            <a:endParaRPr lang="fr-TN" dirty="0"/>
+          </a:p>
+        </p:txBody>
+      </p:sp>
+      <p:sp>
+        <p:nvSpPr>
+          <p:cNvPr id="8" name="Google Shape;121;g6d93b6fd7c_0_0">
+            <a:extLst>
+              <a:ext uri="{FF2B5EF4-FFF2-40B4-BE49-F238E27FC236}">
+                <a16:creationId xmlns:a16="http://schemas.microsoft.com/office/drawing/2014/main" id="{5C9318FC-9C39-404D-AE3A-5B271F0427FA}"/>
+              </a:ext>
+            </a:extLst>
+          </p:cNvPr>
+          <p:cNvSpPr txBox="1"/>
+          <p:nvPr/>
+        </p:nvSpPr>
+        <p:spPr>
+          <a:xfrm>
+            <a:off x="3188353" y="1424989"/>
+            <a:ext cx="6332164" cy="746175"/>
+          </a:xfrm>
+          <a:prstGeom prst="rect">
+            <a:avLst/>
+          </a:prstGeom>
+          <a:noFill/>
+          <a:ln>
+            <a:noFill/>
+          </a:ln>
+        </p:spPr>
+        <p:txBody>
+          <a:bodyPr spcFirstLastPara="1" wrap="square" lIns="91425" tIns="91425" rIns="91425" bIns="91425" anchor="t" anchorCtr="0">
+            <a:noAutofit/>
+          </a:bodyPr>
+          <a:lstStyle/>
+          <a:p>
+            <a:r>
+              <a:rPr lang="en-US" sz="3200" b="1" i="1" dirty="0">
+                <a:solidFill>
+                  <a:srgbClr val="572AD7"/>
+                </a:solidFill>
+                <a:latin typeface="Montserrat"/>
+              </a:rPr>
+              <a:t>Test </a:t>
+            </a:r>
+            <a:r>
+              <a:rPr lang="en-US" sz="3200" b="1" i="1" dirty="0" err="1">
+                <a:solidFill>
+                  <a:srgbClr val="572AD7"/>
+                </a:solidFill>
+                <a:latin typeface="Montserrat"/>
+              </a:rPr>
+              <a:t>FrontEnd</a:t>
+            </a:r>
+            <a:endParaRPr lang="en-US" sz="3200" b="1" i="1" dirty="0">
+              <a:solidFill>
+                <a:srgbClr val="572AD7"/>
+              </a:solidFill>
+              <a:latin typeface="Montserrat"/>
+            </a:endParaRPr>
+          </a:p>
+          <a:p>
+            <a:endParaRPr lang="en-US" sz="3200" b="1" i="1" dirty="0">
+              <a:solidFill>
+                <a:srgbClr val="572AD7"/>
+              </a:solidFill>
+              <a:latin typeface="Montserrat"/>
+            </a:endParaRPr>
+          </a:p>
+          <a:p>
+            <a:endParaRPr lang="en-GB" sz="2400" dirty="0">
+              <a:solidFill>
+                <a:schemeClr val="tx1">
+                  <a:lumMod val="65000"/>
+                  <a:lumOff val="35000"/>
+                </a:schemeClr>
+              </a:solidFill>
+              <a:latin typeface="Montserrat" charset="0"/>
+              <a:ea typeface="Montserrat" charset="0"/>
+              <a:cs typeface="Montserrat" charset="0"/>
+            </a:endParaRPr>
+          </a:p>
+          <a:p>
+            <a:pPr marL="0" lvl="0" indent="0" algn="l" rtl="0">
+              <a:spcBef>
+                <a:spcPts val="0"/>
+              </a:spcBef>
+              <a:spcAft>
+                <a:spcPts val="0"/>
+              </a:spcAft>
+              <a:buNone/>
+            </a:pPr>
+            <a:endParaRPr lang="en-GB" sz="2800" dirty="0">
+              <a:latin typeface="Montserrat" charset="0"/>
+              <a:ea typeface="Montserrat" charset="0"/>
+              <a:cs typeface="Montserrat" charset="0"/>
+            </a:endParaRPr>
+          </a:p>
+        </p:txBody>
+      </p:sp>
+      <p:sp>
+        <p:nvSpPr>
+          <p:cNvPr id="3" name="TextBox 2">
+            <a:extLst>
+              <a:ext uri="{FF2B5EF4-FFF2-40B4-BE49-F238E27FC236}">
+                <a16:creationId xmlns:a16="http://schemas.microsoft.com/office/drawing/2014/main" id="{C0A6A413-E2A7-4755-96DF-5C29DE822A6D}"/>
+              </a:ext>
+            </a:extLst>
+          </p:cNvPr>
+          <p:cNvSpPr txBox="1"/>
+          <p:nvPr/>
+        </p:nvSpPr>
+        <p:spPr>
+          <a:xfrm>
+            <a:off x="2124635" y="4099752"/>
+            <a:ext cx="7279341" cy="1477328"/>
+          </a:xfrm>
+          <a:prstGeom prst="rect">
+            <a:avLst/>
+          </a:prstGeom>
+          <a:noFill/>
+        </p:spPr>
+        <p:txBody>
+          <a:bodyPr wrap="square" rtlCol="0">
+            <a:spAutoFit/>
+          </a:bodyPr>
+          <a:lstStyle/>
+          <a:p>
+            <a:pPr marL="285750" indent="-285750">
+              <a:buFontTx/>
+              <a:buChar char="-"/>
+            </a:pPr>
+            <a:r>
+              <a:rPr lang="fr-FR" dirty="0"/>
+              <a:t>UI Test</a:t>
+            </a:r>
+          </a:p>
+          <a:p>
+            <a:endParaRPr lang="fr-FR" dirty="0"/>
+          </a:p>
+          <a:p>
+            <a:endParaRPr lang="fr-FR" dirty="0"/>
+          </a:p>
+          <a:p>
+            <a:endParaRPr lang="fr-FR" dirty="0"/>
+          </a:p>
+          <a:p>
+            <a:r>
+              <a:rPr lang="fr-FR" dirty="0"/>
+              <a:t>-    Logic Test</a:t>
+            </a:r>
+            <a:endParaRPr lang="fr-TN" dirty="0"/>
+          </a:p>
+        </p:txBody>
+      </p:sp>
       <p:pic>
         <p:nvPicPr>
-          <p:cNvPr id="4" name="Picture 3">
+          <p:cNvPr id="9" name="Picture 8" descr="Icon&#10;&#10;Description automatically generated">
             <a:extLst>
               <a:ext uri="{FF2B5EF4-FFF2-40B4-BE49-F238E27FC236}">
-                <a16:creationId xmlns:a16="http://schemas.microsoft.com/office/drawing/2014/main" id="{92F94F25-5E8A-4EFC-8C06-7658076CC5DF}"/>
+                <a16:creationId xmlns:a16="http://schemas.microsoft.com/office/drawing/2014/main" id="{4A05B1C1-23D1-08CC-EB13-63EE42C38EC3}"/>
               </a:ext>
             </a:extLst>
           </p:cNvPr>
@@ -24017,8 +24582,38 @@
         </p:blipFill>
         <p:spPr>
           <a:xfrm>
-            <a:off x="1671637" y="1781175"/>
-            <a:ext cx="8848725" cy="3295650"/>
+            <a:off x="6953970" y="2941212"/>
+            <a:ext cx="1795583" cy="1788569"/>
+          </a:xfrm>
+          <a:prstGeom prst="rect">
+            <a:avLst/>
+          </a:prstGeom>
+        </p:spPr>
+      </p:pic>
+      <p:pic>
+        <p:nvPicPr>
+          <p:cNvPr id="10" name="Picture 9" descr="Icon&#10;&#10;Description automatically generated">
+            <a:extLst>
+              <a:ext uri="{FF2B5EF4-FFF2-40B4-BE49-F238E27FC236}">
+                <a16:creationId xmlns:a16="http://schemas.microsoft.com/office/drawing/2014/main" id="{87261D4E-F9DE-73C6-35FF-1767EF1CFDE1}"/>
+              </a:ext>
+            </a:extLst>
+          </p:cNvPr>
+          <p:cNvPicPr>
+            <a:picLocks noChangeAspect="1"/>
+          </p:cNvPicPr>
+          <p:nvPr/>
+        </p:nvPicPr>
+        <p:blipFill>
+          <a:blip r:embed="rId4"/>
+          <a:stretch>
+            <a:fillRect/>
+          </a:stretch>
+        </p:blipFill>
+        <p:spPr>
+          <a:xfrm>
+            <a:off x="8910917" y="4838415"/>
+            <a:ext cx="1477329" cy="1477329"/>
           </a:xfrm>
           <a:prstGeom prst="rect">
             <a:avLst/>

--- a/Testing ReactJS.pptx
+++ b/Testing ReactJS.pptx
@@ -13,7 +13,7 @@
     <p:sldMasterId id="2147483672" r:id="rId12"/>
   </p:sldMasterIdLst>
   <p:notesMasterIdLst>
-    <p:notesMasterId r:id="rId67"/>
+    <p:notesMasterId r:id="rId68"/>
   </p:notesMasterIdLst>
   <p:sldIdLst>
     <p:sldId id="256" r:id="rId13"/>
@@ -65,11 +65,12 @@
     <p:sldId id="367" r:id="rId59"/>
     <p:sldId id="368" r:id="rId60"/>
     <p:sldId id="369" r:id="rId61"/>
-    <p:sldId id="357" r:id="rId62"/>
-    <p:sldId id="358" r:id="rId63"/>
-    <p:sldId id="378" r:id="rId64"/>
-    <p:sldId id="314" r:id="rId65"/>
-    <p:sldId id="269" r:id="rId66"/>
+    <p:sldId id="380" r:id="rId62"/>
+    <p:sldId id="357" r:id="rId63"/>
+    <p:sldId id="358" r:id="rId64"/>
+    <p:sldId id="378" r:id="rId65"/>
+    <p:sldId id="314" r:id="rId66"/>
+    <p:sldId id="269" r:id="rId67"/>
   </p:sldIdLst>
   <p:sldSz cx="12192000" cy="6858000"/>
   <p:notesSz cx="6858000" cy="9144000"/>
@@ -197,6 +198,51 @@
 </p1510:revInfo>
 </file>
 
+<file path=ppt/ink/ink1.xml><?xml version="1.0" encoding="utf-8"?>
+<inkml:ink xmlns:inkml="http://www.w3.org/2003/InkML">
+  <inkml:definitions>
+    <inkml:context xml:id="ctx0">
+      <inkml:inkSource xml:id="inkSrc0">
+        <inkml:traceFormat>
+          <inkml:channel name="X" type="integer" max="3840" units="cm"/>
+          <inkml:channel name="Y" type="integer" max="1080" units="cm"/>
+          <inkml:channel name="T" type="integer" max="2.14748E9" units="dev"/>
+        </inkml:traceFormat>
+        <inkml:channelProperties>
+          <inkml:channelProperty channel="X" name="resolution" value="124.27184" units="1/cm"/>
+          <inkml:channelProperty channel="Y" name="resolution" value="62.06897" units="1/cm"/>
+          <inkml:channelProperty channel="T" name="resolution" value="1" units="1/dev"/>
+        </inkml:channelProperties>
+      </inkml:inkSource>
+      <inkml:timestamp xml:id="ts0" timeString="2025-04-09T15:26:11.139"/>
+    </inkml:context>
+    <inkml:brush xml:id="br0">
+      <inkml:brushProperty name="width" value="0.05292" units="cm"/>
+      <inkml:brushProperty name="height" value="0.05292" units="cm"/>
+      <inkml:brushProperty name="color" value="#FF0000"/>
+    </inkml:brush>
+  </inkml:definitions>
+  <inkml:trace contextRef="#ctx0" brushRef="#br0">19404 9301 0,'-28'0'219,"-28"28"-204,1-28 1,27 28-1,0-28-15,0 0 63,28 28-32,-28-28-15,0 0-1,0 0 1,0 0 15,0 0-15,0 28 0,0 0-16,56-28 78,0 0-47,0 0 0,0 0 16,0 0-31,0 0 15,0 0 0,0 0-15,0 0-16,0 0 47,0 0 0,-1 0-32,1 0 1,0 0-1,0 0 1,0 0 78,-28-28-79,28 28 48,0 0-1,0 0-46,28 0 0,-28 0-1,28 0 1,-29 0 0,1 0-1,0 0 16,0 0-15,0 0 15</inkml:trace>
+  <inkml:trace contextRef="#ctx0" brushRef="#br0" timeOffset="2348.14">19265 9301 0,'0'28'312,"0"0"-312,-28 0 0,0-28 31,0 28-31,28 0 16,-28-28 0,28 28-1,-28-28 1,28 28-16,-28-28 31,0 0-15,28 28 31,-28 0-32,0-28 1,0 28 0,1-28-1,27 28 79,0-56-16,0 0-62,27 28 15,1 0-15,0 0-1,0 0 1,0 0-1,0 0 1,0 0 15,0 0 1,0 0-17,28 0-15,-1 0 31,1 0-31,0 0 32,-28 0-32,-28 28 15,28-28 17,0 0-1,0 0-16,0 28 1,0 0 31,0-28-31,-28 28-1,28-28 32,-28 28 0</inkml:trace>
+  <inkml:trace contextRef="#ctx0" brushRef="#br0" timeOffset="4154.13">10721 10810 0,'56'28'156,"28"0"-156,-28-28 16,-1 56-1,1-56 1,-28 27-16,0-27 16,0 0-1,0 0 1,0 0 0,0 0-1,28 0 1,-28 0-1,27 0 17,-27 0-17,0 0 17,0 0-1</inkml:trace>
+  <inkml:trace contextRef="#ctx0" brushRef="#br0" timeOffset="6003.23">11280 10894 0,'0'28'453,"28"-28"-437,-1 0 15,1 27 16,0 1 0,0-28-16,0 0 0,0 28 0,0-28 1,-28 28-17,28-28 1,-28 28 15,0 0 16,0 0-31,-28-28 15,28 28-16,-28-28 1,28 28 0,-56 28-1,28-28 1,0-28 15,0 28 0,28 0 1,-27-28-17,-1 0 1,0 0 31,28 28-32,-28-1 17</inkml:trace>
+  <inkml:trace contextRef="#ctx0" brushRef="#br0" timeOffset="12438.65">24011 11424 0,'28'0'218,"56"0"-202,-56 0-16,55 0 16,-55 0-1,28 0-15,-28 0 16,56 0 0,27 0-1,-27 0 1,-56 0 15,28 0-15,-28 0 15,0 0 16,0 0-32,0 0 1,-28-28 62,0 0-62,28 28 31,0 0 125,-1 0-94,1 0-63,0 0 1,0 0 0,0 0 15,0 0 31</inkml:trace>
+  <inkml:trace contextRef="#ctx0" brushRef="#br0" timeOffset="20059.29">9884 11983 0,'28'0'157,"-1"0"-142,1 0-15,56-56 16,84 28 0,-113 28-1,57 0 16,-56 0-31,-28 0 16,84 0-16,-57 0 16,29 0-1,0 0 17,-28 0-17,-28 0 1,28 0-1,-1 0 1,1 0 0,-28 0-1,0 28 1,0-28 0,0 0 30</inkml:trace>
+  <inkml:trace contextRef="#ctx0" brushRef="#br0" timeOffset="21507.51">10833 11704 0,'28'28'187,"0"-28"-171,0 28-1,0-28 1,-1 0 0,1 0-16,28 27 15,-28 1 1,0-28-1,-28 28 1,56-28 15,-28 0-31,0 0 16,0 0 15,0 28-15,-28 0 15,0 0 47,0 0-62,0 0-1,0 0 1,0 0 0,0 0-1,-28-28-15,0 28 16,-56 28 0,28-1-1,0 57 1,28-84-1,-27 56 1,55-56 0,-28 28-1,0-28 17</inkml:trace>
+  <inkml:trace contextRef="#ctx0" brushRef="#br0" timeOffset="23314.5">18734 12430 0,'84'0'110,"-56"28"-110,0-28 15,-28 28-15,56-28 16,-28 0-16,-1 0 31,29 0-15,-28 0 46</inkml:trace>
+  <inkml:trace contextRef="#ctx0" brushRef="#br0" timeOffset="25929.89">16556 12737 0,'28'0'140,"0"0"-140,0 0 16,0 0-1,28 28 1,-28-28 0,0 0-16,0 0 15,55 0 1,-55 0 0,0 28-1,0-28 16,0 0-31,0 0 32,0 0-17,0 0 1,28 0 0,0 0-1,-29 0 1,1 0-1,0 0 1,28 0 0,0 28-1,56-28 1,-56 0 15,-29 0-15,29 0-1,-28 0 1,0 0 0,0 28-1,0-28 1,0 0 15,0 0 0,0 0-15,0 0 0,0 0-1,-1 0-15,1 0 16,0 0 0,0 0-1,28 0 16,-28 0-15,0 0 0,0 0-1,0 0 32,0 0-16,0 0 32</inkml:trace>
+  <inkml:trace contextRef="#ctx0" brushRef="#br0" timeOffset="28804.7">10414 13687 0,'0'56'266,"-28"28"-266,28-29 15,-28 141 1,28-84 0,0-29-1,0-55-15,0 28 32,0 0-32,0 0 31,0 0-31,0-28 15,28 0 17,-28 0-32,0 0 15,0-1 17,28-27-17,0-27 32,0 27 16,0 0-48,-28 27-15,28-27 16,0 28 15,0-28-15,0 0-16,-1 0 31,1 0 16,0 0-32,-28 28 1,28-28 0</inkml:trace>
+  <inkml:trace contextRef="#ctx0" brushRef="#br0" timeOffset="30637.03">17143 13771 0,'-28'111'218,"0"1"-218,28-28 0,-28 84 16,0 55 0,0-83-1,0-112 1,-28 27-1,28 1 1,-55 0 0,55 56-1,-56 0 17,28-29-17,28-27 1,28-28-1,-28-28-15,0 28 16,28 0 0,-28-28-16,28 28 15,-55 0 1,27 0 0,28-56 15,0 0 0,0 0 47,0 0-78,0 0 16</inkml:trace>
+  <inkml:trace contextRef="#ctx0" brushRef="#br0" timeOffset="33760.53">12424 15000 0,'56'0'266,"28"0"-251,-56 28-15,56-28 16,27 55 0,-55-55-1,-28 0 1,0 28-16,0-28 15,28 0 17,-28 0-17,0 0 1,-1 0 15,1 0-31,0 0 16,0 0 15,0 0-15,0 0 15,0-28-15,0 28-1,0 0 16,28-27-15,-28 27-16,27-28 16,29 0-1,0 0 1,56 28 0,-113-28-1,29 28 1,0 0-1,-28 0 17,28 0-17,28 0 17,-29 0-17,1 0 1,-28 0-1,0 0 17,-56 0 77</inkml:trace>
+  <inkml:trace contextRef="#ctx0" brushRef="#br0" timeOffset="44250.13">11810 14832 0,'84'28'250,"0"-28"-250,-1 28 0,113-28 16,-112 0-1,83 28 1,-55-28 15,55 0-31,-111 0 31,0 0-15,-28-28 31</inkml:trace>
+  <inkml:trace contextRef="#ctx0" brushRef="#br0" timeOffset="46404.78">10163 15698 0,'28'0'234,"0"0"-203,0 0-31,-1-28 31,1 28-31,0 0 16,0 0 0,0 0 31,0 0-47,0 0 31,0 0 0,0 0 0,0 0 1,0-28-17,0 28 16,0 0 16,-1 0-15,1 0 14,0 0-14,0 0-17,0 0 1,0 0-16,0 0 31,0 0-15,0 0 15,0 0-31,0 0 31,0 0 47,-28 28-46,55-28-17,-27 0 17,0 0-1</inkml:trace>
+  <inkml:trace contextRef="#ctx0" brushRef="#br0" timeOffset="47543.41">11028 15586 0</inkml:trace>
+  <inkml:trace contextRef="#ctx0" brushRef="#br0" timeOffset="51280.55">16808 16452 0,'28'0'250,"55"0"-234,1 28-1,-56-28-15,28 0 16,0 0-1,-28 0-15,27 0 16,113 0 0,0 0-1,-1 0 1,-111 0 0,56 0-1,-85 0 1,1-28 15,56 28-31,-28 0 31,56 0-31,-84 0 16,0 28 0,-28-56 30,27 28-30,-27-28-16,28 28 16,28 0-1,-28 0 1,0 0 0,0 0-1,0 0 16,0 0-15,0 0 0,0 0-1,0 0 1,-1 0 15</inkml:trace>
+  <inkml:trace contextRef="#ctx0" brushRef="#br0" timeOffset="54796.27">20912 13743 0,'-28'28'110,"-28"28"-95,0-29-15,56 29 16,-111 28 0,55-56-16,-56 140 15,-55 55 1,55-83-1,56-56 1,0-57 0,28 1-1,0 0 1,-55 56 0,-1 0-1,0-28 1,28-28-1,56 0 1,-28 0 31,0 27-31,-55 85-1,27-84 1,56-84 15,0 0-31,0-28 16,28 28-1</inkml:trace>
+  <inkml:trace contextRef="#ctx0" brushRef="#br0" timeOffset="56764.86">19600 14748 0,'-28'28'281,"28"0"-266,0 0-15,0 0 32,0 0-32,0 0 15,-28 0-15,28 56 32,-28-1-1,0 1-16,0-28 1,28-28 0,0 28 46,0-28-46,-28-28-1,28 28-15,-28 0 16,28 0 0,0-56-1,0 0 1,28 0 0,-28-28 15,28 56-31,0 0 47,0-28-16,0 28-15,0-28-1,0 28 1,0-28-1,0 0 1,-1 28 15,1 0-15,28 0 0,56-28-1,-28 0 1,-56 28-1,-1 0 17,1 0-17,0 0-15,28 0 16,28 0 0,-56 0 15,0 0-16,0 0 1,-56 0 78</inkml:trace>
+</inkml:ink>
+</file>
+
 <file path=ppt/notesMasters/notesMaster1.xml><?xml version="1.0" encoding="utf-8"?>
 <p:notesMaster xmlns:a="http://schemas.openxmlformats.org/drawingml/2006/main" xmlns:r="http://schemas.openxmlformats.org/officeDocument/2006/relationships" xmlns:p="http://schemas.openxmlformats.org/presentationml/2006/main">
   <p:cSld>
@@ -279,7 +325,7 @@
           <a:p>
             <a:fld id="{A255E714-09F2-9A40-AD8B-C2589A9C5974}" type="datetimeFigureOut">
               <a:rPr lang="fr-FR" smtClean="0"/>
-              <a:t>08/04/2025</a:t>
+              <a:t>09/04/2025</a:t>
             </a:fld>
             <a:endParaRPr lang="fr-FR"/>
           </a:p>
@@ -11214,6 +11260,57 @@
           </a:p>
         </p:txBody>
       </p:sp>
+      <mc:AlternateContent xmlns:mc="http://schemas.openxmlformats.org/markup-compatibility/2006">
+        <mc:Choice xmlns:p14="http://schemas.microsoft.com/office/powerpoint/2010/main" Requires="p14">
+          <p:contentPart p14:bwMode="auto" r:id="rId4">
+            <p14:nvContentPartPr>
+              <p14:cNvPr id="2" name="Ink 1">
+                <a:extLst>
+                  <a:ext uri="{FF2B5EF4-FFF2-40B4-BE49-F238E27FC236}">
+                    <a16:creationId xmlns:a16="http://schemas.microsoft.com/office/drawing/2014/main" id="{D84DA29E-B8F9-4F32-895A-16C1E7E0EE52}"/>
+                  </a:ext>
+                </a:extLst>
+              </p14:cNvPr>
+              <p14:cNvContentPartPr/>
+              <p14:nvPr/>
+            </p14:nvContentPartPr>
+            <p14:xfrm>
+              <a:off x="3558240" y="3348360"/>
+              <a:ext cx="5457960" cy="2584800"/>
+            </p14:xfrm>
+          </p:contentPart>
+        </mc:Choice>
+        <mc:Fallback>
+          <p:pic>
+            <p:nvPicPr>
+              <p:cNvPr id="2" name="Ink 1">
+                <a:extLst>
+                  <a:ext uri="{FF2B5EF4-FFF2-40B4-BE49-F238E27FC236}">
+                    <a16:creationId xmlns:a16="http://schemas.microsoft.com/office/drawing/2014/main" id="{D84DA29E-B8F9-4F32-895A-16C1E7E0EE52}"/>
+                  </a:ext>
+                </a:extLst>
+              </p:cNvPr>
+              <p:cNvPicPr/>
+              <p:nvPr/>
+            </p:nvPicPr>
+            <p:blipFill>
+              <a:blip r:embed="rId5"/>
+              <a:stretch>
+                <a:fillRect/>
+              </a:stretch>
+            </p:blipFill>
+            <p:spPr>
+              <a:xfrm>
+                <a:off x="3548880" y="3339000"/>
+                <a:ext cx="5476680" cy="2603520"/>
+              </a:xfrm>
+              <a:prstGeom prst="rect">
+                <a:avLst/>
+              </a:prstGeom>
+            </p:spPr>
+          </p:pic>
+        </mc:Fallback>
+      </mc:AlternateContent>
     </p:spTree>
     <p:extLst>
       <p:ext uri="{BB962C8B-B14F-4D97-AF65-F5344CB8AC3E}">
@@ -22815,6 +22912,220 @@
           <a:chExt cx="0" cy="0"/>
         </a:xfrm>
       </p:grpSpPr>
+      <p:pic>
+        <p:nvPicPr>
+          <p:cNvPr id="6" name="Image 5">
+            <a:extLst>
+              <a:ext uri="{FF2B5EF4-FFF2-40B4-BE49-F238E27FC236}">
+                <a16:creationId xmlns:a16="http://schemas.microsoft.com/office/drawing/2014/main" id="{85C1BEF6-C4FA-794F-9003-5D49864298CC}"/>
+              </a:ext>
+            </a:extLst>
+          </p:cNvPr>
+          <p:cNvPicPr>
+            <a:picLocks noChangeAspect="1"/>
+          </p:cNvPicPr>
+          <p:nvPr/>
+        </p:nvPicPr>
+        <p:blipFill>
+          <a:blip r:embed="rId2"/>
+          <a:stretch>
+            <a:fillRect/>
+          </a:stretch>
+        </p:blipFill>
+        <p:spPr>
+          <a:xfrm>
+            <a:off x="11128881" y="4159"/>
+            <a:ext cx="1064878" cy="1706406"/>
+          </a:xfrm>
+          <a:prstGeom prst="rect">
+            <a:avLst/>
+          </a:prstGeom>
+        </p:spPr>
+      </p:pic>
+      <p:sp>
+        <p:nvSpPr>
+          <p:cNvPr id="7" name="Titre 1">
+            <a:extLst>
+              <a:ext uri="{FF2B5EF4-FFF2-40B4-BE49-F238E27FC236}">
+                <a16:creationId xmlns:a16="http://schemas.microsoft.com/office/drawing/2014/main" id="{B50329F0-7FAB-5A46-8618-A4B121772237}"/>
+              </a:ext>
+            </a:extLst>
+          </p:cNvPr>
+          <p:cNvSpPr>
+            <a:spLocks noGrp="1"/>
+          </p:cNvSpPr>
+          <p:nvPr>
+            <p:ph type="title"/>
+          </p:nvPr>
+        </p:nvSpPr>
+        <p:spPr>
+          <a:xfrm>
+            <a:off x="838200" y="567915"/>
+            <a:ext cx="6450106" cy="365125"/>
+          </a:xfrm>
+        </p:spPr>
+        <p:txBody>
+          <a:bodyPr>
+            <a:noAutofit/>
+          </a:bodyPr>
+          <a:lstStyle/>
+          <a:p>
+            <a:r>
+              <a:rPr lang="en-US" sz="2800" spc="300" dirty="0">
+                <a:latin typeface="Zilla Slab"/>
+              </a:rPr>
+              <a:t>Integration Tests</a:t>
+            </a:r>
+          </a:p>
+        </p:txBody>
+      </p:sp>
+      <p:sp>
+        <p:nvSpPr>
+          <p:cNvPr id="9" name="Google Shape;121;g6d93b6fd7c_0_0"/>
+          <p:cNvSpPr txBox="1"/>
+          <p:nvPr/>
+        </p:nvSpPr>
+        <p:spPr>
+          <a:xfrm>
+            <a:off x="3224212" y="1263625"/>
+            <a:ext cx="6332164" cy="746175"/>
+          </a:xfrm>
+          <a:prstGeom prst="rect">
+            <a:avLst/>
+          </a:prstGeom>
+          <a:noFill/>
+          <a:ln>
+            <a:noFill/>
+          </a:ln>
+        </p:spPr>
+        <p:txBody>
+          <a:bodyPr spcFirstLastPara="1" wrap="square" lIns="91425" tIns="91425" rIns="91425" bIns="91425" anchor="t" anchorCtr="0">
+            <a:noAutofit/>
+          </a:bodyPr>
+          <a:lstStyle/>
+          <a:p>
+            <a:pPr algn="ctr"/>
+            <a:r>
+              <a:rPr lang="en-US" sz="3200" b="1" i="1" dirty="0">
+                <a:solidFill>
+                  <a:srgbClr val="572AD7"/>
+                </a:solidFill>
+                <a:latin typeface="Montserrat"/>
+              </a:rPr>
+              <a:t>Demo</a:t>
+            </a:r>
+          </a:p>
+          <a:p>
+            <a:endParaRPr lang="en-US" sz="3200" b="1" i="1" dirty="0">
+              <a:solidFill>
+                <a:srgbClr val="572AD7"/>
+              </a:solidFill>
+              <a:latin typeface="Montserrat"/>
+            </a:endParaRPr>
+          </a:p>
+          <a:p>
+            <a:endParaRPr lang="en-GB" sz="2400" dirty="0">
+              <a:solidFill>
+                <a:schemeClr val="tx1">
+                  <a:lumMod val="65000"/>
+                  <a:lumOff val="35000"/>
+                </a:schemeClr>
+              </a:solidFill>
+              <a:latin typeface="Montserrat" charset="0"/>
+              <a:ea typeface="Montserrat" charset="0"/>
+              <a:cs typeface="Montserrat" charset="0"/>
+            </a:endParaRPr>
+          </a:p>
+          <a:p>
+            <a:pPr marL="0" lvl="0" indent="0" algn="l" rtl="0">
+              <a:spcBef>
+                <a:spcPts val="0"/>
+              </a:spcBef>
+              <a:spcAft>
+                <a:spcPts val="0"/>
+              </a:spcAft>
+              <a:buNone/>
+            </a:pPr>
+            <a:endParaRPr lang="en-GB" sz="2800" dirty="0">
+              <a:latin typeface="Montserrat" charset="0"/>
+              <a:ea typeface="Montserrat" charset="0"/>
+              <a:cs typeface="Montserrat" charset="0"/>
+            </a:endParaRPr>
+          </a:p>
+        </p:txBody>
+      </p:sp>
+      <p:pic>
+        <p:nvPicPr>
+          <p:cNvPr id="3" name="Picture 2">
+            <a:extLst>
+              <a:ext uri="{FF2B5EF4-FFF2-40B4-BE49-F238E27FC236}">
+                <a16:creationId xmlns:a16="http://schemas.microsoft.com/office/drawing/2014/main" id="{DEBB74F1-5562-42EE-AB19-7D7882B9EA17}"/>
+              </a:ext>
+            </a:extLst>
+          </p:cNvPr>
+          <p:cNvPicPr>
+            <a:picLocks noChangeAspect="1"/>
+          </p:cNvPicPr>
+          <p:nvPr/>
+        </p:nvPicPr>
+        <p:blipFill>
+          <a:blip r:embed="rId3"/>
+          <a:stretch>
+            <a:fillRect/>
+          </a:stretch>
+        </p:blipFill>
+        <p:spPr>
+          <a:xfrm>
+            <a:off x="4960283" y="2554941"/>
+            <a:ext cx="2860021" cy="2860021"/>
+          </a:xfrm>
+          <a:prstGeom prst="rect">
+            <a:avLst/>
+          </a:prstGeom>
+        </p:spPr>
+      </p:pic>
+    </p:spTree>
+    <p:extLst>
+      <p:ext uri="{BB962C8B-B14F-4D97-AF65-F5344CB8AC3E}">
+        <p14:creationId xmlns:p14="http://schemas.microsoft.com/office/powerpoint/2010/main" val="1981436716"/>
+      </p:ext>
+    </p:extLst>
+  </p:cSld>
+  <p:clrMapOvr>
+    <a:masterClrMapping/>
+  </p:clrMapOvr>
+  <mc:AlternateContent xmlns:mc="http://schemas.openxmlformats.org/markup-compatibility/2006" xmlns:p14="http://schemas.microsoft.com/office/powerpoint/2010/main">
+    <mc:Choice Requires="p14">
+      <p:transition spd="slow" p14:dur="800">
+        <p14:flythrough/>
+      </p:transition>
+    </mc:Choice>
+    <mc:Fallback xmlns="">
+      <p:transition spd="slow">
+        <p:fade/>
+      </p:transition>
+    </mc:Fallback>
+  </mc:AlternateContent>
+</p:sld>
+</file>
+
+<file path=ppt/slides/slide51.xml><?xml version="1.0" encoding="utf-8"?>
+<p:sld xmlns:a="http://schemas.openxmlformats.org/drawingml/2006/main" xmlns:r="http://schemas.openxmlformats.org/officeDocument/2006/relationships" xmlns:p="http://schemas.openxmlformats.org/presentationml/2006/main">
+  <p:cSld>
+    <p:spTree>
+      <p:nvGrpSpPr>
+        <p:cNvPr id="1" name=""/>
+        <p:cNvGrpSpPr/>
+        <p:nvPr/>
+      </p:nvGrpSpPr>
+      <p:grpSpPr>
+        <a:xfrm>
+          <a:off x="0" y="0"/>
+          <a:ext cx="0" cy="0"/>
+          <a:chOff x="0" y="0"/>
+          <a:chExt cx="0" cy="0"/>
+        </a:xfrm>
+      </p:grpSpPr>
       <p:sp>
         <p:nvSpPr>
           <p:cNvPr id="2" name="Titre 1">
@@ -23026,230 +23337,6 @@
 </p:sld>
 </file>
 
-<file path=ppt/slides/slide51.xml><?xml version="1.0" encoding="utf-8"?>
-<p:sld xmlns:a="http://schemas.openxmlformats.org/drawingml/2006/main" xmlns:r="http://schemas.openxmlformats.org/officeDocument/2006/relationships" xmlns:p="http://schemas.openxmlformats.org/presentationml/2006/main">
-  <p:cSld>
-    <p:spTree>
-      <p:nvGrpSpPr>
-        <p:cNvPr id="1" name=""/>
-        <p:cNvGrpSpPr/>
-        <p:nvPr/>
-      </p:nvGrpSpPr>
-      <p:grpSpPr>
-        <a:xfrm>
-          <a:off x="0" y="0"/>
-          <a:ext cx="0" cy="0"/>
-          <a:chOff x="0" y="0"/>
-          <a:chExt cx="0" cy="0"/>
-        </a:xfrm>
-      </p:grpSpPr>
-      <p:pic>
-        <p:nvPicPr>
-          <p:cNvPr id="6" name="Image 5">
-            <a:extLst>
-              <a:ext uri="{FF2B5EF4-FFF2-40B4-BE49-F238E27FC236}">
-                <a16:creationId xmlns:a16="http://schemas.microsoft.com/office/drawing/2014/main" id="{85C1BEF6-C4FA-794F-9003-5D49864298CC}"/>
-              </a:ext>
-            </a:extLst>
-          </p:cNvPr>
-          <p:cNvPicPr>
-            <a:picLocks noChangeAspect="1"/>
-          </p:cNvPicPr>
-          <p:nvPr/>
-        </p:nvPicPr>
-        <p:blipFill>
-          <a:blip r:embed="rId2"/>
-          <a:stretch>
-            <a:fillRect/>
-          </a:stretch>
-        </p:blipFill>
-        <p:spPr>
-          <a:xfrm>
-            <a:off x="11128881" y="4159"/>
-            <a:ext cx="1064878" cy="1706406"/>
-          </a:xfrm>
-          <a:prstGeom prst="rect">
-            <a:avLst/>
-          </a:prstGeom>
-        </p:spPr>
-      </p:pic>
-      <p:sp>
-        <p:nvSpPr>
-          <p:cNvPr id="7" name="Titre 1">
-            <a:extLst>
-              <a:ext uri="{FF2B5EF4-FFF2-40B4-BE49-F238E27FC236}">
-                <a16:creationId xmlns:a16="http://schemas.microsoft.com/office/drawing/2014/main" id="{B50329F0-7FAB-5A46-8618-A4B121772237}"/>
-              </a:ext>
-            </a:extLst>
-          </p:cNvPr>
-          <p:cNvSpPr>
-            <a:spLocks noGrp="1"/>
-          </p:cNvSpPr>
-          <p:nvPr>
-            <p:ph type="title"/>
-          </p:nvPr>
-        </p:nvSpPr>
-        <p:spPr>
-          <a:xfrm>
-            <a:off x="838200" y="567915"/>
-            <a:ext cx="6450106" cy="365125"/>
-          </a:xfrm>
-        </p:spPr>
-        <p:txBody>
-          <a:bodyPr>
-            <a:noAutofit/>
-          </a:bodyPr>
-          <a:lstStyle/>
-          <a:p>
-            <a:r>
-              <a:rPr lang="en-US" sz="2800" spc="300" dirty="0">
-                <a:latin typeface="Zilla Slab"/>
-              </a:rPr>
-              <a:t>End-to-End Testing  </a:t>
-            </a:r>
-          </a:p>
-        </p:txBody>
-      </p:sp>
-      <p:sp>
-        <p:nvSpPr>
-          <p:cNvPr id="9" name="Google Shape;121;g6d93b6fd7c_0_0"/>
-          <p:cNvSpPr txBox="1"/>
-          <p:nvPr/>
-        </p:nvSpPr>
-        <p:spPr>
-          <a:xfrm>
-            <a:off x="3224212" y="1263625"/>
-            <a:ext cx="6332164" cy="746175"/>
-          </a:xfrm>
-          <a:prstGeom prst="rect">
-            <a:avLst/>
-          </a:prstGeom>
-          <a:noFill/>
-          <a:ln>
-            <a:noFill/>
-          </a:ln>
-        </p:spPr>
-        <p:txBody>
-          <a:bodyPr spcFirstLastPara="1" wrap="square" lIns="91425" tIns="91425" rIns="91425" bIns="91425" anchor="t" anchorCtr="0">
-            <a:noAutofit/>
-          </a:bodyPr>
-          <a:lstStyle/>
-          <a:p>
-            <a:r>
-              <a:rPr lang="fr-FR" sz="3200" b="1" i="1" dirty="0" err="1">
-                <a:solidFill>
-                  <a:srgbClr val="572AD7"/>
-                </a:solidFill>
-                <a:latin typeface="Montserrat"/>
-                <a:ea typeface="Montserrat" charset="0"/>
-                <a:cs typeface="Montserrat" charset="0"/>
-                <a:sym typeface="Lato"/>
-              </a:rPr>
-              <a:t>Definition</a:t>
-            </a:r>
-            <a:endParaRPr lang="en-GB" sz="2400" dirty="0">
-              <a:solidFill>
-                <a:schemeClr val="tx1">
-                  <a:lumMod val="65000"/>
-                  <a:lumOff val="35000"/>
-                </a:schemeClr>
-              </a:solidFill>
-              <a:latin typeface="Montserrat" charset="0"/>
-              <a:ea typeface="Montserrat" charset="0"/>
-              <a:cs typeface="Montserrat" charset="0"/>
-            </a:endParaRPr>
-          </a:p>
-          <a:p>
-            <a:pPr marL="0" lvl="0" indent="0" algn="l" rtl="0">
-              <a:spcBef>
-                <a:spcPts val="0"/>
-              </a:spcBef>
-              <a:spcAft>
-                <a:spcPts val="0"/>
-              </a:spcAft>
-              <a:buNone/>
-            </a:pPr>
-            <a:endParaRPr lang="en-GB" sz="2800" dirty="0">
-              <a:latin typeface="Montserrat" charset="0"/>
-              <a:ea typeface="Montserrat" charset="0"/>
-              <a:cs typeface="Montserrat" charset="0"/>
-            </a:endParaRPr>
-          </a:p>
-        </p:txBody>
-      </p:sp>
-      <p:sp>
-        <p:nvSpPr>
-          <p:cNvPr id="14" name="TextBox 13">
-            <a:extLst>
-              <a:ext uri="{FF2B5EF4-FFF2-40B4-BE49-F238E27FC236}">
-                <a16:creationId xmlns:a16="http://schemas.microsoft.com/office/drawing/2014/main" id="{15140576-3857-4C6E-9A6D-623E2AFB7383}"/>
-              </a:ext>
-            </a:extLst>
-          </p:cNvPr>
-          <p:cNvSpPr txBox="1"/>
-          <p:nvPr/>
-        </p:nvSpPr>
-        <p:spPr>
-          <a:xfrm>
-            <a:off x="1237129" y="3039036"/>
-            <a:ext cx="8731624" cy="1676934"/>
-          </a:xfrm>
-          <a:prstGeom prst="rect">
-            <a:avLst/>
-          </a:prstGeom>
-          <a:noFill/>
-        </p:spPr>
-        <p:txBody>
-          <a:bodyPr wrap="square" rtlCol="0">
-            <a:spAutoFit/>
-          </a:bodyPr>
-          <a:lstStyle/>
-          <a:p>
-            <a:pPr marL="285750" indent="-285750">
-              <a:lnSpc>
-                <a:spcPct val="200000"/>
-              </a:lnSpc>
-              <a:buFontTx/>
-              <a:buChar char="-"/>
-            </a:pPr>
-            <a:r>
-              <a:rPr lang="en-US" dirty="0">
-                <a:solidFill>
-                  <a:srgbClr val="2D3846"/>
-                </a:solidFill>
-                <a:latin typeface="Fira Sans" panose="020B0604020202020204" pitchFamily="34" charset="0"/>
-              </a:rPr>
-              <a:t>End-to-end tests are like pretending you're a user and walking through everything they would do. It's about making sure the whole app works from start to finish, just like it should for a real user.</a:t>
-            </a:r>
-            <a:endParaRPr lang="en-US" dirty="0"/>
-          </a:p>
-        </p:txBody>
-      </p:sp>
-    </p:spTree>
-    <p:extLst>
-      <p:ext uri="{BB962C8B-B14F-4D97-AF65-F5344CB8AC3E}">
-        <p14:creationId xmlns:p14="http://schemas.microsoft.com/office/powerpoint/2010/main" val="803695897"/>
-      </p:ext>
-    </p:extLst>
-  </p:cSld>
-  <p:clrMapOvr>
-    <a:masterClrMapping/>
-  </p:clrMapOvr>
-  <mc:AlternateContent xmlns:mc="http://schemas.openxmlformats.org/markup-compatibility/2006" xmlns:p14="http://schemas.microsoft.com/office/powerpoint/2010/main">
-    <mc:Choice Requires="p14">
-      <p:transition spd="slow" p14:dur="800">
-        <p14:flythrough/>
-      </p:transition>
-    </mc:Choice>
-    <mc:Fallback xmlns="">
-      <p:transition spd="slow">
-        <p:fade/>
-      </p:transition>
-    </mc:Fallback>
-  </mc:AlternateContent>
-</p:sld>
-</file>
-
 <file path=ppt/slides/slide52.xml><?xml version="1.0" encoding="utf-8"?>
 <p:sld xmlns:a="http://schemas.openxmlformats.org/drawingml/2006/main" xmlns:r="http://schemas.openxmlformats.org/officeDocument/2006/relationships" xmlns:p="http://schemas.openxmlformats.org/presentationml/2006/main">
   <p:cSld>
@@ -23329,6 +23416,230 @@
               <a:rPr lang="en-US" sz="2800" spc="300" dirty="0">
                 <a:latin typeface="Zilla Slab"/>
               </a:rPr>
+              <a:t>End-to-End Testing  </a:t>
+            </a:r>
+          </a:p>
+        </p:txBody>
+      </p:sp>
+      <p:sp>
+        <p:nvSpPr>
+          <p:cNvPr id="9" name="Google Shape;121;g6d93b6fd7c_0_0"/>
+          <p:cNvSpPr txBox="1"/>
+          <p:nvPr/>
+        </p:nvSpPr>
+        <p:spPr>
+          <a:xfrm>
+            <a:off x="3224212" y="1263625"/>
+            <a:ext cx="6332164" cy="746175"/>
+          </a:xfrm>
+          <a:prstGeom prst="rect">
+            <a:avLst/>
+          </a:prstGeom>
+          <a:noFill/>
+          <a:ln>
+            <a:noFill/>
+          </a:ln>
+        </p:spPr>
+        <p:txBody>
+          <a:bodyPr spcFirstLastPara="1" wrap="square" lIns="91425" tIns="91425" rIns="91425" bIns="91425" anchor="t" anchorCtr="0">
+            <a:noAutofit/>
+          </a:bodyPr>
+          <a:lstStyle/>
+          <a:p>
+            <a:r>
+              <a:rPr lang="fr-FR" sz="3200" b="1" i="1" dirty="0" err="1">
+                <a:solidFill>
+                  <a:srgbClr val="572AD7"/>
+                </a:solidFill>
+                <a:latin typeface="Montserrat"/>
+                <a:ea typeface="Montserrat" charset="0"/>
+                <a:cs typeface="Montserrat" charset="0"/>
+                <a:sym typeface="Lato"/>
+              </a:rPr>
+              <a:t>Definition</a:t>
+            </a:r>
+            <a:endParaRPr lang="en-GB" sz="2400" dirty="0">
+              <a:solidFill>
+                <a:schemeClr val="tx1">
+                  <a:lumMod val="65000"/>
+                  <a:lumOff val="35000"/>
+                </a:schemeClr>
+              </a:solidFill>
+              <a:latin typeface="Montserrat" charset="0"/>
+              <a:ea typeface="Montserrat" charset="0"/>
+              <a:cs typeface="Montserrat" charset="0"/>
+            </a:endParaRPr>
+          </a:p>
+          <a:p>
+            <a:pPr marL="0" lvl="0" indent="0" algn="l" rtl="0">
+              <a:spcBef>
+                <a:spcPts val="0"/>
+              </a:spcBef>
+              <a:spcAft>
+                <a:spcPts val="0"/>
+              </a:spcAft>
+              <a:buNone/>
+            </a:pPr>
+            <a:endParaRPr lang="en-GB" sz="2800" dirty="0">
+              <a:latin typeface="Montserrat" charset="0"/>
+              <a:ea typeface="Montserrat" charset="0"/>
+              <a:cs typeface="Montserrat" charset="0"/>
+            </a:endParaRPr>
+          </a:p>
+        </p:txBody>
+      </p:sp>
+      <p:sp>
+        <p:nvSpPr>
+          <p:cNvPr id="14" name="TextBox 13">
+            <a:extLst>
+              <a:ext uri="{FF2B5EF4-FFF2-40B4-BE49-F238E27FC236}">
+                <a16:creationId xmlns:a16="http://schemas.microsoft.com/office/drawing/2014/main" id="{15140576-3857-4C6E-9A6D-623E2AFB7383}"/>
+              </a:ext>
+            </a:extLst>
+          </p:cNvPr>
+          <p:cNvSpPr txBox="1"/>
+          <p:nvPr/>
+        </p:nvSpPr>
+        <p:spPr>
+          <a:xfrm>
+            <a:off x="1237129" y="3039036"/>
+            <a:ext cx="8731624" cy="1676934"/>
+          </a:xfrm>
+          <a:prstGeom prst="rect">
+            <a:avLst/>
+          </a:prstGeom>
+          <a:noFill/>
+        </p:spPr>
+        <p:txBody>
+          <a:bodyPr wrap="square" rtlCol="0">
+            <a:spAutoFit/>
+          </a:bodyPr>
+          <a:lstStyle/>
+          <a:p>
+            <a:pPr marL="285750" indent="-285750">
+              <a:lnSpc>
+                <a:spcPct val="200000"/>
+              </a:lnSpc>
+              <a:buFontTx/>
+              <a:buChar char="-"/>
+            </a:pPr>
+            <a:r>
+              <a:rPr lang="en-US" dirty="0">
+                <a:solidFill>
+                  <a:srgbClr val="2D3846"/>
+                </a:solidFill>
+                <a:latin typeface="Fira Sans" panose="020B0604020202020204" pitchFamily="34" charset="0"/>
+              </a:rPr>
+              <a:t>End-to-end tests are like pretending you're a user and walking through everything they would do. It's about making sure the whole app works from start to finish, just like it should for a real user.</a:t>
+            </a:r>
+            <a:endParaRPr lang="en-US" dirty="0"/>
+          </a:p>
+        </p:txBody>
+      </p:sp>
+    </p:spTree>
+    <p:extLst>
+      <p:ext uri="{BB962C8B-B14F-4D97-AF65-F5344CB8AC3E}">
+        <p14:creationId xmlns:p14="http://schemas.microsoft.com/office/powerpoint/2010/main" val="803695897"/>
+      </p:ext>
+    </p:extLst>
+  </p:cSld>
+  <p:clrMapOvr>
+    <a:masterClrMapping/>
+  </p:clrMapOvr>
+  <mc:AlternateContent xmlns:mc="http://schemas.openxmlformats.org/markup-compatibility/2006" xmlns:p14="http://schemas.microsoft.com/office/powerpoint/2010/main">
+    <mc:Choice Requires="p14">
+      <p:transition spd="slow" p14:dur="800">
+        <p14:flythrough/>
+      </p:transition>
+    </mc:Choice>
+    <mc:Fallback xmlns="">
+      <p:transition spd="slow">
+        <p:fade/>
+      </p:transition>
+    </mc:Fallback>
+  </mc:AlternateContent>
+</p:sld>
+</file>
+
+<file path=ppt/slides/slide53.xml><?xml version="1.0" encoding="utf-8"?>
+<p:sld xmlns:a="http://schemas.openxmlformats.org/drawingml/2006/main" xmlns:r="http://schemas.openxmlformats.org/officeDocument/2006/relationships" xmlns:p="http://schemas.openxmlformats.org/presentationml/2006/main">
+  <p:cSld>
+    <p:spTree>
+      <p:nvGrpSpPr>
+        <p:cNvPr id="1" name=""/>
+        <p:cNvGrpSpPr/>
+        <p:nvPr/>
+      </p:nvGrpSpPr>
+      <p:grpSpPr>
+        <a:xfrm>
+          <a:off x="0" y="0"/>
+          <a:ext cx="0" cy="0"/>
+          <a:chOff x="0" y="0"/>
+          <a:chExt cx="0" cy="0"/>
+        </a:xfrm>
+      </p:grpSpPr>
+      <p:pic>
+        <p:nvPicPr>
+          <p:cNvPr id="6" name="Image 5">
+            <a:extLst>
+              <a:ext uri="{FF2B5EF4-FFF2-40B4-BE49-F238E27FC236}">
+                <a16:creationId xmlns:a16="http://schemas.microsoft.com/office/drawing/2014/main" id="{85C1BEF6-C4FA-794F-9003-5D49864298CC}"/>
+              </a:ext>
+            </a:extLst>
+          </p:cNvPr>
+          <p:cNvPicPr>
+            <a:picLocks noChangeAspect="1"/>
+          </p:cNvPicPr>
+          <p:nvPr/>
+        </p:nvPicPr>
+        <p:blipFill>
+          <a:blip r:embed="rId2"/>
+          <a:stretch>
+            <a:fillRect/>
+          </a:stretch>
+        </p:blipFill>
+        <p:spPr>
+          <a:xfrm>
+            <a:off x="11128881" y="4159"/>
+            <a:ext cx="1064878" cy="1706406"/>
+          </a:xfrm>
+          <a:prstGeom prst="rect">
+            <a:avLst/>
+          </a:prstGeom>
+        </p:spPr>
+      </p:pic>
+      <p:sp>
+        <p:nvSpPr>
+          <p:cNvPr id="7" name="Titre 1">
+            <a:extLst>
+              <a:ext uri="{FF2B5EF4-FFF2-40B4-BE49-F238E27FC236}">
+                <a16:creationId xmlns:a16="http://schemas.microsoft.com/office/drawing/2014/main" id="{B50329F0-7FAB-5A46-8618-A4B121772237}"/>
+              </a:ext>
+            </a:extLst>
+          </p:cNvPr>
+          <p:cNvSpPr>
+            <a:spLocks noGrp="1"/>
+          </p:cNvSpPr>
+          <p:nvPr>
+            <p:ph type="title"/>
+          </p:nvPr>
+        </p:nvSpPr>
+        <p:spPr>
+          <a:xfrm>
+            <a:off x="838200" y="567915"/>
+            <a:ext cx="6450106" cy="365125"/>
+          </a:xfrm>
+        </p:spPr>
+        <p:txBody>
+          <a:bodyPr>
+            <a:noAutofit/>
+          </a:bodyPr>
+          <a:lstStyle/>
+          <a:p>
+            <a:r>
+              <a:rPr lang="en-US" sz="2800" spc="300" dirty="0">
+                <a:latin typeface="Zilla Slab"/>
+              </a:rPr>
               <a:t>Integration Tests</a:t>
             </a:r>
           </a:p>
@@ -23464,7 +23775,7 @@
 </p:sld>
 </file>
 
-<file path=ppt/slides/slide53.xml><?xml version="1.0" encoding="utf-8"?>
+<file path=ppt/slides/slide54.xml><?xml version="1.0" encoding="utf-8"?>
 <p:sld xmlns:a="http://schemas.openxmlformats.org/drawingml/2006/main" xmlns:r="http://schemas.openxmlformats.org/officeDocument/2006/relationships" xmlns:p="http://schemas.openxmlformats.org/presentationml/2006/main">
   <p:cSld>
     <p:spTree>
@@ -23546,9 +23857,9 @@
                 <a:cs typeface="+mn-lt"/>
                 <a:sym typeface="Lato Light"/>
               </a:rPr>
-              <a:t>Question...</a:t>
-            </a:r>
-            <a:endParaRPr lang="en-US"/>
+              <a:t>Questions...</a:t>
+            </a:r>
+            <a:endParaRPr lang="en-US" dirty="0"/>
           </a:p>
         </p:txBody>
       </p:sp>
@@ -23682,7 +23993,7 @@
 </p:sld>
 </file>
 
-<file path=ppt/slides/slide54.xml><?xml version="1.0" encoding="utf-8"?>
+<file path=ppt/slides/slide55.xml><?xml version="1.0" encoding="utf-8"?>
 <p:sld xmlns:a="http://schemas.openxmlformats.org/drawingml/2006/main" xmlns:r="http://schemas.openxmlformats.org/officeDocument/2006/relationships" xmlns:p="http://schemas.openxmlformats.org/presentationml/2006/main">
   <p:cSld>
     <p:spTree>
@@ -23721,13 +24032,10 @@
           <a:lstStyle/>
           <a:p>
             <a:r>
-              <a:rPr lang="fr-FR"/>
-              <a:t>M</a:t>
-            </a:r>
-            <a:r>
-              <a:rPr lang="x-none"/>
-              <a:t>erci pour votre attention</a:t>
-            </a:r>
+              <a:rPr lang="en-US" dirty="0"/>
+              <a:t>Thank you for your attention</a:t>
+            </a:r>
+            <a:endParaRPr lang="x-none" dirty="0"/>
           </a:p>
         </p:txBody>
       </p:sp>
